--- a/Meta-reg_SA_Heterogeneity.pptx
+++ b/Meta-reg_SA_Heterogeneity.pptx
@@ -5,38 +5,41 @@
     <p:sldMasterId id="2147483672" r:id="rId1"/>
   </p:sldMasterIdLst>
   <p:notesMasterIdLst>
-    <p:notesMasterId r:id="rId28"/>
+    <p:notesMasterId r:id="rId31"/>
   </p:notesMasterIdLst>
   <p:handoutMasterIdLst>
-    <p:handoutMasterId r:id="rId29"/>
+    <p:handoutMasterId r:id="rId32"/>
   </p:handoutMasterIdLst>
   <p:sldIdLst>
     <p:sldId id="438" r:id="rId2"/>
     <p:sldId id="437" r:id="rId3"/>
     <p:sldId id="439" r:id="rId4"/>
-    <p:sldId id="440" r:id="rId5"/>
-    <p:sldId id="442" r:id="rId6"/>
-    <p:sldId id="443" r:id="rId7"/>
-    <p:sldId id="444" r:id="rId8"/>
-    <p:sldId id="447" r:id="rId9"/>
-    <p:sldId id="421" r:id="rId10"/>
-    <p:sldId id="446" r:id="rId11"/>
-    <p:sldId id="445" r:id="rId12"/>
-    <p:sldId id="450" r:id="rId13"/>
-    <p:sldId id="448" r:id="rId14"/>
-    <p:sldId id="422" r:id="rId15"/>
-    <p:sldId id="423" r:id="rId16"/>
-    <p:sldId id="449" r:id="rId17"/>
-    <p:sldId id="425" r:id="rId18"/>
-    <p:sldId id="426" r:id="rId19"/>
-    <p:sldId id="427" r:id="rId20"/>
-    <p:sldId id="428" r:id="rId21"/>
-    <p:sldId id="429" r:id="rId22"/>
-    <p:sldId id="430" r:id="rId23"/>
-    <p:sldId id="433" r:id="rId24"/>
-    <p:sldId id="434" r:id="rId25"/>
-    <p:sldId id="435" r:id="rId26"/>
-    <p:sldId id="436" r:id="rId27"/>
+    <p:sldId id="452" r:id="rId5"/>
+    <p:sldId id="399" r:id="rId6"/>
+    <p:sldId id="442" r:id="rId7"/>
+    <p:sldId id="453" r:id="rId8"/>
+    <p:sldId id="443" r:id="rId9"/>
+    <p:sldId id="444" r:id="rId10"/>
+    <p:sldId id="447" r:id="rId11"/>
+    <p:sldId id="421" r:id="rId12"/>
+    <p:sldId id="446" r:id="rId13"/>
+    <p:sldId id="445" r:id="rId14"/>
+    <p:sldId id="454" r:id="rId15"/>
+    <p:sldId id="450" r:id="rId16"/>
+    <p:sldId id="448" r:id="rId17"/>
+    <p:sldId id="422" r:id="rId18"/>
+    <p:sldId id="423" r:id="rId19"/>
+    <p:sldId id="449" r:id="rId20"/>
+    <p:sldId id="425" r:id="rId21"/>
+    <p:sldId id="426" r:id="rId22"/>
+    <p:sldId id="427" r:id="rId23"/>
+    <p:sldId id="428" r:id="rId24"/>
+    <p:sldId id="429" r:id="rId25"/>
+    <p:sldId id="430" r:id="rId26"/>
+    <p:sldId id="433" r:id="rId27"/>
+    <p:sldId id="434" r:id="rId28"/>
+    <p:sldId id="435" r:id="rId29"/>
+    <p:sldId id="436" r:id="rId30"/>
   </p:sldIdLst>
   <p:sldSz cx="9144000" cy="6858000" type="screen4x3"/>
   <p:notesSz cx="6742113" cy="9872663"/>
@@ -158,21 +161,6 @@
 <p:cmAuthorLst xmlns:a="http://schemas.openxmlformats.org/drawingml/2006/main" xmlns:r="http://schemas.openxmlformats.org/officeDocument/2006/relationships" xmlns:p="http://schemas.openxmlformats.org/presentationml/2006/main">
   <p:cmAuthor id="4" name="Author" initials="A" lastIdx="2" clrIdx="4"/>
 </p:cmAuthorLst>
-</file>
-
-<file path=ppt/comments/comment1.xml><?xml version="1.0" encoding="utf-8"?>
-<p:cmLst xmlns:a="http://schemas.openxmlformats.org/drawingml/2006/main" xmlns:r="http://schemas.openxmlformats.org/officeDocument/2006/relationships" xmlns:p="http://schemas.openxmlformats.org/presentationml/2006/main">
-  <p:cm authorId="4" dt="2019-02-11T10:44:43.289" idx="2">
-    <p:pos x="4599" y="436"/>
-    <p:text>I couldn't find the nice plot you have.
-I think I erased it last year.</p:text>
-    <p:extLst>
-      <p:ext uri="{C676402C-5697-4E1C-873F-D02D1690AC5C}">
-        <p15:threadingInfo xmlns:p15="http://schemas.microsoft.com/office/powerpoint/2012/main" timeZoneBias="-60"/>
-      </p:ext>
-    </p:extLst>
-  </p:cm>
-</p:cmLst>
 </file>
 
 <file path=ppt/handoutMasters/handoutMaster1.xml><?xml version="1.0" encoding="utf-8"?>
@@ -947,7 +935,7 @@
             <a:fld id="{FEB1D910-BFEE-4DA8-8AE0-86755633677F}" type="slidenum">
               <a:rPr lang="nl-NL" smtClean="0"/>
               <a:pPr/>
-              <a:t>15</a:t>
+              <a:t>18</a:t>
             </a:fld>
             <a:endParaRPr lang="nl-NL"/>
           </a:p>
@@ -1317,7 +1305,7 @@
             <a:fld id="{FEB1D910-BFEE-4DA8-8AE0-86755633677F}" type="slidenum">
               <a:rPr lang="nl-NL" smtClean="0"/>
               <a:pPr/>
-              <a:t>17</a:t>
+              <a:t>20</a:t>
             </a:fld>
             <a:endParaRPr lang="nl-NL"/>
           </a:p>
@@ -1518,7 +1506,7 @@
             <a:fld id="{FEB1D910-BFEE-4DA8-8AE0-86755633677F}" type="slidenum">
               <a:rPr lang="nl-NL" smtClean="0"/>
               <a:pPr/>
-              <a:t>18</a:t>
+              <a:t>21</a:t>
             </a:fld>
             <a:endParaRPr lang="nl-NL"/>
           </a:p>
@@ -1676,7 +1664,7 @@
             <a:fld id="{FEB1D910-BFEE-4DA8-8AE0-86755633677F}" type="slidenum">
               <a:rPr lang="nl-NL" smtClean="0"/>
               <a:pPr/>
-              <a:t>19</a:t>
+              <a:t>22</a:t>
             </a:fld>
             <a:endParaRPr lang="nl-NL"/>
           </a:p>
@@ -1758,7 +1746,7 @@
             <a:fld id="{FEB1D910-BFEE-4DA8-8AE0-86755633677F}" type="slidenum">
               <a:rPr lang="nl-NL" smtClean="0"/>
               <a:pPr/>
-              <a:t>20</a:t>
+              <a:t>23</a:t>
             </a:fld>
             <a:endParaRPr lang="nl-NL"/>
           </a:p>
@@ -2120,7 +2108,7 @@
             <a:fld id="{FEB1D910-BFEE-4DA8-8AE0-86755633677F}" type="slidenum">
               <a:rPr lang="nl-NL" smtClean="0"/>
               <a:pPr/>
-              <a:t>22</a:t>
+              <a:t>25</a:t>
             </a:fld>
             <a:endParaRPr lang="nl-NL"/>
           </a:p>
@@ -2224,7 +2212,7 @@
             <a:fld id="{FEB1D910-BFEE-4DA8-8AE0-86755633677F}" type="slidenum">
               <a:rPr lang="nl-NL" smtClean="0"/>
               <a:pPr/>
-              <a:t>23</a:t>
+              <a:t>26</a:t>
             </a:fld>
             <a:endParaRPr lang="nl-NL"/>
           </a:p>
@@ -2341,7 +2329,7 @@
             <a:fld id="{FEB1D910-BFEE-4DA8-8AE0-86755633677F}" type="slidenum">
               <a:rPr lang="nl-NL" smtClean="0"/>
               <a:pPr/>
-              <a:t>24</a:t>
+              <a:t>27</a:t>
             </a:fld>
             <a:endParaRPr lang="nl-NL"/>
           </a:p>
@@ -2475,7 +2463,7 @@
             <a:fld id="{FEB1D910-BFEE-4DA8-8AE0-86755633677F}" type="slidenum">
               <a:rPr lang="nl-NL" smtClean="0"/>
               <a:pPr/>
-              <a:t>26</a:t>
+              <a:t>29</a:t>
             </a:fld>
             <a:endParaRPr lang="nl-NL"/>
           </a:p>
@@ -8931,6 +8919,159 @@
     <p:extLst>
       <p:ext uri="{BB962C8B-B14F-4D97-AF65-F5344CB8AC3E}">
         <p14:creationId xmlns:p14="http://schemas.microsoft.com/office/powerpoint/2010/main" val="2241553731"/>
+      </p:ext>
+    </p:extLst>
+  </p:cSld>
+  <p:clrMapOvr>
+    <a:masterClrMapping/>
+  </p:clrMapOvr>
+</p:sldLayout>
+</file>
+
+<file path=ppt/slideLayouts/slideLayout22.xml><?xml version="1.0" encoding="utf-8"?>
+<p:sldLayout xmlns:a="http://schemas.openxmlformats.org/drawingml/2006/main" xmlns:r="http://schemas.openxmlformats.org/officeDocument/2006/relationships" xmlns:p="http://schemas.openxmlformats.org/presentationml/2006/main" type="titleOnly">
+  <p:cSld name="Title Only">
+    <p:spTree>
+      <p:nvGrpSpPr>
+        <p:cNvPr id="1" name=""/>
+        <p:cNvGrpSpPr/>
+        <p:nvPr/>
+      </p:nvGrpSpPr>
+      <p:grpSpPr>
+        <a:xfrm>
+          <a:off x="0" y="0"/>
+          <a:ext cx="0" cy="0"/>
+          <a:chOff x="0" y="0"/>
+          <a:chExt cx="0" cy="0"/>
+        </a:xfrm>
+      </p:grpSpPr>
+      <p:sp>
+        <p:nvSpPr>
+          <p:cNvPr id="2" name="Title 1"/>
+          <p:cNvSpPr>
+            <a:spLocks noGrp="1"/>
+          </p:cNvSpPr>
+          <p:nvPr>
+            <p:ph type="title"/>
+          </p:nvPr>
+        </p:nvSpPr>
+        <p:spPr/>
+        <p:txBody>
+          <a:bodyPr/>
+          <a:lstStyle/>
+          <a:p>
+            <a:r>
+              <a:rPr lang="en-US"/>
+              <a:t>Click to edit Master title style</a:t>
+            </a:r>
+            <a:endParaRPr lang="nl-NL"/>
+          </a:p>
+        </p:txBody>
+      </p:sp>
+      <p:sp>
+        <p:nvSpPr>
+          <p:cNvPr id="3" name="Tijdelijke aanduiding voor dianummer 5"/>
+          <p:cNvSpPr txBox="1">
+            <a:spLocks/>
+          </p:cNvSpPr>
+          <p:nvPr userDrawn="1"/>
+        </p:nvSpPr>
+        <p:spPr>
+          <a:xfrm>
+            <a:off x="7812360" y="6414409"/>
+            <a:ext cx="810000" cy="152400"/>
+          </a:xfrm>
+          <a:prstGeom prst="rect">
+            <a:avLst/>
+          </a:prstGeom>
+        </p:spPr>
+        <p:txBody>
+          <a:bodyPr vert="horz" lIns="0" tIns="0" rIns="0" bIns="0" rtlCol="0" anchor="ctr"/>
+          <a:lstStyle>
+            <a:lvl1pPr algn="r">
+              <a:lnSpc>
+                <a:spcPts val="1200"/>
+              </a:lnSpc>
+              <a:defRPr sz="1000">
+                <a:solidFill>
+                  <a:schemeClr val="accent1"/>
+                </a:solidFill>
+              </a:defRPr>
+            </a:lvl1pPr>
+          </a:lstStyle>
+          <a:p>
+            <a:pPr marL="0" marR="0" lvl="0" indent="0" algn="r" defTabSz="914400" rtl="0" eaLnBrk="1" fontAlgn="auto" latinLnBrk="0" hangingPunct="1">
+              <a:lnSpc>
+                <a:spcPts val="1200"/>
+              </a:lnSpc>
+              <a:spcBef>
+                <a:spcPts val="0"/>
+              </a:spcBef>
+              <a:spcAft>
+                <a:spcPts val="0"/>
+              </a:spcAft>
+              <a:buClrTx/>
+              <a:buSzTx/>
+              <a:buFontTx/>
+              <a:buNone/>
+              <a:tabLst/>
+              <a:defRPr/>
+            </a:pPr>
+            <a:fld id="{7FC9B413-936F-403B-BC98-20250EBFF374}" type="slidenum">
+              <a:rPr kumimoji="0" lang="nl-NL" sz="1600" b="0" i="0" u="none" strike="noStrike" kern="1200" cap="none" spc="0" normalizeH="0" baseline="0" noProof="0" smtClean="0">
+                <a:ln>
+                  <a:noFill/>
+                </a:ln>
+                <a:solidFill>
+                  <a:schemeClr val="tx1"/>
+                </a:solidFill>
+                <a:effectLst/>
+                <a:uLnTx/>
+                <a:uFillTx/>
+                <a:latin typeface="+mn-lt"/>
+                <a:ea typeface="+mn-ea"/>
+                <a:cs typeface="+mn-cs"/>
+              </a:rPr>
+              <a:pPr marL="0" marR="0" lvl="0" indent="0" algn="r" defTabSz="914400" rtl="0" eaLnBrk="1" fontAlgn="auto" latinLnBrk="0" hangingPunct="1">
+                <a:lnSpc>
+                  <a:spcPts val="1200"/>
+                </a:lnSpc>
+                <a:spcBef>
+                  <a:spcPts val="0"/>
+                </a:spcBef>
+                <a:spcAft>
+                  <a:spcPts val="0"/>
+                </a:spcAft>
+                <a:buClrTx/>
+                <a:buSzTx/>
+                <a:buFontTx/>
+                <a:buNone/>
+                <a:tabLst/>
+                <a:defRPr/>
+              </a:pPr>
+              <a:t>‹#›</a:t>
+            </a:fld>
+            <a:endParaRPr kumimoji="0" lang="nl-NL" sz="1600" b="0" i="0" u="none" strike="noStrike" kern="1200" cap="none" spc="0" normalizeH="0" baseline="0" noProof="0" dirty="0">
+              <a:ln>
+                <a:noFill/>
+              </a:ln>
+              <a:solidFill>
+                <a:schemeClr val="tx1"/>
+              </a:solidFill>
+              <a:effectLst/>
+              <a:uLnTx/>
+              <a:uFillTx/>
+              <a:latin typeface="+mn-lt"/>
+              <a:ea typeface="+mn-ea"/>
+              <a:cs typeface="+mn-cs"/>
+            </a:endParaRPr>
+          </a:p>
+        </p:txBody>
+      </p:sp>
+    </p:spTree>
+    <p:extLst>
+      <p:ext uri="{BB962C8B-B14F-4D97-AF65-F5344CB8AC3E}">
+        <p14:creationId xmlns:p14="http://schemas.microsoft.com/office/powerpoint/2010/main" val="1219112552"/>
       </p:ext>
     </p:extLst>
   </p:cSld>
@@ -16309,7 +16450,7 @@
           <p:nvPr/>
         </p:nvPicPr>
         <p:blipFill>
-          <a:blip r:embed="rId23" cstate="print">
+          <a:blip r:embed="rId24" cstate="print">
             <a:extLst>
               <a:ext uri="{28A0092B-C50C-407E-A947-70E740481C1C}">
                 <a14:useLocalDpi xmlns:a14="http://schemas.microsoft.com/office/drawing/2010/main" val="0"/>
@@ -16360,6 +16501,7 @@
     <p:sldLayoutId id="2147483663" r:id="rId19"/>
     <p:sldLayoutId id="2147483664" r:id="rId20"/>
     <p:sldLayoutId id="2147483665" r:id="rId21"/>
+    <p:sldLayoutId id="2147483687" r:id="rId22"/>
   </p:sldLayoutIdLst>
   <p:hf sldNum="0" hdr="0" ftr="0" dt="0"/>
   <p:txStyles>
@@ -16789,6 +16931,699 @@
           <p:cNvPr id="2" name="Title 1">
             <a:extLst>
               <a:ext uri="{FF2B5EF4-FFF2-40B4-BE49-F238E27FC236}">
+                <a16:creationId xmlns:a16="http://schemas.microsoft.com/office/drawing/2014/main" id="{E50FCA13-C488-418D-A167-BDF267BEE0F6}"/>
+              </a:ext>
+            </a:extLst>
+          </p:cNvPr>
+          <p:cNvSpPr>
+            <a:spLocks noGrp="1"/>
+          </p:cNvSpPr>
+          <p:nvPr>
+            <p:ph type="title"/>
+          </p:nvPr>
+        </p:nvSpPr>
+        <p:spPr>
+          <a:xfrm>
+            <a:off x="537541" y="116632"/>
+            <a:ext cx="8100000" cy="533400"/>
+          </a:xfrm>
+        </p:spPr>
+        <p:txBody>
+          <a:bodyPr/>
+          <a:lstStyle/>
+          <a:p>
+            <a:r>
+              <a:rPr lang="en-GB" dirty="0"/>
+              <a:t>Other measures of heterogeneity</a:t>
+            </a:r>
+          </a:p>
+        </p:txBody>
+      </p:sp>
+      <mc:AlternateContent xmlns:mc="http://schemas.openxmlformats.org/markup-compatibility/2006">
+        <mc:Choice xmlns:a14="http://schemas.microsoft.com/office/drawing/2010/main" Requires="a14">
+          <p:sp>
+            <p:nvSpPr>
+              <p:cNvPr id="3" name="Content Placeholder 2">
+                <a:extLst>
+                  <a:ext uri="{FF2B5EF4-FFF2-40B4-BE49-F238E27FC236}">
+                    <a16:creationId xmlns:a16="http://schemas.microsoft.com/office/drawing/2014/main" id="{353ED4CC-6840-43AD-ABDA-C1DF5600F65D}"/>
+                  </a:ext>
+                </a:extLst>
+              </p:cNvPr>
+              <p:cNvSpPr>
+                <a:spLocks noGrp="1"/>
+              </p:cNvSpPr>
+              <p:nvPr>
+                <p:ph idx="1"/>
+              </p:nvPr>
+            </p:nvSpPr>
+            <p:spPr>
+              <a:xfrm>
+                <a:off x="522000" y="836712"/>
+                <a:ext cx="8100000" cy="5103289"/>
+              </a:xfrm>
+            </p:spPr>
+            <p:txBody>
+              <a:bodyPr/>
+              <a:lstStyle/>
+              <a:p>
+                <a:endParaRPr lang="en-GB" dirty="0"/>
+              </a:p>
+              <a:p>
+                <a:endParaRPr lang="en-GB" dirty="0"/>
+              </a:p>
+              <a:p>
+                <a:r>
+                  <a:rPr lang="en-GB" sz="2400" i="1" dirty="0">
+                    <a:latin typeface="Cambria Math" panose="02040503050406030204" pitchFamily="18" charset="0"/>
+                  </a:rPr>
+                  <a:t>H</a:t>
+                </a:r>
+                <a:r>
+                  <a:rPr lang="el-GR" sz="2400" i="1" baseline="30000" dirty="0">
+                    <a:latin typeface="Cambria Math" panose="02040503050406030204" pitchFamily="18" charset="0"/>
+                  </a:rPr>
+                  <a:t>2</a:t>
+                </a:r>
+                <a:r>
+                  <a:rPr lang="en-GB" sz="2400" i="1" dirty="0">
+                    <a:latin typeface="Cambria Math" panose="02040503050406030204" pitchFamily="18" charset="0"/>
+                  </a:rPr>
+                  <a:t> = </a:t>
+                </a:r>
+                <a14:m>
+                  <m:oMath xmlns:m="http://schemas.openxmlformats.org/officeDocument/2006/math">
+                    <m:f>
+                      <m:fPr>
+                        <m:ctrlPr>
+                          <a:rPr lang="en-GB" sz="2400" i="1">
+                            <a:latin typeface="Cambria Math" panose="02040503050406030204" pitchFamily="18" charset="0"/>
+                          </a:rPr>
+                        </m:ctrlPr>
+                      </m:fPr>
+                      <m:num>
+                        <m:r>
+                          <a:rPr lang="en-GB" sz="2400" i="1">
+                            <a:latin typeface="Cambria Math" panose="02040503050406030204" pitchFamily="18" charset="0"/>
+                          </a:rPr>
+                          <m:t>𝑄</m:t>
+                        </m:r>
+                      </m:num>
+                      <m:den>
+                        <m:r>
+                          <a:rPr lang="en-GB" sz="2400" i="1">
+                            <a:latin typeface="Cambria Math" panose="02040503050406030204" pitchFamily="18" charset="0"/>
+                          </a:rPr>
+                          <m:t>𝐾</m:t>
+                        </m:r>
+                        <m:r>
+                          <a:rPr lang="en-GB" sz="2400" i="1">
+                            <a:latin typeface="Cambria Math" panose="02040503050406030204" pitchFamily="18" charset="0"/>
+                          </a:rPr>
+                          <m:t>−1</m:t>
+                        </m:r>
+                      </m:den>
+                    </m:f>
+                  </m:oMath>
+                </a14:m>
+                <a:r>
+                  <a:rPr lang="en-GB" sz="2400" i="1" dirty="0">
+                    <a:latin typeface="Cambria Math" panose="02040503050406030204" pitchFamily="18" charset="0"/>
+                  </a:rPr>
+                  <a:t> = </a:t>
+                </a:r>
+                <a14:m>
+                  <m:oMath xmlns:m="http://schemas.openxmlformats.org/officeDocument/2006/math">
+                    <m:f>
+                      <m:fPr>
+                        <m:ctrlPr>
+                          <a:rPr lang="en-GB" sz="2400" i="1">
+                            <a:latin typeface="Cambria Math" panose="02040503050406030204" pitchFamily="18" charset="0"/>
+                          </a:rPr>
+                        </m:ctrlPr>
+                      </m:fPr>
+                      <m:num>
+                        <m:r>
+                          <a:rPr lang="en-GB" sz="2400" i="1">
+                            <a:latin typeface="Cambria Math" panose="02040503050406030204" pitchFamily="18" charset="0"/>
+                          </a:rPr>
+                          <m:t>𝑄</m:t>
+                        </m:r>
+                      </m:num>
+                      <m:den>
+                        <m:r>
+                          <a:rPr lang="en-GB" sz="2400" b="0" i="1" smtClean="0">
+                            <a:latin typeface="Cambria Math" panose="02040503050406030204" pitchFamily="18" charset="0"/>
+                          </a:rPr>
+                          <m:t>𝑑𝑓</m:t>
+                        </m:r>
+                      </m:den>
+                    </m:f>
+                  </m:oMath>
+                </a14:m>
+                <a:r>
+                  <a:rPr lang="en-GB" sz="2400" i="1" dirty="0">
+                    <a:latin typeface="Cambria Math" panose="02040503050406030204" pitchFamily="18" charset="0"/>
+                  </a:rPr>
+                  <a:t> </a:t>
+                </a:r>
+                <a:r>
+                  <a:rPr lang="en-GB" dirty="0"/>
+                  <a:t>, </a:t>
+                </a:r>
+                <a:r>
+                  <a:rPr lang="en-US" dirty="0"/>
+                  <a:t>Is the ratio of to the Q-test's degrees of freedom.</a:t>
+                </a:r>
+                <a:endParaRPr lang="en-GB" dirty="0"/>
+              </a:p>
+              <a:p>
+                <a:endParaRPr lang="el-GR" dirty="0"/>
+              </a:p>
+              <a:p>
+                <a:r>
+                  <a:rPr lang="en-GB" sz="2400" i="1" dirty="0">
+                    <a:latin typeface="Cambria Math" panose="02040503050406030204" pitchFamily="18" charset="0"/>
+                  </a:rPr>
+                  <a:t>ICC = </a:t>
+                </a:r>
+                <a14:m>
+                  <m:oMath xmlns:m="http://schemas.openxmlformats.org/officeDocument/2006/math">
+                    <m:f>
+                      <m:fPr>
+                        <m:ctrlPr>
+                          <a:rPr lang="en-US" sz="2400" i="1">
+                            <a:latin typeface="Cambria Math" panose="02040503050406030204" pitchFamily="18" charset="0"/>
+                          </a:rPr>
+                        </m:ctrlPr>
+                      </m:fPr>
+                      <m:num>
+                        <m:sSup>
+                          <m:sSupPr>
+                            <m:ctrlPr>
+                              <a:rPr lang="en-US" sz="2400" i="1">
+                                <a:latin typeface="Cambria Math" panose="02040503050406030204" pitchFamily="18" charset="0"/>
+                              </a:rPr>
+                            </m:ctrlPr>
+                          </m:sSupPr>
+                          <m:e>
+                            <m:r>
+                              <a:rPr lang="el-GR" sz="2400" i="1">
+                                <a:latin typeface="Cambria Math" panose="02040503050406030204" pitchFamily="18" charset="0"/>
+                              </a:rPr>
+                              <m:t>𝜏</m:t>
+                            </m:r>
+                          </m:e>
+                          <m:sup>
+                            <m:r>
+                              <a:rPr lang="el-GR" sz="2400" i="1">
+                                <a:latin typeface="Cambria Math" panose="02040503050406030204" pitchFamily="18" charset="0"/>
+                              </a:rPr>
+                              <m:t>2</m:t>
+                            </m:r>
+                          </m:sup>
+                        </m:sSup>
+                      </m:num>
+                      <m:den>
+                        <m:sSup>
+                          <m:sSupPr>
+                            <m:ctrlPr>
+                              <a:rPr lang="en-US" sz="2400" i="1">
+                                <a:latin typeface="Cambria Math" panose="02040503050406030204" pitchFamily="18" charset="0"/>
+                              </a:rPr>
+                            </m:ctrlPr>
+                          </m:sSupPr>
+                          <m:e>
+                            <m:r>
+                              <a:rPr lang="el-GR" sz="2400" i="1">
+                                <a:latin typeface="Cambria Math" panose="02040503050406030204" pitchFamily="18" charset="0"/>
+                              </a:rPr>
+                              <m:t>𝜏</m:t>
+                            </m:r>
+                          </m:e>
+                          <m:sup>
+                            <m:r>
+                              <a:rPr lang="el-GR" sz="2400" i="1">
+                                <a:latin typeface="Cambria Math" panose="02040503050406030204" pitchFamily="18" charset="0"/>
+                              </a:rPr>
+                              <m:t>2</m:t>
+                            </m:r>
+                          </m:sup>
+                        </m:sSup>
+                        <m:r>
+                          <a:rPr lang="el-GR" sz="2400" i="1">
+                            <a:latin typeface="Cambria Math" panose="02040503050406030204" pitchFamily="18" charset="0"/>
+                          </a:rPr>
+                          <m:t>+ </m:t>
+                        </m:r>
+                        <m:sSup>
+                          <m:sSupPr>
+                            <m:ctrlPr>
+                              <a:rPr lang="el-GR" sz="2400" i="1">
+                                <a:latin typeface="Cambria Math" panose="02040503050406030204" pitchFamily="18" charset="0"/>
+                              </a:rPr>
+                            </m:ctrlPr>
+                          </m:sSupPr>
+                          <m:e>
+                            <m:r>
+                              <a:rPr lang="en-GB" sz="2400" i="1">
+                                <a:latin typeface="Cambria Math" panose="02040503050406030204" pitchFamily="18" charset="0"/>
+                              </a:rPr>
+                              <m:t>𝑆</m:t>
+                            </m:r>
+                          </m:e>
+                          <m:sup>
+                            <m:r>
+                              <a:rPr lang="el-GR" sz="2400" i="1">
+                                <a:latin typeface="Cambria Math" panose="02040503050406030204" pitchFamily="18" charset="0"/>
+                              </a:rPr>
+                              <m:t>2</m:t>
+                            </m:r>
+                          </m:sup>
+                        </m:sSup>
+                      </m:den>
+                    </m:f>
+                  </m:oMath>
+                </a14:m>
+                <a:r>
+                  <a:rPr lang="en-US" sz="2400" i="1" dirty="0">
+                    <a:latin typeface="Cambria Math" panose="02040503050406030204" pitchFamily="18" charset="0"/>
+                  </a:rPr>
+                  <a:t> </a:t>
+                </a:r>
+                <a:r>
+                  <a:rPr lang="en-US" dirty="0"/>
+                  <a:t>, intraclass correlation coefficient (</a:t>
+                </a:r>
+                <a:r>
+                  <a:rPr lang="en-GB" dirty="0"/>
+                  <a:t>I</a:t>
+                </a:r>
+                <a:r>
+                  <a:rPr lang="en-GB" baseline="30000" dirty="0"/>
+                  <a:t>2</a:t>
+                </a:r>
+                <a:r>
+                  <a:rPr lang="en-GB" dirty="0"/>
+                  <a:t> = ICC × 100)</a:t>
+                </a:r>
+                <a:endParaRPr lang="en-US" dirty="0"/>
+              </a:p>
+              <a:p>
+                <a:endParaRPr lang="en-US" dirty="0"/>
+              </a:p>
+              <a:p>
+                <a:endParaRPr lang="en-US" dirty="0"/>
+              </a:p>
+              <a:p>
+                <a:endParaRPr lang="el-GR" dirty="0"/>
+              </a:p>
+              <a:p>
+                <a:endParaRPr lang="el-GR" dirty="0"/>
+              </a:p>
+            </p:txBody>
+          </p:sp>
+        </mc:Choice>
+        <mc:Fallback>
+          <p:sp>
+            <p:nvSpPr>
+              <p:cNvPr id="3" name="Content Placeholder 2">
+                <a:extLst>
+                  <a:ext uri="{FF2B5EF4-FFF2-40B4-BE49-F238E27FC236}">
+                    <a16:creationId xmlns:a16="http://schemas.microsoft.com/office/drawing/2014/main" id="{353ED4CC-6840-43AD-ABDA-C1DF5600F65D}"/>
+                  </a:ext>
+                </a:extLst>
+              </p:cNvPr>
+              <p:cNvSpPr>
+                <a:spLocks noGrp="1" noRot="1" noChangeAspect="1" noMove="1" noResize="1" noEditPoints="1" noAdjustHandles="1" noChangeArrowheads="1" noChangeShapeType="1" noTextEdit="1"/>
+              </p:cNvSpPr>
+              <p:nvPr>
+                <p:ph idx="1"/>
+              </p:nvPr>
+            </p:nvSpPr>
+            <p:spPr>
+              <a:xfrm>
+                <a:off x="522000" y="836712"/>
+                <a:ext cx="8100000" cy="5103289"/>
+              </a:xfrm>
+              <a:blipFill>
+                <a:blip r:embed="rId2"/>
+                <a:stretch>
+                  <a:fillRect l="-2184"/>
+                </a:stretch>
+              </a:blipFill>
+            </p:spPr>
+            <p:txBody>
+              <a:bodyPr/>
+              <a:lstStyle/>
+              <a:p>
+                <a:r>
+                  <a:rPr lang="en-GB">
+                    <a:noFill/>
+                  </a:rPr>
+                  <a:t> </a:t>
+                </a:r>
+              </a:p>
+            </p:txBody>
+          </p:sp>
+        </mc:Fallback>
+      </mc:AlternateContent>
+    </p:spTree>
+    <p:extLst>
+      <p:ext uri="{BB962C8B-B14F-4D97-AF65-F5344CB8AC3E}">
+        <p14:creationId xmlns:p14="http://schemas.microsoft.com/office/powerpoint/2010/main" val="1276658037"/>
+      </p:ext>
+    </p:extLst>
+  </p:cSld>
+  <p:clrMapOvr>
+    <a:masterClrMapping/>
+  </p:clrMapOvr>
+</p:sld>
+</file>
+
+<file path=ppt/slides/slide11.xml><?xml version="1.0" encoding="utf-8"?>
+<p:sld xmlns:a="http://schemas.openxmlformats.org/drawingml/2006/main" xmlns:r="http://schemas.openxmlformats.org/officeDocument/2006/relationships" xmlns:p="http://schemas.openxmlformats.org/presentationml/2006/main">
+  <p:cSld>
+    <p:spTree>
+      <p:nvGrpSpPr>
+        <p:cNvPr id="1" name=""/>
+        <p:cNvGrpSpPr/>
+        <p:nvPr/>
+      </p:nvGrpSpPr>
+      <p:grpSpPr>
+        <a:xfrm>
+          <a:off x="0" y="0"/>
+          <a:ext cx="0" cy="0"/>
+          <a:chOff x="0" y="0"/>
+          <a:chExt cx="0" cy="0"/>
+        </a:xfrm>
+      </p:grpSpPr>
+      <p:sp>
+        <p:nvSpPr>
+          <p:cNvPr id="4" name="Title 3"/>
+          <p:cNvSpPr>
+            <a:spLocks noGrp="1"/>
+          </p:cNvSpPr>
+          <p:nvPr>
+            <p:ph type="title"/>
+          </p:nvPr>
+        </p:nvSpPr>
+        <p:spPr>
+          <a:xfrm>
+            <a:off x="611560" y="53704"/>
+            <a:ext cx="8100000" cy="533400"/>
+          </a:xfrm>
+        </p:spPr>
+        <p:txBody>
+          <a:bodyPr/>
+          <a:lstStyle/>
+          <a:p>
+            <a:pPr algn="ctr"/>
+            <a:r>
+              <a:rPr lang="en-GB" sz="3600" dirty="0"/>
+              <a:t>Explore heterogeneity</a:t>
+            </a:r>
+          </a:p>
+        </p:txBody>
+      </p:sp>
+      <p:sp>
+        <p:nvSpPr>
+          <p:cNvPr id="45059" name="Tijdelijke aanduiding voor inhoud 2"/>
+          <p:cNvSpPr>
+            <a:spLocks noGrp="1"/>
+          </p:cNvSpPr>
+          <p:nvPr>
+            <p:ph idx="1"/>
+          </p:nvPr>
+        </p:nvSpPr>
+        <p:spPr>
+          <a:xfrm>
+            <a:off x="522000" y="1196753"/>
+            <a:ext cx="8100000" cy="4743248"/>
+          </a:xfrm>
+        </p:spPr>
+        <p:txBody>
+          <a:bodyPr/>
+          <a:lstStyle/>
+          <a:p>
+            <a:pPr>
+              <a:lnSpc>
+                <a:spcPct val="110000"/>
+              </a:lnSpc>
+            </a:pPr>
+            <a:r>
+              <a:rPr lang="nl-NL" sz="2200" dirty="0">
+                <a:ea typeface="ＭＳ Ｐゴシック" pitchFamily="34" charset="-128"/>
+                <a:cs typeface="Arial" charset="0"/>
+              </a:rPr>
+              <a:t>One task </a:t>
+            </a:r>
+            <a:r>
+              <a:rPr lang="en-GB" sz="2200" dirty="0">
+                <a:ea typeface="ＭＳ Ｐゴシック" pitchFamily="34" charset="-128"/>
+                <a:cs typeface="Arial" charset="0"/>
+              </a:rPr>
+              <a:t>is to </a:t>
+            </a:r>
+            <a:r>
+              <a:rPr lang="nl-NL" sz="2200" dirty="0">
+                <a:ea typeface="ＭＳ Ｐゴシック" pitchFamily="34" charset="-128"/>
+                <a:cs typeface="Arial" charset="0"/>
+              </a:rPr>
+              <a:t>estimate a pooled treatment effect and take into account it’s heterogeneity </a:t>
+            </a:r>
+          </a:p>
+          <a:p>
+            <a:pPr>
+              <a:lnSpc>
+                <a:spcPct val="110000"/>
+              </a:lnSpc>
+            </a:pPr>
+            <a:endParaRPr lang="nl-NL" sz="2200" dirty="0">
+              <a:ea typeface="ＭＳ Ｐゴシック" pitchFamily="34" charset="-128"/>
+              <a:cs typeface="Arial" charset="0"/>
+            </a:endParaRPr>
+          </a:p>
+          <a:p>
+            <a:pPr>
+              <a:lnSpc>
+                <a:spcPct val="110000"/>
+              </a:lnSpc>
+            </a:pPr>
+            <a:r>
+              <a:rPr lang="nl-NL" sz="2200" dirty="0">
+                <a:ea typeface="ＭＳ Ｐゴシック" pitchFamily="34" charset="-128"/>
+                <a:cs typeface="Arial" charset="0"/>
+              </a:rPr>
+              <a:t>Another is to find out where does this heterogeneity come from</a:t>
+            </a:r>
+          </a:p>
+          <a:p>
+            <a:pPr>
+              <a:lnSpc>
+                <a:spcPct val="110000"/>
+              </a:lnSpc>
+            </a:pPr>
+            <a:endParaRPr lang="nl-NL" sz="2200" dirty="0">
+              <a:ea typeface="ＭＳ Ｐゴシック" pitchFamily="34" charset="-128"/>
+              <a:cs typeface="Arial" charset="0"/>
+            </a:endParaRPr>
+          </a:p>
+          <a:p>
+            <a:pPr marL="322262" lvl="1" indent="0">
+              <a:lnSpc>
+                <a:spcPct val="110000"/>
+              </a:lnSpc>
+              <a:buNone/>
+            </a:pPr>
+            <a:endParaRPr lang="nl-NL" sz="2200" dirty="0">
+              <a:ea typeface="ＭＳ Ｐゴシック" pitchFamily="34" charset="-128"/>
+              <a:cs typeface="Arial" charset="0"/>
+            </a:endParaRPr>
+          </a:p>
+          <a:p>
+            <a:pPr>
+              <a:lnSpc>
+                <a:spcPct val="110000"/>
+              </a:lnSpc>
+            </a:pPr>
+            <a:endParaRPr lang="nl-NL" sz="2200" dirty="0">
+              <a:ea typeface="ＭＳ Ｐゴシック" pitchFamily="34" charset="-128"/>
+              <a:cs typeface="Arial" charset="0"/>
+            </a:endParaRPr>
+          </a:p>
+          <a:p>
+            <a:pPr marL="0" indent="0" algn="ctr">
+              <a:lnSpc>
+                <a:spcPct val="110000"/>
+              </a:lnSpc>
+              <a:buNone/>
+            </a:pPr>
+            <a:endParaRPr lang="nl-NL" sz="2200" dirty="0">
+              <a:ea typeface="ＭＳ Ｐゴシック" pitchFamily="34" charset="-128"/>
+              <a:cs typeface="Arial" charset="0"/>
+            </a:endParaRPr>
+          </a:p>
+          <a:p>
+            <a:pPr>
+              <a:lnSpc>
+                <a:spcPct val="110000"/>
+              </a:lnSpc>
+            </a:pPr>
+            <a:r>
+              <a:rPr lang="nl-NL" sz="2200" dirty="0">
+                <a:ea typeface="ＭＳ Ｐゴシック" pitchFamily="34" charset="-128"/>
+                <a:cs typeface="Arial" charset="0"/>
+              </a:rPr>
+              <a:t>But first, we have to remember linear regression. </a:t>
+            </a:r>
+          </a:p>
+          <a:p>
+            <a:pPr>
+              <a:lnSpc>
+                <a:spcPct val="110000"/>
+              </a:lnSpc>
+            </a:pPr>
+            <a:endParaRPr lang="nl-NL" sz="2200" dirty="0">
+              <a:ea typeface="ＭＳ Ｐゴシック" pitchFamily="34" charset="-128"/>
+              <a:cs typeface="Arial" charset="0"/>
+            </a:endParaRPr>
+          </a:p>
+        </p:txBody>
+      </p:sp>
+      <p:sp>
+        <p:nvSpPr>
+          <p:cNvPr id="5" name="Date Placeholder 4"/>
+          <p:cNvSpPr>
+            <a:spLocks noGrp="1"/>
+          </p:cNvSpPr>
+          <p:nvPr>
+            <p:ph type="dt" sz="half" idx="10"/>
+          </p:nvPr>
+        </p:nvSpPr>
+        <p:spPr/>
+        <p:txBody>
+          <a:bodyPr/>
+          <a:lstStyle/>
+          <a:p>
+            <a:fld id="{EA255924-E178-4951-9673-3E33CF8E62A9}" type="datetime10">
+              <a:rPr lang="en-US" smtClean="0"/>
+              <a:pPr/>
+              <a:t>16:30</a:t>
+            </a:fld>
+            <a:endParaRPr lang="nl-NL"/>
+          </a:p>
+        </p:txBody>
+      </p:sp>
+      <p:sp>
+        <p:nvSpPr>
+          <p:cNvPr id="7" name="Slide Number Placeholder 16"/>
+          <p:cNvSpPr>
+            <a:spLocks noGrp="1"/>
+          </p:cNvSpPr>
+          <p:nvPr>
+            <p:ph type="sldNum" sz="quarter" idx="4"/>
+          </p:nvPr>
+        </p:nvSpPr>
+        <p:spPr>
+          <a:xfrm>
+            <a:off x="522000" y="6414409"/>
+            <a:ext cx="810000" cy="152400"/>
+          </a:xfrm>
+        </p:spPr>
+        <p:txBody>
+          <a:bodyPr/>
+          <a:lstStyle/>
+          <a:p>
+            <a:r>
+              <a:rPr lang="nl-NL" dirty="0"/>
+              <a:t>Page </a:t>
+            </a:r>
+            <a:fld id="{7FC9B413-936F-403B-BC98-20250EBFF374}" type="slidenum">
+              <a:rPr lang="nl-NL" smtClean="0"/>
+              <a:pPr/>
+              <a:t>11</a:t>
+            </a:fld>
+            <a:endParaRPr lang="nl-NL" dirty="0"/>
+          </a:p>
+        </p:txBody>
+      </p:sp>
+      <p:sp>
+        <p:nvSpPr>
+          <p:cNvPr id="2" name="Arrow: Down 1">
+            <a:extLst>
+              <a:ext uri="{FF2B5EF4-FFF2-40B4-BE49-F238E27FC236}">
+                <a16:creationId xmlns:a16="http://schemas.microsoft.com/office/drawing/2014/main" id="{C4F93AC2-D4DD-4E72-8C5F-E544EE4A76CA}"/>
+              </a:ext>
+            </a:extLst>
+          </p:cNvPr>
+          <p:cNvSpPr/>
+          <p:nvPr/>
+        </p:nvSpPr>
+        <p:spPr>
+          <a:xfrm>
+            <a:off x="4087368" y="2939796"/>
+            <a:ext cx="484632" cy="978408"/>
+          </a:xfrm>
+          <a:prstGeom prst="downArrow">
+            <a:avLst/>
+          </a:prstGeom>
+        </p:spPr>
+        <p:style>
+          <a:lnRef idx="2">
+            <a:schemeClr val="accent1">
+              <a:shade val="50000"/>
+            </a:schemeClr>
+          </a:lnRef>
+          <a:fillRef idx="1">
+            <a:schemeClr val="accent1"/>
+          </a:fillRef>
+          <a:effectRef idx="0">
+            <a:schemeClr val="accent1"/>
+          </a:effectRef>
+          <a:fontRef idx="minor">
+            <a:schemeClr val="lt1"/>
+          </a:fontRef>
+        </p:style>
+        <p:txBody>
+          <a:bodyPr rtlCol="0" anchor="ctr"/>
+          <a:lstStyle/>
+          <a:p>
+            <a:pPr algn="ctr"/>
+            <a:endParaRPr lang="en-GB"/>
+          </a:p>
+        </p:txBody>
+      </p:sp>
+    </p:spTree>
+  </p:cSld>
+  <p:clrMapOvr>
+    <a:masterClrMapping/>
+  </p:clrMapOvr>
+</p:sld>
+</file>
+
+<file path=ppt/slides/slide12.xml><?xml version="1.0" encoding="utf-8"?>
+<p:sld xmlns:a="http://schemas.openxmlformats.org/drawingml/2006/main" xmlns:r="http://schemas.openxmlformats.org/officeDocument/2006/relationships" xmlns:p="http://schemas.openxmlformats.org/presentationml/2006/main">
+  <p:cSld>
+    <p:spTree>
+      <p:nvGrpSpPr>
+        <p:cNvPr id="1" name=""/>
+        <p:cNvGrpSpPr/>
+        <p:nvPr/>
+      </p:nvGrpSpPr>
+      <p:grpSpPr>
+        <a:xfrm>
+          <a:off x="0" y="0"/>
+          <a:ext cx="0" cy="0"/>
+          <a:chOff x="0" y="0"/>
+          <a:chExt cx="0" cy="0"/>
+        </a:xfrm>
+      </p:grpSpPr>
+      <p:sp>
+        <p:nvSpPr>
+          <p:cNvPr id="2" name="Title 1">
+            <a:extLst>
+              <a:ext uri="{FF2B5EF4-FFF2-40B4-BE49-F238E27FC236}">
                 <a16:creationId xmlns:a16="http://schemas.microsoft.com/office/drawing/2014/main" id="{8C106167-BB18-4E0A-AD53-2473C0EC426A}"/>
               </a:ext>
             </a:extLst>
@@ -16872,6 +17707,8 @@
               </a:rPr>
               <a:t>i</a:t>
             </a:r>
+          </a:p>
+          <a:p>
             <a:endParaRPr lang="en-US" dirty="0">
               <a:effectLst>
                 <a:outerShdw blurRad="38100" dist="38100" dir="2700000" algn="tl">
@@ -17218,16 +18055,15 @@
                   </a:outerShdw>
                 </a:effectLst>
               </a:rPr>
-              <a:t> ,</a:t>
-            </a:r>
-          </a:p>
-          <a:p>
-            <a:pPr marL="0" indent="0">
-              <a:buNone/>
-            </a:pPr>
+              <a:t> </a:t>
+            </a:r>
+            <a:r>
+              <a:rPr lang="en-GB" dirty="0"/>
+              <a:t>,</a:t>
+            </a:r>
             <a:r>
               <a:rPr lang="el-GR" dirty="0"/>
-              <a:t>where e</a:t>
+              <a:t>where ε</a:t>
             </a:r>
             <a:r>
               <a:rPr lang="el-GR" baseline="-25000" dirty="0"/>
@@ -17483,7 +18319,35 @@
           <a:p>
             <a:r>
               <a:rPr lang="en-GB" dirty="0"/>
-              <a:t>We can use our effect estimates as </a:t>
+              <a:t>We can use our effect estimates</a:t>
+            </a:r>
+            <a:r>
+              <a:rPr lang="el-GR" dirty="0"/>
+              <a:t> (</a:t>
+            </a:r>
+            <a:r>
+              <a:rPr lang="en-GB" dirty="0" err="1"/>
+              <a:t>logOR</a:t>
+            </a:r>
+            <a:r>
+              <a:rPr lang="en-GB" dirty="0"/>
+              <a:t>, </a:t>
+            </a:r>
+            <a:r>
+              <a:rPr lang="en-GB" dirty="0" err="1"/>
+              <a:t>logRR</a:t>
+            </a:r>
+            <a:r>
+              <a:rPr lang="en-GB" dirty="0"/>
+              <a:t>, MD, SMD…</a:t>
+            </a:r>
+            <a:r>
+              <a:rPr lang="el-GR" dirty="0"/>
+              <a:t>)</a:t>
+            </a:r>
+            <a:r>
+              <a:rPr lang="en-GB" dirty="0"/>
+              <a:t> as </a:t>
             </a:r>
             <a:r>
               <a:rPr lang="en-US" sz="2400" dirty="0">
@@ -17525,7 +18389,6 @@
               <a:rPr lang="en-US" dirty="0"/>
               <a:t>and fit a linear regression </a:t>
             </a:r>
-            <a:endParaRPr lang="en-GB" dirty="0"/>
           </a:p>
           <a:p>
             <a:endParaRPr lang="en-GB" dirty="0"/>
@@ -17541,7 +18404,7 @@
             </a:r>
             <a:r>
               <a:rPr lang="en-GB" dirty="0"/>
-              <a:t> is continuous the analysis is called meta-regression</a:t>
+              <a:t> is categorical the analysis is called subgroup analysis</a:t>
             </a:r>
           </a:p>
           <a:p>
@@ -17555,7 +18418,7 @@
             </a:r>
             <a:r>
               <a:rPr lang="en-GB" dirty="0"/>
-              <a:t> is categorical the analysis is called subgroup analysis</a:t>
+              <a:t> is continuous the analysis is called meta-regression</a:t>
             </a:r>
           </a:p>
           <a:p>
@@ -17579,7 +18442,7 @@
 </p:sld>
 </file>
 
-<file path=ppt/slides/slide11.xml><?xml version="1.0" encoding="utf-8"?>
+<file path=ppt/slides/slide13.xml><?xml version="1.0" encoding="utf-8"?>
 <p:sld xmlns:a="http://schemas.openxmlformats.org/drawingml/2006/main" xmlns:r="http://schemas.openxmlformats.org/officeDocument/2006/relationships" xmlns:p="http://schemas.openxmlformats.org/presentationml/2006/main">
   <p:cSld>
     <p:spTree>
@@ -17648,31 +18511,20 @@
         </p:nvSpPr>
         <p:spPr>
           <a:xfrm>
-            <a:off x="251520" y="980729"/>
-            <a:ext cx="8712968" cy="4959272"/>
+            <a:off x="251520" y="980728"/>
+            <a:ext cx="8712968" cy="4959273"/>
           </a:xfrm>
         </p:spPr>
         <p:txBody>
           <a:bodyPr/>
           <a:lstStyle/>
           <a:p>
-            <a:pPr marL="0" indent="0" algn="ctr">
+            <a:pPr marL="0" indent="0">
               <a:buNone/>
             </a:pPr>
-            <a:endParaRPr lang="en-GB" dirty="0"/>
-          </a:p>
-          <a:p>
-            <a:pPr>
-              <a:lnSpc>
-                <a:spcPct val="110000"/>
-              </a:lnSpc>
-            </a:pPr>
-            <a:r>
-              <a:rPr lang="nl-NL" sz="2200" dirty="0">
-                <a:ea typeface="ＭＳ Ｐゴシック" pitchFamily="34" charset="-128"/>
-                <a:cs typeface="Arial" charset="0"/>
-              </a:rPr>
-              <a:t>Subgroup analyses </a:t>
+            <a:r>
+              <a:rPr lang="en-GB" dirty="0"/>
+              <a:t>                  Trial characteristic                                                 patient characteristic</a:t>
             </a:r>
           </a:p>
           <a:p>
@@ -17681,13 +18533,10 @@
                 <a:spcPct val="110000"/>
               </a:lnSpc>
             </a:pPr>
-            <a:r>
-              <a:rPr lang="nl-NL" sz="2200" dirty="0">
-                <a:ea typeface="ＭＳ Ｐゴシック" pitchFamily="34" charset="-128"/>
-                <a:cs typeface="Arial" charset="0"/>
-              </a:rPr>
-              <a:t>subsets of trials</a:t>
-            </a:r>
+            <a:endParaRPr lang="nl-NL" sz="2200" dirty="0">
+              <a:ea typeface="ＭＳ Ｐゴシック" pitchFamily="34" charset="-128"/>
+              <a:cs typeface="Arial" charset="0"/>
+            </a:endParaRPr>
           </a:p>
           <a:p>
             <a:pPr lvl="1">
@@ -17695,13 +18544,73 @@
                 <a:spcPct val="110000"/>
               </a:lnSpc>
             </a:pPr>
+            <a:endParaRPr lang="nl-NL" sz="2200" dirty="0">
+              <a:ea typeface="ＭＳ Ｐゴシック" pitchFamily="34" charset="-128"/>
+              <a:cs typeface="Arial" charset="0"/>
+            </a:endParaRPr>
+          </a:p>
+          <a:p>
+            <a:pPr marL="322262" lvl="1" indent="0">
+              <a:lnSpc>
+                <a:spcPct val="110000"/>
+              </a:lnSpc>
+              <a:buNone/>
+            </a:pPr>
             <a:r>
               <a:rPr lang="nl-NL" sz="2200" dirty="0">
                 <a:ea typeface="ＭＳ Ｐゴシック" pitchFamily="34" charset="-128"/>
                 <a:cs typeface="Arial" charset="0"/>
               </a:rPr>
-              <a:t>subsets of patients (This is tricky and sometimes wrong)</a:t>
-            </a:r>
+              <a:t>      Subgroups Analysis                        			meta-analysis of </a:t>
+            </a:r>
+          </a:p>
+          <a:p>
+            <a:pPr marL="3657600" lvl="8" indent="0">
+              <a:lnSpc>
+                <a:spcPct val="110000"/>
+              </a:lnSpc>
+              <a:buNone/>
+            </a:pPr>
+            <a:r>
+              <a:rPr lang="nl-NL" sz="2200" dirty="0">
+                <a:ea typeface="ＭＳ Ｐゴシック" pitchFamily="34" charset="-128"/>
+                <a:cs typeface="Arial" charset="0"/>
+              </a:rPr>
+              <a:t>                                       subgroup differences</a:t>
+            </a:r>
+          </a:p>
+          <a:p>
+            <a:pPr lvl="1">
+              <a:lnSpc>
+                <a:spcPct val="110000"/>
+              </a:lnSpc>
+            </a:pPr>
+            <a:endParaRPr lang="nl-NL" sz="2200" dirty="0">
+              <a:ea typeface="ＭＳ Ｐゴシック" pitchFamily="34" charset="-128"/>
+              <a:cs typeface="Arial" charset="0"/>
+            </a:endParaRPr>
+          </a:p>
+          <a:p>
+            <a:pPr lvl="1">
+              <a:lnSpc>
+                <a:spcPct val="110000"/>
+              </a:lnSpc>
+            </a:pPr>
+            <a:endParaRPr lang="nl-NL" sz="2200" dirty="0">
+              <a:ea typeface="ＭＳ Ｐゴシック" pitchFamily="34" charset="-128"/>
+              <a:cs typeface="Arial" charset="0"/>
+            </a:endParaRPr>
+          </a:p>
+          <a:p>
+            <a:pPr lvl="1">
+              <a:lnSpc>
+                <a:spcPct val="110000"/>
+              </a:lnSpc>
+            </a:pPr>
+            <a:endParaRPr lang="nl-NL" sz="2200" dirty="0">
+              <a:ea typeface="ＭＳ Ｐゴシック" pitchFamily="34" charset="-128"/>
+              <a:cs typeface="Arial" charset="0"/>
+            </a:endParaRPr>
           </a:p>
           <a:p>
             <a:pPr lvl="1">
@@ -17833,6 +18742,109 @@
                 </a:outerShdw>
               </a:effectLst>
             </a:endParaRPr>
+          </a:p>
+        </p:txBody>
+      </p:sp>
+      <p:sp>
+        <p:nvSpPr>
+          <p:cNvPr id="10" name="Arrow: Bent-Up 9">
+            <a:extLst>
+              <a:ext uri="{FF2B5EF4-FFF2-40B4-BE49-F238E27FC236}">
+                <a16:creationId xmlns:a16="http://schemas.microsoft.com/office/drawing/2014/main" id="{F43BC76F-4AF1-47DD-9F4C-B5B96FEC8272}"/>
+              </a:ext>
+            </a:extLst>
+          </p:cNvPr>
+          <p:cNvSpPr/>
+          <p:nvPr/>
+        </p:nvSpPr>
+        <p:spPr>
+          <a:xfrm rot="10800000">
+            <a:off x="1259632" y="1305703"/>
+            <a:ext cx="2088232" cy="731520"/>
+          </a:xfrm>
+          <a:prstGeom prst="bentUpArrow">
+            <a:avLst/>
+          </a:prstGeom>
+        </p:spPr>
+        <p:style>
+          <a:lnRef idx="2">
+            <a:schemeClr val="accent1">
+              <a:shade val="50000"/>
+            </a:schemeClr>
+          </a:lnRef>
+          <a:fillRef idx="1">
+            <a:schemeClr val="accent1"/>
+          </a:fillRef>
+          <a:effectRef idx="0">
+            <a:schemeClr val="accent1"/>
+          </a:effectRef>
+          <a:fontRef idx="minor">
+            <a:schemeClr val="lt1"/>
+          </a:fontRef>
+        </p:style>
+        <p:txBody>
+          <a:bodyPr rtlCol="0" anchor="ctr"/>
+          <a:lstStyle/>
+          <a:p>
+            <a:pPr algn="ctr"/>
+            <a:endParaRPr lang="en-GB" dirty="0"/>
+          </a:p>
+        </p:txBody>
+      </p:sp>
+      <p:sp>
+        <p:nvSpPr>
+          <p:cNvPr id="11" name="Arrow: Bent-Up 10">
+            <a:extLst>
+              <a:ext uri="{FF2B5EF4-FFF2-40B4-BE49-F238E27FC236}">
+                <a16:creationId xmlns:a16="http://schemas.microsoft.com/office/drawing/2014/main" id="{3ABB6027-1A78-4596-A9D1-3EE20D6B277E}"/>
+              </a:ext>
+            </a:extLst>
+          </p:cNvPr>
+          <p:cNvSpPr/>
+          <p:nvPr/>
+        </p:nvSpPr>
+        <p:spPr>
+          <a:xfrm rot="10800000" flipH="1">
+            <a:off x="5796136" y="1275420"/>
+            <a:ext cx="2448272" cy="792088"/>
+          </a:xfrm>
+          <a:prstGeom prst="bentUpArrow">
+            <a:avLst>
+              <a:gd name="adj1" fmla="val 26178"/>
+              <a:gd name="adj2" fmla="val 25000"/>
+              <a:gd name="adj3" fmla="val 25000"/>
+            </a:avLst>
+          </a:prstGeom>
+        </p:spPr>
+        <p:style>
+          <a:lnRef idx="2">
+            <a:schemeClr val="accent1">
+              <a:shade val="50000"/>
+            </a:schemeClr>
+          </a:lnRef>
+          <a:fillRef idx="1">
+            <a:schemeClr val="accent1"/>
+          </a:fillRef>
+          <a:effectRef idx="0">
+            <a:schemeClr val="accent1"/>
+          </a:effectRef>
+          <a:fontRef idx="minor">
+            <a:schemeClr val="lt1"/>
+          </a:fontRef>
+        </p:style>
+        <p:txBody>
+          <a:bodyPr vert="horz" rtlCol="0" anchor="t" anchorCtr="1"/>
+          <a:lstStyle/>
+          <a:p>
+            <a:pPr algn="ctr"/>
+            <a:r>
+              <a:rPr lang="en-GB" dirty="0"/>
+              <a:t>patient characteristic</a:t>
+            </a:r>
+          </a:p>
+          <a:p>
+            <a:pPr algn="ctr"/>
+            <a:endParaRPr lang="en-GB" dirty="0"/>
           </a:p>
         </p:txBody>
       </p:sp>
@@ -17849,7 +18861,115 @@
 </p:sld>
 </file>
 
-<file path=ppt/slides/slide12.xml><?xml version="1.0" encoding="utf-8"?>
+<file path=ppt/slides/slide14.xml><?xml version="1.0" encoding="utf-8"?>
+<p:sld xmlns:a="http://schemas.openxmlformats.org/drawingml/2006/main" xmlns:r="http://schemas.openxmlformats.org/officeDocument/2006/relationships" xmlns:p="http://schemas.openxmlformats.org/presentationml/2006/main">
+  <p:cSld>
+    <p:spTree>
+      <p:nvGrpSpPr>
+        <p:cNvPr id="1" name=""/>
+        <p:cNvGrpSpPr/>
+        <p:nvPr/>
+      </p:nvGrpSpPr>
+      <p:grpSpPr>
+        <a:xfrm>
+          <a:off x="0" y="0"/>
+          <a:ext cx="0" cy="0"/>
+          <a:chOff x="0" y="0"/>
+          <a:chExt cx="0" cy="0"/>
+        </a:xfrm>
+      </p:grpSpPr>
+      <p:sp>
+        <p:nvSpPr>
+          <p:cNvPr id="2" name="Title 1">
+            <a:extLst>
+              <a:ext uri="{FF2B5EF4-FFF2-40B4-BE49-F238E27FC236}">
+                <a16:creationId xmlns:a16="http://schemas.microsoft.com/office/drawing/2014/main" id="{C4FFF6AD-54AB-4756-B5CF-97DE282D49B7}"/>
+              </a:ext>
+            </a:extLst>
+          </p:cNvPr>
+          <p:cNvSpPr>
+            <a:spLocks noGrp="1"/>
+          </p:cNvSpPr>
+          <p:nvPr>
+            <p:ph type="title"/>
+          </p:nvPr>
+        </p:nvSpPr>
+        <p:spPr/>
+        <p:txBody>
+          <a:bodyPr/>
+          <a:lstStyle/>
+          <a:p>
+            <a:endParaRPr lang="en-GB"/>
+          </a:p>
+        </p:txBody>
+      </p:sp>
+      <p:sp>
+        <p:nvSpPr>
+          <p:cNvPr id="3" name="Content Placeholder 2">
+            <a:extLst>
+              <a:ext uri="{FF2B5EF4-FFF2-40B4-BE49-F238E27FC236}">
+                <a16:creationId xmlns:a16="http://schemas.microsoft.com/office/drawing/2014/main" id="{5DFEC790-4982-4D46-952E-F2260707B43B}"/>
+              </a:ext>
+            </a:extLst>
+          </p:cNvPr>
+          <p:cNvSpPr>
+            <a:spLocks noGrp="1"/>
+          </p:cNvSpPr>
+          <p:nvPr>
+            <p:ph idx="1"/>
+          </p:nvPr>
+        </p:nvSpPr>
+        <p:spPr/>
+        <p:txBody>
+          <a:bodyPr/>
+          <a:lstStyle/>
+          <a:p>
+            <a:pPr lvl="1">
+              <a:lnSpc>
+                <a:spcPct val="110000"/>
+              </a:lnSpc>
+            </a:pPr>
+            <a:r>
+              <a:rPr lang="nl-NL" sz="2200" dirty="0">
+                <a:ea typeface="ＭＳ Ｐゴシック" pitchFamily="34" charset="-128"/>
+                <a:cs typeface="Arial" charset="0"/>
+              </a:rPr>
+              <a:t>subsets of trials</a:t>
+            </a:r>
+          </a:p>
+          <a:p>
+            <a:pPr lvl="1">
+              <a:lnSpc>
+                <a:spcPct val="110000"/>
+              </a:lnSpc>
+            </a:pPr>
+            <a:r>
+              <a:rPr lang="nl-NL" sz="2200" dirty="0">
+                <a:ea typeface="ＭＳ Ｐゴシック" pitchFamily="34" charset="-128"/>
+                <a:cs typeface="Arial" charset="0"/>
+              </a:rPr>
+              <a:t>subsets of patients (This is tricky and sometimes wrong)</a:t>
+            </a:r>
+          </a:p>
+          <a:p>
+            <a:endParaRPr lang="en-GB" dirty="0"/>
+          </a:p>
+        </p:txBody>
+      </p:sp>
+    </p:spTree>
+    <p:extLst>
+      <p:ext uri="{BB962C8B-B14F-4D97-AF65-F5344CB8AC3E}">
+        <p14:creationId xmlns:p14="http://schemas.microsoft.com/office/powerpoint/2010/main" val="3900293787"/>
+      </p:ext>
+    </p:extLst>
+  </p:cSld>
+  <p:clrMapOvr>
+    <a:masterClrMapping/>
+  </p:clrMapOvr>
+</p:sld>
+</file>
+
+<file path=ppt/slides/slide15.xml><?xml version="1.0" encoding="utf-8"?>
 <p:sld xmlns:a="http://schemas.openxmlformats.org/drawingml/2006/main" xmlns:r="http://schemas.openxmlformats.org/officeDocument/2006/relationships" xmlns:p="http://schemas.openxmlformats.org/presentationml/2006/main">
   <p:cSld>
     <p:spTree>
@@ -17943,7 +19063,7 @@
 </p:sld>
 </file>
 
-<file path=ppt/slides/slide13.xml><?xml version="1.0" encoding="utf-8"?>
+<file path=ppt/slides/slide16.xml><?xml version="1.0" encoding="utf-8"?>
 <p:sld xmlns:a="http://schemas.openxmlformats.org/drawingml/2006/main" xmlns:r="http://schemas.openxmlformats.org/officeDocument/2006/relationships" xmlns:p="http://schemas.openxmlformats.org/presentationml/2006/main">
   <p:cSld>
     <p:spTree>
@@ -18038,7 +19158,7 @@
 </p:sld>
 </file>
 
-<file path=ppt/slides/slide14.xml><?xml version="1.0" encoding="utf-8"?>
+<file path=ppt/slides/slide17.xml><?xml version="1.0" encoding="utf-8"?>
 <p:sld xmlns:a="http://schemas.openxmlformats.org/drawingml/2006/main" xmlns:r="http://schemas.openxmlformats.org/officeDocument/2006/relationships" xmlns:p="http://schemas.openxmlformats.org/presentationml/2006/main">
   <p:cSld>
     <p:spTree>
@@ -18395,7 +19515,7 @@
             <a:fld id="{AA36EAE7-42BA-44B1-984D-E091D180FF10}" type="datetime10">
               <a:rPr lang="en-US" smtClean="0"/>
               <a:pPr/>
-              <a:t>11:22</a:t>
+              <a:t>16:30</a:t>
             </a:fld>
             <a:endParaRPr lang="nl-NL"/>
           </a:p>
@@ -18423,7 +19543,7 @@
             <a:fld id="{7FC9B413-936F-403B-BC98-20250EBFF374}" type="slidenum">
               <a:rPr lang="nl-NL" smtClean="0"/>
               <a:pPr/>
-              <a:t>14</a:t>
+              <a:t>17</a:t>
             </a:fld>
             <a:endParaRPr lang="nl-NL" dirty="0"/>
           </a:p>
@@ -18437,7 +19557,7 @@
 </p:sld>
 </file>
 
-<file path=ppt/slides/slide15.xml><?xml version="1.0" encoding="utf-8"?>
+<file path=ppt/slides/slide18.xml><?xml version="1.0" encoding="utf-8"?>
 <p:sld xmlns:a="http://schemas.openxmlformats.org/drawingml/2006/main" xmlns:r="http://schemas.openxmlformats.org/officeDocument/2006/relationships" xmlns:p="http://schemas.openxmlformats.org/presentationml/2006/main">
   <p:cSld>
     <p:spTree>
@@ -18535,7 +19655,7 @@
             <a:fld id="{AA36EAE7-42BA-44B1-984D-E091D180FF10}" type="datetime10">
               <a:rPr lang="en-US" smtClean="0"/>
               <a:pPr/>
-              <a:t>11:22</a:t>
+              <a:t>16:30</a:t>
             </a:fld>
             <a:endParaRPr lang="nl-NL"/>
           </a:p>
@@ -18563,7 +19683,7 @@
             <a:fld id="{7FC9B413-936F-403B-BC98-20250EBFF374}" type="slidenum">
               <a:rPr lang="nl-NL" smtClean="0"/>
               <a:pPr/>
-              <a:t>15</a:t>
+              <a:t>18</a:t>
             </a:fld>
             <a:endParaRPr lang="nl-NL" dirty="0"/>
           </a:p>
@@ -18577,7 +19697,7 @@
 </p:sld>
 </file>
 
-<file path=ppt/slides/slide16.xml><?xml version="1.0" encoding="utf-8"?>
+<file path=ppt/slides/slide19.xml><?xml version="1.0" encoding="utf-8"?>
 <p:sld xmlns:a="http://schemas.openxmlformats.org/drawingml/2006/main" xmlns:r="http://schemas.openxmlformats.org/officeDocument/2006/relationships" xmlns:p="http://schemas.openxmlformats.org/presentationml/2006/main">
   <p:cSld>
     <p:spTree>
@@ -18672,7 +19792,240 @@
 </p:sld>
 </file>
 
-<file path=ppt/slides/slide17.xml><?xml version="1.0" encoding="utf-8"?>
+<file path=ppt/slides/slide2.xml><?xml version="1.0" encoding="utf-8"?>
+<p:sld xmlns:a="http://schemas.openxmlformats.org/drawingml/2006/main" xmlns:r="http://schemas.openxmlformats.org/officeDocument/2006/relationships" xmlns:p="http://schemas.openxmlformats.org/presentationml/2006/main">
+  <p:cSld>
+    <p:spTree>
+      <p:nvGrpSpPr>
+        <p:cNvPr id="1" name=""/>
+        <p:cNvGrpSpPr/>
+        <p:nvPr/>
+      </p:nvGrpSpPr>
+      <p:grpSpPr>
+        <a:xfrm>
+          <a:off x="0" y="0"/>
+          <a:ext cx="0" cy="0"/>
+          <a:chOff x="0" y="0"/>
+          <a:chExt cx="0" cy="0"/>
+        </a:xfrm>
+      </p:grpSpPr>
+      <p:sp>
+        <p:nvSpPr>
+          <p:cNvPr id="2" name="Title 1">
+            <a:extLst>
+              <a:ext uri="{FF2B5EF4-FFF2-40B4-BE49-F238E27FC236}">
+                <a16:creationId xmlns:a16="http://schemas.microsoft.com/office/drawing/2014/main" id="{1329C8B9-AC06-4821-A934-E62294572D9B}"/>
+              </a:ext>
+            </a:extLst>
+          </p:cNvPr>
+          <p:cNvSpPr>
+            <a:spLocks noGrp="1"/>
+          </p:cNvSpPr>
+          <p:nvPr>
+            <p:ph type="title"/>
+          </p:nvPr>
+        </p:nvSpPr>
+        <p:spPr>
+          <a:xfrm>
+            <a:off x="522000" y="116632"/>
+            <a:ext cx="8100000" cy="533400"/>
+          </a:xfrm>
+        </p:spPr>
+        <p:txBody>
+          <a:bodyPr/>
+          <a:lstStyle/>
+          <a:p>
+            <a:pPr algn="ctr"/>
+            <a:r>
+              <a:rPr lang="en-GB" dirty="0"/>
+              <a:t>What we learned so far?</a:t>
+            </a:r>
+          </a:p>
+        </p:txBody>
+      </p:sp>
+      <p:sp>
+        <p:nvSpPr>
+          <p:cNvPr id="3" name="Content Placeholder 2">
+            <a:extLst>
+              <a:ext uri="{FF2B5EF4-FFF2-40B4-BE49-F238E27FC236}">
+                <a16:creationId xmlns:a16="http://schemas.microsoft.com/office/drawing/2014/main" id="{13176BC2-101A-49EA-BE63-3802ACB92CEF}"/>
+              </a:ext>
+            </a:extLst>
+          </p:cNvPr>
+          <p:cNvSpPr>
+            <a:spLocks noGrp="1"/>
+          </p:cNvSpPr>
+          <p:nvPr>
+            <p:ph idx="1"/>
+          </p:nvPr>
+        </p:nvSpPr>
+        <p:spPr>
+          <a:xfrm>
+            <a:off x="522000" y="764704"/>
+            <a:ext cx="8100000" cy="5175297"/>
+          </a:xfrm>
+        </p:spPr>
+        <p:txBody>
+          <a:bodyPr/>
+          <a:lstStyle/>
+          <a:p>
+            <a:pPr marL="0" indent="0" algn="ctr">
+              <a:buNone/>
+            </a:pPr>
+            <a:endParaRPr lang="en-US" altLang="en-US" sz="3200" dirty="0">
+              <a:effectLst>
+                <a:outerShdw blurRad="38100" dist="38100" dir="2700000" algn="tl">
+                  <a:srgbClr val="000000">
+                    <a:alpha val="43137"/>
+                  </a:srgbClr>
+                </a:outerShdw>
+              </a:effectLst>
+              <a:cs typeface="Calibri" panose="020F0502020204030204" pitchFamily="34" charset="0"/>
+            </a:endParaRPr>
+          </a:p>
+          <a:p>
+            <a:endParaRPr lang="en-US" altLang="en-US" dirty="0">
+              <a:cs typeface="Calibri" panose="020F0502020204030204" pitchFamily="34" charset="0"/>
+            </a:endParaRPr>
+          </a:p>
+          <a:p>
+            <a:pPr marL="0" lvl="1" indent="0" algn="ctr">
+              <a:buClr>
+                <a:schemeClr val="tx2"/>
+              </a:buClr>
+              <a:buNone/>
+            </a:pPr>
+            <a:r>
+              <a:rPr lang="en-US" sz="3200" dirty="0">
+                <a:effectLst>
+                  <a:outerShdw blurRad="38100" dist="38100" dir="2700000" algn="tl">
+                    <a:srgbClr val="000000">
+                      <a:alpha val="43137"/>
+                    </a:srgbClr>
+                  </a:outerShdw>
+                </a:effectLst>
+                <a:cs typeface="Calibri" panose="020F0502020204030204" pitchFamily="34" charset="0"/>
+              </a:rPr>
+              <a:t>Meta-analysis</a:t>
+            </a:r>
+            <a:endParaRPr lang="en-GB" sz="3200" dirty="0">
+              <a:effectLst>
+                <a:outerShdw blurRad="38100" dist="38100" dir="2700000" algn="tl">
+                  <a:srgbClr val="000000">
+                    <a:alpha val="43137"/>
+                  </a:srgbClr>
+                </a:outerShdw>
+              </a:effectLst>
+              <a:cs typeface="Calibri" panose="020F0502020204030204" pitchFamily="34" charset="0"/>
+            </a:endParaRPr>
+          </a:p>
+          <a:p>
+            <a:endParaRPr lang="en-GB" dirty="0"/>
+          </a:p>
+          <a:p>
+            <a:r>
+              <a:rPr lang="en-GB" dirty="0"/>
+              <a:t>We can combine a number of aggregated data, in order:</a:t>
+            </a:r>
+          </a:p>
+          <a:p>
+            <a:pPr lvl="1"/>
+            <a:r>
+              <a:rPr lang="en-GB" dirty="0"/>
+              <a:t>Observe the consistency of a treatment effect </a:t>
+            </a:r>
+          </a:p>
+          <a:p>
+            <a:pPr lvl="1"/>
+            <a:r>
+              <a:rPr lang="en-GB" dirty="0"/>
+              <a:t>To make more powerful inferences </a:t>
+            </a:r>
+          </a:p>
+          <a:p>
+            <a:pPr lvl="1"/>
+            <a:r>
+              <a:rPr lang="en-US" altLang="en-US" dirty="0">
+                <a:cs typeface="Calibri" panose="020F0502020204030204" pitchFamily="34" charset="0"/>
+              </a:rPr>
+              <a:t>To make decisions based on evidences</a:t>
+            </a:r>
+          </a:p>
+          <a:p>
+            <a:pPr lvl="1"/>
+            <a:endParaRPr lang="en-US" altLang="en-US" dirty="0">
+              <a:cs typeface="Calibri" panose="020F0502020204030204" pitchFamily="34" charset="0"/>
+            </a:endParaRPr>
+          </a:p>
+          <a:p>
+            <a:pPr algn="just">
+              <a:defRPr/>
+            </a:pPr>
+            <a:r>
+              <a:rPr lang="en-US" dirty="0"/>
+              <a:t>Data could be pooled quantitatively if study designs are similar in: </a:t>
+            </a:r>
+          </a:p>
+          <a:p>
+            <a:pPr lvl="1" algn="just">
+              <a:defRPr/>
+            </a:pPr>
+            <a:r>
+              <a:rPr lang="en-US" dirty="0"/>
+              <a:t>outcome definition </a:t>
+            </a:r>
+          </a:p>
+          <a:p>
+            <a:pPr lvl="1" algn="just">
+              <a:defRPr/>
+            </a:pPr>
+            <a:r>
+              <a:rPr lang="en-US" dirty="0"/>
+              <a:t>population sizes</a:t>
+            </a:r>
+          </a:p>
+          <a:p>
+            <a:pPr lvl="1" algn="just">
+              <a:defRPr/>
+            </a:pPr>
+            <a:r>
+              <a:rPr lang="en-US" dirty="0"/>
+              <a:t>population characteristics</a:t>
+            </a:r>
+          </a:p>
+          <a:p>
+            <a:pPr lvl="1" algn="just">
+              <a:defRPr/>
+            </a:pPr>
+            <a:r>
+              <a:rPr lang="en-US" dirty="0"/>
+              <a:t>interventions</a:t>
+            </a:r>
+          </a:p>
+          <a:p>
+            <a:pPr lvl="1"/>
+            <a:endParaRPr lang="en-GB" dirty="0"/>
+          </a:p>
+          <a:p>
+            <a:pPr lvl="1"/>
+            <a:endParaRPr lang="en-GB" dirty="0"/>
+          </a:p>
+        </p:txBody>
+      </p:sp>
+    </p:spTree>
+    <p:extLst>
+      <p:ext uri="{BB962C8B-B14F-4D97-AF65-F5344CB8AC3E}">
+        <p14:creationId xmlns:p14="http://schemas.microsoft.com/office/powerpoint/2010/main" val="4116968734"/>
+      </p:ext>
+    </p:extLst>
+  </p:cSld>
+  <p:clrMapOvr>
+    <a:masterClrMapping/>
+  </p:clrMapOvr>
+</p:sld>
+</file>
+
+<file path=ppt/slides/slide20.xml><?xml version="1.0" encoding="utf-8"?>
 <p:sld xmlns:a="http://schemas.openxmlformats.org/drawingml/2006/main" xmlns:r="http://schemas.openxmlformats.org/officeDocument/2006/relationships" xmlns:p="http://schemas.openxmlformats.org/presentationml/2006/main">
   <p:cSld>
     <p:spTree>
@@ -18798,7 +20151,7 @@
             <a:fld id="{AA36EAE7-42BA-44B1-984D-E091D180FF10}" type="datetime10">
               <a:rPr lang="en-US" smtClean="0"/>
               <a:pPr/>
-              <a:t>11:22</a:t>
+              <a:t>16:30</a:t>
             </a:fld>
             <a:endParaRPr lang="nl-NL"/>
           </a:p>
@@ -18826,7 +20179,7 @@
             <a:fld id="{7FC9B413-936F-403B-BC98-20250EBFF374}" type="slidenum">
               <a:rPr lang="nl-NL" smtClean="0"/>
               <a:pPr/>
-              <a:t>17</a:t>
+              <a:t>20</a:t>
             </a:fld>
             <a:endParaRPr lang="nl-NL" dirty="0"/>
           </a:p>
@@ -19158,7 +20511,7 @@
 </p:sld>
 </file>
 
-<file path=ppt/slides/slide18.xml><?xml version="1.0" encoding="utf-8"?>
+<file path=ppt/slides/slide21.xml><?xml version="1.0" encoding="utf-8"?>
 <p:sld xmlns:a="http://schemas.openxmlformats.org/drawingml/2006/main" xmlns:r="http://schemas.openxmlformats.org/officeDocument/2006/relationships" xmlns:p="http://schemas.openxmlformats.org/presentationml/2006/main">
   <p:cSld>
     <p:spTree>
@@ -19275,7 +20628,7 @@
             <a:fld id="{AA36EAE7-42BA-44B1-984D-E091D180FF10}" type="datetime10">
               <a:rPr lang="en-US" smtClean="0"/>
               <a:pPr/>
-              <a:t>11:22</a:t>
+              <a:t>16:30</a:t>
             </a:fld>
             <a:endParaRPr lang="nl-NL"/>
           </a:p>
@@ -19303,7 +20656,7 @@
             <a:fld id="{7FC9B413-936F-403B-BC98-20250EBFF374}" type="slidenum">
               <a:rPr lang="nl-NL" smtClean="0"/>
               <a:pPr/>
-              <a:t>18</a:t>
+              <a:t>21</a:t>
             </a:fld>
             <a:endParaRPr lang="nl-NL" dirty="0"/>
           </a:p>
@@ -19419,7 +20772,7 @@
 </p:sld>
 </file>
 
-<file path=ppt/slides/slide19.xml><?xml version="1.0" encoding="utf-8"?>
+<file path=ppt/slides/slide22.xml><?xml version="1.0" encoding="utf-8"?>
 <p:sld xmlns:a="http://schemas.openxmlformats.org/drawingml/2006/main" xmlns:r="http://schemas.openxmlformats.org/officeDocument/2006/relationships" xmlns:p="http://schemas.openxmlformats.org/presentationml/2006/main">
   <p:cSld>
     <p:spTree>
@@ -19526,7 +20879,7 @@
             <a:fld id="{AA36EAE7-42BA-44B1-984D-E091D180FF10}" type="datetime10">
               <a:rPr lang="en-US" smtClean="0"/>
               <a:pPr/>
-              <a:t>11:22</a:t>
+              <a:t>16:30</a:t>
             </a:fld>
             <a:endParaRPr lang="nl-NL"/>
           </a:p>
@@ -19554,7 +20907,7 @@
             <a:fld id="{7FC9B413-936F-403B-BC98-20250EBFF374}" type="slidenum">
               <a:rPr lang="nl-NL" smtClean="0"/>
               <a:pPr/>
-              <a:t>19</a:t>
+              <a:t>22</a:t>
             </a:fld>
             <a:endParaRPr lang="nl-NL" dirty="0"/>
           </a:p>
@@ -19837,252 +21190,7 @@
 </p:sld>
 </file>
 
-<file path=ppt/slides/slide2.xml><?xml version="1.0" encoding="utf-8"?>
-<p:sld xmlns:a="http://schemas.openxmlformats.org/drawingml/2006/main" xmlns:r="http://schemas.openxmlformats.org/officeDocument/2006/relationships" xmlns:p="http://schemas.openxmlformats.org/presentationml/2006/main">
-  <p:cSld>
-    <p:spTree>
-      <p:nvGrpSpPr>
-        <p:cNvPr id="1" name=""/>
-        <p:cNvGrpSpPr/>
-        <p:nvPr/>
-      </p:nvGrpSpPr>
-      <p:grpSpPr>
-        <a:xfrm>
-          <a:off x="0" y="0"/>
-          <a:ext cx="0" cy="0"/>
-          <a:chOff x="0" y="0"/>
-          <a:chExt cx="0" cy="0"/>
-        </a:xfrm>
-      </p:grpSpPr>
-      <p:sp>
-        <p:nvSpPr>
-          <p:cNvPr id="2" name="Title 1">
-            <a:extLst>
-              <a:ext uri="{FF2B5EF4-FFF2-40B4-BE49-F238E27FC236}">
-                <a16:creationId xmlns:a16="http://schemas.microsoft.com/office/drawing/2014/main" id="{1329C8B9-AC06-4821-A934-E62294572D9B}"/>
-              </a:ext>
-            </a:extLst>
-          </p:cNvPr>
-          <p:cNvSpPr>
-            <a:spLocks noGrp="1"/>
-          </p:cNvSpPr>
-          <p:nvPr>
-            <p:ph type="title"/>
-          </p:nvPr>
-        </p:nvSpPr>
-        <p:spPr>
-          <a:xfrm>
-            <a:off x="522000" y="116632"/>
-            <a:ext cx="8100000" cy="533400"/>
-          </a:xfrm>
-        </p:spPr>
-        <p:txBody>
-          <a:bodyPr/>
-          <a:lstStyle/>
-          <a:p>
-            <a:pPr algn="ctr"/>
-            <a:r>
-              <a:rPr lang="en-GB" dirty="0"/>
-              <a:t>What we learned so far?</a:t>
-            </a:r>
-          </a:p>
-        </p:txBody>
-      </p:sp>
-      <p:sp>
-        <p:nvSpPr>
-          <p:cNvPr id="3" name="Content Placeholder 2">
-            <a:extLst>
-              <a:ext uri="{FF2B5EF4-FFF2-40B4-BE49-F238E27FC236}">
-                <a16:creationId xmlns:a16="http://schemas.microsoft.com/office/drawing/2014/main" id="{13176BC2-101A-49EA-BE63-3802ACB92CEF}"/>
-              </a:ext>
-            </a:extLst>
-          </p:cNvPr>
-          <p:cNvSpPr>
-            <a:spLocks noGrp="1"/>
-          </p:cNvSpPr>
-          <p:nvPr>
-            <p:ph idx="1"/>
-          </p:nvPr>
-        </p:nvSpPr>
-        <p:spPr>
-          <a:xfrm>
-            <a:off x="522000" y="764704"/>
-            <a:ext cx="8100000" cy="5175297"/>
-          </a:xfrm>
-        </p:spPr>
-        <p:txBody>
-          <a:bodyPr/>
-          <a:lstStyle/>
-          <a:p>
-            <a:pPr marL="0" indent="0" algn="ctr">
-              <a:buNone/>
-            </a:pPr>
-            <a:endParaRPr lang="en-US" altLang="en-US" sz="3200" dirty="0">
-              <a:effectLst>
-                <a:outerShdw blurRad="38100" dist="38100" dir="2700000" algn="tl">
-                  <a:srgbClr val="000000">
-                    <a:alpha val="43137"/>
-                  </a:srgbClr>
-                </a:outerShdw>
-              </a:effectLst>
-              <a:cs typeface="Calibri" panose="020F0502020204030204" pitchFamily="34" charset="0"/>
-            </a:endParaRPr>
-          </a:p>
-          <a:p>
-            <a:pPr marL="0" indent="0" algn="ctr">
-              <a:buNone/>
-            </a:pPr>
-            <a:r>
-              <a:rPr lang="en-US" altLang="en-US" sz="3200" dirty="0">
-                <a:effectLst>
-                  <a:outerShdw blurRad="38100" dist="38100" dir="2700000" algn="tl">
-                    <a:srgbClr val="000000">
-                      <a:alpha val="43137"/>
-                    </a:srgbClr>
-                  </a:outerShdw>
-                </a:effectLst>
-                <a:cs typeface="Calibri" panose="020F0502020204030204" pitchFamily="34" charset="0"/>
-              </a:rPr>
-              <a:t>Systematic review</a:t>
-            </a:r>
-          </a:p>
-          <a:p>
-            <a:endParaRPr lang="en-GB" dirty="0"/>
-          </a:p>
-          <a:p>
-            <a:r>
-              <a:rPr lang="en-GB" dirty="0"/>
-              <a:t>We can combine a number of aggregated data, in order:</a:t>
-            </a:r>
-          </a:p>
-          <a:p>
-            <a:pPr lvl="1"/>
-            <a:r>
-              <a:rPr lang="en-GB" dirty="0"/>
-              <a:t>Observe the consistency of an effect </a:t>
-            </a:r>
-          </a:p>
-          <a:p>
-            <a:pPr lvl="1"/>
-            <a:r>
-              <a:rPr lang="en-GB" dirty="0"/>
-              <a:t>To make more powerful inferences </a:t>
-            </a:r>
-          </a:p>
-          <a:p>
-            <a:pPr lvl="1"/>
-            <a:r>
-              <a:rPr lang="en-US" altLang="en-US" dirty="0">
-                <a:cs typeface="Calibri" panose="020F0502020204030204" pitchFamily="34" charset="0"/>
-              </a:rPr>
-              <a:t>To make an informed decision</a:t>
-            </a:r>
-          </a:p>
-          <a:p>
-            <a:endParaRPr lang="en-US" altLang="en-US" dirty="0">
-              <a:cs typeface="Calibri" panose="020F0502020204030204" pitchFamily="34" charset="0"/>
-            </a:endParaRPr>
-          </a:p>
-          <a:p>
-            <a:pPr marL="0" lvl="1" indent="0" algn="ctr">
-              <a:buClr>
-                <a:schemeClr val="tx2"/>
-              </a:buClr>
-              <a:buNone/>
-            </a:pPr>
-            <a:r>
-              <a:rPr lang="en-US" sz="3200" dirty="0">
-                <a:effectLst>
-                  <a:outerShdw blurRad="38100" dist="38100" dir="2700000" algn="tl">
-                    <a:srgbClr val="000000">
-                      <a:alpha val="43137"/>
-                    </a:srgbClr>
-                  </a:outerShdw>
-                </a:effectLst>
-                <a:cs typeface="Calibri" panose="020F0502020204030204" pitchFamily="34" charset="0"/>
-              </a:rPr>
-              <a:t>Meta-analysis</a:t>
-            </a:r>
-            <a:endParaRPr lang="en-GB" sz="3200" dirty="0">
-              <a:effectLst>
-                <a:outerShdw blurRad="38100" dist="38100" dir="2700000" algn="tl">
-                  <a:srgbClr val="000000">
-                    <a:alpha val="43137"/>
-                  </a:srgbClr>
-                </a:outerShdw>
-              </a:effectLst>
-              <a:cs typeface="Calibri" panose="020F0502020204030204" pitchFamily="34" charset="0"/>
-            </a:endParaRPr>
-          </a:p>
-          <a:p>
-            <a:pPr algn="just">
-              <a:defRPr/>
-            </a:pPr>
-            <a:r>
-              <a:rPr lang="en-US" dirty="0"/>
-              <a:t>Data could be pooled quantitatively if study designs are similar in: </a:t>
-            </a:r>
-          </a:p>
-          <a:p>
-            <a:pPr lvl="1" algn="just">
-              <a:defRPr/>
-            </a:pPr>
-            <a:r>
-              <a:rPr lang="en-US" dirty="0"/>
-              <a:t>outcome definition </a:t>
-            </a:r>
-          </a:p>
-          <a:p>
-            <a:pPr lvl="1" algn="just">
-              <a:defRPr/>
-            </a:pPr>
-            <a:r>
-              <a:rPr lang="en-US" dirty="0"/>
-              <a:t>population sizes</a:t>
-            </a:r>
-          </a:p>
-          <a:p>
-            <a:pPr lvl="1" algn="just">
-              <a:defRPr/>
-            </a:pPr>
-            <a:r>
-              <a:rPr lang="en-US" dirty="0"/>
-              <a:t>population characteristics</a:t>
-            </a:r>
-          </a:p>
-          <a:p>
-            <a:pPr lvl="1" algn="just">
-              <a:defRPr/>
-            </a:pPr>
-            <a:r>
-              <a:rPr lang="en-US" dirty="0"/>
-              <a:t>interventions</a:t>
-            </a:r>
-          </a:p>
-          <a:p>
-            <a:pPr lvl="1"/>
-            <a:endParaRPr lang="en-GB" dirty="0"/>
-          </a:p>
-          <a:p>
-            <a:pPr lvl="1"/>
-            <a:endParaRPr lang="en-GB" dirty="0"/>
-          </a:p>
-        </p:txBody>
-      </p:sp>
-    </p:spTree>
-    <p:extLst>
-      <p:ext uri="{BB962C8B-B14F-4D97-AF65-F5344CB8AC3E}">
-        <p14:creationId xmlns:p14="http://schemas.microsoft.com/office/powerpoint/2010/main" val="4116968734"/>
-      </p:ext>
-    </p:extLst>
-  </p:cSld>
-  <p:clrMapOvr>
-    <a:masterClrMapping/>
-  </p:clrMapOvr>
-</p:sld>
-</file>
-
-<file path=ppt/slides/slide20.xml><?xml version="1.0" encoding="utf-8"?>
+<file path=ppt/slides/slide23.xml><?xml version="1.0" encoding="utf-8"?>
 <p:sld xmlns:a="http://schemas.openxmlformats.org/drawingml/2006/main" xmlns:r="http://schemas.openxmlformats.org/officeDocument/2006/relationships" xmlns:p="http://schemas.openxmlformats.org/presentationml/2006/main">
   <p:cSld>
     <p:spTree>
@@ -20453,7 +21561,7 @@
             <a:fld id="{AA36EAE7-42BA-44B1-984D-E091D180FF10}" type="datetime10">
               <a:rPr lang="en-US" smtClean="0"/>
               <a:pPr/>
-              <a:t>11:22</a:t>
+              <a:t>16:30</a:t>
             </a:fld>
             <a:endParaRPr lang="nl-NL"/>
           </a:p>
@@ -20481,7 +21589,7 @@
             <a:fld id="{7FC9B413-936F-403B-BC98-20250EBFF374}" type="slidenum">
               <a:rPr lang="nl-NL" smtClean="0"/>
               <a:pPr/>
-              <a:t>20</a:t>
+              <a:t>23</a:t>
             </a:fld>
             <a:endParaRPr lang="nl-NL" dirty="0"/>
           </a:p>
@@ -20495,7 +21603,7 @@
 </p:sld>
 </file>
 
-<file path=ppt/slides/slide21.xml><?xml version="1.0" encoding="utf-8"?>
+<file path=ppt/slides/slide24.xml><?xml version="1.0" encoding="utf-8"?>
 <p:sld xmlns:a="http://schemas.openxmlformats.org/drawingml/2006/main" xmlns:r="http://schemas.openxmlformats.org/officeDocument/2006/relationships" xmlns:p="http://schemas.openxmlformats.org/presentationml/2006/main">
   <p:cSld>
     <p:spTree>
@@ -20816,7 +21924,7 @@
             <a:fld id="{AA36EAE7-42BA-44B1-984D-E091D180FF10}" type="datetime10">
               <a:rPr lang="en-US" smtClean="0"/>
               <a:pPr/>
-              <a:t>11:22</a:t>
+              <a:t>16:30</a:t>
             </a:fld>
             <a:endParaRPr lang="nl-NL"/>
           </a:p>
@@ -20844,7 +21952,7 @@
             <a:fld id="{7FC9B413-936F-403B-BC98-20250EBFF374}" type="slidenum">
               <a:rPr lang="nl-NL" smtClean="0"/>
               <a:pPr/>
-              <a:t>21</a:t>
+              <a:t>24</a:t>
             </a:fld>
             <a:endParaRPr lang="nl-NL" dirty="0"/>
           </a:p>
@@ -21004,7 +22112,7 @@
 </p:sld>
 </file>
 
-<file path=ppt/slides/slide22.xml><?xml version="1.0" encoding="utf-8"?>
+<file path=ppt/slides/slide25.xml><?xml version="1.0" encoding="utf-8"?>
 <p:sld xmlns:a="http://schemas.openxmlformats.org/drawingml/2006/main" xmlns:r="http://schemas.openxmlformats.org/officeDocument/2006/relationships" xmlns:p="http://schemas.openxmlformats.org/presentationml/2006/main">
   <p:cSld>
     <p:spTree>
@@ -21099,7 +22207,7 @@
             <a:fld id="{AA36EAE7-42BA-44B1-984D-E091D180FF10}" type="datetime10">
               <a:rPr lang="en-US" smtClean="0"/>
               <a:pPr/>
-              <a:t>11:22</a:t>
+              <a:t>16:30</a:t>
             </a:fld>
             <a:endParaRPr lang="nl-NL"/>
           </a:p>
@@ -21127,7 +22235,7 @@
             <a:fld id="{7FC9B413-936F-403B-BC98-20250EBFF374}" type="slidenum">
               <a:rPr lang="nl-NL" smtClean="0"/>
               <a:pPr/>
-              <a:t>22</a:t>
+              <a:t>25</a:t>
             </a:fld>
             <a:endParaRPr lang="nl-NL" dirty="0"/>
           </a:p>
@@ -21546,7 +22654,7 @@
 </p:sld>
 </file>
 
-<file path=ppt/slides/slide23.xml><?xml version="1.0" encoding="utf-8"?>
+<file path=ppt/slides/slide26.xml><?xml version="1.0" encoding="utf-8"?>
 <p:sld xmlns:a="http://schemas.openxmlformats.org/drawingml/2006/main" xmlns:r="http://schemas.openxmlformats.org/officeDocument/2006/relationships" xmlns:p="http://schemas.openxmlformats.org/presentationml/2006/main">
   <p:cSld>
     <p:spTree>
@@ -21624,7 +22732,7 @@
             <a:fld id="{AA36EAE7-42BA-44B1-984D-E091D180FF10}" type="datetime10">
               <a:rPr lang="en-US" smtClean="0"/>
               <a:pPr/>
-              <a:t>11:22</a:t>
+              <a:t>16:30</a:t>
             </a:fld>
             <a:endParaRPr lang="nl-NL"/>
           </a:p>
@@ -21656,7 +22764,7 @@
             <a:fld id="{7FC9B413-936F-403B-BC98-20250EBFF374}" type="slidenum">
               <a:rPr lang="nl-NL" smtClean="0"/>
               <a:pPr/>
-              <a:t>23</a:t>
+              <a:t>26</a:t>
             </a:fld>
             <a:endParaRPr lang="nl-NL" dirty="0"/>
           </a:p>
@@ -21698,7 +22806,7 @@
 </p:sld>
 </file>
 
-<file path=ppt/slides/slide24.xml><?xml version="1.0" encoding="utf-8"?>
+<file path=ppt/slides/slide27.xml><?xml version="1.0" encoding="utf-8"?>
 <p:sld xmlns:a="http://schemas.openxmlformats.org/drawingml/2006/main" xmlns:r="http://schemas.openxmlformats.org/officeDocument/2006/relationships" xmlns:p="http://schemas.openxmlformats.org/presentationml/2006/main">
   <p:cSld>
     <p:spTree>
@@ -21856,7 +22964,7 @@
             <a:fld id="{AA36EAE7-42BA-44B1-984D-E091D180FF10}" type="datetime10">
               <a:rPr lang="en-US" smtClean="0"/>
               <a:pPr/>
-              <a:t>11:22</a:t>
+              <a:t>16:30</a:t>
             </a:fld>
             <a:endParaRPr lang="nl-NL"/>
           </a:p>
@@ -21884,7 +22992,7 @@
             <a:fld id="{7FC9B413-936F-403B-BC98-20250EBFF374}" type="slidenum">
               <a:rPr lang="nl-NL" smtClean="0"/>
               <a:pPr/>
-              <a:t>24</a:t>
+              <a:t>27</a:t>
             </a:fld>
             <a:endParaRPr lang="nl-NL" dirty="0"/>
           </a:p>
@@ -22049,7 +23157,7 @@
                 <a:tabLst/>
                 <a:defRPr/>
               </a:pPr>
-              <a:t>11:22</a:t>
+              <a:t>16:30</a:t>
             </a:fld>
             <a:endParaRPr kumimoji="0" lang="nl-NL" sz="1000" b="0" i="0" u="none" strike="noStrike" kern="1200" cap="none" spc="0" normalizeH="0" baseline="0" noProof="0">
               <a:ln>
@@ -22155,7 +23263,7 @@
                 <a:tabLst/>
                 <a:defRPr/>
               </a:pPr>
-              <a:t>24</a:t>
+              <a:t>27</a:t>
             </a:fld>
             <a:endParaRPr kumimoji="0" lang="nl-NL" sz="1000" b="0" i="0" u="none" strike="noStrike" kern="1200" cap="none" spc="0" normalizeH="0" baseline="0" noProof="0" dirty="0">
               <a:ln>
@@ -22182,7 +23290,7 @@
 </p:sld>
 </file>
 
-<file path=ppt/slides/slide25.xml><?xml version="1.0" encoding="utf-8"?>
+<file path=ppt/slides/slide28.xml><?xml version="1.0" encoding="utf-8"?>
 <p:sld xmlns:a="http://schemas.openxmlformats.org/drawingml/2006/main" xmlns:r="http://schemas.openxmlformats.org/officeDocument/2006/relationships" xmlns:p="http://schemas.openxmlformats.org/presentationml/2006/main">
   <p:cSld>
     <p:spTree>
@@ -22251,7 +23359,7 @@
             <a:fld id="{AA36EAE7-42BA-44B1-984D-E091D180FF10}" type="datetime10">
               <a:rPr lang="en-US" smtClean="0"/>
               <a:pPr/>
-              <a:t>11:22</a:t>
+              <a:t>16:30</a:t>
             </a:fld>
             <a:endParaRPr lang="nl-NL"/>
           </a:p>
@@ -22428,7 +23536,7 @@
             <a:fld id="{7FC9B413-936F-403B-BC98-20250EBFF374}" type="slidenum">
               <a:rPr lang="nl-NL" smtClean="0"/>
               <a:pPr/>
-              <a:t>25</a:t>
+              <a:t>28</a:t>
             </a:fld>
             <a:endParaRPr lang="nl-NL" dirty="0"/>
           </a:p>
@@ -22470,7 +23578,7 @@
 </p:sld>
 </file>
 
-<file path=ppt/slides/slide26.xml><?xml version="1.0" encoding="utf-8"?>
+<file path=ppt/slides/slide29.xml><?xml version="1.0" encoding="utf-8"?>
 <p:sld xmlns:a="http://schemas.openxmlformats.org/drawingml/2006/main" xmlns:r="http://schemas.openxmlformats.org/officeDocument/2006/relationships" xmlns:p="http://schemas.openxmlformats.org/presentationml/2006/main">
   <p:cSld>
     <p:spTree>
@@ -22552,7 +23660,7 @@
             <a:fld id="{AA36EAE7-42BA-44B1-984D-E091D180FF10}" type="datetime10">
               <a:rPr lang="en-US" smtClean="0"/>
               <a:pPr/>
-              <a:t>11:22</a:t>
+              <a:t>16:30</a:t>
             </a:fld>
             <a:endParaRPr lang="nl-NL"/>
           </a:p>
@@ -22684,7 +23792,7 @@
             <a:fld id="{7FC9B413-936F-403B-BC98-20250EBFF374}" type="slidenum">
               <a:rPr lang="nl-NL" smtClean="0"/>
               <a:pPr/>
-              <a:t>26</a:t>
+              <a:t>29</a:t>
             </a:fld>
             <a:endParaRPr lang="nl-NL" dirty="0"/>
           </a:p>
@@ -22919,11 +24027,11 @@
             </a:pPr>
             <a:r>
               <a:rPr lang="en-GB" dirty="0"/>
-              <a:t>The treatment effect </a:t>
+              <a:t>The underline treatment effect </a:t>
             </a:r>
             <a:r>
               <a:rPr lang="en-US" dirty="0"/>
-              <a:t>is the same for every study;</a:t>
+              <a:t>is common for every study;</a:t>
             </a:r>
           </a:p>
           <a:p>
@@ -22937,22 +24045,7 @@
             </a:pPr>
             <a:r>
               <a:rPr lang="en-US" dirty="0"/>
-              <a:t>Low heterogeneity</a:t>
-            </a:r>
-          </a:p>
-          <a:p>
-            <a:endParaRPr lang="en-GB" dirty="0"/>
-          </a:p>
-          <a:p>
-            <a:endParaRPr lang="en-GB" dirty="0"/>
-          </a:p>
-          <a:p>
-            <a:endParaRPr lang="en-GB" dirty="0"/>
-          </a:p>
-          <a:p>
-            <a:r>
-              <a:rPr lang="en-GB" dirty="0"/>
-              <a:t>Random effects </a:t>
+              <a:t>No heterogeneity</a:t>
             </a:r>
           </a:p>
           <a:p>
@@ -22964,9 +24057,24 @@
               <a:buAutoNum type="arabicPeriod"/>
               <a:defRPr/>
             </a:pPr>
-            <a:r>
-              <a:rPr lang="en-US" dirty="0"/>
-              <a:t>True effect estimate for each study varies;</a:t>
+            <a:endParaRPr lang="en-US" dirty="0"/>
+          </a:p>
+          <a:p>
+            <a:pPr marL="0" indent="0">
+              <a:buNone/>
+            </a:pPr>
+            <a:r>
+              <a:rPr lang="en-GB" dirty="0"/>
+              <a:t>Can be use also as a summary of our data, without generalising </a:t>
+            </a:r>
+          </a:p>
+          <a:p>
+            <a:endParaRPr lang="en-GB" dirty="0"/>
+          </a:p>
+          <a:p>
+            <a:r>
+              <a:rPr lang="en-GB" dirty="0"/>
+              <a:t>Random effects </a:t>
             </a:r>
           </a:p>
           <a:p>
@@ -22980,7 +24088,7 @@
             </a:pPr>
             <a:r>
               <a:rPr lang="en-US" dirty="0"/>
-              <a:t>High heterogeneity</a:t>
+              <a:t>True effect estimate for each study varies;</a:t>
             </a:r>
           </a:p>
           <a:p>
@@ -22994,12 +24102,146 @@
             </a:pPr>
             <a:r>
               <a:rPr lang="en-US" dirty="0"/>
-              <a:t>Provide larger CI </a:t>
-            </a:r>
+              <a:t>Heterogeneity</a:t>
+            </a:r>
+          </a:p>
+          <a:p>
+            <a:pPr marL="971550" lvl="1" indent="-514350" fontAlgn="auto">
+              <a:spcAft>
+                <a:spcPts val="0"/>
+              </a:spcAft>
+              <a:buFont typeface="+mj-lt"/>
+              <a:buAutoNum type="arabicPeriod"/>
+              <a:defRPr/>
+            </a:pPr>
+            <a:r>
+              <a:rPr lang="en-US" dirty="0"/>
+              <a:t>Produces larger Cis</a:t>
+            </a:r>
+          </a:p>
+          <a:p>
+            <a:pPr marL="457200" lvl="1" indent="0" fontAlgn="auto">
+              <a:spcAft>
+                <a:spcPts val="0"/>
+              </a:spcAft>
+              <a:buNone/>
+              <a:defRPr/>
+            </a:pPr>
+            <a:r>
+              <a:rPr lang="en-US" dirty="0"/>
+              <a:t>    </a:t>
+            </a:r>
+          </a:p>
+          <a:p>
+            <a:pPr marL="457200" lvl="1" indent="0" fontAlgn="auto">
+              <a:spcAft>
+                <a:spcPts val="0"/>
+              </a:spcAft>
+              <a:buNone/>
+              <a:defRPr/>
+            </a:pPr>
+            <a:r>
+              <a:rPr lang="en-US" dirty="0"/>
+              <a:t>			</a:t>
+            </a:r>
+            <a:endParaRPr lang="en-GB" dirty="0"/>
+          </a:p>
+        </p:txBody>
+      </p:sp>
+      <p:sp>
+        <p:nvSpPr>
+          <p:cNvPr id="4" name="Arrow: Left 3">
+            <a:extLst>
+              <a:ext uri="{FF2B5EF4-FFF2-40B4-BE49-F238E27FC236}">
+                <a16:creationId xmlns:a16="http://schemas.microsoft.com/office/drawing/2014/main" id="{29EE1E98-3BE8-40B1-BBDF-2AF124EB7C2F}"/>
+              </a:ext>
+            </a:extLst>
+          </p:cNvPr>
+          <p:cNvSpPr/>
+          <p:nvPr/>
+        </p:nvSpPr>
+        <p:spPr>
+          <a:xfrm>
+            <a:off x="3707904" y="4005064"/>
+            <a:ext cx="978408" cy="484632"/>
+          </a:xfrm>
+          <a:prstGeom prst="leftArrow">
+            <a:avLst/>
+          </a:prstGeom>
+        </p:spPr>
+        <p:style>
+          <a:lnRef idx="2">
+            <a:schemeClr val="accent4">
+              <a:shade val="50000"/>
+            </a:schemeClr>
+          </a:lnRef>
+          <a:fillRef idx="1">
+            <a:schemeClr val="accent4"/>
+          </a:fillRef>
+          <a:effectRef idx="0">
+            <a:schemeClr val="accent4"/>
+          </a:effectRef>
+          <a:fontRef idx="minor">
+            <a:schemeClr val="lt1"/>
+          </a:fontRef>
+        </p:style>
+        <p:txBody>
+          <a:bodyPr rtlCol="0" anchor="ctr"/>
+          <a:lstStyle/>
+          <a:p>
+            <a:pPr algn="ctr"/>
             <a:r>
               <a:rPr lang="en-GB" dirty="0"/>
-              <a:t>meta-analysis</a:t>
-            </a:r>
+              <a:t>Why?</a:t>
+            </a:r>
+          </a:p>
+        </p:txBody>
+      </p:sp>
+      <p:sp>
+        <p:nvSpPr>
+          <p:cNvPr id="5" name="Flowchart: Alternate Process 4">
+            <a:extLst>
+              <a:ext uri="{FF2B5EF4-FFF2-40B4-BE49-F238E27FC236}">
+                <a16:creationId xmlns:a16="http://schemas.microsoft.com/office/drawing/2014/main" id="{AA58B52A-37D4-45F0-B144-4159EF3256A1}"/>
+              </a:ext>
+            </a:extLst>
+          </p:cNvPr>
+          <p:cNvSpPr/>
+          <p:nvPr/>
+        </p:nvSpPr>
+        <p:spPr>
+          <a:xfrm>
+            <a:off x="522000" y="4902732"/>
+            <a:ext cx="8100000" cy="612648"/>
+          </a:xfrm>
+          <a:prstGeom prst="flowChartAlternateProcess">
+            <a:avLst/>
+          </a:prstGeom>
+        </p:spPr>
+        <p:style>
+          <a:lnRef idx="3">
+            <a:schemeClr val="lt1"/>
+          </a:lnRef>
+          <a:fillRef idx="1">
+            <a:schemeClr val="accent1"/>
+          </a:fillRef>
+          <a:effectRef idx="1">
+            <a:schemeClr val="accent1"/>
+          </a:effectRef>
+          <a:fontRef idx="minor">
+            <a:schemeClr val="lt1"/>
+          </a:fontRef>
+        </p:style>
+        <p:txBody>
+          <a:bodyPr rtlCol="0" anchor="ctr"/>
+          <a:lstStyle/>
+          <a:p>
+            <a:pPr algn="ctr"/>
+            <a:r>
+              <a:rPr lang="en-US" dirty="0"/>
+              <a:t>Because it takes into account that our data come from a variety of treatment effects and not from one common effect</a:t>
+            </a:r>
+            <a:endParaRPr lang="en-GB" dirty="0"/>
           </a:p>
         </p:txBody>
       </p:sp>
@@ -23013,6 +24255,139 @@
   <p:clrMapOvr>
     <a:masterClrMapping/>
   </p:clrMapOvr>
+  <p:timing>
+    <p:tnLst>
+      <p:par>
+        <p:cTn id="1" dur="indefinite" restart="never" nodeType="tmRoot">
+          <p:childTnLst>
+            <p:seq concurrent="1" nextAc="seek">
+              <p:cTn id="2" dur="indefinite" nodeType="mainSeq">
+                <p:childTnLst>
+                  <p:par>
+                    <p:cTn id="3" fill="hold">
+                      <p:stCondLst>
+                        <p:cond delay="indefinite"/>
+                      </p:stCondLst>
+                      <p:childTnLst>
+                        <p:par>
+                          <p:cTn id="4" fill="hold">
+                            <p:stCondLst>
+                              <p:cond delay="0"/>
+                            </p:stCondLst>
+                            <p:childTnLst>
+                              <p:par>
+                                <p:cTn id="5" presetID="2" presetClass="entr" presetSubtype="4" fill="hold" nodeType="clickEffect">
+                                  <p:stCondLst>
+                                    <p:cond delay="0"/>
+                                  </p:stCondLst>
+                                  <p:childTnLst>
+                                    <p:set>
+                                      <p:cBhvr>
+                                        <p:cTn id="6" dur="1" fill="hold">
+                                          <p:stCondLst>
+                                            <p:cond delay="0"/>
+                                          </p:stCondLst>
+                                        </p:cTn>
+                                        <p:tgtEl>
+                                          <p:spTgt spid="3">
+                                            <p:txEl>
+                                              <p:pRg st="12" end="12"/>
+                                            </p:txEl>
+                                          </p:spTgt>
+                                        </p:tgtEl>
+                                        <p:attrNameLst>
+                                          <p:attrName>style.visibility</p:attrName>
+                                        </p:attrNameLst>
+                                      </p:cBhvr>
+                                      <p:to>
+                                        <p:strVal val="visible"/>
+                                      </p:to>
+                                    </p:set>
+                                    <p:anim calcmode="lin" valueType="num">
+                                      <p:cBhvr additive="base">
+                                        <p:cTn id="7" dur="500" fill="hold"/>
+                                        <p:tgtEl>
+                                          <p:spTgt spid="3">
+                                            <p:txEl>
+                                              <p:pRg st="12" end="12"/>
+                                            </p:txEl>
+                                          </p:spTgt>
+                                        </p:tgtEl>
+                                        <p:attrNameLst>
+                                          <p:attrName>ppt_x</p:attrName>
+                                        </p:attrNameLst>
+                                      </p:cBhvr>
+                                      <p:tavLst>
+                                        <p:tav tm="0">
+                                          <p:val>
+                                            <p:strVal val="#ppt_x"/>
+                                          </p:val>
+                                        </p:tav>
+                                        <p:tav tm="100000">
+                                          <p:val>
+                                            <p:strVal val="#ppt_x"/>
+                                          </p:val>
+                                        </p:tav>
+                                      </p:tavLst>
+                                    </p:anim>
+                                    <p:anim calcmode="lin" valueType="num">
+                                      <p:cBhvr additive="base">
+                                        <p:cTn id="8" dur="500" fill="hold"/>
+                                        <p:tgtEl>
+                                          <p:spTgt spid="3">
+                                            <p:txEl>
+                                              <p:pRg st="12" end="12"/>
+                                            </p:txEl>
+                                          </p:spTgt>
+                                        </p:tgtEl>
+                                        <p:attrNameLst>
+                                          <p:attrName>ppt_y</p:attrName>
+                                        </p:attrNameLst>
+                                      </p:cBhvr>
+                                      <p:tavLst>
+                                        <p:tav tm="0">
+                                          <p:val>
+                                            <p:strVal val="1+#ppt_h/2"/>
+                                          </p:val>
+                                        </p:tav>
+                                        <p:tav tm="100000">
+                                          <p:val>
+                                            <p:strVal val="#ppt_y"/>
+                                          </p:val>
+                                        </p:tav>
+                                      </p:tavLst>
+                                    </p:anim>
+                                  </p:childTnLst>
+                                </p:cTn>
+                              </p:par>
+                            </p:childTnLst>
+                          </p:cTn>
+                        </p:par>
+                      </p:childTnLst>
+                    </p:cTn>
+                  </p:par>
+                </p:childTnLst>
+              </p:cTn>
+              <p:prevCondLst>
+                <p:cond evt="onPrev" delay="0">
+                  <p:tgtEl>
+                    <p:sldTgt/>
+                  </p:tgtEl>
+                </p:cond>
+              </p:prevCondLst>
+              <p:nextCondLst>
+                <p:cond evt="onNext" delay="0">
+                  <p:tgtEl>
+                    <p:sldTgt/>
+                  </p:tgtEl>
+                </p:cond>
+              </p:nextCondLst>
+            </p:seq>
+          </p:childTnLst>
+        </p:cTn>
+      </p:par>
+    </p:tnLst>
+  </p:timing>
 </p:sld>
 </file>
 
@@ -23033,61 +24408,97 @@
           <a:chExt cx="0" cy="0"/>
         </a:xfrm>
       </p:grpSpPr>
+      <p:sp>
+        <p:nvSpPr>
+          <p:cNvPr id="2" name="Title 1"/>
+          <p:cNvSpPr>
+            <a:spLocks noGrp="1"/>
+          </p:cNvSpPr>
+          <p:nvPr>
+            <p:ph type="title"/>
+          </p:nvPr>
+        </p:nvSpPr>
+        <p:spPr>
+          <a:xfrm>
+            <a:off x="522000" y="692696"/>
+            <a:ext cx="8100000" cy="533400"/>
+          </a:xfrm>
+        </p:spPr>
+        <p:txBody>
+          <a:bodyPr/>
+          <a:lstStyle/>
+          <a:p>
+            <a:r>
+              <a:rPr lang="en-GB" sz="3600" dirty="0"/>
+              <a:t>Two approaches: fixed / random effects</a:t>
+            </a:r>
+          </a:p>
+        </p:txBody>
+      </p:sp>
       <p:pic>
         <p:nvPicPr>
-          <p:cNvPr id="2056" name="Picture 8" descr="Î£ÏÎµÏÎ¹ÎºÎ® ÎµÎ¹ÎºÏÎ½Î±">
-            <a:extLst>
-              <a:ext uri="{FF2B5EF4-FFF2-40B4-BE49-F238E27FC236}">
-                <a16:creationId xmlns:a16="http://schemas.microsoft.com/office/drawing/2014/main" id="{3E558A68-BF43-4F3A-9A37-5AE52356E479}"/>
-              </a:ext>
-            </a:extLst>
-          </p:cNvPr>
+          <p:cNvPr id="4" name="Picture 2"/>
           <p:cNvPicPr>
-            <a:picLocks noGrp="1" noChangeAspect="1" noChangeArrowheads="1"/>
+            <a:picLocks noChangeAspect="1" noChangeArrowheads="1"/>
           </p:cNvPicPr>
-          <p:nvPr>
-            <p:ph type="pic" sz="quarter" idx="15"/>
-          </p:nvPr>
+          <p:nvPr/>
         </p:nvPicPr>
         <p:blipFill>
-          <a:blip r:embed="rId2">
-            <a:extLst>
-              <a:ext uri="{28A0092B-C50C-407E-A947-70E740481C1C}">
-                <a14:useLocalDpi xmlns:a14="http://schemas.microsoft.com/office/drawing/2010/main" val="0"/>
-              </a:ext>
-            </a:extLst>
-          </a:blip>
-          <a:srcRect t="1583" b="1583"/>
+          <a:blip r:embed="rId2" cstate="print"/>
+          <a:srcRect l="23325" t="39586" r="21747" b="22025"/>
           <a:stretch>
             <a:fillRect/>
           </a:stretch>
         </p:blipFill>
         <p:spPr bwMode="auto">
           <a:xfrm>
-            <a:off x="2195736" y="692695"/>
-            <a:ext cx="5105400" cy="5472609"/>
+            <a:off x="467543" y="1340768"/>
+            <a:ext cx="8379245" cy="4685094"/>
           </a:xfrm>
           <a:prstGeom prst="rect">
             <a:avLst/>
           </a:prstGeom>
           <a:noFill/>
-          <a:extLst>
-            <a:ext uri="{909E8E84-426E-40DD-AFC4-6F175D3DCCD1}">
-              <a14:hiddenFill xmlns:a14="http://schemas.microsoft.com/office/drawing/2010/main">
-                <a:solidFill>
-                  <a:srgbClr val="FFFFFF"/>
-                </a:solidFill>
-              </a14:hiddenFill>
-            </a:ext>
-          </a:extLst>
+          <a:ln w="9525" algn="ctr">
+            <a:noFill/>
+            <a:miter lim="800000"/>
+            <a:headEnd/>
+            <a:tailEnd/>
+          </a:ln>
         </p:spPr>
       </p:pic>
+      <p:sp>
+        <p:nvSpPr>
+          <p:cNvPr id="5" name="TextBox 4"/>
+          <p:cNvSpPr txBox="1"/>
+          <p:nvPr/>
+        </p:nvSpPr>
+        <p:spPr>
+          <a:xfrm>
+            <a:off x="8472426" y="6361583"/>
+            <a:ext cx="420054" cy="307777"/>
+          </a:xfrm>
+          <a:prstGeom prst="rect">
+            <a:avLst/>
+          </a:prstGeom>
+          <a:noFill/>
+        </p:spPr>
+        <p:txBody>
+          <a:bodyPr wrap="square" rtlCol="0">
+            <a:spAutoFit/>
+          </a:bodyPr>
+          <a:lstStyle/>
+          <a:p>
+            <a:fld id="{62A79A48-AE0C-459F-9B03-78A8B056779F}" type="slidenum">
+              <a:rPr lang="nl-NL" sz="1400" smtClean="0"/>
+              <a:pPr/>
+              <a:t>4</a:t>
+            </a:fld>
+            <a:endParaRPr lang="nl-NL" sz="1400" dirty="0"/>
+          </a:p>
+        </p:txBody>
+      </p:sp>
     </p:spTree>
-    <p:extLst>
-      <p:ext uri="{BB962C8B-B14F-4D97-AF65-F5344CB8AC3E}">
-        <p14:creationId xmlns:p14="http://schemas.microsoft.com/office/powerpoint/2010/main" val="328270698"/>
-      </p:ext>
-    </p:extLst>
   </p:cSld>
   <p:clrMapOvr>
     <a:masterClrMapping/>
@@ -23096,6 +24507,3468 @@
 </file>
 
 <file path=ppt/slides/slide5.xml><?xml version="1.0" encoding="utf-8"?>
+<p:sld xmlns:a="http://schemas.openxmlformats.org/drawingml/2006/main" xmlns:r="http://schemas.openxmlformats.org/officeDocument/2006/relationships" xmlns:p="http://schemas.openxmlformats.org/presentationml/2006/main">
+  <p:cSld>
+    <p:spTree>
+      <p:nvGrpSpPr>
+        <p:cNvPr id="1" name=""/>
+        <p:cNvGrpSpPr/>
+        <p:nvPr/>
+      </p:nvGrpSpPr>
+      <p:grpSpPr>
+        <a:xfrm>
+          <a:off x="0" y="0"/>
+          <a:ext cx="0" cy="0"/>
+          <a:chOff x="0" y="0"/>
+          <a:chExt cx="0" cy="0"/>
+        </a:xfrm>
+      </p:grpSpPr>
+      <p:sp>
+        <p:nvSpPr>
+          <p:cNvPr id="1036291" name="Text Box 3"/>
+          <p:cNvSpPr txBox="1">
+            <a:spLocks noChangeArrowheads="1"/>
+          </p:cNvSpPr>
+          <p:nvPr/>
+        </p:nvSpPr>
+        <p:spPr bwMode="auto">
+          <a:xfrm>
+            <a:off x="431035" y="4778128"/>
+            <a:ext cx="3140325" cy="1387176"/>
+          </a:xfrm>
+          <a:prstGeom prst="rect">
+            <a:avLst/>
+          </a:prstGeom>
+          <a:noFill/>
+          <a:ln w="38100">
+            <a:noFill/>
+            <a:miter lim="800000"/>
+            <a:headEnd/>
+            <a:tailEnd/>
+          </a:ln>
+          <a:effectLst/>
+        </p:spPr>
+        <p:txBody>
+          <a:bodyPr wrap="none" lIns="90000" tIns="46800" rIns="90000" bIns="46800">
+            <a:spAutoFit/>
+          </a:bodyPr>
+          <a:lstStyle/>
+          <a:p>
+            <a:pPr algn="ctr">
+              <a:defRPr/>
+            </a:pPr>
+            <a:r>
+              <a:rPr lang="en-US" sz="2800" b="0" dirty="0"/>
+              <a:t>Analysis of</a:t>
+            </a:r>
+            <a:br>
+              <a:rPr lang="en-US" sz="2800" b="0" dirty="0"/>
+            </a:br>
+            <a:r>
+              <a:rPr lang="en-US" sz="2800" b="0" dirty="0"/>
+              <a:t>one </a:t>
+            </a:r>
+            <a:r>
+              <a:rPr lang="en-US" sz="2800" dirty="0"/>
+              <a:t>overall</a:t>
+            </a:r>
+            <a:r>
+              <a:rPr lang="en-US" sz="2800" b="0" dirty="0"/>
+              <a:t> average:</a:t>
+            </a:r>
+            <a:br>
+              <a:rPr lang="en-US" sz="2800" b="0" dirty="0"/>
+            </a:br>
+            <a:r>
+              <a:rPr lang="en-US" sz="2800" b="1" dirty="0">
+                <a:solidFill>
+                  <a:srgbClr val="FF0000"/>
+                </a:solidFill>
+              </a:rPr>
+              <a:t>fixed-effect analysis</a:t>
+            </a:r>
+            <a:endParaRPr lang="nl-NL" sz="2800" b="1" dirty="0">
+              <a:solidFill>
+                <a:srgbClr val="FF0000"/>
+              </a:solidFill>
+            </a:endParaRPr>
+          </a:p>
+        </p:txBody>
+      </p:sp>
+      <p:sp>
+        <p:nvSpPr>
+          <p:cNvPr id="1036292" name="Text Box 4"/>
+          <p:cNvSpPr txBox="1">
+            <a:spLocks noChangeArrowheads="1"/>
+          </p:cNvSpPr>
+          <p:nvPr/>
+        </p:nvSpPr>
+        <p:spPr bwMode="auto">
+          <a:xfrm>
+            <a:off x="4652515" y="4347241"/>
+            <a:ext cx="4672013" cy="1818063"/>
+          </a:xfrm>
+          <a:prstGeom prst="rect">
+            <a:avLst/>
+          </a:prstGeom>
+          <a:noFill/>
+          <a:ln w="38100">
+            <a:noFill/>
+            <a:miter lim="800000"/>
+            <a:headEnd/>
+            <a:tailEnd/>
+          </a:ln>
+          <a:effectLst/>
+        </p:spPr>
+        <p:txBody>
+          <a:bodyPr lIns="90000" tIns="46800" rIns="90000" bIns="46800">
+            <a:spAutoFit/>
+          </a:bodyPr>
+          <a:lstStyle/>
+          <a:p>
+            <a:pPr algn="ctr">
+              <a:defRPr/>
+            </a:pPr>
+            <a:r>
+              <a:rPr lang="en-US" sz="2800" b="0" dirty="0"/>
+              <a:t>Analysis assuming a</a:t>
+            </a:r>
+          </a:p>
+          <a:p>
+            <a:pPr algn="ctr">
+              <a:defRPr/>
+            </a:pPr>
+            <a:r>
+              <a:rPr lang="en-US" sz="2800" b="0" dirty="0"/>
+              <a:t> </a:t>
+            </a:r>
+            <a:r>
+              <a:rPr lang="en-US" sz="2800" dirty="0"/>
+              <a:t>range</a:t>
+            </a:r>
+            <a:r>
+              <a:rPr lang="en-US" sz="2800" b="0" dirty="0"/>
+              <a:t> of effects</a:t>
+            </a:r>
+          </a:p>
+          <a:p>
+            <a:pPr algn="ctr">
+              <a:defRPr/>
+            </a:pPr>
+            <a:r>
+              <a:rPr lang="en-US" sz="2800" b="0" dirty="0"/>
+              <a:t>(heterogeneity):</a:t>
+            </a:r>
+            <a:br>
+              <a:rPr lang="en-US" sz="2800" b="0" dirty="0"/>
+            </a:br>
+            <a:r>
+              <a:rPr lang="en-US" sz="2800" b="1" dirty="0">
+                <a:solidFill>
+                  <a:srgbClr val="FF0000"/>
+                </a:solidFill>
+              </a:rPr>
+              <a:t>random-effects analysis</a:t>
+            </a:r>
+            <a:endParaRPr lang="nl-NL" sz="2800" b="1" dirty="0">
+              <a:solidFill>
+                <a:srgbClr val="FF0000"/>
+              </a:solidFill>
+            </a:endParaRPr>
+          </a:p>
+        </p:txBody>
+      </p:sp>
+      <p:sp>
+        <p:nvSpPr>
+          <p:cNvPr id="1036371" name="Line 83"/>
+          <p:cNvSpPr>
+            <a:spLocks noChangeShapeType="1"/>
+          </p:cNvSpPr>
+          <p:nvPr/>
+        </p:nvSpPr>
+        <p:spPr bwMode="auto">
+          <a:xfrm flipV="1">
+            <a:off x="1447800" y="3857464"/>
+            <a:ext cx="600075" cy="0"/>
+          </a:xfrm>
+          <a:prstGeom prst="line">
+            <a:avLst/>
+          </a:prstGeom>
+          <a:solidFill>
+            <a:srgbClr val="FF0000"/>
+          </a:solidFill>
+          <a:ln w="38100">
+            <a:solidFill>
+              <a:srgbClr val="FF0000"/>
+            </a:solidFill>
+            <a:round/>
+            <a:headEnd/>
+            <a:tailEnd/>
+          </a:ln>
+          <a:effectLst/>
+        </p:spPr>
+        <p:txBody>
+          <a:bodyPr lIns="90000" tIns="46800" rIns="90000" bIns="46800">
+            <a:spAutoFit/>
+          </a:bodyPr>
+          <a:lstStyle/>
+          <a:p>
+            <a:pPr>
+              <a:defRPr/>
+            </a:pPr>
+            <a:endParaRPr lang="nl-NL">
+              <a:effectLst>
+                <a:outerShdw blurRad="38100" dist="38100" dir="2700000" algn="tl">
+                  <a:srgbClr val="000000">
+                    <a:alpha val="43137"/>
+                  </a:srgbClr>
+                </a:outerShdw>
+              </a:effectLst>
+            </a:endParaRPr>
+          </a:p>
+        </p:txBody>
+      </p:sp>
+      <p:sp>
+        <p:nvSpPr>
+          <p:cNvPr id="1036378" name="Rectangle 90"/>
+          <p:cNvSpPr>
+            <a:spLocks noChangeArrowheads="1"/>
+          </p:cNvSpPr>
+          <p:nvPr/>
+        </p:nvSpPr>
+        <p:spPr bwMode="auto">
+          <a:xfrm>
+            <a:off x="1581150" y="3673314"/>
+            <a:ext cx="333375" cy="333375"/>
+          </a:xfrm>
+          <a:prstGeom prst="rect">
+            <a:avLst/>
+          </a:prstGeom>
+          <a:solidFill>
+            <a:srgbClr val="FF0000"/>
+          </a:solidFill>
+          <a:ln w="38100">
+            <a:solidFill>
+              <a:srgbClr val="FF0000"/>
+            </a:solidFill>
+            <a:miter lim="800000"/>
+            <a:headEnd/>
+            <a:tailEnd/>
+          </a:ln>
+          <a:effectLst/>
+        </p:spPr>
+        <p:txBody>
+          <a:bodyPr lIns="90000" tIns="46800" rIns="90000" bIns="46800" anchor="ctr">
+            <a:spAutoFit/>
+          </a:bodyPr>
+          <a:lstStyle/>
+          <a:p>
+            <a:pPr>
+              <a:defRPr/>
+            </a:pPr>
+            <a:endParaRPr lang="nl-NL">
+              <a:effectLst>
+                <a:outerShdw blurRad="38100" dist="38100" dir="2700000" algn="tl">
+                  <a:srgbClr val="000000">
+                    <a:alpha val="43137"/>
+                  </a:srgbClr>
+                </a:outerShdw>
+              </a:effectLst>
+            </a:endParaRPr>
+          </a:p>
+        </p:txBody>
+      </p:sp>
+      <p:sp>
+        <p:nvSpPr>
+          <p:cNvPr id="1036293" name="Line 5"/>
+          <p:cNvSpPr>
+            <a:spLocks noChangeShapeType="1"/>
+          </p:cNvSpPr>
+          <p:nvPr/>
+        </p:nvSpPr>
+        <p:spPr bwMode="auto">
+          <a:xfrm>
+            <a:off x="1751013" y="1323814"/>
+            <a:ext cx="0" cy="2265363"/>
+          </a:xfrm>
+          <a:prstGeom prst="line">
+            <a:avLst/>
+          </a:prstGeom>
+          <a:solidFill>
+            <a:srgbClr val="FF0000"/>
+          </a:solidFill>
+          <a:ln w="38100">
+            <a:solidFill>
+              <a:schemeClr val="tx1"/>
+            </a:solidFill>
+            <a:prstDash val="sysDot"/>
+            <a:round/>
+            <a:headEnd/>
+            <a:tailEnd/>
+          </a:ln>
+          <a:effectLst/>
+        </p:spPr>
+        <p:txBody>
+          <a:bodyPr wrap="none" lIns="90000" tIns="46800" rIns="90000" bIns="46800">
+            <a:spAutoFit/>
+          </a:bodyPr>
+          <a:lstStyle/>
+          <a:p>
+            <a:pPr>
+              <a:defRPr/>
+            </a:pPr>
+            <a:endParaRPr lang="nl-NL">
+              <a:effectLst>
+                <a:outerShdw blurRad="38100" dist="38100" dir="2700000" algn="tl">
+                  <a:srgbClr val="000000">
+                    <a:alpha val="43137"/>
+                  </a:srgbClr>
+                </a:outerShdw>
+              </a:effectLst>
+            </a:endParaRPr>
+          </a:p>
+        </p:txBody>
+      </p:sp>
+      <p:grpSp>
+        <p:nvGrpSpPr>
+          <p:cNvPr id="2" name="Group 99"/>
+          <p:cNvGrpSpPr>
+            <a:grpSpLocks/>
+          </p:cNvGrpSpPr>
+          <p:nvPr/>
+        </p:nvGrpSpPr>
+        <p:grpSpPr bwMode="auto">
+          <a:xfrm flipV="1">
+            <a:off x="7668344" y="1523839"/>
+            <a:ext cx="733425" cy="66675"/>
+            <a:chOff x="1584" y="1200"/>
+            <a:chExt cx="1536" cy="96"/>
+          </a:xfrm>
+        </p:grpSpPr>
+        <p:sp>
+          <p:nvSpPr>
+            <p:cNvPr id="1036388" name="Line 100"/>
+            <p:cNvSpPr>
+              <a:spLocks noChangeShapeType="1"/>
+            </p:cNvSpPr>
+            <p:nvPr/>
+          </p:nvSpPr>
+          <p:spPr bwMode="auto">
+            <a:xfrm flipV="1">
+              <a:off x="1584" y="1248"/>
+              <a:ext cx="1536" cy="0"/>
+            </a:xfrm>
+            <a:prstGeom prst="line">
+              <a:avLst/>
+            </a:prstGeom>
+            <a:noFill/>
+            <a:ln w="38100">
+              <a:solidFill>
+                <a:schemeClr val="tx1"/>
+              </a:solidFill>
+              <a:round/>
+              <a:headEnd/>
+              <a:tailEnd/>
+            </a:ln>
+            <a:effectLst/>
+          </p:spPr>
+          <p:txBody>
+            <a:bodyPr lIns="90000" tIns="46800" rIns="90000" bIns="46800">
+              <a:spAutoFit/>
+            </a:bodyPr>
+            <a:lstStyle/>
+            <a:p>
+              <a:pPr>
+                <a:defRPr/>
+              </a:pPr>
+              <a:endParaRPr lang="nl-NL">
+                <a:effectLst>
+                  <a:outerShdw blurRad="38100" dist="38100" dir="2700000" algn="tl">
+                    <a:srgbClr val="000000">
+                      <a:alpha val="43137"/>
+                    </a:srgbClr>
+                  </a:outerShdw>
+                </a:effectLst>
+              </a:endParaRPr>
+            </a:p>
+          </p:txBody>
+        </p:sp>
+        <p:sp>
+          <p:nvSpPr>
+            <p:cNvPr id="1036389" name="Rectangle 101"/>
+            <p:cNvSpPr>
+              <a:spLocks noChangeArrowheads="1"/>
+            </p:cNvSpPr>
+            <p:nvPr/>
+          </p:nvSpPr>
+          <p:spPr bwMode="auto">
+            <a:xfrm>
+              <a:off x="2305" y="1200"/>
+              <a:ext cx="93" cy="96"/>
+            </a:xfrm>
+            <a:prstGeom prst="rect">
+              <a:avLst/>
+            </a:prstGeom>
+            <a:solidFill>
+              <a:schemeClr val="tx1"/>
+            </a:solidFill>
+            <a:ln w="38100">
+              <a:solidFill>
+                <a:schemeClr val="tx1"/>
+              </a:solidFill>
+              <a:miter lim="800000"/>
+              <a:headEnd/>
+              <a:tailEnd/>
+            </a:ln>
+            <a:effectLst/>
+          </p:spPr>
+          <p:txBody>
+            <a:bodyPr wrap="none" lIns="90000" tIns="46800" rIns="90000" bIns="46800" anchor="ctr">
+              <a:spAutoFit/>
+            </a:bodyPr>
+            <a:lstStyle/>
+            <a:p>
+              <a:pPr>
+                <a:defRPr/>
+              </a:pPr>
+              <a:endParaRPr lang="nl-NL">
+                <a:effectLst>
+                  <a:outerShdw blurRad="38100" dist="38100" dir="2700000" algn="tl">
+                    <a:srgbClr val="000000">
+                      <a:alpha val="43137"/>
+                    </a:srgbClr>
+                  </a:outerShdw>
+                </a:effectLst>
+              </a:endParaRPr>
+            </a:p>
+          </p:txBody>
+        </p:sp>
+      </p:grpSp>
+      <p:grpSp>
+        <p:nvGrpSpPr>
+          <p:cNvPr id="3" name="Group 102"/>
+          <p:cNvGrpSpPr>
+            <a:grpSpLocks/>
+          </p:cNvGrpSpPr>
+          <p:nvPr/>
+        </p:nvGrpSpPr>
+        <p:grpSpPr bwMode="auto">
+          <a:xfrm flipV="1">
+            <a:off x="7164288" y="1857214"/>
+            <a:ext cx="733425" cy="66675"/>
+            <a:chOff x="1584" y="1200"/>
+            <a:chExt cx="1536" cy="96"/>
+          </a:xfrm>
+        </p:grpSpPr>
+        <p:sp>
+          <p:nvSpPr>
+            <p:cNvPr id="1036391" name="Line 103"/>
+            <p:cNvSpPr>
+              <a:spLocks noChangeShapeType="1"/>
+            </p:cNvSpPr>
+            <p:nvPr/>
+          </p:nvSpPr>
+          <p:spPr bwMode="auto">
+            <a:xfrm flipV="1">
+              <a:off x="1584" y="1248"/>
+              <a:ext cx="1536" cy="0"/>
+            </a:xfrm>
+            <a:prstGeom prst="line">
+              <a:avLst/>
+            </a:prstGeom>
+            <a:noFill/>
+            <a:ln w="38100">
+              <a:solidFill>
+                <a:schemeClr val="tx1"/>
+              </a:solidFill>
+              <a:round/>
+              <a:headEnd/>
+              <a:tailEnd/>
+            </a:ln>
+            <a:effectLst/>
+          </p:spPr>
+          <p:txBody>
+            <a:bodyPr lIns="90000" tIns="46800" rIns="90000" bIns="46800">
+              <a:spAutoFit/>
+            </a:bodyPr>
+            <a:lstStyle/>
+            <a:p>
+              <a:pPr>
+                <a:defRPr/>
+              </a:pPr>
+              <a:endParaRPr lang="nl-NL">
+                <a:effectLst>
+                  <a:outerShdw blurRad="38100" dist="38100" dir="2700000" algn="tl">
+                    <a:srgbClr val="000000">
+                      <a:alpha val="43137"/>
+                    </a:srgbClr>
+                  </a:outerShdw>
+                </a:effectLst>
+              </a:endParaRPr>
+            </a:p>
+          </p:txBody>
+        </p:sp>
+        <p:sp>
+          <p:nvSpPr>
+            <p:cNvPr id="1036392" name="Rectangle 104"/>
+            <p:cNvSpPr>
+              <a:spLocks noChangeArrowheads="1"/>
+            </p:cNvSpPr>
+            <p:nvPr/>
+          </p:nvSpPr>
+          <p:spPr bwMode="auto">
+            <a:xfrm>
+              <a:off x="2305" y="1200"/>
+              <a:ext cx="93" cy="96"/>
+            </a:xfrm>
+            <a:prstGeom prst="rect">
+              <a:avLst/>
+            </a:prstGeom>
+            <a:solidFill>
+              <a:schemeClr val="tx1"/>
+            </a:solidFill>
+            <a:ln w="38100">
+              <a:solidFill>
+                <a:schemeClr val="tx1"/>
+              </a:solidFill>
+              <a:miter lim="800000"/>
+              <a:headEnd/>
+              <a:tailEnd/>
+            </a:ln>
+            <a:effectLst/>
+          </p:spPr>
+          <p:txBody>
+            <a:bodyPr wrap="none" lIns="90000" tIns="46800" rIns="90000" bIns="46800" anchor="ctr">
+              <a:spAutoFit/>
+            </a:bodyPr>
+            <a:lstStyle/>
+            <a:p>
+              <a:pPr>
+                <a:defRPr/>
+              </a:pPr>
+              <a:endParaRPr lang="nl-NL">
+                <a:effectLst>
+                  <a:outerShdw blurRad="38100" dist="38100" dir="2700000" algn="tl">
+                    <a:srgbClr val="000000">
+                      <a:alpha val="43137"/>
+                    </a:srgbClr>
+                  </a:outerShdw>
+                </a:effectLst>
+              </a:endParaRPr>
+            </a:p>
+          </p:txBody>
+        </p:sp>
+      </p:grpSp>
+      <p:grpSp>
+        <p:nvGrpSpPr>
+          <p:cNvPr id="4" name="Group 105"/>
+          <p:cNvGrpSpPr>
+            <a:grpSpLocks/>
+          </p:cNvGrpSpPr>
+          <p:nvPr/>
+        </p:nvGrpSpPr>
+        <p:grpSpPr bwMode="auto">
+          <a:xfrm flipV="1">
+            <a:off x="7751763" y="2190589"/>
+            <a:ext cx="733425" cy="65088"/>
+            <a:chOff x="1584" y="1200"/>
+            <a:chExt cx="1536" cy="96"/>
+          </a:xfrm>
+        </p:grpSpPr>
+        <p:sp>
+          <p:nvSpPr>
+            <p:cNvPr id="1036394" name="Line 106"/>
+            <p:cNvSpPr>
+              <a:spLocks noChangeShapeType="1"/>
+            </p:cNvSpPr>
+            <p:nvPr/>
+          </p:nvSpPr>
+          <p:spPr bwMode="auto">
+            <a:xfrm flipV="1">
+              <a:off x="1584" y="1247"/>
+              <a:ext cx="1536" cy="0"/>
+            </a:xfrm>
+            <a:prstGeom prst="line">
+              <a:avLst/>
+            </a:prstGeom>
+            <a:noFill/>
+            <a:ln w="38100">
+              <a:solidFill>
+                <a:schemeClr val="tx1"/>
+              </a:solidFill>
+              <a:round/>
+              <a:headEnd/>
+              <a:tailEnd/>
+            </a:ln>
+            <a:effectLst/>
+          </p:spPr>
+          <p:txBody>
+            <a:bodyPr lIns="90000" tIns="46800" rIns="90000" bIns="46800">
+              <a:spAutoFit/>
+            </a:bodyPr>
+            <a:lstStyle/>
+            <a:p>
+              <a:pPr>
+                <a:defRPr/>
+              </a:pPr>
+              <a:endParaRPr lang="nl-NL">
+                <a:effectLst>
+                  <a:outerShdw blurRad="38100" dist="38100" dir="2700000" algn="tl">
+                    <a:srgbClr val="000000">
+                      <a:alpha val="43137"/>
+                    </a:srgbClr>
+                  </a:outerShdw>
+                </a:effectLst>
+              </a:endParaRPr>
+            </a:p>
+          </p:txBody>
+        </p:sp>
+        <p:sp>
+          <p:nvSpPr>
+            <p:cNvPr id="1036395" name="Rectangle 107"/>
+            <p:cNvSpPr>
+              <a:spLocks noChangeArrowheads="1"/>
+            </p:cNvSpPr>
+            <p:nvPr/>
+          </p:nvSpPr>
+          <p:spPr bwMode="auto">
+            <a:xfrm>
+              <a:off x="2305" y="1200"/>
+              <a:ext cx="93" cy="96"/>
+            </a:xfrm>
+            <a:prstGeom prst="rect">
+              <a:avLst/>
+            </a:prstGeom>
+            <a:solidFill>
+              <a:schemeClr val="tx1"/>
+            </a:solidFill>
+            <a:ln w="38100">
+              <a:solidFill>
+                <a:schemeClr val="tx1"/>
+              </a:solidFill>
+              <a:miter lim="800000"/>
+              <a:headEnd/>
+              <a:tailEnd/>
+            </a:ln>
+            <a:effectLst/>
+          </p:spPr>
+          <p:txBody>
+            <a:bodyPr wrap="none" lIns="90000" tIns="46800" rIns="90000" bIns="46800" anchor="ctr">
+              <a:spAutoFit/>
+            </a:bodyPr>
+            <a:lstStyle/>
+            <a:p>
+              <a:pPr>
+                <a:defRPr/>
+              </a:pPr>
+              <a:endParaRPr lang="nl-NL">
+                <a:effectLst>
+                  <a:outerShdw blurRad="38100" dist="38100" dir="2700000" algn="tl">
+                    <a:srgbClr val="000000">
+                      <a:alpha val="43137"/>
+                    </a:srgbClr>
+                  </a:outerShdw>
+                </a:effectLst>
+              </a:endParaRPr>
+            </a:p>
+          </p:txBody>
+        </p:sp>
+      </p:grpSp>
+      <p:grpSp>
+        <p:nvGrpSpPr>
+          <p:cNvPr id="5" name="Group 108"/>
+          <p:cNvGrpSpPr>
+            <a:grpSpLocks/>
+          </p:cNvGrpSpPr>
+          <p:nvPr/>
+        </p:nvGrpSpPr>
+        <p:grpSpPr bwMode="auto">
+          <a:xfrm flipV="1">
+            <a:off x="7418388" y="2589052"/>
+            <a:ext cx="733425" cy="66675"/>
+            <a:chOff x="1584" y="1200"/>
+            <a:chExt cx="1536" cy="96"/>
+          </a:xfrm>
+        </p:grpSpPr>
+        <p:sp>
+          <p:nvSpPr>
+            <p:cNvPr id="1036397" name="Line 109"/>
+            <p:cNvSpPr>
+              <a:spLocks noChangeShapeType="1"/>
+            </p:cNvSpPr>
+            <p:nvPr/>
+          </p:nvSpPr>
+          <p:spPr bwMode="auto">
+            <a:xfrm flipV="1">
+              <a:off x="1584" y="1248"/>
+              <a:ext cx="1536" cy="0"/>
+            </a:xfrm>
+            <a:prstGeom prst="line">
+              <a:avLst/>
+            </a:prstGeom>
+            <a:noFill/>
+            <a:ln w="38100">
+              <a:solidFill>
+                <a:schemeClr val="tx1"/>
+              </a:solidFill>
+              <a:round/>
+              <a:headEnd/>
+              <a:tailEnd/>
+            </a:ln>
+            <a:effectLst/>
+          </p:spPr>
+          <p:txBody>
+            <a:bodyPr lIns="90000" tIns="46800" rIns="90000" bIns="46800">
+              <a:spAutoFit/>
+            </a:bodyPr>
+            <a:lstStyle/>
+            <a:p>
+              <a:pPr>
+                <a:defRPr/>
+              </a:pPr>
+              <a:endParaRPr lang="nl-NL">
+                <a:effectLst>
+                  <a:outerShdw blurRad="38100" dist="38100" dir="2700000" algn="tl">
+                    <a:srgbClr val="000000">
+                      <a:alpha val="43137"/>
+                    </a:srgbClr>
+                  </a:outerShdw>
+                </a:effectLst>
+              </a:endParaRPr>
+            </a:p>
+          </p:txBody>
+        </p:sp>
+        <p:sp>
+          <p:nvSpPr>
+            <p:cNvPr id="1036398" name="Rectangle 110"/>
+            <p:cNvSpPr>
+              <a:spLocks noChangeArrowheads="1"/>
+            </p:cNvSpPr>
+            <p:nvPr/>
+          </p:nvSpPr>
+          <p:spPr bwMode="auto">
+            <a:xfrm>
+              <a:off x="2305" y="1200"/>
+              <a:ext cx="93" cy="96"/>
+            </a:xfrm>
+            <a:prstGeom prst="rect">
+              <a:avLst/>
+            </a:prstGeom>
+            <a:solidFill>
+              <a:schemeClr val="tx1"/>
+            </a:solidFill>
+            <a:ln w="38100">
+              <a:solidFill>
+                <a:schemeClr val="tx1"/>
+              </a:solidFill>
+              <a:miter lim="800000"/>
+              <a:headEnd/>
+              <a:tailEnd/>
+            </a:ln>
+            <a:effectLst/>
+          </p:spPr>
+          <p:txBody>
+            <a:bodyPr wrap="none" lIns="90000" tIns="46800" rIns="90000" bIns="46800" anchor="ctr">
+              <a:spAutoFit/>
+            </a:bodyPr>
+            <a:lstStyle/>
+            <a:p>
+              <a:pPr>
+                <a:defRPr/>
+              </a:pPr>
+              <a:endParaRPr lang="nl-NL">
+                <a:effectLst>
+                  <a:outerShdw blurRad="38100" dist="38100" dir="2700000" algn="tl">
+                    <a:srgbClr val="000000">
+                      <a:alpha val="43137"/>
+                    </a:srgbClr>
+                  </a:outerShdw>
+                </a:effectLst>
+              </a:endParaRPr>
+            </a:p>
+          </p:txBody>
+        </p:sp>
+      </p:grpSp>
+      <p:grpSp>
+        <p:nvGrpSpPr>
+          <p:cNvPr id="6" name="Group 111"/>
+          <p:cNvGrpSpPr>
+            <a:grpSpLocks/>
+          </p:cNvGrpSpPr>
+          <p:nvPr/>
+        </p:nvGrpSpPr>
+        <p:grpSpPr bwMode="auto">
+          <a:xfrm flipV="1">
+            <a:off x="8087047" y="2855752"/>
+            <a:ext cx="733425" cy="66675"/>
+            <a:chOff x="1584" y="1200"/>
+            <a:chExt cx="1536" cy="96"/>
+          </a:xfrm>
+        </p:grpSpPr>
+        <p:sp>
+          <p:nvSpPr>
+            <p:cNvPr id="1036400" name="Line 112"/>
+            <p:cNvSpPr>
+              <a:spLocks noChangeShapeType="1"/>
+            </p:cNvSpPr>
+            <p:nvPr/>
+          </p:nvSpPr>
+          <p:spPr bwMode="auto">
+            <a:xfrm flipV="1">
+              <a:off x="1584" y="1248"/>
+              <a:ext cx="1536" cy="0"/>
+            </a:xfrm>
+            <a:prstGeom prst="line">
+              <a:avLst/>
+            </a:prstGeom>
+            <a:noFill/>
+            <a:ln w="38100">
+              <a:solidFill>
+                <a:schemeClr val="tx1"/>
+              </a:solidFill>
+              <a:round/>
+              <a:headEnd/>
+              <a:tailEnd/>
+            </a:ln>
+            <a:effectLst/>
+          </p:spPr>
+          <p:txBody>
+            <a:bodyPr lIns="90000" tIns="46800" rIns="90000" bIns="46800">
+              <a:spAutoFit/>
+            </a:bodyPr>
+            <a:lstStyle/>
+            <a:p>
+              <a:pPr>
+                <a:defRPr/>
+              </a:pPr>
+              <a:endParaRPr lang="nl-NL">
+                <a:effectLst>
+                  <a:outerShdw blurRad="38100" dist="38100" dir="2700000" algn="tl">
+                    <a:srgbClr val="000000">
+                      <a:alpha val="43137"/>
+                    </a:srgbClr>
+                  </a:outerShdw>
+                </a:effectLst>
+              </a:endParaRPr>
+            </a:p>
+          </p:txBody>
+        </p:sp>
+        <p:sp>
+          <p:nvSpPr>
+            <p:cNvPr id="1036401" name="Rectangle 113"/>
+            <p:cNvSpPr>
+              <a:spLocks noChangeArrowheads="1"/>
+            </p:cNvSpPr>
+            <p:nvPr/>
+          </p:nvSpPr>
+          <p:spPr bwMode="auto">
+            <a:xfrm>
+              <a:off x="2305" y="1200"/>
+              <a:ext cx="93" cy="96"/>
+            </a:xfrm>
+            <a:prstGeom prst="rect">
+              <a:avLst/>
+            </a:prstGeom>
+            <a:solidFill>
+              <a:schemeClr val="tx1"/>
+            </a:solidFill>
+            <a:ln w="38100">
+              <a:solidFill>
+                <a:schemeClr val="tx1"/>
+              </a:solidFill>
+              <a:miter lim="800000"/>
+              <a:headEnd/>
+              <a:tailEnd/>
+            </a:ln>
+            <a:effectLst/>
+          </p:spPr>
+          <p:txBody>
+            <a:bodyPr wrap="none" lIns="90000" tIns="46800" rIns="90000" bIns="46800" anchor="ctr">
+              <a:spAutoFit/>
+            </a:bodyPr>
+            <a:lstStyle/>
+            <a:p>
+              <a:pPr>
+                <a:defRPr/>
+              </a:pPr>
+              <a:endParaRPr lang="nl-NL">
+                <a:effectLst>
+                  <a:outerShdw blurRad="38100" dist="38100" dir="2700000" algn="tl">
+                    <a:srgbClr val="000000">
+                      <a:alpha val="43137"/>
+                    </a:srgbClr>
+                  </a:outerShdw>
+                </a:effectLst>
+              </a:endParaRPr>
+            </a:p>
+          </p:txBody>
+        </p:sp>
+      </p:grpSp>
+      <p:grpSp>
+        <p:nvGrpSpPr>
+          <p:cNvPr id="7" name="Group 114"/>
+          <p:cNvGrpSpPr>
+            <a:grpSpLocks/>
+          </p:cNvGrpSpPr>
+          <p:nvPr/>
+        </p:nvGrpSpPr>
+        <p:grpSpPr bwMode="auto">
+          <a:xfrm flipV="1">
+            <a:off x="7285038" y="3189127"/>
+            <a:ext cx="733425" cy="66675"/>
+            <a:chOff x="1584" y="1200"/>
+            <a:chExt cx="1536" cy="96"/>
+          </a:xfrm>
+        </p:grpSpPr>
+        <p:sp>
+          <p:nvSpPr>
+            <p:cNvPr id="1036403" name="Line 115"/>
+            <p:cNvSpPr>
+              <a:spLocks noChangeShapeType="1"/>
+            </p:cNvSpPr>
+            <p:nvPr/>
+          </p:nvSpPr>
+          <p:spPr bwMode="auto">
+            <a:xfrm flipV="1">
+              <a:off x="1584" y="1248"/>
+              <a:ext cx="1536" cy="0"/>
+            </a:xfrm>
+            <a:prstGeom prst="line">
+              <a:avLst/>
+            </a:prstGeom>
+            <a:noFill/>
+            <a:ln w="38100">
+              <a:solidFill>
+                <a:schemeClr val="tx1"/>
+              </a:solidFill>
+              <a:round/>
+              <a:headEnd/>
+              <a:tailEnd/>
+            </a:ln>
+            <a:effectLst/>
+          </p:spPr>
+          <p:txBody>
+            <a:bodyPr lIns="90000" tIns="46800" rIns="90000" bIns="46800">
+              <a:spAutoFit/>
+            </a:bodyPr>
+            <a:lstStyle/>
+            <a:p>
+              <a:pPr>
+                <a:defRPr/>
+              </a:pPr>
+              <a:endParaRPr lang="nl-NL">
+                <a:effectLst>
+                  <a:outerShdw blurRad="38100" dist="38100" dir="2700000" algn="tl">
+                    <a:srgbClr val="000000">
+                      <a:alpha val="43137"/>
+                    </a:srgbClr>
+                  </a:outerShdw>
+                </a:effectLst>
+              </a:endParaRPr>
+            </a:p>
+          </p:txBody>
+        </p:sp>
+        <p:sp>
+          <p:nvSpPr>
+            <p:cNvPr id="1036404" name="Rectangle 116"/>
+            <p:cNvSpPr>
+              <a:spLocks noChangeArrowheads="1"/>
+            </p:cNvSpPr>
+            <p:nvPr/>
+          </p:nvSpPr>
+          <p:spPr bwMode="auto">
+            <a:xfrm>
+              <a:off x="2305" y="1200"/>
+              <a:ext cx="93" cy="96"/>
+            </a:xfrm>
+            <a:prstGeom prst="rect">
+              <a:avLst/>
+            </a:prstGeom>
+            <a:solidFill>
+              <a:schemeClr val="tx1"/>
+            </a:solidFill>
+            <a:ln w="38100">
+              <a:solidFill>
+                <a:schemeClr val="tx1"/>
+              </a:solidFill>
+              <a:miter lim="800000"/>
+              <a:headEnd/>
+              <a:tailEnd/>
+            </a:ln>
+            <a:effectLst/>
+          </p:spPr>
+          <p:txBody>
+            <a:bodyPr wrap="none" lIns="90000" tIns="46800" rIns="90000" bIns="46800" anchor="ctr">
+              <a:spAutoFit/>
+            </a:bodyPr>
+            <a:lstStyle/>
+            <a:p>
+              <a:pPr>
+                <a:defRPr/>
+              </a:pPr>
+              <a:endParaRPr lang="nl-NL">
+                <a:effectLst>
+                  <a:outerShdw blurRad="38100" dist="38100" dir="2700000" algn="tl">
+                    <a:srgbClr val="000000">
+                      <a:alpha val="43137"/>
+                    </a:srgbClr>
+                  </a:outerShdw>
+                </a:effectLst>
+              </a:endParaRPr>
+            </a:p>
+          </p:txBody>
+        </p:sp>
+      </p:grpSp>
+      <p:grpSp>
+        <p:nvGrpSpPr>
+          <p:cNvPr id="8" name="Group 117"/>
+          <p:cNvGrpSpPr>
+            <a:grpSpLocks/>
+          </p:cNvGrpSpPr>
+          <p:nvPr/>
+        </p:nvGrpSpPr>
+        <p:grpSpPr bwMode="auto">
+          <a:xfrm flipV="1">
+            <a:off x="6214839" y="1523839"/>
+            <a:ext cx="733425" cy="66675"/>
+            <a:chOff x="1584" y="1200"/>
+            <a:chExt cx="1536" cy="96"/>
+          </a:xfrm>
+        </p:grpSpPr>
+        <p:sp>
+          <p:nvSpPr>
+            <p:cNvPr id="1036406" name="Line 118"/>
+            <p:cNvSpPr>
+              <a:spLocks noChangeShapeType="1"/>
+            </p:cNvSpPr>
+            <p:nvPr/>
+          </p:nvSpPr>
+          <p:spPr bwMode="auto">
+            <a:xfrm flipV="1">
+              <a:off x="1584" y="1248"/>
+              <a:ext cx="1536" cy="0"/>
+            </a:xfrm>
+            <a:prstGeom prst="line">
+              <a:avLst/>
+            </a:prstGeom>
+            <a:noFill/>
+            <a:ln w="38100">
+              <a:solidFill>
+                <a:schemeClr val="tx1"/>
+              </a:solidFill>
+              <a:round/>
+              <a:headEnd/>
+              <a:tailEnd/>
+            </a:ln>
+            <a:effectLst/>
+          </p:spPr>
+          <p:txBody>
+            <a:bodyPr lIns="90000" tIns="46800" rIns="90000" bIns="46800">
+              <a:spAutoFit/>
+            </a:bodyPr>
+            <a:lstStyle/>
+            <a:p>
+              <a:pPr>
+                <a:defRPr/>
+              </a:pPr>
+              <a:endParaRPr lang="nl-NL">
+                <a:effectLst>
+                  <a:outerShdw blurRad="38100" dist="38100" dir="2700000" algn="tl">
+                    <a:srgbClr val="000000">
+                      <a:alpha val="43137"/>
+                    </a:srgbClr>
+                  </a:outerShdw>
+                </a:effectLst>
+              </a:endParaRPr>
+            </a:p>
+          </p:txBody>
+        </p:sp>
+        <p:sp>
+          <p:nvSpPr>
+            <p:cNvPr id="1036407" name="Rectangle 119"/>
+            <p:cNvSpPr>
+              <a:spLocks noChangeArrowheads="1"/>
+            </p:cNvSpPr>
+            <p:nvPr/>
+          </p:nvSpPr>
+          <p:spPr bwMode="auto">
+            <a:xfrm>
+              <a:off x="2305" y="1200"/>
+              <a:ext cx="93" cy="96"/>
+            </a:xfrm>
+            <a:prstGeom prst="rect">
+              <a:avLst/>
+            </a:prstGeom>
+            <a:solidFill>
+              <a:schemeClr val="tx1"/>
+            </a:solidFill>
+            <a:ln w="38100">
+              <a:solidFill>
+                <a:schemeClr val="tx1"/>
+              </a:solidFill>
+              <a:miter lim="800000"/>
+              <a:headEnd/>
+              <a:tailEnd/>
+            </a:ln>
+            <a:effectLst/>
+          </p:spPr>
+          <p:txBody>
+            <a:bodyPr wrap="none" lIns="90000" tIns="46800" rIns="90000" bIns="46800" anchor="ctr">
+              <a:spAutoFit/>
+            </a:bodyPr>
+            <a:lstStyle/>
+            <a:p>
+              <a:pPr>
+                <a:defRPr/>
+              </a:pPr>
+              <a:endParaRPr lang="nl-NL">
+                <a:effectLst>
+                  <a:outerShdw blurRad="38100" dist="38100" dir="2700000" algn="tl">
+                    <a:srgbClr val="000000">
+                      <a:alpha val="43137"/>
+                    </a:srgbClr>
+                  </a:outerShdw>
+                </a:effectLst>
+              </a:endParaRPr>
+            </a:p>
+          </p:txBody>
+        </p:sp>
+      </p:grpSp>
+      <p:grpSp>
+        <p:nvGrpSpPr>
+          <p:cNvPr id="9" name="Group 120"/>
+          <p:cNvGrpSpPr>
+            <a:grpSpLocks/>
+          </p:cNvGrpSpPr>
+          <p:nvPr/>
+        </p:nvGrpSpPr>
+        <p:grpSpPr bwMode="auto">
+          <a:xfrm flipV="1">
+            <a:off x="5553075" y="1857214"/>
+            <a:ext cx="733425" cy="66675"/>
+            <a:chOff x="1584" y="1200"/>
+            <a:chExt cx="1536" cy="96"/>
+          </a:xfrm>
+        </p:grpSpPr>
+        <p:sp>
+          <p:nvSpPr>
+            <p:cNvPr id="1036409" name="Line 121"/>
+            <p:cNvSpPr>
+              <a:spLocks noChangeShapeType="1"/>
+            </p:cNvSpPr>
+            <p:nvPr/>
+          </p:nvSpPr>
+          <p:spPr bwMode="auto">
+            <a:xfrm flipV="1">
+              <a:off x="1584" y="1248"/>
+              <a:ext cx="1536" cy="0"/>
+            </a:xfrm>
+            <a:prstGeom prst="line">
+              <a:avLst/>
+            </a:prstGeom>
+            <a:noFill/>
+            <a:ln w="38100">
+              <a:solidFill>
+                <a:schemeClr val="tx1"/>
+              </a:solidFill>
+              <a:round/>
+              <a:headEnd/>
+              <a:tailEnd/>
+            </a:ln>
+            <a:effectLst/>
+          </p:spPr>
+          <p:txBody>
+            <a:bodyPr lIns="90000" tIns="46800" rIns="90000" bIns="46800">
+              <a:spAutoFit/>
+            </a:bodyPr>
+            <a:lstStyle/>
+            <a:p>
+              <a:pPr>
+                <a:defRPr/>
+              </a:pPr>
+              <a:endParaRPr lang="nl-NL">
+                <a:effectLst>
+                  <a:outerShdw blurRad="38100" dist="38100" dir="2700000" algn="tl">
+                    <a:srgbClr val="000000">
+                      <a:alpha val="43137"/>
+                    </a:srgbClr>
+                  </a:outerShdw>
+                </a:effectLst>
+              </a:endParaRPr>
+            </a:p>
+          </p:txBody>
+        </p:sp>
+        <p:sp>
+          <p:nvSpPr>
+            <p:cNvPr id="1036410" name="Rectangle 122"/>
+            <p:cNvSpPr>
+              <a:spLocks noChangeArrowheads="1"/>
+            </p:cNvSpPr>
+            <p:nvPr/>
+          </p:nvSpPr>
+          <p:spPr bwMode="auto">
+            <a:xfrm>
+              <a:off x="2305" y="1200"/>
+              <a:ext cx="93" cy="96"/>
+            </a:xfrm>
+            <a:prstGeom prst="rect">
+              <a:avLst/>
+            </a:prstGeom>
+            <a:solidFill>
+              <a:schemeClr val="tx1"/>
+            </a:solidFill>
+            <a:ln w="38100">
+              <a:solidFill>
+                <a:schemeClr val="tx1"/>
+              </a:solidFill>
+              <a:miter lim="800000"/>
+              <a:headEnd/>
+              <a:tailEnd/>
+            </a:ln>
+            <a:effectLst/>
+          </p:spPr>
+          <p:txBody>
+            <a:bodyPr wrap="none" lIns="90000" tIns="46800" rIns="90000" bIns="46800" anchor="ctr">
+              <a:spAutoFit/>
+            </a:bodyPr>
+            <a:lstStyle/>
+            <a:p>
+              <a:pPr>
+                <a:defRPr/>
+              </a:pPr>
+              <a:endParaRPr lang="nl-NL">
+                <a:effectLst>
+                  <a:outerShdw blurRad="38100" dist="38100" dir="2700000" algn="tl">
+                    <a:srgbClr val="000000">
+                      <a:alpha val="43137"/>
+                    </a:srgbClr>
+                  </a:outerShdw>
+                </a:effectLst>
+              </a:endParaRPr>
+            </a:p>
+          </p:txBody>
+        </p:sp>
+      </p:grpSp>
+      <p:grpSp>
+        <p:nvGrpSpPr>
+          <p:cNvPr id="10" name="Group 123"/>
+          <p:cNvGrpSpPr>
+            <a:grpSpLocks/>
+          </p:cNvGrpSpPr>
+          <p:nvPr/>
+        </p:nvGrpSpPr>
+        <p:grpSpPr bwMode="auto">
+          <a:xfrm flipV="1">
+            <a:off x="5286375" y="2190589"/>
+            <a:ext cx="733425" cy="65088"/>
+            <a:chOff x="1584" y="1200"/>
+            <a:chExt cx="1536" cy="96"/>
+          </a:xfrm>
+        </p:grpSpPr>
+        <p:sp>
+          <p:nvSpPr>
+            <p:cNvPr id="1036412" name="Line 124"/>
+            <p:cNvSpPr>
+              <a:spLocks noChangeShapeType="1"/>
+            </p:cNvSpPr>
+            <p:nvPr/>
+          </p:nvSpPr>
+          <p:spPr bwMode="auto">
+            <a:xfrm flipV="1">
+              <a:off x="1584" y="1247"/>
+              <a:ext cx="1536" cy="0"/>
+            </a:xfrm>
+            <a:prstGeom prst="line">
+              <a:avLst/>
+            </a:prstGeom>
+            <a:noFill/>
+            <a:ln w="38100">
+              <a:solidFill>
+                <a:schemeClr val="tx1"/>
+              </a:solidFill>
+              <a:round/>
+              <a:headEnd/>
+              <a:tailEnd/>
+            </a:ln>
+            <a:effectLst/>
+          </p:spPr>
+          <p:txBody>
+            <a:bodyPr lIns="90000" tIns="46800" rIns="90000" bIns="46800">
+              <a:spAutoFit/>
+            </a:bodyPr>
+            <a:lstStyle/>
+            <a:p>
+              <a:pPr>
+                <a:defRPr/>
+              </a:pPr>
+              <a:endParaRPr lang="nl-NL">
+                <a:effectLst>
+                  <a:outerShdw blurRad="38100" dist="38100" dir="2700000" algn="tl">
+                    <a:srgbClr val="000000">
+                      <a:alpha val="43137"/>
+                    </a:srgbClr>
+                  </a:outerShdw>
+                </a:effectLst>
+              </a:endParaRPr>
+            </a:p>
+          </p:txBody>
+        </p:sp>
+        <p:sp>
+          <p:nvSpPr>
+            <p:cNvPr id="1036413" name="Rectangle 125"/>
+            <p:cNvSpPr>
+              <a:spLocks noChangeArrowheads="1"/>
+            </p:cNvSpPr>
+            <p:nvPr/>
+          </p:nvSpPr>
+          <p:spPr bwMode="auto">
+            <a:xfrm>
+              <a:off x="2305" y="1200"/>
+              <a:ext cx="93" cy="96"/>
+            </a:xfrm>
+            <a:prstGeom prst="rect">
+              <a:avLst/>
+            </a:prstGeom>
+            <a:solidFill>
+              <a:schemeClr val="tx1"/>
+            </a:solidFill>
+            <a:ln w="38100">
+              <a:solidFill>
+                <a:schemeClr val="tx1"/>
+              </a:solidFill>
+              <a:miter lim="800000"/>
+              <a:headEnd/>
+              <a:tailEnd/>
+            </a:ln>
+            <a:effectLst/>
+          </p:spPr>
+          <p:txBody>
+            <a:bodyPr wrap="none" lIns="90000" tIns="46800" rIns="90000" bIns="46800" anchor="ctr">
+              <a:spAutoFit/>
+            </a:bodyPr>
+            <a:lstStyle/>
+            <a:p>
+              <a:pPr>
+                <a:defRPr/>
+              </a:pPr>
+              <a:endParaRPr lang="nl-NL">
+                <a:effectLst>
+                  <a:outerShdw blurRad="38100" dist="38100" dir="2700000" algn="tl">
+                    <a:srgbClr val="000000">
+                      <a:alpha val="43137"/>
+                    </a:srgbClr>
+                  </a:outerShdw>
+                </a:effectLst>
+              </a:endParaRPr>
+            </a:p>
+          </p:txBody>
+        </p:sp>
+      </p:grpSp>
+      <p:grpSp>
+        <p:nvGrpSpPr>
+          <p:cNvPr id="11" name="Group 126"/>
+          <p:cNvGrpSpPr>
+            <a:grpSpLocks/>
+          </p:cNvGrpSpPr>
+          <p:nvPr/>
+        </p:nvGrpSpPr>
+        <p:grpSpPr bwMode="auto">
+          <a:xfrm flipV="1">
+            <a:off x="6143017" y="2522377"/>
+            <a:ext cx="733425" cy="66675"/>
+            <a:chOff x="1886" y="1200"/>
+            <a:chExt cx="1536" cy="96"/>
+          </a:xfrm>
+        </p:grpSpPr>
+        <p:sp>
+          <p:nvSpPr>
+            <p:cNvPr id="1036415" name="Line 127"/>
+            <p:cNvSpPr>
+              <a:spLocks noChangeShapeType="1"/>
+            </p:cNvSpPr>
+            <p:nvPr/>
+          </p:nvSpPr>
+          <p:spPr bwMode="auto">
+            <a:xfrm flipV="1">
+              <a:off x="1886" y="1248"/>
+              <a:ext cx="1536" cy="0"/>
+            </a:xfrm>
+            <a:prstGeom prst="line">
+              <a:avLst/>
+            </a:prstGeom>
+            <a:noFill/>
+            <a:ln w="38100">
+              <a:solidFill>
+                <a:schemeClr val="tx1"/>
+              </a:solidFill>
+              <a:round/>
+              <a:headEnd/>
+              <a:tailEnd/>
+            </a:ln>
+            <a:effectLst/>
+          </p:spPr>
+          <p:txBody>
+            <a:bodyPr lIns="90000" tIns="46800" rIns="90000" bIns="46800">
+              <a:spAutoFit/>
+            </a:bodyPr>
+            <a:lstStyle/>
+            <a:p>
+              <a:pPr>
+                <a:defRPr/>
+              </a:pPr>
+              <a:endParaRPr lang="nl-NL">
+                <a:effectLst>
+                  <a:outerShdw blurRad="38100" dist="38100" dir="2700000" algn="tl">
+                    <a:srgbClr val="000000">
+                      <a:alpha val="43137"/>
+                    </a:srgbClr>
+                  </a:outerShdw>
+                </a:effectLst>
+              </a:endParaRPr>
+            </a:p>
+          </p:txBody>
+        </p:sp>
+        <p:sp>
+          <p:nvSpPr>
+            <p:cNvPr id="1036416" name="Rectangle 128"/>
+            <p:cNvSpPr>
+              <a:spLocks noChangeArrowheads="1"/>
+            </p:cNvSpPr>
+            <p:nvPr/>
+          </p:nvSpPr>
+          <p:spPr bwMode="auto">
+            <a:xfrm>
+              <a:off x="2305" y="1200"/>
+              <a:ext cx="93" cy="96"/>
+            </a:xfrm>
+            <a:prstGeom prst="rect">
+              <a:avLst/>
+            </a:prstGeom>
+            <a:solidFill>
+              <a:schemeClr val="tx1"/>
+            </a:solidFill>
+            <a:ln w="38100">
+              <a:solidFill>
+                <a:schemeClr val="tx1"/>
+              </a:solidFill>
+              <a:miter lim="800000"/>
+              <a:headEnd/>
+              <a:tailEnd/>
+            </a:ln>
+            <a:effectLst/>
+          </p:spPr>
+          <p:txBody>
+            <a:bodyPr wrap="none" lIns="90000" tIns="46800" rIns="90000" bIns="46800" anchor="ctr">
+              <a:spAutoFit/>
+            </a:bodyPr>
+            <a:lstStyle/>
+            <a:p>
+              <a:pPr>
+                <a:defRPr/>
+              </a:pPr>
+              <a:endParaRPr lang="nl-NL">
+                <a:effectLst>
+                  <a:outerShdw blurRad="38100" dist="38100" dir="2700000" algn="tl">
+                    <a:srgbClr val="000000">
+                      <a:alpha val="43137"/>
+                    </a:srgbClr>
+                  </a:outerShdw>
+                </a:effectLst>
+              </a:endParaRPr>
+            </a:p>
+          </p:txBody>
+        </p:sp>
+      </p:grpSp>
+      <p:grpSp>
+        <p:nvGrpSpPr>
+          <p:cNvPr id="12" name="Group 129"/>
+          <p:cNvGrpSpPr>
+            <a:grpSpLocks/>
+          </p:cNvGrpSpPr>
+          <p:nvPr/>
+        </p:nvGrpSpPr>
+        <p:grpSpPr bwMode="auto">
+          <a:xfrm flipV="1">
+            <a:off x="5638775" y="2855752"/>
+            <a:ext cx="733425" cy="66675"/>
+            <a:chOff x="1584" y="1200"/>
+            <a:chExt cx="1536" cy="96"/>
+          </a:xfrm>
+        </p:grpSpPr>
+        <p:sp>
+          <p:nvSpPr>
+            <p:cNvPr id="1036418" name="Line 130"/>
+            <p:cNvSpPr>
+              <a:spLocks noChangeShapeType="1"/>
+            </p:cNvSpPr>
+            <p:nvPr/>
+          </p:nvSpPr>
+          <p:spPr bwMode="auto">
+            <a:xfrm flipV="1">
+              <a:off x="1584" y="1248"/>
+              <a:ext cx="1536" cy="0"/>
+            </a:xfrm>
+            <a:prstGeom prst="line">
+              <a:avLst/>
+            </a:prstGeom>
+            <a:noFill/>
+            <a:ln w="38100">
+              <a:solidFill>
+                <a:schemeClr val="tx1"/>
+              </a:solidFill>
+              <a:round/>
+              <a:headEnd/>
+              <a:tailEnd/>
+            </a:ln>
+            <a:effectLst/>
+          </p:spPr>
+          <p:txBody>
+            <a:bodyPr lIns="90000" tIns="46800" rIns="90000" bIns="46800">
+              <a:spAutoFit/>
+            </a:bodyPr>
+            <a:lstStyle/>
+            <a:p>
+              <a:pPr>
+                <a:defRPr/>
+              </a:pPr>
+              <a:endParaRPr lang="nl-NL">
+                <a:effectLst>
+                  <a:outerShdw blurRad="38100" dist="38100" dir="2700000" algn="tl">
+                    <a:srgbClr val="000000">
+                      <a:alpha val="43137"/>
+                    </a:srgbClr>
+                  </a:outerShdw>
+                </a:effectLst>
+              </a:endParaRPr>
+            </a:p>
+          </p:txBody>
+        </p:sp>
+        <p:sp>
+          <p:nvSpPr>
+            <p:cNvPr id="1036419" name="Rectangle 131"/>
+            <p:cNvSpPr>
+              <a:spLocks noChangeArrowheads="1"/>
+            </p:cNvSpPr>
+            <p:nvPr/>
+          </p:nvSpPr>
+          <p:spPr bwMode="auto">
+            <a:xfrm>
+              <a:off x="2305" y="1200"/>
+              <a:ext cx="93" cy="96"/>
+            </a:xfrm>
+            <a:prstGeom prst="rect">
+              <a:avLst/>
+            </a:prstGeom>
+            <a:solidFill>
+              <a:schemeClr val="tx1"/>
+            </a:solidFill>
+            <a:ln w="38100">
+              <a:solidFill>
+                <a:schemeClr val="tx1"/>
+              </a:solidFill>
+              <a:miter lim="800000"/>
+              <a:headEnd/>
+              <a:tailEnd/>
+            </a:ln>
+            <a:effectLst/>
+          </p:spPr>
+          <p:txBody>
+            <a:bodyPr wrap="none" lIns="90000" tIns="46800" rIns="90000" bIns="46800" anchor="ctr">
+              <a:spAutoFit/>
+            </a:bodyPr>
+            <a:lstStyle/>
+            <a:p>
+              <a:pPr>
+                <a:defRPr/>
+              </a:pPr>
+              <a:endParaRPr lang="nl-NL">
+                <a:effectLst>
+                  <a:outerShdw blurRad="38100" dist="38100" dir="2700000" algn="tl">
+                    <a:srgbClr val="000000">
+                      <a:alpha val="43137"/>
+                    </a:srgbClr>
+                  </a:outerShdw>
+                </a:effectLst>
+              </a:endParaRPr>
+            </a:p>
+          </p:txBody>
+        </p:sp>
+      </p:grpSp>
+      <p:grpSp>
+        <p:nvGrpSpPr>
+          <p:cNvPr id="13" name="Group 132"/>
+          <p:cNvGrpSpPr>
+            <a:grpSpLocks/>
+          </p:cNvGrpSpPr>
+          <p:nvPr/>
+        </p:nvGrpSpPr>
+        <p:grpSpPr bwMode="auto">
+          <a:xfrm flipV="1">
+            <a:off x="5292080" y="3189127"/>
+            <a:ext cx="733425" cy="66675"/>
+            <a:chOff x="1584" y="1200"/>
+            <a:chExt cx="1536" cy="96"/>
+          </a:xfrm>
+        </p:grpSpPr>
+        <p:sp>
+          <p:nvSpPr>
+            <p:cNvPr id="1036421" name="Line 133"/>
+            <p:cNvSpPr>
+              <a:spLocks noChangeShapeType="1"/>
+            </p:cNvSpPr>
+            <p:nvPr/>
+          </p:nvSpPr>
+          <p:spPr bwMode="auto">
+            <a:xfrm flipV="1">
+              <a:off x="1584" y="1248"/>
+              <a:ext cx="1536" cy="0"/>
+            </a:xfrm>
+            <a:prstGeom prst="line">
+              <a:avLst/>
+            </a:prstGeom>
+            <a:noFill/>
+            <a:ln w="38100">
+              <a:solidFill>
+                <a:schemeClr val="tx1"/>
+              </a:solidFill>
+              <a:round/>
+              <a:headEnd/>
+              <a:tailEnd/>
+            </a:ln>
+            <a:effectLst/>
+          </p:spPr>
+          <p:txBody>
+            <a:bodyPr lIns="90000" tIns="46800" rIns="90000" bIns="46800">
+              <a:spAutoFit/>
+            </a:bodyPr>
+            <a:lstStyle/>
+            <a:p>
+              <a:pPr>
+                <a:defRPr/>
+              </a:pPr>
+              <a:endParaRPr lang="nl-NL">
+                <a:effectLst>
+                  <a:outerShdw blurRad="38100" dist="38100" dir="2700000" algn="tl">
+                    <a:srgbClr val="000000">
+                      <a:alpha val="43137"/>
+                    </a:srgbClr>
+                  </a:outerShdw>
+                </a:effectLst>
+              </a:endParaRPr>
+            </a:p>
+          </p:txBody>
+        </p:sp>
+        <p:sp>
+          <p:nvSpPr>
+            <p:cNvPr id="1036422" name="Rectangle 134"/>
+            <p:cNvSpPr>
+              <a:spLocks noChangeArrowheads="1"/>
+            </p:cNvSpPr>
+            <p:nvPr/>
+          </p:nvSpPr>
+          <p:spPr bwMode="auto">
+            <a:xfrm>
+              <a:off x="2305" y="1200"/>
+              <a:ext cx="93" cy="96"/>
+            </a:xfrm>
+            <a:prstGeom prst="rect">
+              <a:avLst/>
+            </a:prstGeom>
+            <a:solidFill>
+              <a:schemeClr val="tx1"/>
+            </a:solidFill>
+            <a:ln w="38100">
+              <a:solidFill>
+                <a:schemeClr val="tx1"/>
+              </a:solidFill>
+              <a:miter lim="800000"/>
+              <a:headEnd/>
+              <a:tailEnd/>
+            </a:ln>
+            <a:effectLst/>
+          </p:spPr>
+          <p:txBody>
+            <a:bodyPr wrap="none" lIns="90000" tIns="46800" rIns="90000" bIns="46800" anchor="ctr">
+              <a:spAutoFit/>
+            </a:bodyPr>
+            <a:lstStyle/>
+            <a:p>
+              <a:pPr>
+                <a:defRPr/>
+              </a:pPr>
+              <a:endParaRPr lang="nl-NL">
+                <a:effectLst>
+                  <a:outerShdw blurRad="38100" dist="38100" dir="2700000" algn="tl">
+                    <a:srgbClr val="000000">
+                      <a:alpha val="43137"/>
+                    </a:srgbClr>
+                  </a:outerShdw>
+                </a:effectLst>
+              </a:endParaRPr>
+            </a:p>
+          </p:txBody>
+        </p:sp>
+      </p:grpSp>
+      <p:sp>
+        <p:nvSpPr>
+          <p:cNvPr id="1036423" name="Line 135"/>
+          <p:cNvSpPr>
+            <a:spLocks noChangeShapeType="1"/>
+          </p:cNvSpPr>
+          <p:nvPr/>
+        </p:nvSpPr>
+        <p:spPr bwMode="auto">
+          <a:xfrm>
+            <a:off x="5419725" y="4149080"/>
+            <a:ext cx="3598863" cy="0"/>
+          </a:xfrm>
+          <a:prstGeom prst="line">
+            <a:avLst/>
+          </a:prstGeom>
+          <a:noFill/>
+          <a:ln w="38100">
+            <a:solidFill>
+              <a:schemeClr val="tx1"/>
+            </a:solidFill>
+            <a:round/>
+            <a:headEnd/>
+            <a:tailEnd/>
+          </a:ln>
+          <a:effectLst/>
+        </p:spPr>
+        <p:txBody>
+          <a:bodyPr lIns="90000" tIns="46800" rIns="90000" bIns="46800">
+            <a:spAutoFit/>
+          </a:bodyPr>
+          <a:lstStyle/>
+          <a:p>
+            <a:pPr>
+              <a:defRPr/>
+            </a:pPr>
+            <a:endParaRPr lang="nl-NL">
+              <a:effectLst>
+                <a:outerShdw blurRad="38100" dist="38100" dir="2700000" algn="tl">
+                  <a:srgbClr val="000000">
+                    <a:alpha val="43137"/>
+                  </a:srgbClr>
+                </a:outerShdw>
+              </a:effectLst>
+            </a:endParaRPr>
+          </a:p>
+        </p:txBody>
+      </p:sp>
+      <p:sp>
+        <p:nvSpPr>
+          <p:cNvPr id="1036376" name="Line 88"/>
+          <p:cNvSpPr>
+            <a:spLocks noChangeShapeType="1"/>
+          </p:cNvSpPr>
+          <p:nvPr/>
+        </p:nvSpPr>
+        <p:spPr bwMode="auto">
+          <a:xfrm flipV="1">
+            <a:off x="5943600" y="3743536"/>
+            <a:ext cx="1868760" cy="37728"/>
+          </a:xfrm>
+          <a:prstGeom prst="line">
+            <a:avLst/>
+          </a:prstGeom>
+          <a:solidFill>
+            <a:srgbClr val="FF0000"/>
+          </a:solidFill>
+          <a:ln w="38100">
+            <a:solidFill>
+              <a:srgbClr val="FF0000"/>
+            </a:solidFill>
+            <a:round/>
+            <a:headEnd/>
+            <a:tailEnd/>
+          </a:ln>
+          <a:effectLst/>
+        </p:spPr>
+        <p:txBody>
+          <a:bodyPr wrap="square" lIns="90000" tIns="46800" rIns="90000" bIns="46800">
+            <a:spAutoFit/>
+          </a:bodyPr>
+          <a:lstStyle/>
+          <a:p>
+            <a:pPr>
+              <a:defRPr/>
+            </a:pPr>
+            <a:endParaRPr lang="nl-NL">
+              <a:effectLst>
+                <a:outerShdw blurRad="38100" dist="38100" dir="2700000" algn="tl">
+                  <a:srgbClr val="000000">
+                    <a:alpha val="43137"/>
+                  </a:srgbClr>
+                </a:outerShdw>
+              </a:effectLst>
+            </a:endParaRPr>
+          </a:p>
+        </p:txBody>
+      </p:sp>
+      <p:sp>
+        <p:nvSpPr>
+          <p:cNvPr id="1036377" name="Rectangle 89"/>
+          <p:cNvSpPr>
+            <a:spLocks noChangeArrowheads="1"/>
+          </p:cNvSpPr>
+          <p:nvPr/>
+        </p:nvSpPr>
+        <p:spPr bwMode="auto">
+          <a:xfrm>
+            <a:off x="6705600" y="3628864"/>
+            <a:ext cx="381000" cy="381000"/>
+          </a:xfrm>
+          <a:prstGeom prst="rect">
+            <a:avLst/>
+          </a:prstGeom>
+          <a:solidFill>
+            <a:srgbClr val="FF0000"/>
+          </a:solidFill>
+          <a:ln w="38100">
+            <a:solidFill>
+              <a:srgbClr val="FF0000"/>
+            </a:solidFill>
+            <a:miter lim="800000"/>
+            <a:headEnd/>
+            <a:tailEnd/>
+          </a:ln>
+          <a:effectLst/>
+        </p:spPr>
+        <p:txBody>
+          <a:bodyPr lIns="90000" tIns="46800" rIns="90000" bIns="46800" anchor="ctr">
+            <a:spAutoFit/>
+          </a:bodyPr>
+          <a:lstStyle/>
+          <a:p>
+            <a:pPr>
+              <a:defRPr/>
+            </a:pPr>
+            <a:endParaRPr lang="nl-NL">
+              <a:effectLst>
+                <a:outerShdw blurRad="38100" dist="38100" dir="2700000" algn="tl">
+                  <a:srgbClr val="000000">
+                    <a:alpha val="43137"/>
+                  </a:srgbClr>
+                </a:outerShdw>
+              </a:effectLst>
+            </a:endParaRPr>
+          </a:p>
+        </p:txBody>
+      </p:sp>
+      <p:sp>
+        <p:nvSpPr>
+          <p:cNvPr id="1036386" name="Line 98"/>
+          <p:cNvSpPr>
+            <a:spLocks noChangeShapeType="1"/>
+          </p:cNvSpPr>
+          <p:nvPr/>
+        </p:nvSpPr>
+        <p:spPr bwMode="auto">
+          <a:xfrm>
+            <a:off x="6876256" y="1323814"/>
+            <a:ext cx="0" cy="2265363"/>
+          </a:xfrm>
+          <a:prstGeom prst="line">
+            <a:avLst/>
+          </a:prstGeom>
+          <a:solidFill>
+            <a:srgbClr val="FF0000"/>
+          </a:solidFill>
+          <a:ln w="38100">
+            <a:solidFill>
+              <a:schemeClr val="tx1"/>
+            </a:solidFill>
+            <a:prstDash val="sysDot"/>
+            <a:round/>
+            <a:headEnd/>
+            <a:tailEnd/>
+          </a:ln>
+          <a:effectLst/>
+        </p:spPr>
+        <p:txBody>
+          <a:bodyPr wrap="none" lIns="90000" tIns="46800" rIns="90000" bIns="46800">
+            <a:spAutoFit/>
+          </a:bodyPr>
+          <a:lstStyle/>
+          <a:p>
+            <a:pPr>
+              <a:defRPr/>
+            </a:pPr>
+            <a:endParaRPr lang="nl-NL">
+              <a:effectLst>
+                <a:outerShdw blurRad="38100" dist="38100" dir="2700000" algn="tl">
+                  <a:srgbClr val="000000">
+                    <a:alpha val="43137"/>
+                  </a:srgbClr>
+                </a:outerShdw>
+              </a:effectLst>
+            </a:endParaRPr>
+          </a:p>
+        </p:txBody>
+      </p:sp>
+      <p:grpSp>
+        <p:nvGrpSpPr>
+          <p:cNvPr id="14" name="Group 99"/>
+          <p:cNvGrpSpPr>
+            <a:grpSpLocks/>
+          </p:cNvGrpSpPr>
+          <p:nvPr/>
+        </p:nvGrpSpPr>
+        <p:grpSpPr bwMode="auto">
+          <a:xfrm flipV="1">
+            <a:off x="2573684" y="1576846"/>
+            <a:ext cx="733425" cy="66675"/>
+            <a:chOff x="1584" y="1200"/>
+            <a:chExt cx="1536" cy="96"/>
+          </a:xfrm>
+        </p:grpSpPr>
+        <p:sp>
+          <p:nvSpPr>
+            <p:cNvPr id="97" name="Line 100"/>
+            <p:cNvSpPr>
+              <a:spLocks noChangeShapeType="1"/>
+            </p:cNvSpPr>
+            <p:nvPr/>
+          </p:nvSpPr>
+          <p:spPr bwMode="auto">
+            <a:xfrm flipV="1">
+              <a:off x="1584" y="1248"/>
+              <a:ext cx="1536" cy="0"/>
+            </a:xfrm>
+            <a:prstGeom prst="line">
+              <a:avLst/>
+            </a:prstGeom>
+            <a:noFill/>
+            <a:ln w="38100">
+              <a:solidFill>
+                <a:schemeClr val="tx1"/>
+              </a:solidFill>
+              <a:round/>
+              <a:headEnd/>
+              <a:tailEnd/>
+            </a:ln>
+            <a:effectLst/>
+          </p:spPr>
+          <p:txBody>
+            <a:bodyPr lIns="90000" tIns="46800" rIns="90000" bIns="46800">
+              <a:spAutoFit/>
+            </a:bodyPr>
+            <a:lstStyle/>
+            <a:p>
+              <a:pPr>
+                <a:defRPr/>
+              </a:pPr>
+              <a:endParaRPr lang="nl-NL">
+                <a:effectLst>
+                  <a:outerShdw blurRad="38100" dist="38100" dir="2700000" algn="tl">
+                    <a:srgbClr val="000000">
+                      <a:alpha val="43137"/>
+                    </a:srgbClr>
+                  </a:outerShdw>
+                </a:effectLst>
+              </a:endParaRPr>
+            </a:p>
+          </p:txBody>
+        </p:sp>
+        <p:sp>
+          <p:nvSpPr>
+            <p:cNvPr id="98" name="Rectangle 101"/>
+            <p:cNvSpPr>
+              <a:spLocks noChangeArrowheads="1"/>
+            </p:cNvSpPr>
+            <p:nvPr/>
+          </p:nvSpPr>
+          <p:spPr bwMode="auto">
+            <a:xfrm>
+              <a:off x="2305" y="1200"/>
+              <a:ext cx="93" cy="96"/>
+            </a:xfrm>
+            <a:prstGeom prst="rect">
+              <a:avLst/>
+            </a:prstGeom>
+            <a:solidFill>
+              <a:schemeClr val="tx1"/>
+            </a:solidFill>
+            <a:ln w="38100">
+              <a:solidFill>
+                <a:schemeClr val="tx1"/>
+              </a:solidFill>
+              <a:miter lim="800000"/>
+              <a:headEnd/>
+              <a:tailEnd/>
+            </a:ln>
+            <a:effectLst/>
+          </p:spPr>
+          <p:txBody>
+            <a:bodyPr wrap="none" lIns="90000" tIns="46800" rIns="90000" bIns="46800" anchor="ctr">
+              <a:spAutoFit/>
+            </a:bodyPr>
+            <a:lstStyle/>
+            <a:p>
+              <a:pPr>
+                <a:defRPr/>
+              </a:pPr>
+              <a:endParaRPr lang="nl-NL">
+                <a:effectLst>
+                  <a:outerShdw blurRad="38100" dist="38100" dir="2700000" algn="tl">
+                    <a:srgbClr val="000000">
+                      <a:alpha val="43137"/>
+                    </a:srgbClr>
+                  </a:outerShdw>
+                </a:effectLst>
+              </a:endParaRPr>
+            </a:p>
+          </p:txBody>
+        </p:sp>
+      </p:grpSp>
+      <p:grpSp>
+        <p:nvGrpSpPr>
+          <p:cNvPr id="15" name="Group 102"/>
+          <p:cNvGrpSpPr>
+            <a:grpSpLocks/>
+          </p:cNvGrpSpPr>
+          <p:nvPr/>
+        </p:nvGrpSpPr>
+        <p:grpSpPr bwMode="auto">
+          <a:xfrm flipV="1">
+            <a:off x="2069628" y="1910221"/>
+            <a:ext cx="733425" cy="66675"/>
+            <a:chOff x="1584" y="1200"/>
+            <a:chExt cx="1536" cy="96"/>
+          </a:xfrm>
+        </p:grpSpPr>
+        <p:sp>
+          <p:nvSpPr>
+            <p:cNvPr id="100" name="Line 103"/>
+            <p:cNvSpPr>
+              <a:spLocks noChangeShapeType="1"/>
+            </p:cNvSpPr>
+            <p:nvPr/>
+          </p:nvSpPr>
+          <p:spPr bwMode="auto">
+            <a:xfrm flipV="1">
+              <a:off x="1584" y="1248"/>
+              <a:ext cx="1536" cy="0"/>
+            </a:xfrm>
+            <a:prstGeom prst="line">
+              <a:avLst/>
+            </a:prstGeom>
+            <a:noFill/>
+            <a:ln w="38100">
+              <a:solidFill>
+                <a:schemeClr val="tx1"/>
+              </a:solidFill>
+              <a:round/>
+              <a:headEnd/>
+              <a:tailEnd/>
+            </a:ln>
+            <a:effectLst/>
+          </p:spPr>
+          <p:txBody>
+            <a:bodyPr lIns="90000" tIns="46800" rIns="90000" bIns="46800">
+              <a:spAutoFit/>
+            </a:bodyPr>
+            <a:lstStyle/>
+            <a:p>
+              <a:pPr>
+                <a:defRPr/>
+              </a:pPr>
+              <a:endParaRPr lang="nl-NL">
+                <a:effectLst>
+                  <a:outerShdw blurRad="38100" dist="38100" dir="2700000" algn="tl">
+                    <a:srgbClr val="000000">
+                      <a:alpha val="43137"/>
+                    </a:srgbClr>
+                  </a:outerShdw>
+                </a:effectLst>
+              </a:endParaRPr>
+            </a:p>
+          </p:txBody>
+        </p:sp>
+        <p:sp>
+          <p:nvSpPr>
+            <p:cNvPr id="101" name="Rectangle 104"/>
+            <p:cNvSpPr>
+              <a:spLocks noChangeArrowheads="1"/>
+            </p:cNvSpPr>
+            <p:nvPr/>
+          </p:nvSpPr>
+          <p:spPr bwMode="auto">
+            <a:xfrm>
+              <a:off x="2305" y="1200"/>
+              <a:ext cx="93" cy="96"/>
+            </a:xfrm>
+            <a:prstGeom prst="rect">
+              <a:avLst/>
+            </a:prstGeom>
+            <a:solidFill>
+              <a:schemeClr val="tx1"/>
+            </a:solidFill>
+            <a:ln w="38100">
+              <a:solidFill>
+                <a:schemeClr val="tx1"/>
+              </a:solidFill>
+              <a:miter lim="800000"/>
+              <a:headEnd/>
+              <a:tailEnd/>
+            </a:ln>
+            <a:effectLst/>
+          </p:spPr>
+          <p:txBody>
+            <a:bodyPr wrap="none" lIns="90000" tIns="46800" rIns="90000" bIns="46800" anchor="ctr">
+              <a:spAutoFit/>
+            </a:bodyPr>
+            <a:lstStyle/>
+            <a:p>
+              <a:pPr>
+                <a:defRPr/>
+              </a:pPr>
+              <a:endParaRPr lang="nl-NL">
+                <a:effectLst>
+                  <a:outerShdw blurRad="38100" dist="38100" dir="2700000" algn="tl">
+                    <a:srgbClr val="000000">
+                      <a:alpha val="43137"/>
+                    </a:srgbClr>
+                  </a:outerShdw>
+                </a:effectLst>
+              </a:endParaRPr>
+            </a:p>
+          </p:txBody>
+        </p:sp>
+      </p:grpSp>
+      <p:grpSp>
+        <p:nvGrpSpPr>
+          <p:cNvPr id="16" name="Group 105"/>
+          <p:cNvGrpSpPr>
+            <a:grpSpLocks/>
+          </p:cNvGrpSpPr>
+          <p:nvPr/>
+        </p:nvGrpSpPr>
+        <p:grpSpPr bwMode="auto">
+          <a:xfrm flipV="1">
+            <a:off x="2657103" y="2243596"/>
+            <a:ext cx="733425" cy="65088"/>
+            <a:chOff x="1584" y="1200"/>
+            <a:chExt cx="1536" cy="96"/>
+          </a:xfrm>
+        </p:grpSpPr>
+        <p:sp>
+          <p:nvSpPr>
+            <p:cNvPr id="103" name="Line 106"/>
+            <p:cNvSpPr>
+              <a:spLocks noChangeShapeType="1"/>
+            </p:cNvSpPr>
+            <p:nvPr/>
+          </p:nvSpPr>
+          <p:spPr bwMode="auto">
+            <a:xfrm flipV="1">
+              <a:off x="1584" y="1247"/>
+              <a:ext cx="1536" cy="0"/>
+            </a:xfrm>
+            <a:prstGeom prst="line">
+              <a:avLst/>
+            </a:prstGeom>
+            <a:noFill/>
+            <a:ln w="38100">
+              <a:solidFill>
+                <a:schemeClr val="tx1"/>
+              </a:solidFill>
+              <a:round/>
+              <a:headEnd/>
+              <a:tailEnd/>
+            </a:ln>
+            <a:effectLst/>
+          </p:spPr>
+          <p:txBody>
+            <a:bodyPr lIns="90000" tIns="46800" rIns="90000" bIns="46800">
+              <a:spAutoFit/>
+            </a:bodyPr>
+            <a:lstStyle/>
+            <a:p>
+              <a:pPr>
+                <a:defRPr/>
+              </a:pPr>
+              <a:endParaRPr lang="nl-NL">
+                <a:effectLst>
+                  <a:outerShdw blurRad="38100" dist="38100" dir="2700000" algn="tl">
+                    <a:srgbClr val="000000">
+                      <a:alpha val="43137"/>
+                    </a:srgbClr>
+                  </a:outerShdw>
+                </a:effectLst>
+              </a:endParaRPr>
+            </a:p>
+          </p:txBody>
+        </p:sp>
+        <p:sp>
+          <p:nvSpPr>
+            <p:cNvPr id="104" name="Rectangle 107"/>
+            <p:cNvSpPr>
+              <a:spLocks noChangeArrowheads="1"/>
+            </p:cNvSpPr>
+            <p:nvPr/>
+          </p:nvSpPr>
+          <p:spPr bwMode="auto">
+            <a:xfrm>
+              <a:off x="2305" y="1200"/>
+              <a:ext cx="93" cy="96"/>
+            </a:xfrm>
+            <a:prstGeom prst="rect">
+              <a:avLst/>
+            </a:prstGeom>
+            <a:solidFill>
+              <a:schemeClr val="tx1"/>
+            </a:solidFill>
+            <a:ln w="38100">
+              <a:solidFill>
+                <a:schemeClr val="tx1"/>
+              </a:solidFill>
+              <a:miter lim="800000"/>
+              <a:headEnd/>
+              <a:tailEnd/>
+            </a:ln>
+            <a:effectLst/>
+          </p:spPr>
+          <p:txBody>
+            <a:bodyPr wrap="none" lIns="90000" tIns="46800" rIns="90000" bIns="46800" anchor="ctr">
+              <a:spAutoFit/>
+            </a:bodyPr>
+            <a:lstStyle/>
+            <a:p>
+              <a:pPr>
+                <a:defRPr/>
+              </a:pPr>
+              <a:endParaRPr lang="nl-NL">
+                <a:effectLst>
+                  <a:outerShdw blurRad="38100" dist="38100" dir="2700000" algn="tl">
+                    <a:srgbClr val="000000">
+                      <a:alpha val="43137"/>
+                    </a:srgbClr>
+                  </a:outerShdw>
+                </a:effectLst>
+              </a:endParaRPr>
+            </a:p>
+          </p:txBody>
+        </p:sp>
+      </p:grpSp>
+      <p:grpSp>
+        <p:nvGrpSpPr>
+          <p:cNvPr id="17" name="Group 108"/>
+          <p:cNvGrpSpPr>
+            <a:grpSpLocks/>
+          </p:cNvGrpSpPr>
+          <p:nvPr/>
+        </p:nvGrpSpPr>
+        <p:grpSpPr bwMode="auto">
+          <a:xfrm flipV="1">
+            <a:off x="2323728" y="2642059"/>
+            <a:ext cx="733425" cy="66675"/>
+            <a:chOff x="1584" y="1200"/>
+            <a:chExt cx="1536" cy="96"/>
+          </a:xfrm>
+        </p:grpSpPr>
+        <p:sp>
+          <p:nvSpPr>
+            <p:cNvPr id="106" name="Line 109"/>
+            <p:cNvSpPr>
+              <a:spLocks noChangeShapeType="1"/>
+            </p:cNvSpPr>
+            <p:nvPr/>
+          </p:nvSpPr>
+          <p:spPr bwMode="auto">
+            <a:xfrm flipV="1">
+              <a:off x="1584" y="1248"/>
+              <a:ext cx="1536" cy="0"/>
+            </a:xfrm>
+            <a:prstGeom prst="line">
+              <a:avLst/>
+            </a:prstGeom>
+            <a:noFill/>
+            <a:ln w="38100">
+              <a:solidFill>
+                <a:schemeClr val="tx1"/>
+              </a:solidFill>
+              <a:round/>
+              <a:headEnd/>
+              <a:tailEnd/>
+            </a:ln>
+            <a:effectLst/>
+          </p:spPr>
+          <p:txBody>
+            <a:bodyPr lIns="90000" tIns="46800" rIns="90000" bIns="46800">
+              <a:spAutoFit/>
+            </a:bodyPr>
+            <a:lstStyle/>
+            <a:p>
+              <a:pPr>
+                <a:defRPr/>
+              </a:pPr>
+              <a:endParaRPr lang="nl-NL">
+                <a:effectLst>
+                  <a:outerShdw blurRad="38100" dist="38100" dir="2700000" algn="tl">
+                    <a:srgbClr val="000000">
+                      <a:alpha val="43137"/>
+                    </a:srgbClr>
+                  </a:outerShdw>
+                </a:effectLst>
+              </a:endParaRPr>
+            </a:p>
+          </p:txBody>
+        </p:sp>
+        <p:sp>
+          <p:nvSpPr>
+            <p:cNvPr id="107" name="Rectangle 110"/>
+            <p:cNvSpPr>
+              <a:spLocks noChangeArrowheads="1"/>
+            </p:cNvSpPr>
+            <p:nvPr/>
+          </p:nvSpPr>
+          <p:spPr bwMode="auto">
+            <a:xfrm>
+              <a:off x="2305" y="1200"/>
+              <a:ext cx="93" cy="96"/>
+            </a:xfrm>
+            <a:prstGeom prst="rect">
+              <a:avLst/>
+            </a:prstGeom>
+            <a:solidFill>
+              <a:schemeClr val="tx1"/>
+            </a:solidFill>
+            <a:ln w="38100">
+              <a:solidFill>
+                <a:schemeClr val="tx1"/>
+              </a:solidFill>
+              <a:miter lim="800000"/>
+              <a:headEnd/>
+              <a:tailEnd/>
+            </a:ln>
+            <a:effectLst/>
+          </p:spPr>
+          <p:txBody>
+            <a:bodyPr wrap="none" lIns="90000" tIns="46800" rIns="90000" bIns="46800" anchor="ctr">
+              <a:spAutoFit/>
+            </a:bodyPr>
+            <a:lstStyle/>
+            <a:p>
+              <a:pPr>
+                <a:defRPr/>
+              </a:pPr>
+              <a:endParaRPr lang="nl-NL">
+                <a:effectLst>
+                  <a:outerShdw blurRad="38100" dist="38100" dir="2700000" algn="tl">
+                    <a:srgbClr val="000000">
+                      <a:alpha val="43137"/>
+                    </a:srgbClr>
+                  </a:outerShdw>
+                </a:effectLst>
+              </a:endParaRPr>
+            </a:p>
+          </p:txBody>
+        </p:sp>
+      </p:grpSp>
+      <p:grpSp>
+        <p:nvGrpSpPr>
+          <p:cNvPr id="18" name="Group 111"/>
+          <p:cNvGrpSpPr>
+            <a:grpSpLocks/>
+          </p:cNvGrpSpPr>
+          <p:nvPr/>
+        </p:nvGrpSpPr>
+        <p:grpSpPr bwMode="auto">
+          <a:xfrm flipV="1">
+            <a:off x="2992387" y="2908759"/>
+            <a:ext cx="733425" cy="66675"/>
+            <a:chOff x="1584" y="1200"/>
+            <a:chExt cx="1536" cy="96"/>
+          </a:xfrm>
+        </p:grpSpPr>
+        <p:sp>
+          <p:nvSpPr>
+            <p:cNvPr id="109" name="Line 112"/>
+            <p:cNvSpPr>
+              <a:spLocks noChangeShapeType="1"/>
+            </p:cNvSpPr>
+            <p:nvPr/>
+          </p:nvSpPr>
+          <p:spPr bwMode="auto">
+            <a:xfrm flipV="1">
+              <a:off x="1584" y="1248"/>
+              <a:ext cx="1536" cy="0"/>
+            </a:xfrm>
+            <a:prstGeom prst="line">
+              <a:avLst/>
+            </a:prstGeom>
+            <a:noFill/>
+            <a:ln w="38100">
+              <a:solidFill>
+                <a:schemeClr val="tx1"/>
+              </a:solidFill>
+              <a:round/>
+              <a:headEnd/>
+              <a:tailEnd/>
+            </a:ln>
+            <a:effectLst/>
+          </p:spPr>
+          <p:txBody>
+            <a:bodyPr lIns="90000" tIns="46800" rIns="90000" bIns="46800">
+              <a:spAutoFit/>
+            </a:bodyPr>
+            <a:lstStyle/>
+            <a:p>
+              <a:pPr>
+                <a:defRPr/>
+              </a:pPr>
+              <a:endParaRPr lang="nl-NL">
+                <a:effectLst>
+                  <a:outerShdw blurRad="38100" dist="38100" dir="2700000" algn="tl">
+                    <a:srgbClr val="000000">
+                      <a:alpha val="43137"/>
+                    </a:srgbClr>
+                  </a:outerShdw>
+                </a:effectLst>
+              </a:endParaRPr>
+            </a:p>
+          </p:txBody>
+        </p:sp>
+        <p:sp>
+          <p:nvSpPr>
+            <p:cNvPr id="110" name="Rectangle 113"/>
+            <p:cNvSpPr>
+              <a:spLocks noChangeArrowheads="1"/>
+            </p:cNvSpPr>
+            <p:nvPr/>
+          </p:nvSpPr>
+          <p:spPr bwMode="auto">
+            <a:xfrm>
+              <a:off x="2305" y="1200"/>
+              <a:ext cx="93" cy="96"/>
+            </a:xfrm>
+            <a:prstGeom prst="rect">
+              <a:avLst/>
+            </a:prstGeom>
+            <a:solidFill>
+              <a:schemeClr val="tx1"/>
+            </a:solidFill>
+            <a:ln w="38100">
+              <a:solidFill>
+                <a:schemeClr val="tx1"/>
+              </a:solidFill>
+              <a:miter lim="800000"/>
+              <a:headEnd/>
+              <a:tailEnd/>
+            </a:ln>
+            <a:effectLst/>
+          </p:spPr>
+          <p:txBody>
+            <a:bodyPr wrap="none" lIns="90000" tIns="46800" rIns="90000" bIns="46800" anchor="ctr">
+              <a:spAutoFit/>
+            </a:bodyPr>
+            <a:lstStyle/>
+            <a:p>
+              <a:pPr>
+                <a:defRPr/>
+              </a:pPr>
+              <a:endParaRPr lang="nl-NL">
+                <a:effectLst>
+                  <a:outerShdw blurRad="38100" dist="38100" dir="2700000" algn="tl">
+                    <a:srgbClr val="000000">
+                      <a:alpha val="43137"/>
+                    </a:srgbClr>
+                  </a:outerShdw>
+                </a:effectLst>
+              </a:endParaRPr>
+            </a:p>
+          </p:txBody>
+        </p:sp>
+      </p:grpSp>
+      <p:grpSp>
+        <p:nvGrpSpPr>
+          <p:cNvPr id="19" name="Group 114"/>
+          <p:cNvGrpSpPr>
+            <a:grpSpLocks/>
+          </p:cNvGrpSpPr>
+          <p:nvPr/>
+        </p:nvGrpSpPr>
+        <p:grpSpPr bwMode="auto">
+          <a:xfrm flipV="1">
+            <a:off x="2190378" y="3242134"/>
+            <a:ext cx="733425" cy="66675"/>
+            <a:chOff x="1584" y="1200"/>
+            <a:chExt cx="1536" cy="96"/>
+          </a:xfrm>
+        </p:grpSpPr>
+        <p:sp>
+          <p:nvSpPr>
+            <p:cNvPr id="112" name="Line 115"/>
+            <p:cNvSpPr>
+              <a:spLocks noChangeShapeType="1"/>
+            </p:cNvSpPr>
+            <p:nvPr/>
+          </p:nvSpPr>
+          <p:spPr bwMode="auto">
+            <a:xfrm flipV="1">
+              <a:off x="1584" y="1248"/>
+              <a:ext cx="1536" cy="0"/>
+            </a:xfrm>
+            <a:prstGeom prst="line">
+              <a:avLst/>
+            </a:prstGeom>
+            <a:noFill/>
+            <a:ln w="38100">
+              <a:solidFill>
+                <a:schemeClr val="tx1"/>
+              </a:solidFill>
+              <a:round/>
+              <a:headEnd/>
+              <a:tailEnd/>
+            </a:ln>
+            <a:effectLst/>
+          </p:spPr>
+          <p:txBody>
+            <a:bodyPr lIns="90000" tIns="46800" rIns="90000" bIns="46800">
+              <a:spAutoFit/>
+            </a:bodyPr>
+            <a:lstStyle/>
+            <a:p>
+              <a:pPr>
+                <a:defRPr/>
+              </a:pPr>
+              <a:endParaRPr lang="nl-NL">
+                <a:effectLst>
+                  <a:outerShdw blurRad="38100" dist="38100" dir="2700000" algn="tl">
+                    <a:srgbClr val="000000">
+                      <a:alpha val="43137"/>
+                    </a:srgbClr>
+                  </a:outerShdw>
+                </a:effectLst>
+              </a:endParaRPr>
+            </a:p>
+          </p:txBody>
+        </p:sp>
+        <p:sp>
+          <p:nvSpPr>
+            <p:cNvPr id="113" name="Rectangle 116"/>
+            <p:cNvSpPr>
+              <a:spLocks noChangeArrowheads="1"/>
+            </p:cNvSpPr>
+            <p:nvPr/>
+          </p:nvSpPr>
+          <p:spPr bwMode="auto">
+            <a:xfrm>
+              <a:off x="2305" y="1200"/>
+              <a:ext cx="93" cy="96"/>
+            </a:xfrm>
+            <a:prstGeom prst="rect">
+              <a:avLst/>
+            </a:prstGeom>
+            <a:solidFill>
+              <a:schemeClr val="tx1"/>
+            </a:solidFill>
+            <a:ln w="38100">
+              <a:solidFill>
+                <a:schemeClr val="tx1"/>
+              </a:solidFill>
+              <a:miter lim="800000"/>
+              <a:headEnd/>
+              <a:tailEnd/>
+            </a:ln>
+            <a:effectLst/>
+          </p:spPr>
+          <p:txBody>
+            <a:bodyPr wrap="none" lIns="90000" tIns="46800" rIns="90000" bIns="46800" anchor="ctr">
+              <a:spAutoFit/>
+            </a:bodyPr>
+            <a:lstStyle/>
+            <a:p>
+              <a:pPr>
+                <a:defRPr/>
+              </a:pPr>
+              <a:endParaRPr lang="nl-NL">
+                <a:effectLst>
+                  <a:outerShdw blurRad="38100" dist="38100" dir="2700000" algn="tl">
+                    <a:srgbClr val="000000">
+                      <a:alpha val="43137"/>
+                    </a:srgbClr>
+                  </a:outerShdw>
+                </a:effectLst>
+              </a:endParaRPr>
+            </a:p>
+          </p:txBody>
+        </p:sp>
+      </p:grpSp>
+      <p:grpSp>
+        <p:nvGrpSpPr>
+          <p:cNvPr id="20" name="Group 117"/>
+          <p:cNvGrpSpPr>
+            <a:grpSpLocks/>
+          </p:cNvGrpSpPr>
+          <p:nvPr/>
+        </p:nvGrpSpPr>
+        <p:grpSpPr bwMode="auto">
+          <a:xfrm flipV="1">
+            <a:off x="1120179" y="1576846"/>
+            <a:ext cx="733425" cy="66675"/>
+            <a:chOff x="1584" y="1200"/>
+            <a:chExt cx="1536" cy="96"/>
+          </a:xfrm>
+        </p:grpSpPr>
+        <p:sp>
+          <p:nvSpPr>
+            <p:cNvPr id="115" name="Line 118"/>
+            <p:cNvSpPr>
+              <a:spLocks noChangeShapeType="1"/>
+            </p:cNvSpPr>
+            <p:nvPr/>
+          </p:nvSpPr>
+          <p:spPr bwMode="auto">
+            <a:xfrm flipV="1">
+              <a:off x="1584" y="1248"/>
+              <a:ext cx="1536" cy="0"/>
+            </a:xfrm>
+            <a:prstGeom prst="line">
+              <a:avLst/>
+            </a:prstGeom>
+            <a:noFill/>
+            <a:ln w="38100">
+              <a:solidFill>
+                <a:schemeClr val="tx1"/>
+              </a:solidFill>
+              <a:round/>
+              <a:headEnd/>
+              <a:tailEnd/>
+            </a:ln>
+            <a:effectLst/>
+          </p:spPr>
+          <p:txBody>
+            <a:bodyPr lIns="90000" tIns="46800" rIns="90000" bIns="46800">
+              <a:spAutoFit/>
+            </a:bodyPr>
+            <a:lstStyle/>
+            <a:p>
+              <a:pPr>
+                <a:defRPr/>
+              </a:pPr>
+              <a:endParaRPr lang="nl-NL">
+                <a:effectLst>
+                  <a:outerShdw blurRad="38100" dist="38100" dir="2700000" algn="tl">
+                    <a:srgbClr val="000000">
+                      <a:alpha val="43137"/>
+                    </a:srgbClr>
+                  </a:outerShdw>
+                </a:effectLst>
+              </a:endParaRPr>
+            </a:p>
+          </p:txBody>
+        </p:sp>
+        <p:sp>
+          <p:nvSpPr>
+            <p:cNvPr id="116" name="Rectangle 119"/>
+            <p:cNvSpPr>
+              <a:spLocks noChangeArrowheads="1"/>
+            </p:cNvSpPr>
+            <p:nvPr/>
+          </p:nvSpPr>
+          <p:spPr bwMode="auto">
+            <a:xfrm>
+              <a:off x="2305" y="1200"/>
+              <a:ext cx="93" cy="96"/>
+            </a:xfrm>
+            <a:prstGeom prst="rect">
+              <a:avLst/>
+            </a:prstGeom>
+            <a:solidFill>
+              <a:schemeClr val="tx1"/>
+            </a:solidFill>
+            <a:ln w="38100">
+              <a:solidFill>
+                <a:schemeClr val="tx1"/>
+              </a:solidFill>
+              <a:miter lim="800000"/>
+              <a:headEnd/>
+              <a:tailEnd/>
+            </a:ln>
+            <a:effectLst/>
+          </p:spPr>
+          <p:txBody>
+            <a:bodyPr wrap="none" lIns="90000" tIns="46800" rIns="90000" bIns="46800" anchor="ctr">
+              <a:spAutoFit/>
+            </a:bodyPr>
+            <a:lstStyle/>
+            <a:p>
+              <a:pPr>
+                <a:defRPr/>
+              </a:pPr>
+              <a:endParaRPr lang="nl-NL">
+                <a:effectLst>
+                  <a:outerShdw blurRad="38100" dist="38100" dir="2700000" algn="tl">
+                    <a:srgbClr val="000000">
+                      <a:alpha val="43137"/>
+                    </a:srgbClr>
+                  </a:outerShdw>
+                </a:effectLst>
+              </a:endParaRPr>
+            </a:p>
+          </p:txBody>
+        </p:sp>
+      </p:grpSp>
+      <p:grpSp>
+        <p:nvGrpSpPr>
+          <p:cNvPr id="21" name="Group 120"/>
+          <p:cNvGrpSpPr>
+            <a:grpSpLocks/>
+          </p:cNvGrpSpPr>
+          <p:nvPr/>
+        </p:nvGrpSpPr>
+        <p:grpSpPr bwMode="auto">
+          <a:xfrm flipV="1">
+            <a:off x="458415" y="1910221"/>
+            <a:ext cx="733425" cy="66675"/>
+            <a:chOff x="1584" y="1200"/>
+            <a:chExt cx="1536" cy="96"/>
+          </a:xfrm>
+        </p:grpSpPr>
+        <p:sp>
+          <p:nvSpPr>
+            <p:cNvPr id="118" name="Line 121"/>
+            <p:cNvSpPr>
+              <a:spLocks noChangeShapeType="1"/>
+            </p:cNvSpPr>
+            <p:nvPr/>
+          </p:nvSpPr>
+          <p:spPr bwMode="auto">
+            <a:xfrm flipV="1">
+              <a:off x="1584" y="1248"/>
+              <a:ext cx="1536" cy="0"/>
+            </a:xfrm>
+            <a:prstGeom prst="line">
+              <a:avLst/>
+            </a:prstGeom>
+            <a:noFill/>
+            <a:ln w="38100">
+              <a:solidFill>
+                <a:schemeClr val="tx1"/>
+              </a:solidFill>
+              <a:round/>
+              <a:headEnd/>
+              <a:tailEnd/>
+            </a:ln>
+            <a:effectLst/>
+          </p:spPr>
+          <p:txBody>
+            <a:bodyPr lIns="90000" tIns="46800" rIns="90000" bIns="46800">
+              <a:spAutoFit/>
+            </a:bodyPr>
+            <a:lstStyle/>
+            <a:p>
+              <a:pPr>
+                <a:defRPr/>
+              </a:pPr>
+              <a:endParaRPr lang="nl-NL">
+                <a:effectLst>
+                  <a:outerShdw blurRad="38100" dist="38100" dir="2700000" algn="tl">
+                    <a:srgbClr val="000000">
+                      <a:alpha val="43137"/>
+                    </a:srgbClr>
+                  </a:outerShdw>
+                </a:effectLst>
+              </a:endParaRPr>
+            </a:p>
+          </p:txBody>
+        </p:sp>
+        <p:sp>
+          <p:nvSpPr>
+            <p:cNvPr id="119" name="Rectangle 122"/>
+            <p:cNvSpPr>
+              <a:spLocks noChangeArrowheads="1"/>
+            </p:cNvSpPr>
+            <p:nvPr/>
+          </p:nvSpPr>
+          <p:spPr bwMode="auto">
+            <a:xfrm>
+              <a:off x="2305" y="1200"/>
+              <a:ext cx="93" cy="96"/>
+            </a:xfrm>
+            <a:prstGeom prst="rect">
+              <a:avLst/>
+            </a:prstGeom>
+            <a:solidFill>
+              <a:schemeClr val="tx1"/>
+            </a:solidFill>
+            <a:ln w="38100">
+              <a:solidFill>
+                <a:schemeClr val="tx1"/>
+              </a:solidFill>
+              <a:miter lim="800000"/>
+              <a:headEnd/>
+              <a:tailEnd/>
+            </a:ln>
+            <a:effectLst/>
+          </p:spPr>
+          <p:txBody>
+            <a:bodyPr wrap="none" lIns="90000" tIns="46800" rIns="90000" bIns="46800" anchor="ctr">
+              <a:spAutoFit/>
+            </a:bodyPr>
+            <a:lstStyle/>
+            <a:p>
+              <a:pPr>
+                <a:defRPr/>
+              </a:pPr>
+              <a:endParaRPr lang="nl-NL">
+                <a:effectLst>
+                  <a:outerShdw blurRad="38100" dist="38100" dir="2700000" algn="tl">
+                    <a:srgbClr val="000000">
+                      <a:alpha val="43137"/>
+                    </a:srgbClr>
+                  </a:outerShdw>
+                </a:effectLst>
+              </a:endParaRPr>
+            </a:p>
+          </p:txBody>
+        </p:sp>
+      </p:grpSp>
+      <p:grpSp>
+        <p:nvGrpSpPr>
+          <p:cNvPr id="22" name="Group 123"/>
+          <p:cNvGrpSpPr>
+            <a:grpSpLocks/>
+          </p:cNvGrpSpPr>
+          <p:nvPr/>
+        </p:nvGrpSpPr>
+        <p:grpSpPr bwMode="auto">
+          <a:xfrm flipV="1">
+            <a:off x="191715" y="2243596"/>
+            <a:ext cx="733425" cy="65088"/>
+            <a:chOff x="1584" y="1200"/>
+            <a:chExt cx="1536" cy="96"/>
+          </a:xfrm>
+        </p:grpSpPr>
+        <p:sp>
+          <p:nvSpPr>
+            <p:cNvPr id="121" name="Line 124"/>
+            <p:cNvSpPr>
+              <a:spLocks noChangeShapeType="1"/>
+            </p:cNvSpPr>
+            <p:nvPr/>
+          </p:nvSpPr>
+          <p:spPr bwMode="auto">
+            <a:xfrm flipV="1">
+              <a:off x="1584" y="1247"/>
+              <a:ext cx="1536" cy="0"/>
+            </a:xfrm>
+            <a:prstGeom prst="line">
+              <a:avLst/>
+            </a:prstGeom>
+            <a:noFill/>
+            <a:ln w="38100">
+              <a:solidFill>
+                <a:schemeClr val="tx1"/>
+              </a:solidFill>
+              <a:round/>
+              <a:headEnd/>
+              <a:tailEnd/>
+            </a:ln>
+            <a:effectLst/>
+          </p:spPr>
+          <p:txBody>
+            <a:bodyPr lIns="90000" tIns="46800" rIns="90000" bIns="46800">
+              <a:spAutoFit/>
+            </a:bodyPr>
+            <a:lstStyle/>
+            <a:p>
+              <a:pPr>
+                <a:defRPr/>
+              </a:pPr>
+              <a:endParaRPr lang="nl-NL">
+                <a:effectLst>
+                  <a:outerShdw blurRad="38100" dist="38100" dir="2700000" algn="tl">
+                    <a:srgbClr val="000000">
+                      <a:alpha val="43137"/>
+                    </a:srgbClr>
+                  </a:outerShdw>
+                </a:effectLst>
+              </a:endParaRPr>
+            </a:p>
+          </p:txBody>
+        </p:sp>
+        <p:sp>
+          <p:nvSpPr>
+            <p:cNvPr id="122" name="Rectangle 125"/>
+            <p:cNvSpPr>
+              <a:spLocks noChangeArrowheads="1"/>
+            </p:cNvSpPr>
+            <p:nvPr/>
+          </p:nvSpPr>
+          <p:spPr bwMode="auto">
+            <a:xfrm>
+              <a:off x="2305" y="1200"/>
+              <a:ext cx="93" cy="96"/>
+            </a:xfrm>
+            <a:prstGeom prst="rect">
+              <a:avLst/>
+            </a:prstGeom>
+            <a:solidFill>
+              <a:schemeClr val="tx1"/>
+            </a:solidFill>
+            <a:ln w="38100">
+              <a:solidFill>
+                <a:schemeClr val="tx1"/>
+              </a:solidFill>
+              <a:miter lim="800000"/>
+              <a:headEnd/>
+              <a:tailEnd/>
+            </a:ln>
+            <a:effectLst/>
+          </p:spPr>
+          <p:txBody>
+            <a:bodyPr wrap="none" lIns="90000" tIns="46800" rIns="90000" bIns="46800" anchor="ctr">
+              <a:spAutoFit/>
+            </a:bodyPr>
+            <a:lstStyle/>
+            <a:p>
+              <a:pPr>
+                <a:defRPr/>
+              </a:pPr>
+              <a:endParaRPr lang="nl-NL">
+                <a:effectLst>
+                  <a:outerShdw blurRad="38100" dist="38100" dir="2700000" algn="tl">
+                    <a:srgbClr val="000000">
+                      <a:alpha val="43137"/>
+                    </a:srgbClr>
+                  </a:outerShdw>
+                </a:effectLst>
+              </a:endParaRPr>
+            </a:p>
+          </p:txBody>
+        </p:sp>
+      </p:grpSp>
+      <p:grpSp>
+        <p:nvGrpSpPr>
+          <p:cNvPr id="23" name="Group 126"/>
+          <p:cNvGrpSpPr>
+            <a:grpSpLocks/>
+          </p:cNvGrpSpPr>
+          <p:nvPr/>
+        </p:nvGrpSpPr>
+        <p:grpSpPr bwMode="auto">
+          <a:xfrm flipV="1">
+            <a:off x="1048357" y="2575384"/>
+            <a:ext cx="733425" cy="66675"/>
+            <a:chOff x="1886" y="1200"/>
+            <a:chExt cx="1536" cy="96"/>
+          </a:xfrm>
+        </p:grpSpPr>
+        <p:sp>
+          <p:nvSpPr>
+            <p:cNvPr id="124" name="Line 127"/>
+            <p:cNvSpPr>
+              <a:spLocks noChangeShapeType="1"/>
+            </p:cNvSpPr>
+            <p:nvPr/>
+          </p:nvSpPr>
+          <p:spPr bwMode="auto">
+            <a:xfrm flipV="1">
+              <a:off x="1886" y="1248"/>
+              <a:ext cx="1536" cy="0"/>
+            </a:xfrm>
+            <a:prstGeom prst="line">
+              <a:avLst/>
+            </a:prstGeom>
+            <a:noFill/>
+            <a:ln w="38100">
+              <a:solidFill>
+                <a:schemeClr val="tx1"/>
+              </a:solidFill>
+              <a:round/>
+              <a:headEnd/>
+              <a:tailEnd/>
+            </a:ln>
+            <a:effectLst/>
+          </p:spPr>
+          <p:txBody>
+            <a:bodyPr lIns="90000" tIns="46800" rIns="90000" bIns="46800">
+              <a:spAutoFit/>
+            </a:bodyPr>
+            <a:lstStyle/>
+            <a:p>
+              <a:pPr>
+                <a:defRPr/>
+              </a:pPr>
+              <a:endParaRPr lang="nl-NL">
+                <a:effectLst>
+                  <a:outerShdw blurRad="38100" dist="38100" dir="2700000" algn="tl">
+                    <a:srgbClr val="000000">
+                      <a:alpha val="43137"/>
+                    </a:srgbClr>
+                  </a:outerShdw>
+                </a:effectLst>
+              </a:endParaRPr>
+            </a:p>
+          </p:txBody>
+        </p:sp>
+        <p:sp>
+          <p:nvSpPr>
+            <p:cNvPr id="125" name="Rectangle 128"/>
+            <p:cNvSpPr>
+              <a:spLocks noChangeArrowheads="1"/>
+            </p:cNvSpPr>
+            <p:nvPr/>
+          </p:nvSpPr>
+          <p:spPr bwMode="auto">
+            <a:xfrm>
+              <a:off x="2305" y="1200"/>
+              <a:ext cx="93" cy="96"/>
+            </a:xfrm>
+            <a:prstGeom prst="rect">
+              <a:avLst/>
+            </a:prstGeom>
+            <a:solidFill>
+              <a:schemeClr val="tx1"/>
+            </a:solidFill>
+            <a:ln w="38100">
+              <a:solidFill>
+                <a:schemeClr val="tx1"/>
+              </a:solidFill>
+              <a:miter lim="800000"/>
+              <a:headEnd/>
+              <a:tailEnd/>
+            </a:ln>
+            <a:effectLst/>
+          </p:spPr>
+          <p:txBody>
+            <a:bodyPr wrap="none" lIns="90000" tIns="46800" rIns="90000" bIns="46800" anchor="ctr">
+              <a:spAutoFit/>
+            </a:bodyPr>
+            <a:lstStyle/>
+            <a:p>
+              <a:pPr>
+                <a:defRPr/>
+              </a:pPr>
+              <a:endParaRPr lang="nl-NL">
+                <a:effectLst>
+                  <a:outerShdw blurRad="38100" dist="38100" dir="2700000" algn="tl">
+                    <a:srgbClr val="000000">
+                      <a:alpha val="43137"/>
+                    </a:srgbClr>
+                  </a:outerShdw>
+                </a:effectLst>
+              </a:endParaRPr>
+            </a:p>
+          </p:txBody>
+        </p:sp>
+      </p:grpSp>
+      <p:grpSp>
+        <p:nvGrpSpPr>
+          <p:cNvPr id="24" name="Group 129"/>
+          <p:cNvGrpSpPr>
+            <a:grpSpLocks/>
+          </p:cNvGrpSpPr>
+          <p:nvPr/>
+        </p:nvGrpSpPr>
+        <p:grpSpPr bwMode="auto">
+          <a:xfrm flipV="1">
+            <a:off x="544115" y="2908759"/>
+            <a:ext cx="733425" cy="66675"/>
+            <a:chOff x="1584" y="1200"/>
+            <a:chExt cx="1536" cy="96"/>
+          </a:xfrm>
+        </p:grpSpPr>
+        <p:sp>
+          <p:nvSpPr>
+            <p:cNvPr id="127" name="Line 130"/>
+            <p:cNvSpPr>
+              <a:spLocks noChangeShapeType="1"/>
+            </p:cNvSpPr>
+            <p:nvPr/>
+          </p:nvSpPr>
+          <p:spPr bwMode="auto">
+            <a:xfrm flipV="1">
+              <a:off x="1584" y="1248"/>
+              <a:ext cx="1536" cy="0"/>
+            </a:xfrm>
+            <a:prstGeom prst="line">
+              <a:avLst/>
+            </a:prstGeom>
+            <a:noFill/>
+            <a:ln w="38100">
+              <a:solidFill>
+                <a:schemeClr val="tx1"/>
+              </a:solidFill>
+              <a:round/>
+              <a:headEnd/>
+              <a:tailEnd/>
+            </a:ln>
+            <a:effectLst/>
+          </p:spPr>
+          <p:txBody>
+            <a:bodyPr lIns="90000" tIns="46800" rIns="90000" bIns="46800">
+              <a:spAutoFit/>
+            </a:bodyPr>
+            <a:lstStyle/>
+            <a:p>
+              <a:pPr>
+                <a:defRPr/>
+              </a:pPr>
+              <a:endParaRPr lang="nl-NL">
+                <a:effectLst>
+                  <a:outerShdw blurRad="38100" dist="38100" dir="2700000" algn="tl">
+                    <a:srgbClr val="000000">
+                      <a:alpha val="43137"/>
+                    </a:srgbClr>
+                  </a:outerShdw>
+                </a:effectLst>
+              </a:endParaRPr>
+            </a:p>
+          </p:txBody>
+        </p:sp>
+        <p:sp>
+          <p:nvSpPr>
+            <p:cNvPr id="128" name="Rectangle 131"/>
+            <p:cNvSpPr>
+              <a:spLocks noChangeArrowheads="1"/>
+            </p:cNvSpPr>
+            <p:nvPr/>
+          </p:nvSpPr>
+          <p:spPr bwMode="auto">
+            <a:xfrm>
+              <a:off x="2305" y="1200"/>
+              <a:ext cx="93" cy="96"/>
+            </a:xfrm>
+            <a:prstGeom prst="rect">
+              <a:avLst/>
+            </a:prstGeom>
+            <a:solidFill>
+              <a:schemeClr val="tx1"/>
+            </a:solidFill>
+            <a:ln w="38100">
+              <a:solidFill>
+                <a:schemeClr val="tx1"/>
+              </a:solidFill>
+              <a:miter lim="800000"/>
+              <a:headEnd/>
+              <a:tailEnd/>
+            </a:ln>
+            <a:effectLst/>
+          </p:spPr>
+          <p:txBody>
+            <a:bodyPr wrap="none" lIns="90000" tIns="46800" rIns="90000" bIns="46800" anchor="ctr">
+              <a:spAutoFit/>
+            </a:bodyPr>
+            <a:lstStyle/>
+            <a:p>
+              <a:pPr>
+                <a:defRPr/>
+              </a:pPr>
+              <a:endParaRPr lang="nl-NL">
+                <a:effectLst>
+                  <a:outerShdw blurRad="38100" dist="38100" dir="2700000" algn="tl">
+                    <a:srgbClr val="000000">
+                      <a:alpha val="43137"/>
+                    </a:srgbClr>
+                  </a:outerShdw>
+                </a:effectLst>
+              </a:endParaRPr>
+            </a:p>
+          </p:txBody>
+        </p:sp>
+      </p:grpSp>
+      <p:grpSp>
+        <p:nvGrpSpPr>
+          <p:cNvPr id="25" name="Group 132"/>
+          <p:cNvGrpSpPr>
+            <a:grpSpLocks/>
+          </p:cNvGrpSpPr>
+          <p:nvPr/>
+        </p:nvGrpSpPr>
+        <p:grpSpPr bwMode="auto">
+          <a:xfrm flipV="1">
+            <a:off x="197420" y="3242134"/>
+            <a:ext cx="733425" cy="66675"/>
+            <a:chOff x="1584" y="1200"/>
+            <a:chExt cx="1536" cy="96"/>
+          </a:xfrm>
+        </p:grpSpPr>
+        <p:sp>
+          <p:nvSpPr>
+            <p:cNvPr id="130" name="Line 133"/>
+            <p:cNvSpPr>
+              <a:spLocks noChangeShapeType="1"/>
+            </p:cNvSpPr>
+            <p:nvPr/>
+          </p:nvSpPr>
+          <p:spPr bwMode="auto">
+            <a:xfrm flipV="1">
+              <a:off x="1584" y="1248"/>
+              <a:ext cx="1536" cy="0"/>
+            </a:xfrm>
+            <a:prstGeom prst="line">
+              <a:avLst/>
+            </a:prstGeom>
+            <a:noFill/>
+            <a:ln w="38100">
+              <a:solidFill>
+                <a:schemeClr val="tx1"/>
+              </a:solidFill>
+              <a:round/>
+              <a:headEnd/>
+              <a:tailEnd/>
+            </a:ln>
+            <a:effectLst/>
+          </p:spPr>
+          <p:txBody>
+            <a:bodyPr lIns="90000" tIns="46800" rIns="90000" bIns="46800">
+              <a:spAutoFit/>
+            </a:bodyPr>
+            <a:lstStyle/>
+            <a:p>
+              <a:pPr>
+                <a:defRPr/>
+              </a:pPr>
+              <a:endParaRPr lang="nl-NL">
+                <a:effectLst>
+                  <a:outerShdw blurRad="38100" dist="38100" dir="2700000" algn="tl">
+                    <a:srgbClr val="000000">
+                      <a:alpha val="43137"/>
+                    </a:srgbClr>
+                  </a:outerShdw>
+                </a:effectLst>
+              </a:endParaRPr>
+            </a:p>
+          </p:txBody>
+        </p:sp>
+        <p:sp>
+          <p:nvSpPr>
+            <p:cNvPr id="131" name="Rectangle 134"/>
+            <p:cNvSpPr>
+              <a:spLocks noChangeArrowheads="1"/>
+            </p:cNvSpPr>
+            <p:nvPr/>
+          </p:nvSpPr>
+          <p:spPr bwMode="auto">
+            <a:xfrm>
+              <a:off x="2305" y="1200"/>
+              <a:ext cx="93" cy="96"/>
+            </a:xfrm>
+            <a:prstGeom prst="rect">
+              <a:avLst/>
+            </a:prstGeom>
+            <a:solidFill>
+              <a:schemeClr val="tx1"/>
+            </a:solidFill>
+            <a:ln w="38100">
+              <a:solidFill>
+                <a:schemeClr val="tx1"/>
+              </a:solidFill>
+              <a:miter lim="800000"/>
+              <a:headEnd/>
+              <a:tailEnd/>
+            </a:ln>
+            <a:effectLst/>
+          </p:spPr>
+          <p:txBody>
+            <a:bodyPr wrap="none" lIns="90000" tIns="46800" rIns="90000" bIns="46800" anchor="ctr">
+              <a:spAutoFit/>
+            </a:bodyPr>
+            <a:lstStyle/>
+            <a:p>
+              <a:pPr>
+                <a:defRPr/>
+              </a:pPr>
+              <a:endParaRPr lang="nl-NL">
+                <a:effectLst>
+                  <a:outerShdw blurRad="38100" dist="38100" dir="2700000" algn="tl">
+                    <a:srgbClr val="000000">
+                      <a:alpha val="43137"/>
+                    </a:srgbClr>
+                  </a:outerShdw>
+                </a:effectLst>
+              </a:endParaRPr>
+            </a:p>
+          </p:txBody>
+        </p:sp>
+      </p:grpSp>
+      <p:sp>
+        <p:nvSpPr>
+          <p:cNvPr id="132" name="Line 135"/>
+          <p:cNvSpPr>
+            <a:spLocks noChangeShapeType="1"/>
+          </p:cNvSpPr>
+          <p:nvPr/>
+        </p:nvSpPr>
+        <p:spPr bwMode="auto">
+          <a:xfrm>
+            <a:off x="325065" y="4149080"/>
+            <a:ext cx="3598863" cy="0"/>
+          </a:xfrm>
+          <a:prstGeom prst="line">
+            <a:avLst/>
+          </a:prstGeom>
+          <a:noFill/>
+          <a:ln w="38100">
+            <a:solidFill>
+              <a:schemeClr val="tx1"/>
+            </a:solidFill>
+            <a:round/>
+            <a:headEnd/>
+            <a:tailEnd/>
+          </a:ln>
+          <a:effectLst/>
+        </p:spPr>
+        <p:txBody>
+          <a:bodyPr lIns="90000" tIns="46800" rIns="90000" bIns="46800">
+            <a:spAutoFit/>
+          </a:bodyPr>
+          <a:lstStyle/>
+          <a:p>
+            <a:pPr>
+              <a:defRPr/>
+            </a:pPr>
+            <a:endParaRPr lang="nl-NL">
+              <a:effectLst>
+                <a:outerShdw blurRad="38100" dist="38100" dir="2700000" algn="tl">
+                  <a:srgbClr val="000000">
+                    <a:alpha val="43137"/>
+                  </a:srgbClr>
+                </a:outerShdw>
+              </a:effectLst>
+            </a:endParaRPr>
+          </a:p>
+        </p:txBody>
+      </p:sp>
+    </p:spTree>
+  </p:cSld>
+  <p:clrMapOvr>
+    <a:masterClrMapping/>
+  </p:clrMapOvr>
+  <p:timing>
+    <p:tnLst>
+      <p:par>
+        <p:cTn id="1" dur="indefinite" restart="never" nodeType="tmRoot">
+          <p:childTnLst>
+            <p:seq concurrent="1" nextAc="seek">
+              <p:cTn id="2" dur="indefinite" nodeType="mainSeq">
+                <p:childTnLst>
+                  <p:par>
+                    <p:cTn id="3" fill="hold">
+                      <p:stCondLst>
+                        <p:cond delay="indefinite"/>
+                      </p:stCondLst>
+                      <p:childTnLst>
+                        <p:par>
+                          <p:cTn id="4" fill="hold">
+                            <p:stCondLst>
+                              <p:cond delay="0"/>
+                            </p:stCondLst>
+                            <p:childTnLst>
+                              <p:par>
+                                <p:cTn id="5" presetID="1" presetClass="entr" presetSubtype="0" fill="hold" grpId="0" nodeType="clickEffect">
+                                  <p:stCondLst>
+                                    <p:cond delay="0"/>
+                                  </p:stCondLst>
+                                  <p:childTnLst>
+                                    <p:set>
+                                      <p:cBhvr>
+                                        <p:cTn id="6" dur="1" fill="hold">
+                                          <p:stCondLst>
+                                            <p:cond delay="499"/>
+                                          </p:stCondLst>
+                                        </p:cTn>
+                                        <p:tgtEl>
+                                          <p:spTgt spid="1036291"/>
+                                        </p:tgtEl>
+                                        <p:attrNameLst>
+                                          <p:attrName>style.visibility</p:attrName>
+                                        </p:attrNameLst>
+                                      </p:cBhvr>
+                                      <p:to>
+                                        <p:strVal val="visible"/>
+                                      </p:to>
+                                    </p:set>
+                                  </p:childTnLst>
+                                </p:cTn>
+                              </p:par>
+                            </p:childTnLst>
+                          </p:cTn>
+                        </p:par>
+                      </p:childTnLst>
+                    </p:cTn>
+                  </p:par>
+                  <p:par>
+                    <p:cTn id="7" fill="hold">
+                      <p:stCondLst>
+                        <p:cond delay="indefinite"/>
+                      </p:stCondLst>
+                      <p:childTnLst>
+                        <p:par>
+                          <p:cTn id="8" fill="hold">
+                            <p:stCondLst>
+                              <p:cond delay="0"/>
+                            </p:stCondLst>
+                            <p:childTnLst>
+                              <p:par>
+                                <p:cTn id="9" presetID="1" presetClass="entr" presetSubtype="0" fill="hold" grpId="0" nodeType="clickEffect">
+                                  <p:stCondLst>
+                                    <p:cond delay="0"/>
+                                  </p:stCondLst>
+                                  <p:childTnLst>
+                                    <p:set>
+                                      <p:cBhvr>
+                                        <p:cTn id="10" dur="1" fill="hold">
+                                          <p:stCondLst>
+                                            <p:cond delay="499"/>
+                                          </p:stCondLst>
+                                        </p:cTn>
+                                        <p:tgtEl>
+                                          <p:spTgt spid="1036292"/>
+                                        </p:tgtEl>
+                                        <p:attrNameLst>
+                                          <p:attrName>style.visibility</p:attrName>
+                                        </p:attrNameLst>
+                                      </p:cBhvr>
+                                      <p:to>
+                                        <p:strVal val="visible"/>
+                                      </p:to>
+                                    </p:set>
+                                  </p:childTnLst>
+                                </p:cTn>
+                              </p:par>
+                            </p:childTnLst>
+                          </p:cTn>
+                        </p:par>
+                      </p:childTnLst>
+                    </p:cTn>
+                  </p:par>
+                </p:childTnLst>
+              </p:cTn>
+              <p:prevCondLst>
+                <p:cond evt="onPrev" delay="0">
+                  <p:tgtEl>
+                    <p:sldTgt/>
+                  </p:tgtEl>
+                </p:cond>
+              </p:prevCondLst>
+              <p:nextCondLst>
+                <p:cond evt="onNext" delay="0">
+                  <p:tgtEl>
+                    <p:sldTgt/>
+                  </p:tgtEl>
+                </p:cond>
+              </p:nextCondLst>
+            </p:seq>
+          </p:childTnLst>
+        </p:cTn>
+      </p:par>
+    </p:tnLst>
+    <p:bldLst>
+      <p:bldP spid="1036291" grpId="0" autoUpdateAnimBg="0"/>
+      <p:bldP spid="1036292" grpId="0" autoUpdateAnimBg="0"/>
+    </p:bldLst>
+  </p:timing>
+</p:sld>
+</file>
+
+<file path=ppt/slides/slide6.xml><?xml version="1.0" encoding="utf-8"?>
 <p:sld xmlns:a="http://schemas.openxmlformats.org/drawingml/2006/main" xmlns:r="http://schemas.openxmlformats.org/officeDocument/2006/relationships" xmlns:p="http://schemas.openxmlformats.org/presentationml/2006/main">
   <p:cSld>
     <p:spTree>
@@ -23164,8 +28037,8 @@
         </p:nvSpPr>
         <p:spPr>
           <a:xfrm>
-            <a:off x="522000" y="764704"/>
-            <a:ext cx="8100000" cy="5400599"/>
+            <a:off x="522000" y="650032"/>
+            <a:ext cx="8100000" cy="5515271"/>
           </a:xfrm>
         </p:spPr>
         <p:txBody>
@@ -23180,21 +28053,81 @@
             </a:pPr>
             <a:r>
               <a:rPr lang="en-US" b="1" dirty="0"/>
-              <a:t>Clinical heterogeneity: </a:t>
-            </a:r>
-            <a:r>
-              <a:rPr lang="en-US" dirty="0"/>
-              <a:t> variability in the participants, interventions and outcomes studied</a:t>
-            </a:r>
-          </a:p>
-          <a:p>
-            <a:pPr marL="0" indent="0" algn="ctr">
+              <a:t>Heterogeneity:</a:t>
+            </a:r>
+            <a:r>
+              <a:rPr lang="en-US" i="1" dirty="0"/>
+              <a:t> </a:t>
+            </a:r>
+            <a:r>
+              <a:rPr lang="en-GB" i="1" dirty="0"/>
+              <a:t>Greek </a:t>
+            </a:r>
+            <a:r>
+              <a:rPr lang="en-GB" dirty="0"/>
+              <a:t>word comes from </a:t>
+            </a:r>
+            <a:r>
+              <a:rPr lang="el-GR" dirty="0"/>
+              <a:t>Ετερος + γένος.</a:t>
+            </a:r>
+          </a:p>
+          <a:p>
+            <a:pPr marL="0" indent="0" algn="ctr" fontAlgn="auto">
+              <a:spcAft>
+                <a:spcPts val="0"/>
+              </a:spcAft>
               <a:buNone/>
               <a:defRPr/>
             </a:pPr>
             <a:r>
+              <a:rPr lang="en-US" dirty="0">
+                <a:effectLst>
+                  <a:outerShdw blurRad="38100" dist="38100" dir="2700000" algn="tl">
+                    <a:srgbClr val="000000">
+                      <a:alpha val="43137"/>
+                    </a:srgbClr>
+                  </a:outerShdw>
+                </a:effectLst>
+              </a:rPr>
+              <a:t>Means a set of things that are made of different structure, </a:t>
+            </a:r>
+          </a:p>
+          <a:p>
+            <a:pPr marL="0" indent="0" algn="ctr" fontAlgn="auto">
+              <a:spcAft>
+                <a:spcPts val="0"/>
+              </a:spcAft>
+              <a:buNone/>
+              <a:defRPr/>
+            </a:pPr>
+            <a:r>
+              <a:rPr lang="en-US" dirty="0"/>
+              <a:t>Therefore they produce different results</a:t>
+            </a:r>
+            <a:endParaRPr lang="en-US" b="1" dirty="0"/>
+          </a:p>
+          <a:p>
+            <a:pPr>
+              <a:defRPr/>
+            </a:pPr>
+            <a:r>
+              <a:rPr lang="en-US" dirty="0"/>
+              <a:t>Trials may vary due to either clinical or methodological reasons</a:t>
+            </a:r>
+            <a:endParaRPr lang="en-US" b="1" dirty="0"/>
+          </a:p>
+          <a:p>
+            <a:pPr marL="0" indent="0" algn="ctr" fontAlgn="auto">
+              <a:spcAft>
+                <a:spcPts val="0"/>
+              </a:spcAft>
+              <a:buNone/>
+              <a:defRPr/>
+            </a:pPr>
+            <a:r>
               <a:rPr lang="en-US" b="1" dirty="0"/>
-              <a:t>+</a:t>
+              <a:t>Clinical heterogeneity</a:t>
             </a:r>
           </a:p>
           <a:p>
@@ -23205,12 +28138,112 @@
               <a:defRPr/>
             </a:pPr>
             <a:r>
+              <a:rPr lang="en-US" dirty="0"/>
+              <a:t>Variability in the participants</a:t>
+            </a:r>
+          </a:p>
+          <a:p>
+            <a:pPr lvl="1" algn="just">
+              <a:defRPr/>
+            </a:pPr>
+            <a:r>
+              <a:rPr lang="en-US" dirty="0"/>
+              <a:t>For instance in age, blood pressure, life style…</a:t>
+            </a:r>
+          </a:p>
+          <a:p>
+            <a:pPr algn="just">
+              <a:defRPr/>
+            </a:pPr>
+            <a:r>
+              <a:rPr lang="en-US" dirty="0"/>
+              <a:t>Variability in the interventions</a:t>
+            </a:r>
+          </a:p>
+          <a:p>
+            <a:pPr algn="just">
+              <a:defRPr/>
+            </a:pPr>
+            <a:r>
+              <a:rPr lang="en-US" dirty="0"/>
+              <a:t>Variability in the outcomes studied</a:t>
+            </a:r>
+          </a:p>
+          <a:p>
+            <a:pPr algn="just">
+              <a:defRPr/>
+            </a:pPr>
+            <a:r>
+              <a:rPr lang="en-US" dirty="0"/>
+              <a:t>Different countries (and health systems)</a:t>
+            </a:r>
+          </a:p>
+          <a:p>
+            <a:pPr marL="0" indent="0" algn="ctr">
+              <a:buNone/>
+              <a:defRPr/>
+            </a:pPr>
+            <a:endParaRPr lang="en-US" b="1" dirty="0"/>
+          </a:p>
+          <a:p>
+            <a:pPr marL="0" indent="0" algn="ctr" fontAlgn="auto">
+              <a:spcAft>
+                <a:spcPts val="0"/>
+              </a:spcAft>
+              <a:buNone/>
+              <a:defRPr/>
+            </a:pPr>
+            <a:r>
               <a:rPr lang="en-US" b="1" dirty="0"/>
-              <a:t>Methodological heterogeneity:  </a:t>
-            </a:r>
+              <a:t>Methodological heterogeneity</a:t>
+            </a:r>
+          </a:p>
+          <a:p>
+            <a:pPr algn="just" fontAlgn="auto">
+              <a:spcAft>
+                <a:spcPts val="0"/>
+              </a:spcAft>
+              <a:defRPr/>
+            </a:pPr>
             <a:r>
               <a:rPr lang="en-US" dirty="0"/>
-              <a:t>variability in study design</a:t>
+              <a:t>variability in study design (RCTs, Observational, blinded, matched….)</a:t>
+            </a:r>
+          </a:p>
+          <a:p>
+            <a:pPr algn="just" fontAlgn="auto">
+              <a:spcAft>
+                <a:spcPts val="0"/>
+              </a:spcAft>
+              <a:defRPr/>
+            </a:pPr>
+            <a:r>
+              <a:rPr lang="en-US" dirty="0"/>
+              <a:t>Adjustment for confounders</a:t>
+            </a:r>
+          </a:p>
+          <a:p>
+            <a:pPr algn="just" fontAlgn="auto">
+              <a:spcAft>
+                <a:spcPts val="0"/>
+              </a:spcAft>
+              <a:defRPr/>
+            </a:pPr>
+            <a:r>
+              <a:rPr lang="en-US" dirty="0"/>
+              <a:t>Treatment dosages</a:t>
+            </a:r>
+          </a:p>
+          <a:p>
+            <a:pPr algn="just" fontAlgn="auto">
+              <a:spcAft>
+                <a:spcPts val="0"/>
+              </a:spcAft>
+              <a:defRPr/>
+            </a:pPr>
+            <a:r>
+              <a:rPr lang="en-US" dirty="0"/>
+              <a:t>Timepoints of outcome measurement (6 months vs 1 year)</a:t>
             </a:r>
           </a:p>
           <a:p>
@@ -23229,35 +28262,7 @@
               </a:spcAft>
               <a:defRPr/>
             </a:pPr>
-            <a:endParaRPr lang="en-US" b="1" dirty="0"/>
-          </a:p>
-          <a:p>
-            <a:pPr algn="just" fontAlgn="auto">
-              <a:spcAft>
-                <a:spcPts val="0"/>
-              </a:spcAft>
-              <a:defRPr/>
-            </a:pPr>
-            <a:r>
-              <a:rPr lang="en-US" b="1" dirty="0"/>
-              <a:t>Statistical heterogeneity: </a:t>
-            </a:r>
-            <a:r>
-              <a:rPr lang="en-US" dirty="0"/>
-              <a:t>Variability in the intervention effects being evaluated in the different studies. It is a consequence of clinical or methodological diversity, or both, among the studies.</a:t>
-            </a:r>
-          </a:p>
-          <a:p>
-            <a:endParaRPr lang="en-GB" dirty="0"/>
-          </a:p>
-          <a:p>
-            <a:endParaRPr lang="en-GB" dirty="0"/>
-          </a:p>
-          <a:p>
-            <a:r>
-              <a:rPr lang="en-GB" dirty="0"/>
-              <a:t>What we see in the end is the combination of many factors that produce heterogeneity</a:t>
-            </a:r>
+            <a:endParaRPr lang="en-US" dirty="0"/>
           </a:p>
         </p:txBody>
       </p:sp>
@@ -23274,7 +28279,220 @@
 </p:sld>
 </file>
 
-<file path=ppt/slides/slide6.xml><?xml version="1.0" encoding="utf-8"?>
+<file path=ppt/slides/slide7.xml><?xml version="1.0" encoding="utf-8"?>
+<p:sld xmlns:a="http://schemas.openxmlformats.org/drawingml/2006/main" xmlns:r="http://schemas.openxmlformats.org/officeDocument/2006/relationships" xmlns:p="http://schemas.openxmlformats.org/presentationml/2006/main">
+  <p:cSld>
+    <p:spTree>
+      <p:nvGrpSpPr>
+        <p:cNvPr id="1" name=""/>
+        <p:cNvGrpSpPr/>
+        <p:nvPr/>
+      </p:nvGrpSpPr>
+      <p:grpSpPr>
+        <a:xfrm>
+          <a:off x="0" y="0"/>
+          <a:ext cx="0" cy="0"/>
+          <a:chOff x="0" y="0"/>
+          <a:chExt cx="0" cy="0"/>
+        </a:xfrm>
+      </p:grpSpPr>
+      <p:sp>
+        <p:nvSpPr>
+          <p:cNvPr id="2" name="Title 1">
+            <a:extLst>
+              <a:ext uri="{FF2B5EF4-FFF2-40B4-BE49-F238E27FC236}">
+                <a16:creationId xmlns:a16="http://schemas.microsoft.com/office/drawing/2014/main" id="{F21E031B-351C-434C-8A73-D358309FC7B5}"/>
+              </a:ext>
+            </a:extLst>
+          </p:cNvPr>
+          <p:cNvSpPr>
+            <a:spLocks noGrp="1"/>
+          </p:cNvSpPr>
+          <p:nvPr>
+            <p:ph type="title"/>
+          </p:nvPr>
+        </p:nvSpPr>
+        <p:spPr>
+          <a:xfrm>
+            <a:off x="522000" y="34261"/>
+            <a:ext cx="8100000" cy="533400"/>
+          </a:xfrm>
+        </p:spPr>
+        <p:txBody>
+          <a:bodyPr/>
+          <a:lstStyle/>
+          <a:p>
+            <a:pPr algn="ctr"/>
+            <a:r>
+              <a:rPr lang="en-US" dirty="0"/>
+              <a:t>Statistical heterogeneity</a:t>
+            </a:r>
+            <a:endParaRPr lang="en-GB" dirty="0"/>
+          </a:p>
+        </p:txBody>
+      </p:sp>
+      <p:sp>
+        <p:nvSpPr>
+          <p:cNvPr id="3" name="Content Placeholder 2">
+            <a:extLst>
+              <a:ext uri="{FF2B5EF4-FFF2-40B4-BE49-F238E27FC236}">
+                <a16:creationId xmlns:a16="http://schemas.microsoft.com/office/drawing/2014/main" id="{7C715D7F-8648-4C27-A564-1B0F8B64A9E0}"/>
+              </a:ext>
+            </a:extLst>
+          </p:cNvPr>
+          <p:cNvSpPr>
+            <a:spLocks noGrp="1"/>
+          </p:cNvSpPr>
+          <p:nvPr>
+            <p:ph idx="1"/>
+          </p:nvPr>
+        </p:nvSpPr>
+        <p:spPr>
+          <a:xfrm>
+            <a:off x="522000" y="980729"/>
+            <a:ext cx="8100000" cy="4959272"/>
+          </a:xfrm>
+        </p:spPr>
+        <p:txBody>
+          <a:bodyPr/>
+          <a:lstStyle/>
+          <a:p>
+            <a:pPr marL="0" indent="0" algn="ctr">
+              <a:buNone/>
+              <a:defRPr/>
+            </a:pPr>
+            <a:r>
+              <a:rPr lang="en-US" b="1" dirty="0"/>
+              <a:t>Clinical heterogeneity + Methodological heterogeneity</a:t>
+            </a:r>
+          </a:p>
+          <a:p>
+            <a:pPr algn="just">
+              <a:defRPr/>
+            </a:pPr>
+            <a:endParaRPr lang="en-US" b="1" dirty="0"/>
+          </a:p>
+          <a:p>
+            <a:pPr algn="just" fontAlgn="auto">
+              <a:spcAft>
+                <a:spcPts val="0"/>
+              </a:spcAft>
+              <a:defRPr/>
+            </a:pPr>
+            <a:endParaRPr lang="en-US" dirty="0"/>
+          </a:p>
+          <a:p>
+            <a:pPr algn="just" fontAlgn="auto">
+              <a:spcAft>
+                <a:spcPts val="0"/>
+              </a:spcAft>
+              <a:defRPr/>
+            </a:pPr>
+            <a:endParaRPr lang="en-US" b="1" dirty="0"/>
+          </a:p>
+          <a:p>
+            <a:pPr marL="0" indent="0" algn="ctr" fontAlgn="auto">
+              <a:spcAft>
+                <a:spcPts val="0"/>
+              </a:spcAft>
+              <a:buNone/>
+              <a:defRPr/>
+            </a:pPr>
+            <a:r>
+              <a:rPr lang="en-US" b="1" dirty="0"/>
+              <a:t>Statistical heterogeneity</a:t>
+            </a:r>
+          </a:p>
+          <a:p>
+            <a:pPr algn="just" fontAlgn="auto">
+              <a:spcAft>
+                <a:spcPts val="0"/>
+              </a:spcAft>
+              <a:defRPr/>
+            </a:pPr>
+            <a:endParaRPr lang="en-US" b="1" dirty="0"/>
+          </a:p>
+          <a:p>
+            <a:pPr algn="just" fontAlgn="auto">
+              <a:spcAft>
+                <a:spcPts val="0"/>
+              </a:spcAft>
+              <a:defRPr/>
+            </a:pPr>
+            <a:r>
+              <a:rPr lang="en-US" dirty="0"/>
+              <a:t>Variability in the intervention effects being evaluated in the different studies. It is a consequence of clinical or methodological diversity, or both, among the studies.</a:t>
+            </a:r>
+            <a:endParaRPr lang="en-GB" dirty="0"/>
+          </a:p>
+          <a:p>
+            <a:r>
+              <a:rPr lang="en-GB" dirty="0"/>
+              <a:t>This is what we are estimating in our analyses</a:t>
+            </a:r>
+          </a:p>
+        </p:txBody>
+      </p:sp>
+      <p:sp>
+        <p:nvSpPr>
+          <p:cNvPr id="4" name="Arrow: Down 3">
+            <a:extLst>
+              <a:ext uri="{FF2B5EF4-FFF2-40B4-BE49-F238E27FC236}">
+                <a16:creationId xmlns:a16="http://schemas.microsoft.com/office/drawing/2014/main" id="{C37CFBD4-08DD-42F1-B57E-E3A2F42F3C6F}"/>
+              </a:ext>
+            </a:extLst>
+          </p:cNvPr>
+          <p:cNvSpPr/>
+          <p:nvPr/>
+        </p:nvSpPr>
+        <p:spPr>
+          <a:xfrm>
+            <a:off x="4329684" y="1412776"/>
+            <a:ext cx="484632" cy="792088"/>
+          </a:xfrm>
+          <a:prstGeom prst="downArrow">
+            <a:avLst/>
+          </a:prstGeom>
+        </p:spPr>
+        <p:style>
+          <a:lnRef idx="2">
+            <a:schemeClr val="accent1">
+              <a:shade val="50000"/>
+            </a:schemeClr>
+          </a:lnRef>
+          <a:fillRef idx="1">
+            <a:schemeClr val="accent1"/>
+          </a:fillRef>
+          <a:effectRef idx="0">
+            <a:schemeClr val="accent1"/>
+          </a:effectRef>
+          <a:fontRef idx="minor">
+            <a:schemeClr val="lt1"/>
+          </a:fontRef>
+        </p:style>
+        <p:txBody>
+          <a:bodyPr rtlCol="0" anchor="ctr"/>
+          <a:lstStyle/>
+          <a:p>
+            <a:pPr algn="ctr"/>
+            <a:endParaRPr lang="en-GB"/>
+          </a:p>
+        </p:txBody>
+      </p:sp>
+    </p:spTree>
+    <p:extLst>
+      <p:ext uri="{BB962C8B-B14F-4D97-AF65-F5344CB8AC3E}">
+        <p14:creationId xmlns:p14="http://schemas.microsoft.com/office/powerpoint/2010/main" val="3686670520"/>
+      </p:ext>
+    </p:extLst>
+  </p:cSld>
+  <p:clrMapOvr>
+    <a:masterClrMapping/>
+  </p:clrMapOvr>
+</p:sld>
+</file>
+
+<file path=ppt/slides/slide8.xml><?xml version="1.0" encoding="utf-8"?>
 <p:sld xmlns:a="http://schemas.openxmlformats.org/drawingml/2006/main" xmlns:r="http://schemas.openxmlformats.org/officeDocument/2006/relationships" xmlns:p="http://schemas.openxmlformats.org/presentationml/2006/main">
   <p:cSld>
     <p:spTree>
@@ -23344,7 +28562,7 @@
         <p:spPr>
           <a:xfrm>
             <a:off x="522000" y="908720"/>
-            <a:ext cx="8100000" cy="5031280"/>
+            <a:ext cx="8100000" cy="2016224"/>
           </a:xfrm>
         </p:spPr>
         <p:txBody>
@@ -23419,7 +28637,7 @@
 </p:sld>
 </file>
 
-<file path=ppt/slides/slide7.xml><?xml version="1.0" encoding="utf-8"?>
+<file path=ppt/slides/slide9.xml><?xml version="1.0" encoding="utf-8"?>
 <p:sld xmlns:a="http://schemas.openxmlformats.org/drawingml/2006/main" xmlns:r="http://schemas.openxmlformats.org/officeDocument/2006/relationships" xmlns:p="http://schemas.openxmlformats.org/presentationml/2006/main">
   <p:cSld>
     <p:spTree>
@@ -23507,36 +28725,21 @@
                 <a:pPr lvl="1"/>
                 <a:r>
                   <a:rPr lang="en-GB" dirty="0"/>
-                  <a:t>Is it more than is should?</a:t>
-                </a:r>
-              </a:p>
-              <a:p>
-                <a:pPr lvl="1"/>
-                <a:r>
-                  <a:rPr lang="el-GR" dirty="0"/>
-                  <a:t>Χ</a:t>
-                </a:r>
-                <a:r>
-                  <a:rPr lang="el-GR" baseline="30000" dirty="0"/>
-                  <a:t>2</a:t>
-                </a:r>
-                <a:r>
-                  <a:rPr lang="en-GB" dirty="0"/>
-                  <a:t> test can answer that </a:t>
+                  <a:t>Is it more variability than expected?</a:t>
                 </a:r>
               </a:p>
               <a:p>
                 <a:pPr lvl="1"/>
                 <a:r>
                   <a:rPr lang="en-GB" dirty="0"/>
-                  <a:t>The maximum variance due to randomness is equal to the degrees of freedom, meaning the number of studies -1</a:t>
+                  <a:t>The expected variance due to randomness is equal to the degrees of freedom, meaning the number of studies -1</a:t>
                 </a:r>
               </a:p>
               <a:p>
                 <a:pPr lvl="1"/>
                 <a:r>
                   <a:rPr lang="en-GB" dirty="0"/>
-                  <a:t>The excessive variability is the heterogeneity Q – (n-1)</a:t>
+                  <a:t>The excessive variability is the heterogeneity Q – (k - 1)</a:t>
                 </a:r>
               </a:p>
               <a:p>
@@ -23559,7 +28762,143 @@
                 </a:r>
                 <a:r>
                   <a:rPr lang="en-US" dirty="0"/>
-                  <a:t>It describes the percentage of variation across studies that is due to heterogeneity rather than chance   (</a:t>
+                  <a:t>It describes the percentage of variation across studies that is due to heterogeneity rather than chance </a:t>
+                </a:r>
+                <a:endParaRPr lang="el-GR" dirty="0"/>
+              </a:p>
+              <a:p>
+                <a:pPr>
+                  <a:lnSpc>
+                    <a:spcPct val="150000"/>
+                  </a:lnSpc>
+                </a:pPr>
+                <a:r>
+                  <a:rPr lang="en-US" sz="2400" i="1" dirty="0">
+                    <a:latin typeface="Cambria Math" panose="02040503050406030204" pitchFamily="18" charset="0"/>
+                  </a:rPr>
+                  <a:t>I</a:t>
+                </a:r>
+                <a:r>
+                  <a:rPr lang="el-GR" sz="2400" i="1" baseline="30000" dirty="0">
+                    <a:latin typeface="Cambria Math" panose="02040503050406030204" pitchFamily="18" charset="0"/>
+                  </a:rPr>
+                  <a:t>2</a:t>
+                </a:r>
+                <a:r>
+                  <a:rPr lang="el-GR" sz="2400" i="1" dirty="0">
+                    <a:latin typeface="Cambria Math" panose="02040503050406030204" pitchFamily="18" charset="0"/>
+                  </a:rPr>
+                  <a:t> </a:t>
+                </a:r>
+                <a:r>
+                  <a:rPr lang="en-US" sz="2400" i="1" dirty="0">
+                    <a:latin typeface="Cambria Math" panose="02040503050406030204" pitchFamily="18" charset="0"/>
+                  </a:rPr>
+                  <a:t>= </a:t>
+                </a:r>
+                <a14:m>
+                  <m:oMath xmlns:m="http://schemas.openxmlformats.org/officeDocument/2006/math">
+                    <m:f>
+                      <m:fPr>
+                        <m:ctrlPr>
+                          <a:rPr lang="en-US" sz="2400" i="1">
+                            <a:latin typeface="Cambria Math" panose="02040503050406030204" pitchFamily="18" charset="0"/>
+                          </a:rPr>
+                        </m:ctrlPr>
+                      </m:fPr>
+                      <m:num>
+                        <m:sSup>
+                          <m:sSupPr>
+                            <m:ctrlPr>
+                              <a:rPr lang="en-US" sz="2400" i="1">
+                                <a:latin typeface="Cambria Math" panose="02040503050406030204" pitchFamily="18" charset="0"/>
+                              </a:rPr>
+                            </m:ctrlPr>
+                          </m:sSupPr>
+                          <m:e>
+                            <m:r>
+                              <a:rPr lang="el-GR" sz="2400" i="1">
+                                <a:latin typeface="Cambria Math" panose="02040503050406030204" pitchFamily="18" charset="0"/>
+                              </a:rPr>
+                              <m:t>𝜏</m:t>
+                            </m:r>
+                          </m:e>
+                          <m:sup>
+                            <m:r>
+                              <a:rPr lang="el-GR" sz="2400" i="1">
+                                <a:latin typeface="Cambria Math" panose="02040503050406030204" pitchFamily="18" charset="0"/>
+                              </a:rPr>
+                              <m:t>2</m:t>
+                            </m:r>
+                          </m:sup>
+                        </m:sSup>
+                      </m:num>
+                      <m:den>
+                        <m:sSup>
+                          <m:sSupPr>
+                            <m:ctrlPr>
+                              <a:rPr lang="en-US" sz="2400" i="1">
+                                <a:latin typeface="Cambria Math" panose="02040503050406030204" pitchFamily="18" charset="0"/>
+                              </a:rPr>
+                            </m:ctrlPr>
+                          </m:sSupPr>
+                          <m:e>
+                            <m:r>
+                              <a:rPr lang="el-GR" sz="2400" i="1">
+                                <a:latin typeface="Cambria Math" panose="02040503050406030204" pitchFamily="18" charset="0"/>
+                              </a:rPr>
+                              <m:t>𝜏</m:t>
+                            </m:r>
+                          </m:e>
+                          <m:sup>
+                            <m:r>
+                              <a:rPr lang="el-GR" sz="2400" i="1">
+                                <a:latin typeface="Cambria Math" panose="02040503050406030204" pitchFamily="18" charset="0"/>
+                              </a:rPr>
+                              <m:t>2</m:t>
+                            </m:r>
+                          </m:sup>
+                        </m:sSup>
+                        <m:r>
+                          <a:rPr lang="el-GR" sz="2400" i="1">
+                            <a:latin typeface="Cambria Math" panose="02040503050406030204" pitchFamily="18" charset="0"/>
+                          </a:rPr>
+                          <m:t>+ </m:t>
+                        </m:r>
+                        <m:sSup>
+                          <m:sSupPr>
+                            <m:ctrlPr>
+                              <a:rPr lang="el-GR" sz="2400" i="1">
+                                <a:latin typeface="Cambria Math" panose="02040503050406030204" pitchFamily="18" charset="0"/>
+                              </a:rPr>
+                            </m:ctrlPr>
+                          </m:sSupPr>
+                          <m:e>
+                            <m:r>
+                              <a:rPr lang="el-GR" sz="2400" i="1">
+                                <a:latin typeface="Cambria Math" panose="02040503050406030204" pitchFamily="18" charset="0"/>
+                              </a:rPr>
+                              <m:t>𝜎</m:t>
+                            </m:r>
+                          </m:e>
+                          <m:sup>
+                            <m:r>
+                              <a:rPr lang="el-GR" sz="2400" i="1">
+                                <a:latin typeface="Cambria Math" panose="02040503050406030204" pitchFamily="18" charset="0"/>
+                              </a:rPr>
+                              <m:t>2</m:t>
+                            </m:r>
+                          </m:sup>
+                        </m:sSup>
+                      </m:den>
+                    </m:f>
+                  </m:oMath>
+                </a14:m>
+                <a:r>
+                  <a:rPr lang="en-US" sz="2400" i="1" dirty="0">
+                    <a:latin typeface="Cambria Math" panose="02040503050406030204" pitchFamily="18" charset="0"/>
+                  </a:rPr>
+                  <a:t> = </a:t>
                 </a:r>
                 <a14:m>
                   <m:oMath xmlns:m="http://schemas.openxmlformats.org/officeDocument/2006/math">
@@ -23612,10 +28951,7 @@
                     </m:f>
                   </m:oMath>
                 </a14:m>
-                <a:r>
-                  <a:rPr lang="en-GB" dirty="0"/>
-                  <a:t> %)</a:t>
-                </a:r>
+                <a:endParaRPr lang="en-GB" dirty="0"/>
               </a:p>
               <a:p>
                 <a:pPr>
@@ -23665,7 +29001,15 @@
                 </a:r>
                 <a:r>
                   <a:rPr lang="en-GB" dirty="0"/>
-                  <a:t>max{0 , </a:t>
+                  <a:t>max</a:t>
+                </a:r>
+                <a:r>
+                  <a:rPr lang="en-GB" sz="4800" dirty="0"/>
+                  <a:t>{</a:t>
+                </a:r>
+                <a:r>
+                  <a:rPr lang="en-GB" dirty="0"/>
+                  <a:t>0 , </a:t>
                 </a:r>
                 <a14:m>
                   <m:oMath xmlns:m="http://schemas.openxmlformats.org/officeDocument/2006/math">
@@ -23939,9 +29283,10 @@
                   </m:oMath>
                 </a14:m>
                 <a:r>
-                  <a:rPr lang="en-GB" dirty="0"/>
-                  <a:t>    }</a:t>
+                  <a:rPr lang="en-GB" sz="4800" dirty="0"/>
+                  <a:t>}</a:t>
                 </a:r>
+                <a:endParaRPr lang="en-GB" dirty="0"/>
               </a:p>
             </p:txBody>
           </p:sp>
@@ -23971,7 +29316,7 @@
               <a:blipFill>
                 <a:blip r:embed="rId2"/>
                 <a:stretch>
-                  <a:fillRect l="-1807" t="-1317"/>
+                  <a:fillRect l="-2184" t="-1317"/>
                 </a:stretch>
               </a:blipFill>
             </p:spPr>
@@ -23996,634 +29341,6 @@
         <p14:creationId xmlns:p14="http://schemas.microsoft.com/office/powerpoint/2010/main" val="2766437542"/>
       </p:ext>
     </p:extLst>
-  </p:cSld>
-  <p:clrMapOvr>
-    <a:masterClrMapping/>
-  </p:clrMapOvr>
-</p:sld>
-</file>
-
-<file path=ppt/slides/slide8.xml><?xml version="1.0" encoding="utf-8"?>
-<p:sld xmlns:a="http://schemas.openxmlformats.org/drawingml/2006/main" xmlns:r="http://schemas.openxmlformats.org/officeDocument/2006/relationships" xmlns:p="http://schemas.openxmlformats.org/presentationml/2006/main">
-  <p:cSld>
-    <p:spTree>
-      <p:nvGrpSpPr>
-        <p:cNvPr id="1" name=""/>
-        <p:cNvGrpSpPr/>
-        <p:nvPr/>
-      </p:nvGrpSpPr>
-      <p:grpSpPr>
-        <a:xfrm>
-          <a:off x="0" y="0"/>
-          <a:ext cx="0" cy="0"/>
-          <a:chOff x="0" y="0"/>
-          <a:chExt cx="0" cy="0"/>
-        </a:xfrm>
-      </p:grpSpPr>
-      <p:sp>
-        <p:nvSpPr>
-          <p:cNvPr id="2" name="Title 1">
-            <a:extLst>
-              <a:ext uri="{FF2B5EF4-FFF2-40B4-BE49-F238E27FC236}">
-                <a16:creationId xmlns:a16="http://schemas.microsoft.com/office/drawing/2014/main" id="{E50FCA13-C488-418D-A167-BDF267BEE0F6}"/>
-              </a:ext>
-            </a:extLst>
-          </p:cNvPr>
-          <p:cNvSpPr>
-            <a:spLocks noGrp="1"/>
-          </p:cNvSpPr>
-          <p:nvPr>
-            <p:ph type="title"/>
-          </p:nvPr>
-        </p:nvSpPr>
-        <p:spPr>
-          <a:xfrm>
-            <a:off x="537541" y="116632"/>
-            <a:ext cx="8100000" cy="533400"/>
-          </a:xfrm>
-        </p:spPr>
-        <p:txBody>
-          <a:bodyPr/>
-          <a:lstStyle/>
-          <a:p>
-            <a:r>
-              <a:rPr lang="en-GB" dirty="0"/>
-              <a:t>Other measures of heterogeneity</a:t>
-            </a:r>
-          </a:p>
-        </p:txBody>
-      </p:sp>
-      <mc:AlternateContent xmlns:mc="http://schemas.openxmlformats.org/markup-compatibility/2006">
-        <mc:Choice xmlns:a14="http://schemas.microsoft.com/office/drawing/2010/main" Requires="a14">
-          <p:sp>
-            <p:nvSpPr>
-              <p:cNvPr id="3" name="Content Placeholder 2">
-                <a:extLst>
-                  <a:ext uri="{FF2B5EF4-FFF2-40B4-BE49-F238E27FC236}">
-                    <a16:creationId xmlns:a16="http://schemas.microsoft.com/office/drawing/2014/main" id="{353ED4CC-6840-43AD-ABDA-C1DF5600F65D}"/>
-                  </a:ext>
-                </a:extLst>
-              </p:cNvPr>
-              <p:cNvSpPr>
-                <a:spLocks noGrp="1"/>
-              </p:cNvSpPr>
-              <p:nvPr>
-                <p:ph idx="1"/>
-              </p:nvPr>
-            </p:nvSpPr>
-            <p:spPr>
-              <a:xfrm>
-                <a:off x="522000" y="836712"/>
-                <a:ext cx="8100000" cy="5103289"/>
-              </a:xfrm>
-            </p:spPr>
-            <p:txBody>
-              <a:bodyPr/>
-              <a:lstStyle/>
-              <a:p>
-                <a:endParaRPr lang="en-GB" dirty="0"/>
-              </a:p>
-              <a:p>
-                <a:endParaRPr lang="en-GB" dirty="0"/>
-              </a:p>
-              <a:p>
-                <a:r>
-                  <a:rPr lang="en-GB" dirty="0"/>
-                  <a:t>H</a:t>
-                </a:r>
-                <a:r>
-                  <a:rPr lang="en-GB" baseline="30000" dirty="0"/>
-                  <a:t>2</a:t>
-                </a:r>
-                <a:r>
-                  <a:rPr lang="en-GB" dirty="0"/>
-                  <a:t> = </a:t>
-                </a:r>
-                <a14:m>
-                  <m:oMath xmlns:m="http://schemas.openxmlformats.org/officeDocument/2006/math">
-                    <m:f>
-                      <m:fPr>
-                        <m:ctrlPr>
-                          <a:rPr lang="en-GB" i="1" smtClean="0">
-                            <a:latin typeface="Cambria Math" panose="02040503050406030204" pitchFamily="18" charset="0"/>
-                          </a:rPr>
-                        </m:ctrlPr>
-                      </m:fPr>
-                      <m:num>
-                        <m:r>
-                          <a:rPr lang="en-GB" b="0" i="1" smtClean="0">
-                            <a:latin typeface="Cambria Math" panose="02040503050406030204" pitchFamily="18" charset="0"/>
-                          </a:rPr>
-                          <m:t>𝑄</m:t>
-                        </m:r>
-                      </m:num>
-                      <m:den>
-                        <m:r>
-                          <a:rPr lang="en-GB" b="0" i="1" smtClean="0">
-                            <a:latin typeface="Cambria Math" panose="02040503050406030204" pitchFamily="18" charset="0"/>
-                          </a:rPr>
-                          <m:t>𝐾</m:t>
-                        </m:r>
-                        <m:r>
-                          <a:rPr lang="en-GB" b="0" i="1" smtClean="0">
-                            <a:latin typeface="Cambria Math" panose="02040503050406030204" pitchFamily="18" charset="0"/>
-                          </a:rPr>
-                          <m:t>−1</m:t>
-                        </m:r>
-                      </m:den>
-                    </m:f>
-                  </m:oMath>
-                </a14:m>
-                <a:r>
-                  <a:rPr lang="en-GB" dirty="0"/>
-                  <a:t>  , how many times more or less excessive variability we have</a:t>
-                </a:r>
-              </a:p>
-              <a:p>
-                <a:endParaRPr lang="en-GB" dirty="0"/>
-              </a:p>
-              <a:p>
-                <a:endParaRPr lang="el-GR" dirty="0"/>
-              </a:p>
-              <a:p>
-                <a:endParaRPr lang="el-GR" dirty="0"/>
-              </a:p>
-              <a:p>
-                <a:r>
-                  <a:rPr lang="en-GB" dirty="0"/>
-                  <a:t>R</a:t>
-                </a:r>
-                <a:r>
-                  <a:rPr lang="en-GB" baseline="30000" dirty="0"/>
-                  <a:t>2</a:t>
-                </a:r>
-                <a:r>
-                  <a:rPr lang="en-GB" dirty="0"/>
-                  <a:t> =         </a:t>
-                </a:r>
-                <a14:m>
-                  <m:oMath xmlns:m="http://schemas.openxmlformats.org/officeDocument/2006/math">
-                    <m:f>
-                      <m:fPr>
-                        <m:ctrlPr>
-                          <a:rPr lang="en-GB" sz="2400" i="1" smtClean="0">
-                            <a:latin typeface="Cambria Math" panose="02040503050406030204" pitchFamily="18" charset="0"/>
-                          </a:rPr>
-                        </m:ctrlPr>
-                      </m:fPr>
-                      <m:num>
-                        <m:sSup>
-                          <m:sSupPr>
-                            <m:ctrlPr>
-                              <a:rPr lang="en-GB" sz="2400" i="1" smtClean="0">
-                                <a:latin typeface="Cambria Math" panose="02040503050406030204" pitchFamily="18" charset="0"/>
-                              </a:rPr>
-                            </m:ctrlPr>
-                          </m:sSupPr>
-                          <m:e>
-                            <m:r>
-                              <a:rPr lang="el-GR" sz="2400" b="0" i="1" smtClean="0">
-                                <a:latin typeface="Cambria Math" panose="02040503050406030204" pitchFamily="18" charset="0"/>
-                              </a:rPr>
-                              <m:t>𝜏</m:t>
-                            </m:r>
-                          </m:e>
-                          <m:sup>
-                            <m:r>
-                              <a:rPr lang="el-GR" sz="2400" b="0" i="1" smtClean="0">
-                                <a:latin typeface="Cambria Math" panose="02040503050406030204" pitchFamily="18" charset="0"/>
-                              </a:rPr>
-                              <m:t>2</m:t>
-                            </m:r>
-                          </m:sup>
-                        </m:sSup>
-                        <m:r>
-                          <a:rPr lang="el-GR" sz="2400" b="0" i="1" smtClean="0">
-                            <a:latin typeface="Cambria Math" panose="02040503050406030204" pitchFamily="18" charset="0"/>
-                          </a:rPr>
-                          <m:t>+</m:t>
-                        </m:r>
-                        <m:r>
-                          <a:rPr lang="en-GB" sz="2400" b="0" i="1" smtClean="0">
-                            <a:latin typeface="Cambria Math" panose="02040503050406030204" pitchFamily="18" charset="0"/>
-                          </a:rPr>
-                          <m:t> </m:t>
-                        </m:r>
-                        <m:sSup>
-                          <m:sSupPr>
-                            <m:ctrlPr>
-                              <a:rPr lang="en-GB" sz="2400" b="0" i="1" smtClean="0">
-                                <a:latin typeface="Cambria Math" panose="02040503050406030204" pitchFamily="18" charset="0"/>
-                              </a:rPr>
-                            </m:ctrlPr>
-                          </m:sSupPr>
-                          <m:e>
-                            <m:r>
-                              <a:rPr lang="el-GR" sz="2400" b="0" i="1" smtClean="0">
-                                <a:latin typeface="Cambria Math" panose="02040503050406030204" pitchFamily="18" charset="0"/>
-                              </a:rPr>
-                              <m:t>𝜎</m:t>
-                            </m:r>
-                          </m:e>
-                          <m:sup>
-                            <m:r>
-                              <a:rPr lang="el-GR" sz="2400" b="0" i="1" smtClean="0">
-                                <a:latin typeface="Cambria Math" panose="02040503050406030204" pitchFamily="18" charset="0"/>
-                              </a:rPr>
-                              <m:t>2</m:t>
-                            </m:r>
-                          </m:sup>
-                        </m:sSup>
-                      </m:num>
-                      <m:den>
-                        <m:sSup>
-                          <m:sSupPr>
-                            <m:ctrlPr>
-                              <a:rPr lang="en-GB" sz="2400" i="1" smtClean="0">
-                                <a:latin typeface="Cambria Math" panose="02040503050406030204" pitchFamily="18" charset="0"/>
-                              </a:rPr>
-                            </m:ctrlPr>
-                          </m:sSupPr>
-                          <m:e>
-                            <m:r>
-                              <a:rPr lang="el-GR" sz="2400" b="0" i="1" smtClean="0">
-                                <a:latin typeface="Cambria Math" panose="02040503050406030204" pitchFamily="18" charset="0"/>
-                              </a:rPr>
-                              <m:t>𝜎</m:t>
-                            </m:r>
-                          </m:e>
-                          <m:sup>
-                            <m:r>
-                              <a:rPr lang="el-GR" sz="2400" b="0" i="1" smtClean="0">
-                                <a:latin typeface="Cambria Math" panose="02040503050406030204" pitchFamily="18" charset="0"/>
-                              </a:rPr>
-                              <m:t>2</m:t>
-                            </m:r>
-                          </m:sup>
-                        </m:sSup>
-                      </m:den>
-                    </m:f>
-                  </m:oMath>
-                </a14:m>
-                <a:r>
-                  <a:rPr lang="en-GB" dirty="0"/>
-                  <a:t>        typical within-study variance </a:t>
-                </a:r>
-              </a:p>
-            </p:txBody>
-          </p:sp>
-        </mc:Choice>
-        <mc:Fallback>
-          <p:sp>
-            <p:nvSpPr>
-              <p:cNvPr id="3" name="Content Placeholder 2">
-                <a:extLst>
-                  <a:ext uri="{FF2B5EF4-FFF2-40B4-BE49-F238E27FC236}">
-                    <a16:creationId xmlns:a16="http://schemas.microsoft.com/office/drawing/2014/main" id="{353ED4CC-6840-43AD-ABDA-C1DF5600F65D}"/>
-                  </a:ext>
-                </a:extLst>
-              </p:cNvPr>
-              <p:cNvSpPr>
-                <a:spLocks noGrp="1" noRot="1" noChangeAspect="1" noMove="1" noResize="1" noEditPoints="1" noAdjustHandles="1" noChangeArrowheads="1" noChangeShapeType="1" noTextEdit="1"/>
-              </p:cNvSpPr>
-              <p:nvPr>
-                <p:ph idx="1"/>
-              </p:nvPr>
-            </p:nvSpPr>
-            <p:spPr>
-              <a:xfrm>
-                <a:off x="522000" y="836712"/>
-                <a:ext cx="8100000" cy="5103289"/>
-              </a:xfrm>
-              <a:blipFill>
-                <a:blip r:embed="rId2"/>
-                <a:stretch>
-                  <a:fillRect l="-1807"/>
-                </a:stretch>
-              </a:blipFill>
-            </p:spPr>
-            <p:txBody>
-              <a:bodyPr/>
-              <a:lstStyle/>
-              <a:p>
-                <a:r>
-                  <a:rPr lang="en-GB">
-                    <a:noFill/>
-                  </a:rPr>
-                  <a:t> </a:t>
-                </a:r>
-              </a:p>
-            </p:txBody>
-          </p:sp>
-        </mc:Fallback>
-      </mc:AlternateContent>
-    </p:spTree>
-    <p:extLst>
-      <p:ext uri="{BB962C8B-B14F-4D97-AF65-F5344CB8AC3E}">
-        <p14:creationId xmlns:p14="http://schemas.microsoft.com/office/powerpoint/2010/main" val="1276658037"/>
-      </p:ext>
-    </p:extLst>
-  </p:cSld>
-  <p:clrMapOvr>
-    <a:masterClrMapping/>
-  </p:clrMapOvr>
-</p:sld>
-</file>
-
-<file path=ppt/slides/slide9.xml><?xml version="1.0" encoding="utf-8"?>
-<p:sld xmlns:a="http://schemas.openxmlformats.org/drawingml/2006/main" xmlns:r="http://schemas.openxmlformats.org/officeDocument/2006/relationships" xmlns:p="http://schemas.openxmlformats.org/presentationml/2006/main">
-  <p:cSld>
-    <p:spTree>
-      <p:nvGrpSpPr>
-        <p:cNvPr id="1" name=""/>
-        <p:cNvGrpSpPr/>
-        <p:nvPr/>
-      </p:nvGrpSpPr>
-      <p:grpSpPr>
-        <a:xfrm>
-          <a:off x="0" y="0"/>
-          <a:ext cx="0" cy="0"/>
-          <a:chOff x="0" y="0"/>
-          <a:chExt cx="0" cy="0"/>
-        </a:xfrm>
-      </p:grpSpPr>
-      <p:sp>
-        <p:nvSpPr>
-          <p:cNvPr id="4" name="Title 3"/>
-          <p:cNvSpPr>
-            <a:spLocks noGrp="1"/>
-          </p:cNvSpPr>
-          <p:nvPr>
-            <p:ph type="title"/>
-          </p:nvPr>
-        </p:nvSpPr>
-        <p:spPr>
-          <a:xfrm>
-            <a:off x="611560" y="53704"/>
-            <a:ext cx="8100000" cy="533400"/>
-          </a:xfrm>
-        </p:spPr>
-        <p:txBody>
-          <a:bodyPr/>
-          <a:lstStyle/>
-          <a:p>
-            <a:pPr algn="ctr"/>
-            <a:r>
-              <a:rPr lang="en-GB" sz="3600" dirty="0"/>
-              <a:t>Explore heterogeneity</a:t>
-            </a:r>
-          </a:p>
-        </p:txBody>
-      </p:sp>
-      <p:sp>
-        <p:nvSpPr>
-          <p:cNvPr id="45059" name="Tijdelijke aanduiding voor inhoud 2"/>
-          <p:cNvSpPr>
-            <a:spLocks noGrp="1"/>
-          </p:cNvSpPr>
-          <p:nvPr>
-            <p:ph idx="1"/>
-          </p:nvPr>
-        </p:nvSpPr>
-        <p:spPr>
-          <a:xfrm>
-            <a:off x="522000" y="1196753"/>
-            <a:ext cx="8100000" cy="4743248"/>
-          </a:xfrm>
-        </p:spPr>
-        <p:txBody>
-          <a:bodyPr/>
-          <a:lstStyle/>
-          <a:p>
-            <a:pPr>
-              <a:lnSpc>
-                <a:spcPct val="110000"/>
-              </a:lnSpc>
-            </a:pPr>
-            <a:r>
-              <a:rPr lang="nl-NL" sz="2200" dirty="0">
-                <a:ea typeface="ＭＳ Ｐゴシック" pitchFamily="34" charset="-128"/>
-                <a:cs typeface="Arial" charset="0"/>
-              </a:rPr>
-              <a:t>One task </a:t>
-            </a:r>
-            <a:r>
-              <a:rPr lang="en-GB" sz="2200" dirty="0">
-                <a:ea typeface="ＭＳ Ｐゴシック" pitchFamily="34" charset="-128"/>
-                <a:cs typeface="Arial" charset="0"/>
-              </a:rPr>
-              <a:t>is to </a:t>
-            </a:r>
-            <a:r>
-              <a:rPr lang="nl-NL" sz="2200" dirty="0">
-                <a:ea typeface="ＭＳ Ｐゴシック" pitchFamily="34" charset="-128"/>
-                <a:cs typeface="Arial" charset="0"/>
-              </a:rPr>
-              <a:t>estimate a pooled treatment effect and take into account it’s heterogeneity </a:t>
-            </a:r>
-          </a:p>
-          <a:p>
-            <a:pPr>
-              <a:lnSpc>
-                <a:spcPct val="110000"/>
-              </a:lnSpc>
-            </a:pPr>
-            <a:endParaRPr lang="nl-NL" sz="2200" dirty="0">
-              <a:ea typeface="ＭＳ Ｐゴシック" pitchFamily="34" charset="-128"/>
-              <a:cs typeface="Arial" charset="0"/>
-            </a:endParaRPr>
-          </a:p>
-          <a:p>
-            <a:pPr>
-              <a:lnSpc>
-                <a:spcPct val="110000"/>
-              </a:lnSpc>
-            </a:pPr>
-            <a:r>
-              <a:rPr lang="nl-NL" sz="2200" dirty="0">
-                <a:ea typeface="ＭＳ Ｐゴシック" pitchFamily="34" charset="-128"/>
-                <a:cs typeface="Arial" charset="0"/>
-              </a:rPr>
-              <a:t>Another is to find out where does this heterogeneity come from</a:t>
-            </a:r>
-          </a:p>
-          <a:p>
-            <a:pPr>
-              <a:lnSpc>
-                <a:spcPct val="110000"/>
-              </a:lnSpc>
-            </a:pPr>
-            <a:endParaRPr lang="nl-NL" sz="2200" dirty="0">
-              <a:ea typeface="ＭＳ Ｐゴシック" pitchFamily="34" charset="-128"/>
-              <a:cs typeface="Arial" charset="0"/>
-            </a:endParaRPr>
-          </a:p>
-          <a:p>
-            <a:pPr marL="322262" lvl="1" indent="0">
-              <a:lnSpc>
-                <a:spcPct val="110000"/>
-              </a:lnSpc>
-              <a:buNone/>
-            </a:pPr>
-            <a:endParaRPr lang="nl-NL" sz="2200" dirty="0">
-              <a:ea typeface="ＭＳ Ｐゴシック" pitchFamily="34" charset="-128"/>
-              <a:cs typeface="Arial" charset="0"/>
-            </a:endParaRPr>
-          </a:p>
-          <a:p>
-            <a:pPr>
-              <a:lnSpc>
-                <a:spcPct val="110000"/>
-              </a:lnSpc>
-            </a:pPr>
-            <a:endParaRPr lang="nl-NL" sz="2200" dirty="0">
-              <a:ea typeface="ＭＳ Ｐゴシック" pitchFamily="34" charset="-128"/>
-              <a:cs typeface="Arial" charset="0"/>
-            </a:endParaRPr>
-          </a:p>
-          <a:p>
-            <a:pPr marL="0" indent="0" algn="ctr">
-              <a:lnSpc>
-                <a:spcPct val="110000"/>
-              </a:lnSpc>
-              <a:buNone/>
-            </a:pPr>
-            <a:endParaRPr lang="nl-NL" sz="2200" dirty="0">
-              <a:ea typeface="ＭＳ Ｐゴシック" pitchFamily="34" charset="-128"/>
-              <a:cs typeface="Arial" charset="0"/>
-            </a:endParaRPr>
-          </a:p>
-          <a:p>
-            <a:pPr>
-              <a:lnSpc>
-                <a:spcPct val="110000"/>
-              </a:lnSpc>
-            </a:pPr>
-            <a:r>
-              <a:rPr lang="nl-NL" sz="2200" dirty="0">
-                <a:ea typeface="ＭＳ Ｐゴシック" pitchFamily="34" charset="-128"/>
-                <a:cs typeface="Arial" charset="0"/>
-              </a:rPr>
-              <a:t>But first, we have to remember linear regression. </a:t>
-            </a:r>
-          </a:p>
-          <a:p>
-            <a:pPr>
-              <a:lnSpc>
-                <a:spcPct val="110000"/>
-              </a:lnSpc>
-            </a:pPr>
-            <a:endParaRPr lang="nl-NL" sz="2200" dirty="0">
-              <a:ea typeface="ＭＳ Ｐゴシック" pitchFamily="34" charset="-128"/>
-              <a:cs typeface="Arial" charset="0"/>
-            </a:endParaRPr>
-          </a:p>
-        </p:txBody>
-      </p:sp>
-      <p:sp>
-        <p:nvSpPr>
-          <p:cNvPr id="5" name="Date Placeholder 4"/>
-          <p:cNvSpPr>
-            <a:spLocks noGrp="1"/>
-          </p:cNvSpPr>
-          <p:nvPr>
-            <p:ph type="dt" sz="half" idx="10"/>
-          </p:nvPr>
-        </p:nvSpPr>
-        <p:spPr/>
-        <p:txBody>
-          <a:bodyPr/>
-          <a:lstStyle/>
-          <a:p>
-            <a:fld id="{EA255924-E178-4951-9673-3E33CF8E62A9}" type="datetime10">
-              <a:rPr lang="en-US" smtClean="0"/>
-              <a:pPr/>
-              <a:t>11:33</a:t>
-            </a:fld>
-            <a:endParaRPr lang="nl-NL"/>
-          </a:p>
-        </p:txBody>
-      </p:sp>
-      <p:sp>
-        <p:nvSpPr>
-          <p:cNvPr id="7" name="Slide Number Placeholder 16"/>
-          <p:cNvSpPr>
-            <a:spLocks noGrp="1"/>
-          </p:cNvSpPr>
-          <p:nvPr>
-            <p:ph type="sldNum" sz="quarter" idx="4"/>
-          </p:nvPr>
-        </p:nvSpPr>
-        <p:spPr>
-          <a:xfrm>
-            <a:off x="522000" y="6414409"/>
-            <a:ext cx="810000" cy="152400"/>
-          </a:xfrm>
-        </p:spPr>
-        <p:txBody>
-          <a:bodyPr/>
-          <a:lstStyle/>
-          <a:p>
-            <a:r>
-              <a:rPr lang="nl-NL" dirty="0"/>
-              <a:t>Page </a:t>
-            </a:r>
-            <a:fld id="{7FC9B413-936F-403B-BC98-20250EBFF374}" type="slidenum">
-              <a:rPr lang="nl-NL" smtClean="0"/>
-              <a:pPr/>
-              <a:t>9</a:t>
-            </a:fld>
-            <a:endParaRPr lang="nl-NL" dirty="0"/>
-          </a:p>
-        </p:txBody>
-      </p:sp>
-      <p:sp>
-        <p:nvSpPr>
-          <p:cNvPr id="2" name="Arrow: Down 1">
-            <a:extLst>
-              <a:ext uri="{FF2B5EF4-FFF2-40B4-BE49-F238E27FC236}">
-                <a16:creationId xmlns:a16="http://schemas.microsoft.com/office/drawing/2014/main" id="{C4F93AC2-D4DD-4E72-8C5F-E544EE4A76CA}"/>
-              </a:ext>
-            </a:extLst>
-          </p:cNvPr>
-          <p:cNvSpPr/>
-          <p:nvPr/>
-        </p:nvSpPr>
-        <p:spPr>
-          <a:xfrm>
-            <a:off x="4087368" y="2939796"/>
-            <a:ext cx="484632" cy="978408"/>
-          </a:xfrm>
-          <a:prstGeom prst="downArrow">
-            <a:avLst/>
-          </a:prstGeom>
-        </p:spPr>
-        <p:style>
-          <a:lnRef idx="2">
-            <a:schemeClr val="accent1">
-              <a:shade val="50000"/>
-            </a:schemeClr>
-          </a:lnRef>
-          <a:fillRef idx="1">
-            <a:schemeClr val="accent1"/>
-          </a:fillRef>
-          <a:effectRef idx="0">
-            <a:schemeClr val="accent1"/>
-          </a:effectRef>
-          <a:fontRef idx="minor">
-            <a:schemeClr val="lt1"/>
-          </a:fontRef>
-        </p:style>
-        <p:txBody>
-          <a:bodyPr rtlCol="0" anchor="ctr"/>
-          <a:lstStyle/>
-          <a:p>
-            <a:pPr algn="ctr"/>
-            <a:endParaRPr lang="en-GB"/>
-          </a:p>
-        </p:txBody>
-      </p:sp>
-    </p:spTree>
   </p:cSld>
   <p:clrMapOvr>
     <a:masterClrMapping/>

--- a/Meta-reg_SA_Heterogeneity.pptx
+++ b/Meta-reg_SA_Heterogeneity.pptx
@@ -5,10 +5,10 @@
     <p:sldMasterId id="2147483672" r:id="rId1"/>
   </p:sldMasterIdLst>
   <p:notesMasterIdLst>
-    <p:notesMasterId r:id="rId31"/>
+    <p:notesMasterId r:id="rId30"/>
   </p:notesMasterIdLst>
   <p:handoutMasterIdLst>
-    <p:handoutMasterId r:id="rId32"/>
+    <p:handoutMasterId r:id="rId31"/>
   </p:handoutMasterIdLst>
   <p:sldIdLst>
     <p:sldId id="438" r:id="rId2"/>
@@ -20,26 +20,25 @@
     <p:sldId id="453" r:id="rId8"/>
     <p:sldId id="443" r:id="rId9"/>
     <p:sldId id="444" r:id="rId10"/>
-    <p:sldId id="447" r:id="rId11"/>
-    <p:sldId id="421" r:id="rId12"/>
-    <p:sldId id="446" r:id="rId13"/>
-    <p:sldId id="445" r:id="rId14"/>
+    <p:sldId id="421" r:id="rId11"/>
+    <p:sldId id="445" r:id="rId12"/>
+    <p:sldId id="450" r:id="rId13"/>
+    <p:sldId id="448" r:id="rId14"/>
     <p:sldId id="454" r:id="rId15"/>
-    <p:sldId id="450" r:id="rId16"/>
-    <p:sldId id="448" r:id="rId17"/>
-    <p:sldId id="422" r:id="rId18"/>
-    <p:sldId id="423" r:id="rId19"/>
-    <p:sldId id="449" r:id="rId20"/>
-    <p:sldId id="425" r:id="rId21"/>
-    <p:sldId id="426" r:id="rId22"/>
-    <p:sldId id="427" r:id="rId23"/>
-    <p:sldId id="428" r:id="rId24"/>
-    <p:sldId id="429" r:id="rId25"/>
-    <p:sldId id="430" r:id="rId26"/>
-    <p:sldId id="433" r:id="rId27"/>
-    <p:sldId id="434" r:id="rId28"/>
-    <p:sldId id="435" r:id="rId29"/>
-    <p:sldId id="436" r:id="rId30"/>
+    <p:sldId id="446" r:id="rId16"/>
+    <p:sldId id="422" r:id="rId17"/>
+    <p:sldId id="423" r:id="rId18"/>
+    <p:sldId id="449" r:id="rId19"/>
+    <p:sldId id="425" r:id="rId20"/>
+    <p:sldId id="426" r:id="rId21"/>
+    <p:sldId id="427" r:id="rId22"/>
+    <p:sldId id="428" r:id="rId23"/>
+    <p:sldId id="429" r:id="rId24"/>
+    <p:sldId id="430" r:id="rId25"/>
+    <p:sldId id="433" r:id="rId26"/>
+    <p:sldId id="434" r:id="rId27"/>
+    <p:sldId id="435" r:id="rId28"/>
+    <p:sldId id="436" r:id="rId29"/>
   </p:sldIdLst>
   <p:sldSz cx="9144000" cy="6858000" type="screen4x3"/>
   <p:notesSz cx="6742113" cy="9872663"/>
@@ -246,7 +245,7 @@
             <a:fld id="{6050A038-46A2-449A-97DD-1D16371A17AB}" type="datetimeFigureOut">
               <a:rPr lang="nl-NL" smtClean="0"/>
               <a:pPr/>
-              <a:t>11-2-2019</a:t>
+              <a:t>14-2-2019</a:t>
             </a:fld>
             <a:endParaRPr lang="nl-NL"/>
           </a:p>
@@ -408,7 +407,7 @@
             <a:fld id="{CD1E4680-C2B0-42A2-ABE4-ACED6EDD2C0F}" type="datetimeFigureOut">
               <a:rPr lang="nl-NL" smtClean="0"/>
               <a:pPr/>
-              <a:t>11-2-2019</a:t>
+              <a:t>14-2-2019</a:t>
             </a:fld>
             <a:endParaRPr lang="nl-NL"/>
           </a:p>
@@ -935,7 +934,7 @@
             <a:fld id="{FEB1D910-BFEE-4DA8-8AE0-86755633677F}" type="slidenum">
               <a:rPr lang="nl-NL" smtClean="0"/>
               <a:pPr/>
-              <a:t>18</a:t>
+              <a:t>17</a:t>
             </a:fld>
             <a:endParaRPr lang="nl-NL"/>
           </a:p>
@@ -1305,7 +1304,7 @@
             <a:fld id="{FEB1D910-BFEE-4DA8-8AE0-86755633677F}" type="slidenum">
               <a:rPr lang="nl-NL" smtClean="0"/>
               <a:pPr/>
-              <a:t>20</a:t>
+              <a:t>19</a:t>
             </a:fld>
             <a:endParaRPr lang="nl-NL"/>
           </a:p>
@@ -1506,7 +1505,7 @@
             <a:fld id="{FEB1D910-BFEE-4DA8-8AE0-86755633677F}" type="slidenum">
               <a:rPr lang="nl-NL" smtClean="0"/>
               <a:pPr/>
-              <a:t>21</a:t>
+              <a:t>20</a:t>
             </a:fld>
             <a:endParaRPr lang="nl-NL"/>
           </a:p>
@@ -1664,7 +1663,7 @@
             <a:fld id="{FEB1D910-BFEE-4DA8-8AE0-86755633677F}" type="slidenum">
               <a:rPr lang="nl-NL" smtClean="0"/>
               <a:pPr/>
-              <a:t>22</a:t>
+              <a:t>21</a:t>
             </a:fld>
             <a:endParaRPr lang="nl-NL"/>
           </a:p>
@@ -1746,7 +1745,7 @@
             <a:fld id="{FEB1D910-BFEE-4DA8-8AE0-86755633677F}" type="slidenum">
               <a:rPr lang="nl-NL" smtClean="0"/>
               <a:pPr/>
-              <a:t>23</a:t>
+              <a:t>22</a:t>
             </a:fld>
             <a:endParaRPr lang="nl-NL"/>
           </a:p>
@@ -2108,7 +2107,7 @@
             <a:fld id="{FEB1D910-BFEE-4DA8-8AE0-86755633677F}" type="slidenum">
               <a:rPr lang="nl-NL" smtClean="0"/>
               <a:pPr/>
-              <a:t>25</a:t>
+              <a:t>24</a:t>
             </a:fld>
             <a:endParaRPr lang="nl-NL"/>
           </a:p>
@@ -2212,7 +2211,7 @@
             <a:fld id="{FEB1D910-BFEE-4DA8-8AE0-86755633677F}" type="slidenum">
               <a:rPr lang="nl-NL" smtClean="0"/>
               <a:pPr/>
-              <a:t>26</a:t>
+              <a:t>25</a:t>
             </a:fld>
             <a:endParaRPr lang="nl-NL"/>
           </a:p>
@@ -2329,7 +2328,7 @@
             <a:fld id="{FEB1D910-BFEE-4DA8-8AE0-86755633677F}" type="slidenum">
               <a:rPr lang="nl-NL" smtClean="0"/>
               <a:pPr/>
-              <a:t>27</a:t>
+              <a:t>26</a:t>
             </a:fld>
             <a:endParaRPr lang="nl-NL"/>
           </a:p>
@@ -2463,7 +2462,7 @@
             <a:fld id="{FEB1D910-BFEE-4DA8-8AE0-86755633677F}" type="slidenum">
               <a:rPr lang="nl-NL" smtClean="0"/>
               <a:pPr/>
-              <a:t>29</a:t>
+              <a:t>28</a:t>
             </a:fld>
             <a:endParaRPr lang="nl-NL"/>
           </a:p>
@@ -16928,398 +16927,6 @@
       </p:grpSpPr>
       <p:sp>
         <p:nvSpPr>
-          <p:cNvPr id="2" name="Title 1">
-            <a:extLst>
-              <a:ext uri="{FF2B5EF4-FFF2-40B4-BE49-F238E27FC236}">
-                <a16:creationId xmlns:a16="http://schemas.microsoft.com/office/drawing/2014/main" id="{E50FCA13-C488-418D-A167-BDF267BEE0F6}"/>
-              </a:ext>
-            </a:extLst>
-          </p:cNvPr>
-          <p:cNvSpPr>
-            <a:spLocks noGrp="1"/>
-          </p:cNvSpPr>
-          <p:nvPr>
-            <p:ph type="title"/>
-          </p:nvPr>
-        </p:nvSpPr>
-        <p:spPr>
-          <a:xfrm>
-            <a:off x="537541" y="116632"/>
-            <a:ext cx="8100000" cy="533400"/>
-          </a:xfrm>
-        </p:spPr>
-        <p:txBody>
-          <a:bodyPr/>
-          <a:lstStyle/>
-          <a:p>
-            <a:r>
-              <a:rPr lang="en-GB" dirty="0"/>
-              <a:t>Other measures of heterogeneity</a:t>
-            </a:r>
-          </a:p>
-        </p:txBody>
-      </p:sp>
-      <mc:AlternateContent xmlns:mc="http://schemas.openxmlformats.org/markup-compatibility/2006">
-        <mc:Choice xmlns:a14="http://schemas.microsoft.com/office/drawing/2010/main" Requires="a14">
-          <p:sp>
-            <p:nvSpPr>
-              <p:cNvPr id="3" name="Content Placeholder 2">
-                <a:extLst>
-                  <a:ext uri="{FF2B5EF4-FFF2-40B4-BE49-F238E27FC236}">
-                    <a16:creationId xmlns:a16="http://schemas.microsoft.com/office/drawing/2014/main" id="{353ED4CC-6840-43AD-ABDA-C1DF5600F65D}"/>
-                  </a:ext>
-                </a:extLst>
-              </p:cNvPr>
-              <p:cNvSpPr>
-                <a:spLocks noGrp="1"/>
-              </p:cNvSpPr>
-              <p:nvPr>
-                <p:ph idx="1"/>
-              </p:nvPr>
-            </p:nvSpPr>
-            <p:spPr>
-              <a:xfrm>
-                <a:off x="522000" y="836712"/>
-                <a:ext cx="8100000" cy="5103289"/>
-              </a:xfrm>
-            </p:spPr>
-            <p:txBody>
-              <a:bodyPr/>
-              <a:lstStyle/>
-              <a:p>
-                <a:endParaRPr lang="en-GB" dirty="0"/>
-              </a:p>
-              <a:p>
-                <a:endParaRPr lang="en-GB" dirty="0"/>
-              </a:p>
-              <a:p>
-                <a:r>
-                  <a:rPr lang="en-GB" sz="2400" i="1" dirty="0">
-                    <a:latin typeface="Cambria Math" panose="02040503050406030204" pitchFamily="18" charset="0"/>
-                  </a:rPr>
-                  <a:t>H</a:t>
-                </a:r>
-                <a:r>
-                  <a:rPr lang="el-GR" sz="2400" i="1" baseline="30000" dirty="0">
-                    <a:latin typeface="Cambria Math" panose="02040503050406030204" pitchFamily="18" charset="0"/>
-                  </a:rPr>
-                  <a:t>2</a:t>
-                </a:r>
-                <a:r>
-                  <a:rPr lang="en-GB" sz="2400" i="1" dirty="0">
-                    <a:latin typeface="Cambria Math" panose="02040503050406030204" pitchFamily="18" charset="0"/>
-                  </a:rPr>
-                  <a:t> = </a:t>
-                </a:r>
-                <a14:m>
-                  <m:oMath xmlns:m="http://schemas.openxmlformats.org/officeDocument/2006/math">
-                    <m:f>
-                      <m:fPr>
-                        <m:ctrlPr>
-                          <a:rPr lang="en-GB" sz="2400" i="1">
-                            <a:latin typeface="Cambria Math" panose="02040503050406030204" pitchFamily="18" charset="0"/>
-                          </a:rPr>
-                        </m:ctrlPr>
-                      </m:fPr>
-                      <m:num>
-                        <m:r>
-                          <a:rPr lang="en-GB" sz="2400" i="1">
-                            <a:latin typeface="Cambria Math" panose="02040503050406030204" pitchFamily="18" charset="0"/>
-                          </a:rPr>
-                          <m:t>𝑄</m:t>
-                        </m:r>
-                      </m:num>
-                      <m:den>
-                        <m:r>
-                          <a:rPr lang="en-GB" sz="2400" i="1">
-                            <a:latin typeface="Cambria Math" panose="02040503050406030204" pitchFamily="18" charset="0"/>
-                          </a:rPr>
-                          <m:t>𝐾</m:t>
-                        </m:r>
-                        <m:r>
-                          <a:rPr lang="en-GB" sz="2400" i="1">
-                            <a:latin typeface="Cambria Math" panose="02040503050406030204" pitchFamily="18" charset="0"/>
-                          </a:rPr>
-                          <m:t>−1</m:t>
-                        </m:r>
-                      </m:den>
-                    </m:f>
-                  </m:oMath>
-                </a14:m>
-                <a:r>
-                  <a:rPr lang="en-GB" sz="2400" i="1" dirty="0">
-                    <a:latin typeface="Cambria Math" panose="02040503050406030204" pitchFamily="18" charset="0"/>
-                  </a:rPr>
-                  <a:t> = </a:t>
-                </a:r>
-                <a14:m>
-                  <m:oMath xmlns:m="http://schemas.openxmlformats.org/officeDocument/2006/math">
-                    <m:f>
-                      <m:fPr>
-                        <m:ctrlPr>
-                          <a:rPr lang="en-GB" sz="2400" i="1">
-                            <a:latin typeface="Cambria Math" panose="02040503050406030204" pitchFamily="18" charset="0"/>
-                          </a:rPr>
-                        </m:ctrlPr>
-                      </m:fPr>
-                      <m:num>
-                        <m:r>
-                          <a:rPr lang="en-GB" sz="2400" i="1">
-                            <a:latin typeface="Cambria Math" panose="02040503050406030204" pitchFamily="18" charset="0"/>
-                          </a:rPr>
-                          <m:t>𝑄</m:t>
-                        </m:r>
-                      </m:num>
-                      <m:den>
-                        <m:r>
-                          <a:rPr lang="en-GB" sz="2400" b="0" i="1" smtClean="0">
-                            <a:latin typeface="Cambria Math" panose="02040503050406030204" pitchFamily="18" charset="0"/>
-                          </a:rPr>
-                          <m:t>𝑑𝑓</m:t>
-                        </m:r>
-                      </m:den>
-                    </m:f>
-                  </m:oMath>
-                </a14:m>
-                <a:r>
-                  <a:rPr lang="en-GB" sz="2400" i="1" dirty="0">
-                    <a:latin typeface="Cambria Math" panose="02040503050406030204" pitchFamily="18" charset="0"/>
-                  </a:rPr>
-                  <a:t> </a:t>
-                </a:r>
-                <a:r>
-                  <a:rPr lang="en-GB" dirty="0"/>
-                  <a:t>, </a:t>
-                </a:r>
-                <a:r>
-                  <a:rPr lang="en-US" dirty="0"/>
-                  <a:t>Is the ratio of to the Q-test's degrees of freedom.</a:t>
-                </a:r>
-                <a:endParaRPr lang="en-GB" dirty="0"/>
-              </a:p>
-              <a:p>
-                <a:endParaRPr lang="el-GR" dirty="0"/>
-              </a:p>
-              <a:p>
-                <a:r>
-                  <a:rPr lang="en-GB" sz="2400" i="1" dirty="0">
-                    <a:latin typeface="Cambria Math" panose="02040503050406030204" pitchFamily="18" charset="0"/>
-                  </a:rPr>
-                  <a:t>ICC = </a:t>
-                </a:r>
-                <a14:m>
-                  <m:oMath xmlns:m="http://schemas.openxmlformats.org/officeDocument/2006/math">
-                    <m:f>
-                      <m:fPr>
-                        <m:ctrlPr>
-                          <a:rPr lang="en-US" sz="2400" i="1">
-                            <a:latin typeface="Cambria Math" panose="02040503050406030204" pitchFamily="18" charset="0"/>
-                          </a:rPr>
-                        </m:ctrlPr>
-                      </m:fPr>
-                      <m:num>
-                        <m:sSup>
-                          <m:sSupPr>
-                            <m:ctrlPr>
-                              <a:rPr lang="en-US" sz="2400" i="1">
-                                <a:latin typeface="Cambria Math" panose="02040503050406030204" pitchFamily="18" charset="0"/>
-                              </a:rPr>
-                            </m:ctrlPr>
-                          </m:sSupPr>
-                          <m:e>
-                            <m:r>
-                              <a:rPr lang="el-GR" sz="2400" i="1">
-                                <a:latin typeface="Cambria Math" panose="02040503050406030204" pitchFamily="18" charset="0"/>
-                              </a:rPr>
-                              <m:t>𝜏</m:t>
-                            </m:r>
-                          </m:e>
-                          <m:sup>
-                            <m:r>
-                              <a:rPr lang="el-GR" sz="2400" i="1">
-                                <a:latin typeface="Cambria Math" panose="02040503050406030204" pitchFamily="18" charset="0"/>
-                              </a:rPr>
-                              <m:t>2</m:t>
-                            </m:r>
-                          </m:sup>
-                        </m:sSup>
-                      </m:num>
-                      <m:den>
-                        <m:sSup>
-                          <m:sSupPr>
-                            <m:ctrlPr>
-                              <a:rPr lang="en-US" sz="2400" i="1">
-                                <a:latin typeface="Cambria Math" panose="02040503050406030204" pitchFamily="18" charset="0"/>
-                              </a:rPr>
-                            </m:ctrlPr>
-                          </m:sSupPr>
-                          <m:e>
-                            <m:r>
-                              <a:rPr lang="el-GR" sz="2400" i="1">
-                                <a:latin typeface="Cambria Math" panose="02040503050406030204" pitchFamily="18" charset="0"/>
-                              </a:rPr>
-                              <m:t>𝜏</m:t>
-                            </m:r>
-                          </m:e>
-                          <m:sup>
-                            <m:r>
-                              <a:rPr lang="el-GR" sz="2400" i="1">
-                                <a:latin typeface="Cambria Math" panose="02040503050406030204" pitchFamily="18" charset="0"/>
-                              </a:rPr>
-                              <m:t>2</m:t>
-                            </m:r>
-                          </m:sup>
-                        </m:sSup>
-                        <m:r>
-                          <a:rPr lang="el-GR" sz="2400" i="1">
-                            <a:latin typeface="Cambria Math" panose="02040503050406030204" pitchFamily="18" charset="0"/>
-                          </a:rPr>
-                          <m:t>+ </m:t>
-                        </m:r>
-                        <m:sSup>
-                          <m:sSupPr>
-                            <m:ctrlPr>
-                              <a:rPr lang="el-GR" sz="2400" i="1">
-                                <a:latin typeface="Cambria Math" panose="02040503050406030204" pitchFamily="18" charset="0"/>
-                              </a:rPr>
-                            </m:ctrlPr>
-                          </m:sSupPr>
-                          <m:e>
-                            <m:r>
-                              <a:rPr lang="en-GB" sz="2400" i="1">
-                                <a:latin typeface="Cambria Math" panose="02040503050406030204" pitchFamily="18" charset="0"/>
-                              </a:rPr>
-                              <m:t>𝑆</m:t>
-                            </m:r>
-                          </m:e>
-                          <m:sup>
-                            <m:r>
-                              <a:rPr lang="el-GR" sz="2400" i="1">
-                                <a:latin typeface="Cambria Math" panose="02040503050406030204" pitchFamily="18" charset="0"/>
-                              </a:rPr>
-                              <m:t>2</m:t>
-                            </m:r>
-                          </m:sup>
-                        </m:sSup>
-                      </m:den>
-                    </m:f>
-                  </m:oMath>
-                </a14:m>
-                <a:r>
-                  <a:rPr lang="en-US" sz="2400" i="1" dirty="0">
-                    <a:latin typeface="Cambria Math" panose="02040503050406030204" pitchFamily="18" charset="0"/>
-                  </a:rPr>
-                  <a:t> </a:t>
-                </a:r>
-                <a:r>
-                  <a:rPr lang="en-US" dirty="0"/>
-                  <a:t>, intraclass correlation coefficient (</a:t>
-                </a:r>
-                <a:r>
-                  <a:rPr lang="en-GB" dirty="0"/>
-                  <a:t>I</a:t>
-                </a:r>
-                <a:r>
-                  <a:rPr lang="en-GB" baseline="30000" dirty="0"/>
-                  <a:t>2</a:t>
-                </a:r>
-                <a:r>
-                  <a:rPr lang="en-GB" dirty="0"/>
-                  <a:t> = ICC × 100)</a:t>
-                </a:r>
-                <a:endParaRPr lang="en-US" dirty="0"/>
-              </a:p>
-              <a:p>
-                <a:endParaRPr lang="en-US" dirty="0"/>
-              </a:p>
-              <a:p>
-                <a:endParaRPr lang="en-US" dirty="0"/>
-              </a:p>
-              <a:p>
-                <a:endParaRPr lang="el-GR" dirty="0"/>
-              </a:p>
-              <a:p>
-                <a:endParaRPr lang="el-GR" dirty="0"/>
-              </a:p>
-            </p:txBody>
-          </p:sp>
-        </mc:Choice>
-        <mc:Fallback>
-          <p:sp>
-            <p:nvSpPr>
-              <p:cNvPr id="3" name="Content Placeholder 2">
-                <a:extLst>
-                  <a:ext uri="{FF2B5EF4-FFF2-40B4-BE49-F238E27FC236}">
-                    <a16:creationId xmlns:a16="http://schemas.microsoft.com/office/drawing/2014/main" id="{353ED4CC-6840-43AD-ABDA-C1DF5600F65D}"/>
-                  </a:ext>
-                </a:extLst>
-              </p:cNvPr>
-              <p:cNvSpPr>
-                <a:spLocks noGrp="1" noRot="1" noChangeAspect="1" noMove="1" noResize="1" noEditPoints="1" noAdjustHandles="1" noChangeArrowheads="1" noChangeShapeType="1" noTextEdit="1"/>
-              </p:cNvSpPr>
-              <p:nvPr>
-                <p:ph idx="1"/>
-              </p:nvPr>
-            </p:nvSpPr>
-            <p:spPr>
-              <a:xfrm>
-                <a:off x="522000" y="836712"/>
-                <a:ext cx="8100000" cy="5103289"/>
-              </a:xfrm>
-              <a:blipFill>
-                <a:blip r:embed="rId2"/>
-                <a:stretch>
-                  <a:fillRect l="-2184"/>
-                </a:stretch>
-              </a:blipFill>
-            </p:spPr>
-            <p:txBody>
-              <a:bodyPr/>
-              <a:lstStyle/>
-              <a:p>
-                <a:r>
-                  <a:rPr lang="en-GB">
-                    <a:noFill/>
-                  </a:rPr>
-                  <a:t> </a:t>
-                </a:r>
-              </a:p>
-            </p:txBody>
-          </p:sp>
-        </mc:Fallback>
-      </mc:AlternateContent>
-    </p:spTree>
-    <p:extLst>
-      <p:ext uri="{BB962C8B-B14F-4D97-AF65-F5344CB8AC3E}">
-        <p14:creationId xmlns:p14="http://schemas.microsoft.com/office/powerpoint/2010/main" val="1276658037"/>
-      </p:ext>
-    </p:extLst>
-  </p:cSld>
-  <p:clrMapOvr>
-    <a:masterClrMapping/>
-  </p:clrMapOvr>
-</p:sld>
-</file>
-
-<file path=ppt/slides/slide11.xml><?xml version="1.0" encoding="utf-8"?>
-<p:sld xmlns:a="http://schemas.openxmlformats.org/drawingml/2006/main" xmlns:r="http://schemas.openxmlformats.org/officeDocument/2006/relationships" xmlns:p="http://schemas.openxmlformats.org/presentationml/2006/main">
-  <p:cSld>
-    <p:spTree>
-      <p:nvGrpSpPr>
-        <p:cNvPr id="1" name=""/>
-        <p:cNvGrpSpPr/>
-        <p:nvPr/>
-      </p:nvGrpSpPr>
-      <p:grpSpPr>
-        <a:xfrm>
-          <a:off x="0" y="0"/>
-          <a:ext cx="0" cy="0"/>
-          <a:chOff x="0" y="0"/>
-          <a:chExt cx="0" cy="0"/>
-        </a:xfrm>
-      </p:grpSpPr>
-      <p:sp>
-        <p:nvSpPr>
           <p:cNvPr id="4" name="Title 3"/>
           <p:cNvSpPr>
             <a:spLocks noGrp="1"/>
@@ -17358,8 +16965,8 @@
         </p:nvSpPr>
         <p:spPr>
           <a:xfrm>
-            <a:off x="522000" y="1196753"/>
-            <a:ext cx="8100000" cy="4743248"/>
+            <a:off x="522000" y="1196752"/>
+            <a:ext cx="8100000" cy="5040559"/>
           </a:xfrm>
         </p:spPr>
         <p:txBody>
@@ -17430,16 +17037,18 @@
             </a:endParaRPr>
           </a:p>
           <a:p>
-            <a:pPr marL="322262" lvl="1" indent="0">
+            <a:pPr>
               <a:lnSpc>
                 <a:spcPct val="110000"/>
               </a:lnSpc>
-              <a:buNone/>
             </a:pPr>
-            <a:endParaRPr lang="nl-NL" sz="2200" dirty="0">
-              <a:ea typeface="ＭＳ Ｐゴシック" pitchFamily="34" charset="-128"/>
-              <a:cs typeface="Arial" charset="0"/>
-            </a:endParaRPr>
+            <a:r>
+              <a:rPr lang="nl-NL" sz="2200" dirty="0">
+                <a:ea typeface="ＭＳ Ｐゴシック" pitchFamily="34" charset="-128"/>
+                <a:cs typeface="Arial" charset="0"/>
+              </a:rPr>
+              <a:t>Let’s have an example </a:t>
+            </a:r>
           </a:p>
           <a:p>
             <a:pPr>
@@ -17453,30 +17062,50 @@
             </a:endParaRPr>
           </a:p>
           <a:p>
-            <a:pPr marL="0" indent="0" algn="ctr">
-              <a:lnSpc>
-                <a:spcPct val="110000"/>
-              </a:lnSpc>
-              <a:buNone/>
-            </a:pPr>
-            <a:endParaRPr lang="nl-NL" sz="2200" dirty="0">
-              <a:ea typeface="ＭＳ Ｐゴシック" pitchFamily="34" charset="-128"/>
-              <a:cs typeface="Arial" charset="0"/>
-            </a:endParaRPr>
-          </a:p>
-          <a:p>
             <a:pPr>
               <a:lnSpc>
                 <a:spcPct val="110000"/>
               </a:lnSpc>
             </a:pPr>
             <a:r>
-              <a:rPr lang="nl-NL" sz="2200" dirty="0">
+              <a:rPr lang="en-GB" sz="2200" dirty="0">
                 <a:ea typeface="ＭＳ Ｐゴシック" pitchFamily="34" charset="-128"/>
                 <a:cs typeface="Arial" charset="0"/>
               </a:rPr>
-              <a:t>But first, we have to remember linear regression. </a:t>
-            </a:r>
+              <a:t>There two main methods to achieve that</a:t>
+            </a:r>
+          </a:p>
+          <a:p>
+            <a:pPr lvl="1">
+              <a:lnSpc>
+                <a:spcPct val="110000"/>
+              </a:lnSpc>
+            </a:pPr>
+            <a:r>
+              <a:rPr lang="en-GB" sz="2200" dirty="0">
+                <a:ea typeface="ＭＳ Ｐゴシック" pitchFamily="34" charset="-128"/>
+                <a:cs typeface="Arial" charset="0"/>
+              </a:rPr>
+              <a:t>Subgroup analysis</a:t>
+            </a:r>
+          </a:p>
+          <a:p>
+            <a:pPr lvl="1">
+              <a:lnSpc>
+                <a:spcPct val="110000"/>
+              </a:lnSpc>
+            </a:pPr>
+            <a:r>
+              <a:rPr lang="en-GB" sz="2200" dirty="0">
+                <a:ea typeface="ＭＳ Ｐゴシック" pitchFamily="34" charset="-128"/>
+                <a:cs typeface="Arial" charset="0"/>
+              </a:rPr>
+              <a:t>Meta-regression </a:t>
+            </a:r>
+            <a:endParaRPr lang="nl-NL" sz="2200" dirty="0">
+              <a:ea typeface="ＭＳ Ｐゴシック" pitchFamily="34" charset="-128"/>
+              <a:cs typeface="Arial" charset="0"/>
+            </a:endParaRPr>
           </a:p>
           <a:p>
             <a:pPr>
@@ -17509,7 +17138,7 @@
             <a:fld id="{EA255924-E178-4951-9673-3E33CF8E62A9}" type="datetime10">
               <a:rPr lang="en-US" smtClean="0"/>
               <a:pPr/>
-              <a:t>16:30</a:t>
+              <a:t>18:15</a:t>
             </a:fld>
             <a:endParaRPr lang="nl-NL"/>
           </a:p>
@@ -17542,7 +17171,7 @@
             <a:fld id="{7FC9B413-936F-403B-BC98-20250EBFF374}" type="slidenum">
               <a:rPr lang="nl-NL" smtClean="0"/>
               <a:pPr/>
-              <a:t>11</a:t>
+              <a:t>10</a:t>
             </a:fld>
             <a:endParaRPr lang="nl-NL" dirty="0"/>
           </a:p>
@@ -17550,10 +17179,10 @@
       </p:sp>
       <p:sp>
         <p:nvSpPr>
-          <p:cNvPr id="2" name="Arrow: Down 1">
+          <p:cNvPr id="6" name="Arrow: Left 5">
             <a:extLst>
               <a:ext uri="{FF2B5EF4-FFF2-40B4-BE49-F238E27FC236}">
-                <a16:creationId xmlns:a16="http://schemas.microsoft.com/office/drawing/2014/main" id="{C4F93AC2-D4DD-4E72-8C5F-E544EE4A76CA}"/>
+                <a16:creationId xmlns:a16="http://schemas.microsoft.com/office/drawing/2014/main" id="{D0374052-A62A-4EFF-A305-71A1647039A6}"/>
               </a:ext>
             </a:extLst>
           </p:cNvPr>
@@ -17562,10 +17191,10 @@
         </p:nvSpPr>
         <p:spPr>
           <a:xfrm>
-            <a:off x="4087368" y="2939796"/>
-            <a:ext cx="484632" cy="978408"/>
+            <a:off x="8132796" y="2204864"/>
+            <a:ext cx="978408" cy="484632"/>
           </a:xfrm>
-          <a:prstGeom prst="downArrow">
+          <a:prstGeom prst="leftArrow">
             <a:avLst/>
           </a:prstGeom>
         </p:spPr>
@@ -17590,7 +17219,10 @@
           <a:lstStyle/>
           <a:p>
             <a:pPr algn="ctr"/>
-            <a:endParaRPr lang="en-GB"/>
+            <a:r>
+              <a:rPr lang="en-GB" dirty="0"/>
+              <a:t>How?</a:t>
+            </a:r>
           </a:p>
         </p:txBody>
       </p:sp>
@@ -17599,850 +17231,237 @@
   <p:clrMapOvr>
     <a:masterClrMapping/>
   </p:clrMapOvr>
+  <p:timing>
+    <p:tnLst>
+      <p:par>
+        <p:cTn id="1" dur="indefinite" restart="never" nodeType="tmRoot">
+          <p:childTnLst>
+            <p:seq concurrent="1" nextAc="seek">
+              <p:cTn id="2" dur="indefinite" nodeType="mainSeq">
+                <p:childTnLst>
+                  <p:par>
+                    <p:cTn id="3" fill="hold">
+                      <p:stCondLst>
+                        <p:cond delay="indefinite"/>
+                      </p:stCondLst>
+                      <p:childTnLst>
+                        <p:par>
+                          <p:cTn id="4" fill="hold">
+                            <p:stCondLst>
+                              <p:cond delay="0"/>
+                            </p:stCondLst>
+                            <p:childTnLst>
+                              <p:par>
+                                <p:cTn id="5" presetID="2" presetClass="entr" presetSubtype="4" fill="hold" grpId="0" nodeType="clickEffect">
+                                  <p:stCondLst>
+                                    <p:cond delay="0"/>
+                                  </p:stCondLst>
+                                  <p:childTnLst>
+                                    <p:set>
+                                      <p:cBhvr>
+                                        <p:cTn id="6" dur="1" fill="hold">
+                                          <p:stCondLst>
+                                            <p:cond delay="0"/>
+                                          </p:stCondLst>
+                                        </p:cTn>
+                                        <p:tgtEl>
+                                          <p:spTgt spid="6"/>
+                                        </p:tgtEl>
+                                        <p:attrNameLst>
+                                          <p:attrName>style.visibility</p:attrName>
+                                        </p:attrNameLst>
+                                      </p:cBhvr>
+                                      <p:to>
+                                        <p:strVal val="visible"/>
+                                      </p:to>
+                                    </p:set>
+                                    <p:anim calcmode="lin" valueType="num">
+                                      <p:cBhvr additive="base">
+                                        <p:cTn id="7" dur="500" fill="hold"/>
+                                        <p:tgtEl>
+                                          <p:spTgt spid="6"/>
+                                        </p:tgtEl>
+                                        <p:attrNameLst>
+                                          <p:attrName>ppt_x</p:attrName>
+                                        </p:attrNameLst>
+                                      </p:cBhvr>
+                                      <p:tavLst>
+                                        <p:tav tm="0">
+                                          <p:val>
+                                            <p:strVal val="#ppt_x"/>
+                                          </p:val>
+                                        </p:tav>
+                                        <p:tav tm="100000">
+                                          <p:val>
+                                            <p:strVal val="#ppt_x"/>
+                                          </p:val>
+                                        </p:tav>
+                                      </p:tavLst>
+                                    </p:anim>
+                                    <p:anim calcmode="lin" valueType="num">
+                                      <p:cBhvr additive="base">
+                                        <p:cTn id="8" dur="500" fill="hold"/>
+                                        <p:tgtEl>
+                                          <p:spTgt spid="6"/>
+                                        </p:tgtEl>
+                                        <p:attrNameLst>
+                                          <p:attrName>ppt_y</p:attrName>
+                                        </p:attrNameLst>
+                                      </p:cBhvr>
+                                      <p:tavLst>
+                                        <p:tav tm="0">
+                                          <p:val>
+                                            <p:strVal val="1+#ppt_h/2"/>
+                                          </p:val>
+                                        </p:tav>
+                                        <p:tav tm="100000">
+                                          <p:val>
+                                            <p:strVal val="#ppt_y"/>
+                                          </p:val>
+                                        </p:tav>
+                                      </p:tavLst>
+                                    </p:anim>
+                                  </p:childTnLst>
+                                </p:cTn>
+                              </p:par>
+                            </p:childTnLst>
+                          </p:cTn>
+                        </p:par>
+                      </p:childTnLst>
+                    </p:cTn>
+                  </p:par>
+                  <p:par>
+                    <p:cTn id="9" fill="hold">
+                      <p:stCondLst>
+                        <p:cond delay="indefinite"/>
+                      </p:stCondLst>
+                      <p:childTnLst>
+                        <p:par>
+                          <p:cTn id="10" fill="hold">
+                            <p:stCondLst>
+                              <p:cond delay="0"/>
+                            </p:stCondLst>
+                            <p:childTnLst>
+                              <p:par>
+                                <p:cTn id="11" presetID="2" presetClass="entr" presetSubtype="4" fill="hold" nodeType="clickEffect">
+                                  <p:stCondLst>
+                                    <p:cond delay="0"/>
+                                  </p:stCondLst>
+                                  <p:childTnLst>
+                                    <p:set>
+                                      <p:cBhvr>
+                                        <p:cTn id="12" dur="1" fill="hold">
+                                          <p:stCondLst>
+                                            <p:cond delay="0"/>
+                                          </p:stCondLst>
+                                        </p:cTn>
+                                        <p:tgtEl>
+                                          <p:spTgt spid="45059">
+                                            <p:txEl>
+                                              <p:pRg st="4" end="4"/>
+                                            </p:txEl>
+                                          </p:spTgt>
+                                        </p:tgtEl>
+                                        <p:attrNameLst>
+                                          <p:attrName>style.visibility</p:attrName>
+                                        </p:attrNameLst>
+                                      </p:cBhvr>
+                                      <p:to>
+                                        <p:strVal val="visible"/>
+                                      </p:to>
+                                    </p:set>
+                                    <p:anim calcmode="lin" valueType="num">
+                                      <p:cBhvr additive="base">
+                                        <p:cTn id="13" dur="500" fill="hold"/>
+                                        <p:tgtEl>
+                                          <p:spTgt spid="45059">
+                                            <p:txEl>
+                                              <p:pRg st="4" end="4"/>
+                                            </p:txEl>
+                                          </p:spTgt>
+                                        </p:tgtEl>
+                                        <p:attrNameLst>
+                                          <p:attrName>ppt_x</p:attrName>
+                                        </p:attrNameLst>
+                                      </p:cBhvr>
+                                      <p:tavLst>
+                                        <p:tav tm="0">
+                                          <p:val>
+                                            <p:strVal val="#ppt_x"/>
+                                          </p:val>
+                                        </p:tav>
+                                        <p:tav tm="100000">
+                                          <p:val>
+                                            <p:strVal val="#ppt_x"/>
+                                          </p:val>
+                                        </p:tav>
+                                      </p:tavLst>
+                                    </p:anim>
+                                    <p:anim calcmode="lin" valueType="num">
+                                      <p:cBhvr additive="base">
+                                        <p:cTn id="14" dur="500" fill="hold"/>
+                                        <p:tgtEl>
+                                          <p:spTgt spid="45059">
+                                            <p:txEl>
+                                              <p:pRg st="4" end="4"/>
+                                            </p:txEl>
+                                          </p:spTgt>
+                                        </p:tgtEl>
+                                        <p:attrNameLst>
+                                          <p:attrName>ppt_y</p:attrName>
+                                        </p:attrNameLst>
+                                      </p:cBhvr>
+                                      <p:tavLst>
+                                        <p:tav tm="0">
+                                          <p:val>
+                                            <p:strVal val="1+#ppt_h/2"/>
+                                          </p:val>
+                                        </p:tav>
+                                        <p:tav tm="100000">
+                                          <p:val>
+                                            <p:strVal val="#ppt_y"/>
+                                          </p:val>
+                                        </p:tav>
+                                      </p:tavLst>
+                                    </p:anim>
+                                  </p:childTnLst>
+                                </p:cTn>
+                              </p:par>
+                            </p:childTnLst>
+                          </p:cTn>
+                        </p:par>
+                      </p:childTnLst>
+                    </p:cTn>
+                  </p:par>
+                </p:childTnLst>
+              </p:cTn>
+              <p:prevCondLst>
+                <p:cond evt="onPrev" delay="0">
+                  <p:tgtEl>
+                    <p:sldTgt/>
+                  </p:tgtEl>
+                </p:cond>
+              </p:prevCondLst>
+              <p:nextCondLst>
+                <p:cond evt="onNext" delay="0">
+                  <p:tgtEl>
+                    <p:sldTgt/>
+                  </p:tgtEl>
+                </p:cond>
+              </p:nextCondLst>
+            </p:seq>
+          </p:childTnLst>
+        </p:cTn>
+      </p:par>
+    </p:tnLst>
+    <p:bldLst>
+      <p:bldP spid="6" grpId="0" animBg="1"/>
+    </p:bldLst>
+  </p:timing>
 </p:sld>
 </file>
 
-<file path=ppt/slides/slide12.xml><?xml version="1.0" encoding="utf-8"?>
-<p:sld xmlns:a="http://schemas.openxmlformats.org/drawingml/2006/main" xmlns:r="http://schemas.openxmlformats.org/officeDocument/2006/relationships" xmlns:p="http://schemas.openxmlformats.org/presentationml/2006/main">
-  <p:cSld>
-    <p:spTree>
-      <p:nvGrpSpPr>
-        <p:cNvPr id="1" name=""/>
-        <p:cNvGrpSpPr/>
-        <p:nvPr/>
-      </p:nvGrpSpPr>
-      <p:grpSpPr>
-        <a:xfrm>
-          <a:off x="0" y="0"/>
-          <a:ext cx="0" cy="0"/>
-          <a:chOff x="0" y="0"/>
-          <a:chExt cx="0" cy="0"/>
-        </a:xfrm>
-      </p:grpSpPr>
-      <p:sp>
-        <p:nvSpPr>
-          <p:cNvPr id="2" name="Title 1">
-            <a:extLst>
-              <a:ext uri="{FF2B5EF4-FFF2-40B4-BE49-F238E27FC236}">
-                <a16:creationId xmlns:a16="http://schemas.microsoft.com/office/drawing/2014/main" id="{8C106167-BB18-4E0A-AD53-2473C0EC426A}"/>
-              </a:ext>
-            </a:extLst>
-          </p:cNvPr>
-          <p:cNvSpPr>
-            <a:spLocks noGrp="1"/>
-          </p:cNvSpPr>
-          <p:nvPr>
-            <p:ph type="title"/>
-          </p:nvPr>
-        </p:nvSpPr>
-        <p:spPr>
-          <a:xfrm>
-            <a:off x="522000" y="116632"/>
-            <a:ext cx="8100000" cy="533400"/>
-          </a:xfrm>
-        </p:spPr>
-        <p:txBody>
-          <a:bodyPr/>
-          <a:lstStyle/>
-          <a:p>
-            <a:pPr algn="ctr"/>
-            <a:r>
-              <a:rPr lang="en-GB" dirty="0"/>
-              <a:t>Linear regression</a:t>
-            </a:r>
-          </a:p>
-        </p:txBody>
-      </p:sp>
-      <p:sp>
-        <p:nvSpPr>
-          <p:cNvPr id="3" name="Content Placeholder 2">
-            <a:extLst>
-              <a:ext uri="{FF2B5EF4-FFF2-40B4-BE49-F238E27FC236}">
-                <a16:creationId xmlns:a16="http://schemas.microsoft.com/office/drawing/2014/main" id="{1BB3368C-9DE0-481F-8FEE-41DFEDFCDFA7}"/>
-              </a:ext>
-            </a:extLst>
-          </p:cNvPr>
-          <p:cNvSpPr>
-            <a:spLocks noGrp="1"/>
-          </p:cNvSpPr>
-          <p:nvPr>
-            <p:ph idx="1"/>
-          </p:nvPr>
-        </p:nvSpPr>
-        <p:spPr>
-          <a:xfrm>
-            <a:off x="522000" y="836712"/>
-            <a:ext cx="8100000" cy="5256584"/>
-          </a:xfrm>
-        </p:spPr>
-        <p:txBody>
-          <a:bodyPr/>
-          <a:lstStyle/>
-          <a:p>
-            <a:r>
-              <a:rPr lang="en-US" dirty="0"/>
-              <a:t>When we have a continuous outcome </a:t>
-            </a:r>
-            <a:r>
-              <a:rPr lang="en-US" sz="2400" dirty="0">
-                <a:effectLst>
-                  <a:outerShdw blurRad="38100" dist="38100" dir="2700000" algn="tl">
-                    <a:srgbClr val="000000">
-                      <a:alpha val="43137"/>
-                    </a:srgbClr>
-                  </a:outerShdw>
-                </a:effectLst>
-              </a:rPr>
-              <a:t>Y</a:t>
-            </a:r>
-            <a:r>
-              <a:rPr lang="en-US" baseline="-25000" dirty="0">
-                <a:effectLst>
-                  <a:outerShdw blurRad="38100" dist="38100" dir="2700000" algn="tl">
-                    <a:srgbClr val="000000">
-                      <a:alpha val="43137"/>
-                    </a:srgbClr>
-                  </a:outerShdw>
-                </a:effectLst>
-              </a:rPr>
-              <a:t>i</a:t>
-            </a:r>
-          </a:p>
-          <a:p>
-            <a:endParaRPr lang="en-US" dirty="0">
-              <a:effectLst>
-                <a:outerShdw blurRad="38100" dist="38100" dir="2700000" algn="tl">
-                  <a:srgbClr val="000000">
-                    <a:alpha val="43137"/>
-                  </a:srgbClr>
-                </a:outerShdw>
-              </a:effectLst>
-            </a:endParaRPr>
-          </a:p>
-          <a:p>
-            <a:endParaRPr lang="en-US" dirty="0"/>
-          </a:p>
-          <a:p>
-            <a:r>
-              <a:rPr lang="en-US" dirty="0"/>
-              <a:t>The standard linear regression model is given by:</a:t>
-            </a:r>
-            <a:endParaRPr lang="en-GB" sz="2400" dirty="0"/>
-          </a:p>
-          <a:p>
-            <a:pPr marL="0" indent="0" algn="ctr">
-              <a:buNone/>
-            </a:pPr>
-            <a:r>
-              <a:rPr lang="en-GB" sz="2400" dirty="0">
-                <a:effectLst>
-                  <a:outerShdw blurRad="38100" dist="38100" dir="2700000" algn="tl">
-                    <a:srgbClr val="000000">
-                      <a:alpha val="43137"/>
-                    </a:srgbClr>
-                  </a:outerShdw>
-                </a:effectLst>
-              </a:rPr>
-              <a:t>Y</a:t>
-            </a:r>
-            <a:r>
-              <a:rPr lang="en-GB" sz="2400" baseline="-25000" dirty="0">
-                <a:effectLst>
-                  <a:outerShdw blurRad="38100" dist="38100" dir="2700000" algn="tl">
-                    <a:srgbClr val="000000">
-                      <a:alpha val="43137"/>
-                    </a:srgbClr>
-                  </a:outerShdw>
-                </a:effectLst>
-              </a:rPr>
-              <a:t>i </a:t>
-            </a:r>
-            <a:r>
-              <a:rPr lang="en-GB" sz="2400" dirty="0">
-                <a:effectLst>
-                  <a:outerShdw blurRad="38100" dist="38100" dir="2700000" algn="tl">
-                    <a:srgbClr val="000000">
-                      <a:alpha val="43137"/>
-                    </a:srgbClr>
-                  </a:outerShdw>
-                </a:effectLst>
-              </a:rPr>
-              <a:t>= </a:t>
-            </a:r>
-            <a:r>
-              <a:rPr lang="el-GR" sz="2400" dirty="0">
-                <a:effectLst>
-                  <a:outerShdw blurRad="38100" dist="38100" dir="2700000" algn="tl">
-                    <a:srgbClr val="000000">
-                      <a:alpha val="43137"/>
-                    </a:srgbClr>
-                  </a:outerShdw>
-                </a:effectLst>
-              </a:rPr>
-              <a:t>β</a:t>
-            </a:r>
-            <a:r>
-              <a:rPr lang="el-GR" sz="2400" baseline="-25000" dirty="0">
-                <a:effectLst>
-                  <a:outerShdw blurRad="38100" dist="38100" dir="2700000" algn="tl">
-                    <a:srgbClr val="000000">
-                      <a:alpha val="43137"/>
-                    </a:srgbClr>
-                  </a:outerShdw>
-                </a:effectLst>
-              </a:rPr>
-              <a:t>0</a:t>
-            </a:r>
-            <a:r>
-              <a:rPr lang="en-GB" sz="2400" baseline="-25000" dirty="0">
-                <a:effectLst>
-                  <a:outerShdw blurRad="38100" dist="38100" dir="2700000" algn="tl">
-                    <a:srgbClr val="000000">
-                      <a:alpha val="43137"/>
-                    </a:srgbClr>
-                  </a:outerShdw>
-                </a:effectLst>
-              </a:rPr>
-              <a:t> </a:t>
-            </a:r>
-            <a:r>
-              <a:rPr lang="el-GR" sz="2400" dirty="0">
-                <a:effectLst>
-                  <a:outerShdw blurRad="38100" dist="38100" dir="2700000" algn="tl">
-                    <a:srgbClr val="000000">
-                      <a:alpha val="43137"/>
-                    </a:srgbClr>
-                  </a:outerShdw>
-                </a:effectLst>
-              </a:rPr>
-              <a:t>+</a:t>
-            </a:r>
-            <a:r>
-              <a:rPr lang="en-GB" sz="2400" dirty="0">
-                <a:effectLst>
-                  <a:outerShdw blurRad="38100" dist="38100" dir="2700000" algn="tl">
-                    <a:srgbClr val="000000">
-                      <a:alpha val="43137"/>
-                    </a:srgbClr>
-                  </a:outerShdw>
-                </a:effectLst>
-              </a:rPr>
-              <a:t> </a:t>
-            </a:r>
-            <a:r>
-              <a:rPr lang="el-GR" sz="2400" dirty="0">
-                <a:effectLst>
-                  <a:outerShdw blurRad="38100" dist="38100" dir="2700000" algn="tl">
-                    <a:srgbClr val="000000">
-                      <a:alpha val="43137"/>
-                    </a:srgbClr>
-                  </a:outerShdw>
-                </a:effectLst>
-              </a:rPr>
-              <a:t>β</a:t>
-            </a:r>
-            <a:r>
-              <a:rPr lang="el-GR" sz="2400" baseline="-25000" dirty="0">
-                <a:effectLst>
-                  <a:outerShdw blurRad="38100" dist="38100" dir="2700000" algn="tl">
-                    <a:srgbClr val="000000">
-                      <a:alpha val="43137"/>
-                    </a:srgbClr>
-                  </a:outerShdw>
-                </a:effectLst>
-              </a:rPr>
-              <a:t>1</a:t>
-            </a:r>
-            <a:r>
-              <a:rPr lang="en-GB" sz="2400" dirty="0">
-                <a:effectLst>
-                  <a:outerShdw blurRad="38100" dist="38100" dir="2700000" algn="tl">
-                    <a:srgbClr val="000000">
-                      <a:alpha val="43137"/>
-                    </a:srgbClr>
-                  </a:outerShdw>
-                </a:effectLst>
-              </a:rPr>
-              <a:t>x</a:t>
-            </a:r>
-            <a:r>
-              <a:rPr lang="en-GB" sz="2400" baseline="-25000" dirty="0">
-                <a:effectLst>
-                  <a:outerShdw blurRad="38100" dist="38100" dir="2700000" algn="tl">
-                    <a:srgbClr val="000000">
-                      <a:alpha val="43137"/>
-                    </a:srgbClr>
-                  </a:outerShdw>
-                </a:effectLst>
-              </a:rPr>
-              <a:t>i1 </a:t>
-            </a:r>
-            <a:r>
-              <a:rPr lang="en-GB" sz="2400" dirty="0">
-                <a:effectLst>
-                  <a:outerShdw blurRad="38100" dist="38100" dir="2700000" algn="tl">
-                    <a:srgbClr val="000000">
-                      <a:alpha val="43137"/>
-                    </a:srgbClr>
-                  </a:outerShdw>
-                </a:effectLst>
-              </a:rPr>
-              <a:t>+ </a:t>
-            </a:r>
-            <a:r>
-              <a:rPr lang="el-GR" sz="2400" dirty="0">
-                <a:effectLst>
-                  <a:outerShdw blurRad="38100" dist="38100" dir="2700000" algn="tl">
-                    <a:srgbClr val="000000">
-                      <a:alpha val="43137"/>
-                    </a:srgbClr>
-                  </a:outerShdw>
-                </a:effectLst>
-              </a:rPr>
-              <a:t>β</a:t>
-            </a:r>
-            <a:r>
-              <a:rPr lang="el-GR" sz="2400" baseline="-25000" dirty="0">
-                <a:effectLst>
-                  <a:outerShdw blurRad="38100" dist="38100" dir="2700000" algn="tl">
-                    <a:srgbClr val="000000">
-                      <a:alpha val="43137"/>
-                    </a:srgbClr>
-                  </a:outerShdw>
-                </a:effectLst>
-              </a:rPr>
-              <a:t>2</a:t>
-            </a:r>
-            <a:r>
-              <a:rPr lang="en-GB" sz="2400" dirty="0">
-                <a:effectLst>
-                  <a:outerShdw blurRad="38100" dist="38100" dir="2700000" algn="tl">
-                    <a:srgbClr val="000000">
-                      <a:alpha val="43137"/>
-                    </a:srgbClr>
-                  </a:outerShdw>
-                </a:effectLst>
-              </a:rPr>
-              <a:t>x</a:t>
-            </a:r>
-            <a:r>
-              <a:rPr lang="en-GB" sz="2400" baseline="-25000" dirty="0">
-                <a:effectLst>
-                  <a:outerShdw blurRad="38100" dist="38100" dir="2700000" algn="tl">
-                    <a:srgbClr val="000000">
-                      <a:alpha val="43137"/>
-                    </a:srgbClr>
-                  </a:outerShdw>
-                </a:effectLst>
-              </a:rPr>
-              <a:t>i2 </a:t>
-            </a:r>
-            <a:r>
-              <a:rPr lang="en-GB" sz="2400" dirty="0">
-                <a:effectLst>
-                  <a:outerShdw blurRad="38100" dist="38100" dir="2700000" algn="tl">
-                    <a:srgbClr val="000000">
-                      <a:alpha val="43137"/>
-                    </a:srgbClr>
-                  </a:outerShdw>
-                </a:effectLst>
-              </a:rPr>
-              <a:t>+…+ </a:t>
-            </a:r>
-            <a:r>
-              <a:rPr lang="el-GR" sz="2400" dirty="0">
-                <a:effectLst>
-                  <a:outerShdw blurRad="38100" dist="38100" dir="2700000" algn="tl">
-                    <a:srgbClr val="000000">
-                      <a:alpha val="43137"/>
-                    </a:srgbClr>
-                  </a:outerShdw>
-                </a:effectLst>
-              </a:rPr>
-              <a:t>β</a:t>
-            </a:r>
-            <a:r>
-              <a:rPr lang="en-GB" sz="2400" baseline="-25000" dirty="0" err="1">
-                <a:effectLst>
-                  <a:outerShdw blurRad="38100" dist="38100" dir="2700000" algn="tl">
-                    <a:srgbClr val="000000">
-                      <a:alpha val="43137"/>
-                    </a:srgbClr>
-                  </a:outerShdw>
-                </a:effectLst>
-              </a:rPr>
-              <a:t>p</a:t>
-            </a:r>
-            <a:r>
-              <a:rPr lang="en-GB" sz="2400" dirty="0" err="1">
-                <a:effectLst>
-                  <a:outerShdw blurRad="38100" dist="38100" dir="2700000" algn="tl">
-                    <a:srgbClr val="000000">
-                      <a:alpha val="43137"/>
-                    </a:srgbClr>
-                  </a:outerShdw>
-                </a:effectLst>
-              </a:rPr>
-              <a:t>x</a:t>
-            </a:r>
-            <a:r>
-              <a:rPr lang="en-GB" sz="2400" baseline="-25000" dirty="0" err="1">
-                <a:effectLst>
-                  <a:outerShdw blurRad="38100" dist="38100" dir="2700000" algn="tl">
-                    <a:srgbClr val="000000">
-                      <a:alpha val="43137"/>
-                    </a:srgbClr>
-                  </a:outerShdw>
-                </a:effectLst>
-              </a:rPr>
-              <a:t>ip</a:t>
-            </a:r>
-            <a:r>
-              <a:rPr lang="en-GB" sz="2400" baseline="-25000" dirty="0">
-                <a:effectLst>
-                  <a:outerShdw blurRad="38100" dist="38100" dir="2700000" algn="tl">
-                    <a:srgbClr val="000000">
-                      <a:alpha val="43137"/>
-                    </a:srgbClr>
-                  </a:outerShdw>
-                </a:effectLst>
-              </a:rPr>
-              <a:t> </a:t>
-            </a:r>
-            <a:r>
-              <a:rPr lang="en-GB" sz="2400" dirty="0">
-                <a:effectLst>
-                  <a:outerShdw blurRad="38100" dist="38100" dir="2700000" algn="tl">
-                    <a:srgbClr val="000000">
-                      <a:alpha val="43137"/>
-                    </a:srgbClr>
-                  </a:outerShdw>
-                </a:effectLst>
-              </a:rPr>
-              <a:t>+ </a:t>
-            </a:r>
-            <a:r>
-              <a:rPr lang="el-GR" sz="2400" dirty="0">
-                <a:effectLst>
-                  <a:outerShdw blurRad="38100" dist="38100" dir="2700000" algn="tl">
-                    <a:srgbClr val="000000">
-                      <a:alpha val="43137"/>
-                    </a:srgbClr>
-                  </a:outerShdw>
-                </a:effectLst>
-              </a:rPr>
-              <a:t>ε</a:t>
-            </a:r>
-            <a:r>
-              <a:rPr lang="en-GB" sz="2400" baseline="-25000" dirty="0" err="1">
-                <a:effectLst>
-                  <a:outerShdw blurRad="38100" dist="38100" dir="2700000" algn="tl">
-                    <a:srgbClr val="000000">
-                      <a:alpha val="43137"/>
-                    </a:srgbClr>
-                  </a:outerShdw>
-                </a:effectLst>
-              </a:rPr>
-              <a:t>i</a:t>
-            </a:r>
-            <a:r>
-              <a:rPr lang="en-GB" sz="2400" dirty="0">
-                <a:effectLst>
-                  <a:outerShdw blurRad="38100" dist="38100" dir="2700000" algn="tl">
-                    <a:srgbClr val="000000">
-                      <a:alpha val="43137"/>
-                    </a:srgbClr>
-                  </a:outerShdw>
-                </a:effectLst>
-              </a:rPr>
-              <a:t> </a:t>
-            </a:r>
-            <a:r>
-              <a:rPr lang="en-GB" dirty="0"/>
-              <a:t>,</a:t>
-            </a:r>
-            <a:r>
-              <a:rPr lang="el-GR" dirty="0"/>
-              <a:t>where ε</a:t>
-            </a:r>
-            <a:r>
-              <a:rPr lang="el-GR" baseline="-25000" dirty="0"/>
-              <a:t>i</a:t>
-            </a:r>
-            <a:r>
-              <a:rPr lang="el-GR" dirty="0"/>
-              <a:t>∼N(0,σ</a:t>
-            </a:r>
-            <a:r>
-              <a:rPr lang="el-GR" baseline="30000" dirty="0"/>
-              <a:t>2</a:t>
-            </a:r>
-            <a:r>
-              <a:rPr lang="el-GR" dirty="0"/>
-              <a:t>).</a:t>
-            </a:r>
-            <a:endParaRPr lang="en-GB" dirty="0"/>
-          </a:p>
-          <a:p>
-            <a:endParaRPr lang="en-GB" dirty="0"/>
-          </a:p>
-          <a:p>
-            <a:r>
-              <a:rPr lang="en-GB" dirty="0"/>
-              <a:t>To make things simpler lets assume that we have only one independent variable </a:t>
-            </a:r>
-            <a:r>
-              <a:rPr lang="en-GB" sz="2400" dirty="0">
-                <a:effectLst>
-                  <a:outerShdw blurRad="38100" dist="38100" dir="2700000" algn="tl">
-                    <a:srgbClr val="000000">
-                      <a:alpha val="43137"/>
-                    </a:srgbClr>
-                  </a:outerShdw>
-                </a:effectLst>
-              </a:rPr>
-              <a:t>x1 </a:t>
-            </a:r>
-            <a:r>
-              <a:rPr lang="en-GB" dirty="0"/>
-              <a:t>, then</a:t>
-            </a:r>
-          </a:p>
-          <a:p>
-            <a:pPr marL="0" indent="0" algn="ctr">
-              <a:buNone/>
-            </a:pPr>
-            <a:r>
-              <a:rPr lang="en-GB" dirty="0">
-                <a:effectLst>
-                  <a:outerShdw blurRad="38100" dist="38100" dir="2700000" algn="tl">
-                    <a:srgbClr val="000000">
-                      <a:alpha val="43137"/>
-                    </a:srgbClr>
-                  </a:outerShdw>
-                </a:effectLst>
-              </a:rPr>
-              <a:t>Y</a:t>
-            </a:r>
-            <a:r>
-              <a:rPr lang="en-GB" baseline="-25000" dirty="0">
-                <a:effectLst>
-                  <a:outerShdw blurRad="38100" dist="38100" dir="2700000" algn="tl">
-                    <a:srgbClr val="000000">
-                      <a:alpha val="43137"/>
-                    </a:srgbClr>
-                  </a:outerShdw>
-                </a:effectLst>
-              </a:rPr>
-              <a:t>i </a:t>
-            </a:r>
-            <a:r>
-              <a:rPr lang="en-GB" dirty="0">
-                <a:effectLst>
-                  <a:outerShdw blurRad="38100" dist="38100" dir="2700000" algn="tl">
-                    <a:srgbClr val="000000">
-                      <a:alpha val="43137"/>
-                    </a:srgbClr>
-                  </a:outerShdw>
-                </a:effectLst>
-              </a:rPr>
-              <a:t>= </a:t>
-            </a:r>
-            <a:r>
-              <a:rPr lang="el-GR" dirty="0">
-                <a:effectLst>
-                  <a:outerShdw blurRad="38100" dist="38100" dir="2700000" algn="tl">
-                    <a:srgbClr val="000000">
-                      <a:alpha val="43137"/>
-                    </a:srgbClr>
-                  </a:outerShdw>
-                </a:effectLst>
-              </a:rPr>
-              <a:t>β</a:t>
-            </a:r>
-            <a:r>
-              <a:rPr lang="el-GR" baseline="-25000" dirty="0">
-                <a:effectLst>
-                  <a:outerShdw blurRad="38100" dist="38100" dir="2700000" algn="tl">
-                    <a:srgbClr val="000000">
-                      <a:alpha val="43137"/>
-                    </a:srgbClr>
-                  </a:outerShdw>
-                </a:effectLst>
-              </a:rPr>
-              <a:t>0</a:t>
-            </a:r>
-            <a:r>
-              <a:rPr lang="en-GB" baseline="-25000" dirty="0">
-                <a:effectLst>
-                  <a:outerShdw blurRad="38100" dist="38100" dir="2700000" algn="tl">
-                    <a:srgbClr val="000000">
-                      <a:alpha val="43137"/>
-                    </a:srgbClr>
-                  </a:outerShdw>
-                </a:effectLst>
-              </a:rPr>
-              <a:t> </a:t>
-            </a:r>
-            <a:r>
-              <a:rPr lang="el-GR" dirty="0">
-                <a:effectLst>
-                  <a:outerShdw blurRad="38100" dist="38100" dir="2700000" algn="tl">
-                    <a:srgbClr val="000000">
-                      <a:alpha val="43137"/>
-                    </a:srgbClr>
-                  </a:outerShdw>
-                </a:effectLst>
-              </a:rPr>
-              <a:t>+</a:t>
-            </a:r>
-            <a:r>
-              <a:rPr lang="en-GB" dirty="0">
-                <a:effectLst>
-                  <a:outerShdw blurRad="38100" dist="38100" dir="2700000" algn="tl">
-                    <a:srgbClr val="000000">
-                      <a:alpha val="43137"/>
-                    </a:srgbClr>
-                  </a:outerShdw>
-                </a:effectLst>
-              </a:rPr>
-              <a:t> </a:t>
-            </a:r>
-            <a:r>
-              <a:rPr lang="el-GR" dirty="0">
-                <a:effectLst>
-                  <a:outerShdw blurRad="38100" dist="38100" dir="2700000" algn="tl">
-                    <a:srgbClr val="000000">
-                      <a:alpha val="43137"/>
-                    </a:srgbClr>
-                  </a:outerShdw>
-                </a:effectLst>
-              </a:rPr>
-              <a:t>β</a:t>
-            </a:r>
-            <a:r>
-              <a:rPr lang="el-GR" baseline="-25000" dirty="0">
-                <a:effectLst>
-                  <a:outerShdw blurRad="38100" dist="38100" dir="2700000" algn="tl">
-                    <a:srgbClr val="000000">
-                      <a:alpha val="43137"/>
-                    </a:srgbClr>
-                  </a:outerShdw>
-                </a:effectLst>
-              </a:rPr>
-              <a:t>1</a:t>
-            </a:r>
-            <a:r>
-              <a:rPr lang="en-GB" dirty="0">
-                <a:effectLst>
-                  <a:outerShdw blurRad="38100" dist="38100" dir="2700000" algn="tl">
-                    <a:srgbClr val="000000">
-                      <a:alpha val="43137"/>
-                    </a:srgbClr>
-                  </a:outerShdw>
-                </a:effectLst>
-              </a:rPr>
-              <a:t>x</a:t>
-            </a:r>
-            <a:r>
-              <a:rPr lang="en-GB" baseline="-25000" dirty="0">
-                <a:effectLst>
-                  <a:outerShdw blurRad="38100" dist="38100" dir="2700000" algn="tl">
-                    <a:srgbClr val="000000">
-                      <a:alpha val="43137"/>
-                    </a:srgbClr>
-                  </a:outerShdw>
-                </a:effectLst>
-              </a:rPr>
-              <a:t>i1</a:t>
-            </a:r>
-            <a:r>
-              <a:rPr lang="en-GB" dirty="0">
-                <a:effectLst>
-                  <a:outerShdw blurRad="38100" dist="38100" dir="2700000" algn="tl">
-                    <a:srgbClr val="000000">
-                      <a:alpha val="43137"/>
-                    </a:srgbClr>
-                  </a:outerShdw>
-                </a:effectLst>
-              </a:rPr>
-              <a:t> + </a:t>
-            </a:r>
-            <a:r>
-              <a:rPr lang="el-GR" dirty="0">
-                <a:effectLst>
-                  <a:outerShdw blurRad="38100" dist="38100" dir="2700000" algn="tl">
-                    <a:srgbClr val="000000">
-                      <a:alpha val="43137"/>
-                    </a:srgbClr>
-                  </a:outerShdw>
-                </a:effectLst>
-              </a:rPr>
-              <a:t>ε</a:t>
-            </a:r>
-            <a:r>
-              <a:rPr lang="en-GB" baseline="-25000" dirty="0" err="1">
-                <a:effectLst>
-                  <a:outerShdw blurRad="38100" dist="38100" dir="2700000" algn="tl">
-                    <a:srgbClr val="000000">
-                      <a:alpha val="43137"/>
-                    </a:srgbClr>
-                  </a:outerShdw>
-                </a:effectLst>
-              </a:rPr>
-              <a:t>i</a:t>
-            </a:r>
-            <a:endParaRPr lang="el-GR" baseline="-25000" dirty="0">
-              <a:effectLst>
-                <a:outerShdw blurRad="38100" dist="38100" dir="2700000" algn="tl">
-                  <a:srgbClr val="000000">
-                    <a:alpha val="43137"/>
-                  </a:srgbClr>
-                </a:outerShdw>
-              </a:effectLst>
-            </a:endParaRPr>
-          </a:p>
-          <a:p>
-            <a:pPr marL="0" indent="0" algn="ctr">
-              <a:buNone/>
-            </a:pPr>
-            <a:endParaRPr lang="en-GB" baseline="-25000" dirty="0">
-              <a:effectLst>
-                <a:outerShdw blurRad="38100" dist="38100" dir="2700000" algn="tl">
-                  <a:srgbClr val="000000">
-                    <a:alpha val="43137"/>
-                  </a:srgbClr>
-                </a:outerShdw>
-              </a:effectLst>
-            </a:endParaRPr>
-          </a:p>
-          <a:p>
-            <a:r>
-              <a:rPr lang="en-GB" dirty="0"/>
-              <a:t>We can use our effect estimates</a:t>
-            </a:r>
-            <a:r>
-              <a:rPr lang="el-GR" dirty="0"/>
-              <a:t> (</a:t>
-            </a:r>
-            <a:r>
-              <a:rPr lang="en-GB" dirty="0" err="1"/>
-              <a:t>logOR</a:t>
-            </a:r>
-            <a:r>
-              <a:rPr lang="en-GB" dirty="0"/>
-              <a:t>, </a:t>
-            </a:r>
-            <a:r>
-              <a:rPr lang="en-GB" dirty="0" err="1"/>
-              <a:t>logRR</a:t>
-            </a:r>
-            <a:r>
-              <a:rPr lang="en-GB" dirty="0"/>
-              <a:t>, MD, SMD…</a:t>
-            </a:r>
-            <a:r>
-              <a:rPr lang="el-GR" dirty="0"/>
-              <a:t>)</a:t>
-            </a:r>
-            <a:r>
-              <a:rPr lang="en-GB" dirty="0"/>
-              <a:t> as </a:t>
-            </a:r>
-            <a:r>
-              <a:rPr lang="en-US" sz="2400" dirty="0">
-                <a:effectLst>
-                  <a:outerShdw blurRad="38100" dist="38100" dir="2700000" algn="tl">
-                    <a:srgbClr val="000000">
-                      <a:alpha val="43137"/>
-                    </a:srgbClr>
-                  </a:outerShdw>
-                </a:effectLst>
-              </a:rPr>
-              <a:t>Y</a:t>
-            </a:r>
-            <a:r>
-              <a:rPr lang="en-US" baseline="-25000" dirty="0">
-                <a:effectLst>
-                  <a:outerShdw blurRad="38100" dist="38100" dir="2700000" algn="tl">
-                    <a:srgbClr val="000000">
-                      <a:alpha val="43137"/>
-                    </a:srgbClr>
-                  </a:outerShdw>
-                </a:effectLst>
-              </a:rPr>
-              <a:t>i</a:t>
-            </a:r>
-            <a:r>
-              <a:rPr lang="en-US" dirty="0">
-                <a:effectLst>
-                  <a:outerShdw blurRad="38100" dist="38100" dir="2700000" algn="tl">
-                    <a:srgbClr val="000000">
-                      <a:alpha val="43137"/>
-                    </a:srgbClr>
-                  </a:outerShdw>
-                </a:effectLst>
-              </a:rPr>
-              <a:t> </a:t>
-            </a:r>
-            <a:r>
-              <a:rPr lang="en-US" dirty="0"/>
-              <a:t>and fit a linear regression </a:t>
-            </a:r>
-          </a:p>
-          <a:p>
-            <a:endParaRPr lang="en-GB" dirty="0"/>
-          </a:p>
-          <a:p>
-            <a:r>
-              <a:rPr lang="en-GB" dirty="0"/>
-              <a:t>If the x</a:t>
-            </a:r>
-            <a:r>
-              <a:rPr lang="en-GB" baseline="-25000" dirty="0"/>
-              <a:t>1</a:t>
-            </a:r>
-            <a:r>
-              <a:rPr lang="en-GB" dirty="0"/>
-              <a:t> is categorical the analysis is called subgroup analysis</a:t>
-            </a:r>
-          </a:p>
-          <a:p>
-            <a:r>
-              <a:rPr lang="en-GB" dirty="0"/>
-              <a:t>If the x</a:t>
-            </a:r>
-            <a:r>
-              <a:rPr lang="en-GB" baseline="-25000" dirty="0"/>
-              <a:t>1</a:t>
-            </a:r>
-            <a:r>
-              <a:rPr lang="en-GB" dirty="0"/>
-              <a:t> is continuous the analysis is called meta-regression</a:t>
-            </a:r>
-          </a:p>
-          <a:p>
-            <a:endParaRPr lang="en-GB" dirty="0"/>
-          </a:p>
-          <a:p>
-            <a:endParaRPr lang="en-GB" dirty="0"/>
-          </a:p>
-        </p:txBody>
-      </p:sp>
-    </p:spTree>
-    <p:extLst>
-      <p:ext uri="{BB962C8B-B14F-4D97-AF65-F5344CB8AC3E}">
-        <p14:creationId xmlns:p14="http://schemas.microsoft.com/office/powerpoint/2010/main" val="810401820"/>
-      </p:ext>
-    </p:extLst>
-  </p:cSld>
-  <p:clrMapOvr>
-    <a:masterClrMapping/>
-  </p:clrMapOvr>
-</p:sld>
-</file>
-
-<file path=ppt/slides/slide13.xml><?xml version="1.0" encoding="utf-8"?>
+<file path=ppt/slides/slide11.xml><?xml version="1.0" encoding="utf-8"?>
 <p:sld xmlns:a="http://schemas.openxmlformats.org/drawingml/2006/main" xmlns:r="http://schemas.openxmlformats.org/officeDocument/2006/relationships" xmlns:p="http://schemas.openxmlformats.org/presentationml/2006/main">
   <p:cSld>
     <p:spTree>
@@ -18511,44 +17530,13 @@
         </p:nvSpPr>
         <p:spPr>
           <a:xfrm>
-            <a:off x="251520" y="980728"/>
-            <a:ext cx="8712968" cy="4959273"/>
+            <a:off x="251520" y="836712"/>
+            <a:ext cx="8712968" cy="5103289"/>
           </a:xfrm>
         </p:spPr>
         <p:txBody>
           <a:bodyPr/>
           <a:lstStyle/>
-          <a:p>
-            <a:pPr marL="0" indent="0">
-              <a:buNone/>
-            </a:pPr>
-            <a:r>
-              <a:rPr lang="en-GB" dirty="0"/>
-              <a:t>                  Trial characteristic                                                 patient characteristic</a:t>
-            </a:r>
-          </a:p>
-          <a:p>
-            <a:pPr lvl="1">
-              <a:lnSpc>
-                <a:spcPct val="110000"/>
-              </a:lnSpc>
-            </a:pPr>
-            <a:endParaRPr lang="nl-NL" sz="2200" dirty="0">
-              <a:ea typeface="ＭＳ Ｐゴシック" pitchFamily="34" charset="-128"/>
-              <a:cs typeface="Arial" charset="0"/>
-            </a:endParaRPr>
-          </a:p>
-          <a:p>
-            <a:pPr lvl="1">
-              <a:lnSpc>
-                <a:spcPct val="110000"/>
-              </a:lnSpc>
-            </a:pPr>
-            <a:endParaRPr lang="nl-NL" sz="2200" dirty="0">
-              <a:ea typeface="ＭＳ Ｐゴシック" pitchFamily="34" charset="-128"/>
-              <a:cs typeface="Arial" charset="0"/>
-            </a:endParaRPr>
-          </a:p>
           <a:p>
             <a:pPr marL="322262" lvl="1" indent="0">
               <a:lnSpc>
@@ -18561,29 +17549,27 @@
                 <a:ea typeface="ＭＳ Ｐゴシック" pitchFamily="34" charset="-128"/>
                 <a:cs typeface="Arial" charset="0"/>
               </a:rPr>
-              <a:t>      Subgroups Analysis                        			meta-analysis of </a:t>
-            </a:r>
-          </a:p>
-          <a:p>
-            <a:pPr marL="3657600" lvl="8" indent="0">
+              <a:t>If we believe that there is a </a:t>
+            </a:r>
+          </a:p>
+          <a:p>
+            <a:pPr marL="322262" lvl="1" indent="0">
               <a:lnSpc>
                 <a:spcPct val="110000"/>
               </a:lnSpc>
               <a:buNone/>
             </a:pPr>
-            <a:r>
-              <a:rPr lang="nl-NL" sz="2200" dirty="0">
-                <a:ea typeface="ＭＳ Ｐゴシック" pitchFamily="34" charset="-128"/>
-                <a:cs typeface="Arial" charset="0"/>
-              </a:rPr>
-              <a:t>                                       subgroup differences</a:t>
-            </a:r>
-          </a:p>
-          <a:p>
-            <a:pPr lvl="1">
+            <a:endParaRPr lang="nl-NL" sz="2200" dirty="0">
+              <a:ea typeface="ＭＳ Ｐゴシック" pitchFamily="34" charset="-128"/>
+              <a:cs typeface="Arial" charset="0"/>
+            </a:endParaRPr>
+          </a:p>
+          <a:p>
+            <a:pPr marL="322262" lvl="1" indent="0">
               <a:lnSpc>
                 <a:spcPct val="110000"/>
               </a:lnSpc>
+              <a:buNone/>
             </a:pPr>
             <a:endParaRPr lang="nl-NL" sz="2200" dirty="0">
               <a:ea typeface="ＭＳ Ｐゴシック" pitchFamily="34" charset="-128"/>
@@ -18591,10 +17577,11 @@
             </a:endParaRPr>
           </a:p>
           <a:p>
-            <a:pPr lvl="1">
+            <a:pPr marL="322262" lvl="1" indent="0">
               <a:lnSpc>
                 <a:spcPct val="110000"/>
               </a:lnSpc>
+              <a:buNone/>
             </a:pPr>
             <a:endParaRPr lang="nl-NL" sz="2200" dirty="0">
               <a:ea typeface="ＭＳ Ｐゴシック" pitchFamily="34" charset="-128"/>
@@ -18602,34 +17589,10 @@
             </a:endParaRPr>
           </a:p>
           <a:p>
-            <a:pPr lvl="1">
-              <a:lnSpc>
-                <a:spcPct val="110000"/>
-              </a:lnSpc>
-            </a:pPr>
-            <a:endParaRPr lang="nl-NL" sz="2200" dirty="0">
-              <a:ea typeface="ＭＳ Ｐゴシック" pitchFamily="34" charset="-128"/>
-              <a:cs typeface="Arial" charset="0"/>
-            </a:endParaRPr>
-          </a:p>
-          <a:p>
-            <a:pPr lvl="1">
-              <a:lnSpc>
-                <a:spcPct val="110000"/>
-              </a:lnSpc>
-            </a:pPr>
-            <a:endParaRPr lang="nl-NL" sz="2200" dirty="0">
-              <a:ea typeface="ＭＳ Ｐゴシック" pitchFamily="34" charset="-128"/>
-              <a:cs typeface="Arial" charset="0"/>
-            </a:endParaRPr>
-          </a:p>
-          <a:p>
             <a:pPr marL="454025" indent="-457200">
               <a:lnSpc>
                 <a:spcPct val="110000"/>
               </a:lnSpc>
-              <a:buFont typeface="+mj-lt"/>
-              <a:buAutoNum type="arabicPeriod"/>
             </a:pPr>
             <a:r>
               <a:rPr lang="en-GB" sz="2200" dirty="0">
@@ -18658,8 +17621,6 @@
               <a:lnSpc>
                 <a:spcPct val="110000"/>
               </a:lnSpc>
-              <a:buFont typeface="+mj-lt"/>
-              <a:buAutoNum type="arabicPeriod"/>
             </a:pPr>
             <a:r>
               <a:rPr lang="en-GB" sz="2200" dirty="0">
@@ -18678,8 +17639,6 @@
               <a:lnSpc>
                 <a:spcPct val="110000"/>
               </a:lnSpc>
-              <a:buFont typeface="+mj-lt"/>
-              <a:buAutoNum type="arabicPeriod"/>
             </a:pPr>
             <a:r>
               <a:rPr lang="en-GB" sz="2200" dirty="0">
@@ -18745,105 +17704,337 @@
           </a:p>
         </p:txBody>
       </p:sp>
+    </p:spTree>
+    <p:extLst>
+      <p:ext uri="{BB962C8B-B14F-4D97-AF65-F5344CB8AC3E}">
+        <p14:creationId xmlns:p14="http://schemas.microsoft.com/office/powerpoint/2010/main" val="3064035618"/>
+      </p:ext>
+    </p:extLst>
+  </p:cSld>
+  <p:clrMapOvr>
+    <a:masterClrMapping/>
+  </p:clrMapOvr>
+</p:sld>
+</file>
+
+<file path=ppt/slides/slide12.xml><?xml version="1.0" encoding="utf-8"?>
+<p:sld xmlns:a="http://schemas.openxmlformats.org/drawingml/2006/main" xmlns:r="http://schemas.openxmlformats.org/officeDocument/2006/relationships" xmlns:p="http://schemas.openxmlformats.org/presentationml/2006/main">
+  <p:cSld>
+    <p:spTree>
+      <p:nvGrpSpPr>
+        <p:cNvPr id="1" name=""/>
+        <p:cNvGrpSpPr/>
+        <p:nvPr/>
+      </p:nvGrpSpPr>
+      <p:grpSpPr>
+        <a:xfrm>
+          <a:off x="0" y="0"/>
+          <a:ext cx="0" cy="0"/>
+          <a:chOff x="0" y="0"/>
+          <a:chExt cx="0" cy="0"/>
+        </a:xfrm>
+      </p:grpSpPr>
       <p:sp>
         <p:nvSpPr>
-          <p:cNvPr id="10" name="Arrow: Bent-Up 9">
+          <p:cNvPr id="2" name="Title 1">
             <a:extLst>
               <a:ext uri="{FF2B5EF4-FFF2-40B4-BE49-F238E27FC236}">
-                <a16:creationId xmlns:a16="http://schemas.microsoft.com/office/drawing/2014/main" id="{F43BC76F-4AF1-47DD-9F4C-B5B96FEC8272}"/>
+                <a16:creationId xmlns:a16="http://schemas.microsoft.com/office/drawing/2014/main" id="{2DC7BB5C-F190-4D93-94B5-CE806BCADCE9}"/>
               </a:ext>
             </a:extLst>
           </p:cNvPr>
-          <p:cNvSpPr/>
+          <p:cNvSpPr>
+            <a:spLocks noGrp="1"/>
+          </p:cNvSpPr>
+          <p:nvPr>
+            <p:ph type="title"/>
+          </p:nvPr>
+        </p:nvSpPr>
+        <p:spPr>
+          <a:xfrm>
+            <a:off x="522000" y="116632"/>
+            <a:ext cx="8100000" cy="533400"/>
+          </a:xfrm>
+        </p:spPr>
+        <p:txBody>
+          <a:bodyPr/>
+          <a:lstStyle/>
+          <a:p>
+            <a:r>
+              <a:rPr lang="en-GB" dirty="0"/>
+              <a:t>Subgroup analysis example</a:t>
+            </a:r>
+          </a:p>
+        </p:txBody>
+      </p:sp>
+      <p:pic>
+        <p:nvPicPr>
+          <p:cNvPr id="6" name="Content Placeholder 5">
+            <a:extLst>
+              <a:ext uri="{FF2B5EF4-FFF2-40B4-BE49-F238E27FC236}">
+                <a16:creationId xmlns:a16="http://schemas.microsoft.com/office/drawing/2014/main" id="{E80615E2-BD6C-47AA-B8CF-8BE728BA7357}"/>
+              </a:ext>
+            </a:extLst>
+          </p:cNvPr>
+          <p:cNvPicPr>
+            <a:picLocks noGrp="1" noChangeAspect="1"/>
+          </p:cNvPicPr>
+          <p:nvPr>
+            <p:ph idx="1"/>
+          </p:nvPr>
+        </p:nvPicPr>
+        <p:blipFill rotWithShape="1">
+          <a:blip r:embed="rId2"/>
+          <a:srcRect l="14718" t="29670" r="13290" b="26699"/>
+          <a:stretch/>
+        </p:blipFill>
+        <p:spPr>
+          <a:xfrm>
+            <a:off x="89377" y="2132856"/>
+            <a:ext cx="8965246" cy="4075112"/>
+          </a:xfrm>
+          <a:prstGeom prst="rect">
+            <a:avLst/>
+          </a:prstGeom>
+        </p:spPr>
+      </p:pic>
+      <p:sp>
+        <p:nvSpPr>
+          <p:cNvPr id="7" name="Content Placeholder 2">
+            <a:extLst>
+              <a:ext uri="{FF2B5EF4-FFF2-40B4-BE49-F238E27FC236}">
+                <a16:creationId xmlns:a16="http://schemas.microsoft.com/office/drawing/2014/main" id="{8195CD39-775E-4581-B6E9-BB529A69B961}"/>
+              </a:ext>
+            </a:extLst>
+          </p:cNvPr>
+          <p:cNvSpPr txBox="1">
+            <a:spLocks/>
+          </p:cNvSpPr>
           <p:nvPr/>
         </p:nvSpPr>
         <p:spPr>
-          <a:xfrm rot="10800000">
-            <a:off x="1259632" y="1305703"/>
-            <a:ext cx="2088232" cy="731520"/>
+          <a:xfrm>
+            <a:off x="-1" y="764704"/>
+            <a:ext cx="9054623" cy="1152128"/>
           </a:xfrm>
-          <a:prstGeom prst="bentUpArrow">
+          <a:prstGeom prst="rect">
             <a:avLst/>
           </a:prstGeom>
         </p:spPr>
-        <p:style>
-          <a:lnRef idx="2">
-            <a:schemeClr val="accent1">
-              <a:shade val="50000"/>
-            </a:schemeClr>
-          </a:lnRef>
-          <a:fillRef idx="1">
-            <a:schemeClr val="accent1"/>
-          </a:fillRef>
-          <a:effectRef idx="0">
-            <a:schemeClr val="accent1"/>
-          </a:effectRef>
-          <a:fontRef idx="minor">
-            <a:schemeClr val="lt1"/>
-          </a:fontRef>
-        </p:style>
         <p:txBody>
-          <a:bodyPr rtlCol="0" anchor="ctr"/>
-          <a:lstStyle/>
-          <a:p>
-            <a:pPr algn="ctr"/>
-            <a:endParaRPr lang="en-GB" dirty="0"/>
-          </a:p>
-        </p:txBody>
-      </p:sp>
-      <p:sp>
-        <p:nvSpPr>
-          <p:cNvPr id="11" name="Arrow: Bent-Up 10">
-            <a:extLst>
-              <a:ext uri="{FF2B5EF4-FFF2-40B4-BE49-F238E27FC236}">
-                <a16:creationId xmlns:a16="http://schemas.microsoft.com/office/drawing/2014/main" id="{3ABB6027-1A78-4596-A9D1-3EE20D6B277E}"/>
-              </a:ext>
-            </a:extLst>
-          </p:cNvPr>
-          <p:cNvSpPr/>
-          <p:nvPr/>
-        </p:nvSpPr>
-        <p:spPr>
-          <a:xfrm rot="10800000" flipH="1">
-            <a:off x="5796136" y="1275420"/>
-            <a:ext cx="2448272" cy="792088"/>
-          </a:xfrm>
-          <a:prstGeom prst="bentUpArrow">
-            <a:avLst>
-              <a:gd name="adj1" fmla="val 26178"/>
-              <a:gd name="adj2" fmla="val 25000"/>
-              <a:gd name="adj3" fmla="val 25000"/>
-            </a:avLst>
-          </a:prstGeom>
-        </p:spPr>
-        <p:style>
-          <a:lnRef idx="2">
-            <a:schemeClr val="accent1">
-              <a:shade val="50000"/>
-            </a:schemeClr>
-          </a:lnRef>
-          <a:fillRef idx="1">
-            <a:schemeClr val="accent1"/>
-          </a:fillRef>
-          <a:effectRef idx="0">
-            <a:schemeClr val="accent1"/>
-          </a:effectRef>
-          <a:fontRef idx="minor">
-            <a:schemeClr val="lt1"/>
-          </a:fontRef>
-        </p:style>
-        <p:txBody>
-          <a:bodyPr vert="horz" rtlCol="0" anchor="t" anchorCtr="1"/>
-          <a:lstStyle/>
-          <a:p>
-            <a:pPr algn="ctr"/>
-            <a:r>
-              <a:rPr lang="en-GB" dirty="0"/>
-              <a:t>patient characteristic</a:t>
-            </a:r>
-          </a:p>
-          <a:p>
-            <a:pPr algn="ctr"/>
+          <a:bodyPr vert="horz" lIns="0" tIns="0" rIns="0" bIns="0" rtlCol="0">
+            <a:noAutofit/>
+          </a:bodyPr>
+          <a:lstStyle>
+            <a:lvl1pPr marL="322263" indent="-322263" algn="l" defTabSz="914400" rtl="0" eaLnBrk="1" latinLnBrk="0" hangingPunct="1">
+              <a:lnSpc>
+                <a:spcPts val="2500"/>
+              </a:lnSpc>
+              <a:spcBef>
+                <a:spcPts val="0"/>
+              </a:spcBef>
+              <a:buClr>
+                <a:schemeClr val="tx2"/>
+              </a:buClr>
+              <a:buFont typeface="Arial" pitchFamily="34" charset="0"/>
+              <a:buChar char="•"/>
+              <a:defRPr sz="2000" kern="1200">
+                <a:solidFill>
+                  <a:schemeClr val="tx1"/>
+                </a:solidFill>
+                <a:latin typeface="+mn-lt"/>
+                <a:ea typeface="+mn-ea"/>
+                <a:cs typeface="+mn-cs"/>
+              </a:defRPr>
+            </a:lvl1pPr>
+            <a:lvl2pPr marL="647700" indent="-325438" algn="l" defTabSz="914400" rtl="0" eaLnBrk="1" latinLnBrk="0" hangingPunct="1">
+              <a:lnSpc>
+                <a:spcPts val="2500"/>
+              </a:lnSpc>
+              <a:spcBef>
+                <a:spcPts val="0"/>
+              </a:spcBef>
+              <a:buFont typeface="Arial" pitchFamily="34" charset="0"/>
+              <a:buChar char="•"/>
+              <a:defRPr sz="2000" kern="1200">
+                <a:solidFill>
+                  <a:schemeClr val="tx1"/>
+                </a:solidFill>
+                <a:latin typeface="+mn-lt"/>
+                <a:ea typeface="+mn-ea"/>
+                <a:cs typeface="+mn-cs"/>
+              </a:defRPr>
+            </a:lvl2pPr>
+            <a:lvl3pPr marL="969963" indent="-323850" algn="l" defTabSz="914400" rtl="0" eaLnBrk="1" latinLnBrk="0" hangingPunct="1">
+              <a:lnSpc>
+                <a:spcPts val="2500"/>
+              </a:lnSpc>
+              <a:spcBef>
+                <a:spcPts val="0"/>
+              </a:spcBef>
+              <a:buClr>
+                <a:schemeClr val="tx2"/>
+              </a:buClr>
+              <a:buFont typeface="Arial" pitchFamily="34" charset="0"/>
+              <a:buChar char="•"/>
+              <a:defRPr sz="2000" kern="1200">
+                <a:solidFill>
+                  <a:schemeClr val="tx1"/>
+                </a:solidFill>
+                <a:latin typeface="+mn-lt"/>
+                <a:ea typeface="+mn-ea"/>
+                <a:cs typeface="+mn-cs"/>
+              </a:defRPr>
+            </a:lvl3pPr>
+            <a:lvl4pPr marL="1293813" indent="-322263" algn="l" defTabSz="914400" rtl="0" eaLnBrk="1" latinLnBrk="0" hangingPunct="1">
+              <a:lnSpc>
+                <a:spcPts val="2500"/>
+              </a:lnSpc>
+              <a:spcBef>
+                <a:spcPts val="0"/>
+              </a:spcBef>
+              <a:buFont typeface="Arial" pitchFamily="34" charset="0"/>
+              <a:buChar char="•"/>
+              <a:defRPr sz="2000" kern="1200">
+                <a:solidFill>
+                  <a:schemeClr val="tx1"/>
+                </a:solidFill>
+                <a:latin typeface="+mn-lt"/>
+                <a:ea typeface="+mn-ea"/>
+                <a:cs typeface="+mn-cs"/>
+              </a:defRPr>
+            </a:lvl4pPr>
+            <a:lvl5pPr marL="1619250" indent="-323850" algn="l" defTabSz="914400" rtl="0" eaLnBrk="1" latinLnBrk="0" hangingPunct="1">
+              <a:lnSpc>
+                <a:spcPts val="2500"/>
+              </a:lnSpc>
+              <a:spcBef>
+                <a:spcPts val="0"/>
+              </a:spcBef>
+              <a:buClr>
+                <a:schemeClr val="tx2"/>
+              </a:buClr>
+              <a:buFont typeface="Arial" pitchFamily="34" charset="0"/>
+              <a:buChar char="•"/>
+              <a:defRPr sz="2000" kern="1200">
+                <a:solidFill>
+                  <a:schemeClr val="tx1"/>
+                </a:solidFill>
+                <a:latin typeface="+mn-lt"/>
+                <a:ea typeface="+mn-ea"/>
+                <a:cs typeface="+mn-cs"/>
+              </a:defRPr>
+            </a:lvl5pPr>
+            <a:lvl6pPr marL="2514600" indent="-228600" algn="l" defTabSz="914400" rtl="0" eaLnBrk="1" latinLnBrk="0" hangingPunct="1">
+              <a:spcBef>
+                <a:spcPct val="20000"/>
+              </a:spcBef>
+              <a:buFont typeface="Arial" pitchFamily="34" charset="0"/>
+              <a:buChar char="•"/>
+              <a:defRPr sz="2000" kern="1200">
+                <a:solidFill>
+                  <a:schemeClr val="tx1"/>
+                </a:solidFill>
+                <a:latin typeface="+mn-lt"/>
+                <a:ea typeface="+mn-ea"/>
+                <a:cs typeface="+mn-cs"/>
+              </a:defRPr>
+            </a:lvl6pPr>
+            <a:lvl7pPr marL="2971800" indent="-228600" algn="l" defTabSz="914400" rtl="0" eaLnBrk="1" latinLnBrk="0" hangingPunct="1">
+              <a:spcBef>
+                <a:spcPct val="20000"/>
+              </a:spcBef>
+              <a:buFont typeface="Arial" pitchFamily="34" charset="0"/>
+              <a:buChar char="•"/>
+              <a:defRPr sz="2000" kern="1200">
+                <a:solidFill>
+                  <a:schemeClr val="tx1"/>
+                </a:solidFill>
+                <a:latin typeface="+mn-lt"/>
+                <a:ea typeface="+mn-ea"/>
+                <a:cs typeface="+mn-cs"/>
+              </a:defRPr>
+            </a:lvl7pPr>
+            <a:lvl8pPr marL="3429000" indent="-228600" algn="l" defTabSz="914400" rtl="0" eaLnBrk="1" latinLnBrk="0" hangingPunct="1">
+              <a:spcBef>
+                <a:spcPct val="20000"/>
+              </a:spcBef>
+              <a:buFont typeface="Arial" pitchFamily="34" charset="0"/>
+              <a:buChar char="•"/>
+              <a:defRPr sz="2000" kern="1200">
+                <a:solidFill>
+                  <a:schemeClr val="tx1"/>
+                </a:solidFill>
+                <a:latin typeface="+mn-lt"/>
+                <a:ea typeface="+mn-ea"/>
+                <a:cs typeface="+mn-cs"/>
+              </a:defRPr>
+            </a:lvl8pPr>
+            <a:lvl9pPr marL="3886200" indent="-228600" algn="l" defTabSz="914400" rtl="0" eaLnBrk="1" latinLnBrk="0" hangingPunct="1">
+              <a:spcBef>
+                <a:spcPct val="20000"/>
+              </a:spcBef>
+              <a:buFont typeface="Arial" pitchFamily="34" charset="0"/>
+              <a:buChar char="•"/>
+              <a:defRPr sz="2000" kern="1200">
+                <a:solidFill>
+                  <a:schemeClr val="tx1"/>
+                </a:solidFill>
+                <a:latin typeface="+mn-lt"/>
+                <a:ea typeface="+mn-ea"/>
+                <a:cs typeface="+mn-cs"/>
+              </a:defRPr>
+            </a:lvl9pPr>
+          </a:lstStyle>
+          <a:p>
+            <a:pPr marL="322262" lvl="1" indent="0">
+              <a:lnSpc>
+                <a:spcPct val="110000"/>
+              </a:lnSpc>
+              <a:buNone/>
+            </a:pPr>
+            <a:r>
+              <a:rPr lang="nl-NL" sz="2200" dirty="0">
+                <a:ea typeface="ＭＳ Ｐゴシック" pitchFamily="34" charset="-128"/>
+                <a:cs typeface="Arial" charset="0"/>
+              </a:rPr>
+              <a:t>The </a:t>
+            </a:r>
+            <a:r>
+              <a:rPr lang="en-US" sz="2200" dirty="0">
+                <a:ea typeface="ＭＳ Ｐゴシック" pitchFamily="34" charset="-128"/>
+                <a:cs typeface="Arial" charset="0"/>
+              </a:rPr>
+              <a:t>effect of Ketotifen in  the use of rescue bronchodilators </a:t>
+            </a:r>
+            <a:r>
+              <a:rPr lang="nl-NL" sz="2200" dirty="0">
+                <a:ea typeface="ＭＳ Ｐゴシック" pitchFamily="34" charset="-128"/>
+                <a:cs typeface="Arial" charset="0"/>
+              </a:rPr>
+              <a:t>Ketotifen has been investigated.</a:t>
+            </a:r>
+          </a:p>
+          <a:p>
+            <a:pPr marL="322262" lvl="1" indent="0">
+              <a:lnSpc>
+                <a:spcPct val="110000"/>
+              </a:lnSpc>
+              <a:buNone/>
+            </a:pPr>
+            <a:r>
+              <a:rPr lang="nl-NL" sz="2200">
+                <a:ea typeface="ＭＳ Ｐゴシック" pitchFamily="34" charset="-128"/>
+                <a:cs typeface="Arial" charset="0"/>
+              </a:rPr>
+              <a:t>10 trials have been analysed</a:t>
+            </a:r>
+            <a:endParaRPr lang="nl-NL" sz="2200" dirty="0">
+              <a:ea typeface="ＭＳ Ｐゴシック" pitchFamily="34" charset="-128"/>
+              <a:cs typeface="Arial" charset="0"/>
+            </a:endParaRPr>
+          </a:p>
+          <a:p>
             <a:endParaRPr lang="en-GB" dirty="0"/>
           </a:p>
         </p:txBody>
@@ -18851,7 +18042,102 @@
     </p:spTree>
     <p:extLst>
       <p:ext uri="{BB962C8B-B14F-4D97-AF65-F5344CB8AC3E}">
-        <p14:creationId xmlns:p14="http://schemas.microsoft.com/office/powerpoint/2010/main" val="3064035618"/>
+        <p14:creationId xmlns:p14="http://schemas.microsoft.com/office/powerpoint/2010/main" val="2848161872"/>
+      </p:ext>
+    </p:extLst>
+  </p:cSld>
+  <p:clrMapOvr>
+    <a:masterClrMapping/>
+  </p:clrMapOvr>
+</p:sld>
+</file>
+
+<file path=ppt/slides/slide13.xml><?xml version="1.0" encoding="utf-8"?>
+<p:sld xmlns:a="http://schemas.openxmlformats.org/drawingml/2006/main" xmlns:r="http://schemas.openxmlformats.org/officeDocument/2006/relationships" xmlns:p="http://schemas.openxmlformats.org/presentationml/2006/main">
+  <p:cSld>
+    <p:spTree>
+      <p:nvGrpSpPr>
+        <p:cNvPr id="1" name=""/>
+        <p:cNvGrpSpPr/>
+        <p:nvPr/>
+      </p:nvGrpSpPr>
+      <p:grpSpPr>
+        <a:xfrm>
+          <a:off x="0" y="0"/>
+          <a:ext cx="0" cy="0"/>
+          <a:chOff x="0" y="0"/>
+          <a:chExt cx="0" cy="0"/>
+        </a:xfrm>
+      </p:grpSpPr>
+      <p:sp>
+        <p:nvSpPr>
+          <p:cNvPr id="2" name="Title 1">
+            <a:extLst>
+              <a:ext uri="{FF2B5EF4-FFF2-40B4-BE49-F238E27FC236}">
+                <a16:creationId xmlns:a16="http://schemas.microsoft.com/office/drawing/2014/main" id="{C3B55169-2664-4CAD-9FC3-E1B154A8B547}"/>
+              </a:ext>
+            </a:extLst>
+          </p:cNvPr>
+          <p:cNvSpPr>
+            <a:spLocks noGrp="1"/>
+          </p:cNvSpPr>
+          <p:nvPr>
+            <p:ph type="title"/>
+          </p:nvPr>
+        </p:nvSpPr>
+        <p:spPr>
+          <a:xfrm>
+            <a:off x="522000" y="116632"/>
+            <a:ext cx="8100000" cy="533400"/>
+          </a:xfrm>
+        </p:spPr>
+        <p:txBody>
+          <a:bodyPr/>
+          <a:lstStyle/>
+          <a:p>
+            <a:pPr algn="ctr"/>
+            <a:r>
+              <a:rPr lang="en-GB" dirty="0"/>
+              <a:t>Example</a:t>
+            </a:r>
+          </a:p>
+        </p:txBody>
+      </p:sp>
+      <p:pic>
+        <p:nvPicPr>
+          <p:cNvPr id="4" name="Content Placeholder 3">
+            <a:extLst>
+              <a:ext uri="{FF2B5EF4-FFF2-40B4-BE49-F238E27FC236}">
+                <a16:creationId xmlns:a16="http://schemas.microsoft.com/office/drawing/2014/main" id="{C059F8A7-5A50-47F1-989A-5DF155623246}"/>
+              </a:ext>
+            </a:extLst>
+          </p:cNvPr>
+          <p:cNvPicPr>
+            <a:picLocks noGrp="1" noChangeAspect="1"/>
+          </p:cNvPicPr>
+          <p:nvPr>
+            <p:ph idx="1"/>
+          </p:nvPr>
+        </p:nvPicPr>
+        <p:blipFill rotWithShape="1">
+          <a:blip r:embed="rId2"/>
+          <a:srcRect l="23349" t="11206" r="22430" b="8512"/>
+          <a:stretch/>
+        </p:blipFill>
+        <p:spPr>
+          <a:xfrm>
+            <a:off x="522000" y="880437"/>
+            <a:ext cx="8100000" cy="5964720"/>
+          </a:xfrm>
+          <a:prstGeom prst="rect">
+            <a:avLst/>
+          </a:prstGeom>
+        </p:spPr>
+      </p:pic>
+    </p:spTree>
+    <p:extLst>
+      <p:ext uri="{BB962C8B-B14F-4D97-AF65-F5344CB8AC3E}">
+        <p14:creationId xmlns:p14="http://schemas.microsoft.com/office/powerpoint/2010/main" val="3230128167"/>
       </p:ext>
     </p:extLst>
   </p:cSld>
@@ -18991,7 +18277,7 @@
           <p:cNvPr id="2" name="Title 1">
             <a:extLst>
               <a:ext uri="{FF2B5EF4-FFF2-40B4-BE49-F238E27FC236}">
-                <a16:creationId xmlns:a16="http://schemas.microsoft.com/office/drawing/2014/main" id="{2DC7BB5C-F190-4D93-94B5-CE806BCADCE9}"/>
+                <a16:creationId xmlns:a16="http://schemas.microsoft.com/office/drawing/2014/main" id="{8C106167-BB18-4E0A-AD53-2473C0EC426A}"/>
               </a:ext>
             </a:extLst>
           </p:cNvPr>
@@ -19012,48 +18298,806 @@
           <a:bodyPr/>
           <a:lstStyle/>
           <a:p>
+            <a:pPr algn="ctr"/>
             <a:r>
               <a:rPr lang="en-GB" dirty="0"/>
-              <a:t>Subgroup analysis example</a:t>
+              <a:t>Linear regression</a:t>
             </a:r>
           </a:p>
         </p:txBody>
       </p:sp>
-      <p:pic>
-        <p:nvPicPr>
-          <p:cNvPr id="4" name="Content Placeholder 3">
+      <p:sp>
+        <p:nvSpPr>
+          <p:cNvPr id="3" name="Content Placeholder 2">
             <a:extLst>
               <a:ext uri="{FF2B5EF4-FFF2-40B4-BE49-F238E27FC236}">
-                <a16:creationId xmlns:a16="http://schemas.microsoft.com/office/drawing/2014/main" id="{D231A976-0148-4697-BC02-D373CC259EB2}"/>
+                <a16:creationId xmlns:a16="http://schemas.microsoft.com/office/drawing/2014/main" id="{1BB3368C-9DE0-481F-8FEE-41DFEDFCDFA7}"/>
               </a:ext>
             </a:extLst>
           </p:cNvPr>
-          <p:cNvPicPr>
-            <a:picLocks noGrp="1" noChangeAspect="1"/>
-          </p:cNvPicPr>
+          <p:cNvSpPr>
+            <a:spLocks noGrp="1"/>
+          </p:cNvSpPr>
           <p:nvPr>
             <p:ph idx="1"/>
           </p:nvPr>
-        </p:nvPicPr>
-        <p:blipFill rotWithShape="1">
-          <a:blip r:embed="rId2"/>
-          <a:srcRect l="23349" t="18187" r="22430" b="18983"/>
-          <a:stretch/>
-        </p:blipFill>
+        </p:nvSpPr>
         <p:spPr>
           <a:xfrm>
-            <a:off x="170556" y="650032"/>
-            <a:ext cx="8802888" cy="5659288"/>
+            <a:off x="522000" y="836712"/>
+            <a:ext cx="8100000" cy="5472608"/>
           </a:xfrm>
-          <a:prstGeom prst="rect">
-            <a:avLst/>
-          </a:prstGeom>
         </p:spPr>
-      </p:pic>
+        <p:txBody>
+          <a:bodyPr/>
+          <a:lstStyle/>
+          <a:p>
+            <a:r>
+              <a:rPr lang="nl-NL" dirty="0">
+                <a:ea typeface="ＭＳ Ｐゴシック" pitchFamily="34" charset="-128"/>
+                <a:cs typeface="Arial" charset="0"/>
+              </a:rPr>
+              <a:t>But first, we have to remember about linear regression. </a:t>
+            </a:r>
+          </a:p>
+          <a:p>
+            <a:endParaRPr lang="en-US" dirty="0"/>
+          </a:p>
+          <a:p>
+            <a:r>
+              <a:rPr lang="en-US" dirty="0"/>
+              <a:t>When we have a continuous outcome </a:t>
+            </a:r>
+            <a:r>
+              <a:rPr lang="en-US" sz="2400" dirty="0">
+                <a:effectLst>
+                  <a:outerShdw blurRad="38100" dist="38100" dir="2700000" algn="tl">
+                    <a:srgbClr val="000000">
+                      <a:alpha val="43137"/>
+                    </a:srgbClr>
+                  </a:outerShdw>
+                </a:effectLst>
+              </a:rPr>
+              <a:t>Y</a:t>
+            </a:r>
+            <a:r>
+              <a:rPr lang="en-US" baseline="-25000" dirty="0">
+                <a:effectLst>
+                  <a:outerShdw blurRad="38100" dist="38100" dir="2700000" algn="tl">
+                    <a:srgbClr val="000000">
+                      <a:alpha val="43137"/>
+                    </a:srgbClr>
+                  </a:outerShdw>
+                </a:effectLst>
+              </a:rPr>
+              <a:t>i</a:t>
+            </a:r>
+          </a:p>
+          <a:p>
+            <a:endParaRPr lang="en-US" dirty="0">
+              <a:effectLst>
+                <a:outerShdw blurRad="38100" dist="38100" dir="2700000" algn="tl">
+                  <a:srgbClr val="000000">
+                    <a:alpha val="43137"/>
+                  </a:srgbClr>
+                </a:outerShdw>
+              </a:effectLst>
+            </a:endParaRPr>
+          </a:p>
+          <a:p>
+            <a:endParaRPr lang="en-US" dirty="0"/>
+          </a:p>
+          <a:p>
+            <a:r>
+              <a:rPr lang="en-US" dirty="0"/>
+              <a:t>The standard linear regression model is given by:</a:t>
+            </a:r>
+            <a:endParaRPr lang="en-GB" sz="2400" dirty="0"/>
+          </a:p>
+          <a:p>
+            <a:pPr marL="0" indent="0" algn="ctr">
+              <a:buNone/>
+            </a:pPr>
+            <a:r>
+              <a:rPr lang="en-GB" sz="2400" dirty="0">
+                <a:effectLst>
+                  <a:outerShdw blurRad="38100" dist="38100" dir="2700000" algn="tl">
+                    <a:srgbClr val="000000">
+                      <a:alpha val="43137"/>
+                    </a:srgbClr>
+                  </a:outerShdw>
+                </a:effectLst>
+              </a:rPr>
+              <a:t>Y</a:t>
+            </a:r>
+            <a:r>
+              <a:rPr lang="en-GB" sz="2400" baseline="-25000" dirty="0">
+                <a:effectLst>
+                  <a:outerShdw blurRad="38100" dist="38100" dir="2700000" algn="tl">
+                    <a:srgbClr val="000000">
+                      <a:alpha val="43137"/>
+                    </a:srgbClr>
+                  </a:outerShdw>
+                </a:effectLst>
+              </a:rPr>
+              <a:t>i </a:t>
+            </a:r>
+            <a:r>
+              <a:rPr lang="en-GB" sz="2400" dirty="0">
+                <a:effectLst>
+                  <a:outerShdw blurRad="38100" dist="38100" dir="2700000" algn="tl">
+                    <a:srgbClr val="000000">
+                      <a:alpha val="43137"/>
+                    </a:srgbClr>
+                  </a:outerShdw>
+                </a:effectLst>
+              </a:rPr>
+              <a:t>= </a:t>
+            </a:r>
+            <a:r>
+              <a:rPr lang="el-GR" sz="2400" dirty="0">
+                <a:effectLst>
+                  <a:outerShdw blurRad="38100" dist="38100" dir="2700000" algn="tl">
+                    <a:srgbClr val="000000">
+                      <a:alpha val="43137"/>
+                    </a:srgbClr>
+                  </a:outerShdw>
+                </a:effectLst>
+              </a:rPr>
+              <a:t>β</a:t>
+            </a:r>
+            <a:r>
+              <a:rPr lang="el-GR" sz="2400" baseline="-25000" dirty="0">
+                <a:effectLst>
+                  <a:outerShdw blurRad="38100" dist="38100" dir="2700000" algn="tl">
+                    <a:srgbClr val="000000">
+                      <a:alpha val="43137"/>
+                    </a:srgbClr>
+                  </a:outerShdw>
+                </a:effectLst>
+              </a:rPr>
+              <a:t>0</a:t>
+            </a:r>
+            <a:r>
+              <a:rPr lang="en-GB" sz="2400" baseline="-25000" dirty="0">
+                <a:effectLst>
+                  <a:outerShdw blurRad="38100" dist="38100" dir="2700000" algn="tl">
+                    <a:srgbClr val="000000">
+                      <a:alpha val="43137"/>
+                    </a:srgbClr>
+                  </a:outerShdw>
+                </a:effectLst>
+              </a:rPr>
+              <a:t> </a:t>
+            </a:r>
+            <a:r>
+              <a:rPr lang="el-GR" sz="2400" dirty="0">
+                <a:effectLst>
+                  <a:outerShdw blurRad="38100" dist="38100" dir="2700000" algn="tl">
+                    <a:srgbClr val="000000">
+                      <a:alpha val="43137"/>
+                    </a:srgbClr>
+                  </a:outerShdw>
+                </a:effectLst>
+              </a:rPr>
+              <a:t>+</a:t>
+            </a:r>
+            <a:r>
+              <a:rPr lang="en-GB" sz="2400" dirty="0">
+                <a:effectLst>
+                  <a:outerShdw blurRad="38100" dist="38100" dir="2700000" algn="tl">
+                    <a:srgbClr val="000000">
+                      <a:alpha val="43137"/>
+                    </a:srgbClr>
+                  </a:outerShdw>
+                </a:effectLst>
+              </a:rPr>
+              <a:t> </a:t>
+            </a:r>
+            <a:r>
+              <a:rPr lang="el-GR" sz="2400" dirty="0">
+                <a:effectLst>
+                  <a:outerShdw blurRad="38100" dist="38100" dir="2700000" algn="tl">
+                    <a:srgbClr val="000000">
+                      <a:alpha val="43137"/>
+                    </a:srgbClr>
+                  </a:outerShdw>
+                </a:effectLst>
+              </a:rPr>
+              <a:t>β</a:t>
+            </a:r>
+            <a:r>
+              <a:rPr lang="el-GR" sz="2400" baseline="-25000" dirty="0">
+                <a:effectLst>
+                  <a:outerShdw blurRad="38100" dist="38100" dir="2700000" algn="tl">
+                    <a:srgbClr val="000000">
+                      <a:alpha val="43137"/>
+                    </a:srgbClr>
+                  </a:outerShdw>
+                </a:effectLst>
+              </a:rPr>
+              <a:t>1</a:t>
+            </a:r>
+            <a:r>
+              <a:rPr lang="en-GB" sz="2400" dirty="0">
+                <a:effectLst>
+                  <a:outerShdw blurRad="38100" dist="38100" dir="2700000" algn="tl">
+                    <a:srgbClr val="000000">
+                      <a:alpha val="43137"/>
+                    </a:srgbClr>
+                  </a:outerShdw>
+                </a:effectLst>
+              </a:rPr>
+              <a:t>x</a:t>
+            </a:r>
+            <a:r>
+              <a:rPr lang="en-GB" sz="2400" baseline="-25000" dirty="0">
+                <a:effectLst>
+                  <a:outerShdw blurRad="38100" dist="38100" dir="2700000" algn="tl">
+                    <a:srgbClr val="000000">
+                      <a:alpha val="43137"/>
+                    </a:srgbClr>
+                  </a:outerShdw>
+                </a:effectLst>
+              </a:rPr>
+              <a:t>i1 </a:t>
+            </a:r>
+            <a:r>
+              <a:rPr lang="en-GB" sz="2400" dirty="0">
+                <a:effectLst>
+                  <a:outerShdw blurRad="38100" dist="38100" dir="2700000" algn="tl">
+                    <a:srgbClr val="000000">
+                      <a:alpha val="43137"/>
+                    </a:srgbClr>
+                  </a:outerShdw>
+                </a:effectLst>
+              </a:rPr>
+              <a:t>+ </a:t>
+            </a:r>
+            <a:r>
+              <a:rPr lang="el-GR" sz="2400" dirty="0">
+                <a:effectLst>
+                  <a:outerShdw blurRad="38100" dist="38100" dir="2700000" algn="tl">
+                    <a:srgbClr val="000000">
+                      <a:alpha val="43137"/>
+                    </a:srgbClr>
+                  </a:outerShdw>
+                </a:effectLst>
+              </a:rPr>
+              <a:t>β</a:t>
+            </a:r>
+            <a:r>
+              <a:rPr lang="el-GR" sz="2400" baseline="-25000" dirty="0">
+                <a:effectLst>
+                  <a:outerShdw blurRad="38100" dist="38100" dir="2700000" algn="tl">
+                    <a:srgbClr val="000000">
+                      <a:alpha val="43137"/>
+                    </a:srgbClr>
+                  </a:outerShdw>
+                </a:effectLst>
+              </a:rPr>
+              <a:t>2</a:t>
+            </a:r>
+            <a:r>
+              <a:rPr lang="en-GB" sz="2400" dirty="0">
+                <a:effectLst>
+                  <a:outerShdw blurRad="38100" dist="38100" dir="2700000" algn="tl">
+                    <a:srgbClr val="000000">
+                      <a:alpha val="43137"/>
+                    </a:srgbClr>
+                  </a:outerShdw>
+                </a:effectLst>
+              </a:rPr>
+              <a:t>x</a:t>
+            </a:r>
+            <a:r>
+              <a:rPr lang="en-GB" sz="2400" baseline="-25000" dirty="0">
+                <a:effectLst>
+                  <a:outerShdw blurRad="38100" dist="38100" dir="2700000" algn="tl">
+                    <a:srgbClr val="000000">
+                      <a:alpha val="43137"/>
+                    </a:srgbClr>
+                  </a:outerShdw>
+                </a:effectLst>
+              </a:rPr>
+              <a:t>i2 </a:t>
+            </a:r>
+            <a:r>
+              <a:rPr lang="en-GB" sz="2400" dirty="0">
+                <a:effectLst>
+                  <a:outerShdw blurRad="38100" dist="38100" dir="2700000" algn="tl">
+                    <a:srgbClr val="000000">
+                      <a:alpha val="43137"/>
+                    </a:srgbClr>
+                  </a:outerShdw>
+                </a:effectLst>
+              </a:rPr>
+              <a:t>+…+ </a:t>
+            </a:r>
+            <a:r>
+              <a:rPr lang="el-GR" sz="2400" dirty="0">
+                <a:effectLst>
+                  <a:outerShdw blurRad="38100" dist="38100" dir="2700000" algn="tl">
+                    <a:srgbClr val="000000">
+                      <a:alpha val="43137"/>
+                    </a:srgbClr>
+                  </a:outerShdw>
+                </a:effectLst>
+              </a:rPr>
+              <a:t>β</a:t>
+            </a:r>
+            <a:r>
+              <a:rPr lang="en-GB" sz="2400" baseline="-25000" dirty="0" err="1">
+                <a:effectLst>
+                  <a:outerShdw blurRad="38100" dist="38100" dir="2700000" algn="tl">
+                    <a:srgbClr val="000000">
+                      <a:alpha val="43137"/>
+                    </a:srgbClr>
+                  </a:outerShdw>
+                </a:effectLst>
+              </a:rPr>
+              <a:t>p</a:t>
+            </a:r>
+            <a:r>
+              <a:rPr lang="en-GB" sz="2400" dirty="0" err="1">
+                <a:effectLst>
+                  <a:outerShdw blurRad="38100" dist="38100" dir="2700000" algn="tl">
+                    <a:srgbClr val="000000">
+                      <a:alpha val="43137"/>
+                    </a:srgbClr>
+                  </a:outerShdw>
+                </a:effectLst>
+              </a:rPr>
+              <a:t>x</a:t>
+            </a:r>
+            <a:r>
+              <a:rPr lang="en-GB" sz="2400" baseline="-25000" dirty="0" err="1">
+                <a:effectLst>
+                  <a:outerShdw blurRad="38100" dist="38100" dir="2700000" algn="tl">
+                    <a:srgbClr val="000000">
+                      <a:alpha val="43137"/>
+                    </a:srgbClr>
+                  </a:outerShdw>
+                </a:effectLst>
+              </a:rPr>
+              <a:t>ip</a:t>
+            </a:r>
+            <a:r>
+              <a:rPr lang="en-GB" sz="2400" baseline="-25000" dirty="0">
+                <a:effectLst>
+                  <a:outerShdw blurRad="38100" dist="38100" dir="2700000" algn="tl">
+                    <a:srgbClr val="000000">
+                      <a:alpha val="43137"/>
+                    </a:srgbClr>
+                  </a:outerShdw>
+                </a:effectLst>
+              </a:rPr>
+              <a:t> </a:t>
+            </a:r>
+            <a:r>
+              <a:rPr lang="en-GB" sz="2400" dirty="0">
+                <a:effectLst>
+                  <a:outerShdw blurRad="38100" dist="38100" dir="2700000" algn="tl">
+                    <a:srgbClr val="000000">
+                      <a:alpha val="43137"/>
+                    </a:srgbClr>
+                  </a:outerShdw>
+                </a:effectLst>
+              </a:rPr>
+              <a:t>+ </a:t>
+            </a:r>
+            <a:r>
+              <a:rPr lang="el-GR" sz="2400" dirty="0">
+                <a:effectLst>
+                  <a:outerShdw blurRad="38100" dist="38100" dir="2700000" algn="tl">
+                    <a:srgbClr val="000000">
+                      <a:alpha val="43137"/>
+                    </a:srgbClr>
+                  </a:outerShdw>
+                </a:effectLst>
+              </a:rPr>
+              <a:t>ε</a:t>
+            </a:r>
+            <a:r>
+              <a:rPr lang="en-GB" sz="2400" baseline="-25000" dirty="0" err="1">
+                <a:effectLst>
+                  <a:outerShdw blurRad="38100" dist="38100" dir="2700000" algn="tl">
+                    <a:srgbClr val="000000">
+                      <a:alpha val="43137"/>
+                    </a:srgbClr>
+                  </a:outerShdw>
+                </a:effectLst>
+              </a:rPr>
+              <a:t>i</a:t>
+            </a:r>
+            <a:r>
+              <a:rPr lang="en-GB" sz="2400" dirty="0">
+                <a:effectLst>
+                  <a:outerShdw blurRad="38100" dist="38100" dir="2700000" algn="tl">
+                    <a:srgbClr val="000000">
+                      <a:alpha val="43137"/>
+                    </a:srgbClr>
+                  </a:outerShdw>
+                </a:effectLst>
+              </a:rPr>
+              <a:t> </a:t>
+            </a:r>
+            <a:r>
+              <a:rPr lang="en-GB" dirty="0"/>
+              <a:t>,</a:t>
+            </a:r>
+            <a:r>
+              <a:rPr lang="el-GR" dirty="0"/>
+              <a:t>where ε</a:t>
+            </a:r>
+            <a:r>
+              <a:rPr lang="el-GR" baseline="-25000" dirty="0"/>
+              <a:t>i</a:t>
+            </a:r>
+            <a:r>
+              <a:rPr lang="el-GR" dirty="0"/>
+              <a:t>∼N(0,σ</a:t>
+            </a:r>
+            <a:r>
+              <a:rPr lang="el-GR" baseline="30000" dirty="0"/>
+              <a:t>2</a:t>
+            </a:r>
+            <a:r>
+              <a:rPr lang="el-GR" dirty="0"/>
+              <a:t>).</a:t>
+            </a:r>
+            <a:endParaRPr lang="en-GB" dirty="0"/>
+          </a:p>
+          <a:p>
+            <a:endParaRPr lang="en-GB" dirty="0"/>
+          </a:p>
+          <a:p>
+            <a:r>
+              <a:rPr lang="en-GB" dirty="0"/>
+              <a:t>To make things simpler lets assume that we have only one independent variable </a:t>
+            </a:r>
+            <a:r>
+              <a:rPr lang="en-GB" sz="2400" dirty="0">
+                <a:effectLst>
+                  <a:outerShdw blurRad="38100" dist="38100" dir="2700000" algn="tl">
+                    <a:srgbClr val="000000">
+                      <a:alpha val="43137"/>
+                    </a:srgbClr>
+                  </a:outerShdw>
+                </a:effectLst>
+              </a:rPr>
+              <a:t>x1 </a:t>
+            </a:r>
+            <a:r>
+              <a:rPr lang="en-GB" dirty="0"/>
+              <a:t>, then</a:t>
+            </a:r>
+          </a:p>
+          <a:p>
+            <a:pPr marL="0" indent="0" algn="ctr">
+              <a:buNone/>
+            </a:pPr>
+            <a:r>
+              <a:rPr lang="en-GB" dirty="0">
+                <a:effectLst>
+                  <a:outerShdw blurRad="38100" dist="38100" dir="2700000" algn="tl">
+                    <a:srgbClr val="000000">
+                      <a:alpha val="43137"/>
+                    </a:srgbClr>
+                  </a:outerShdw>
+                </a:effectLst>
+              </a:rPr>
+              <a:t>Y</a:t>
+            </a:r>
+            <a:r>
+              <a:rPr lang="en-GB" baseline="-25000" dirty="0">
+                <a:effectLst>
+                  <a:outerShdw blurRad="38100" dist="38100" dir="2700000" algn="tl">
+                    <a:srgbClr val="000000">
+                      <a:alpha val="43137"/>
+                    </a:srgbClr>
+                  </a:outerShdw>
+                </a:effectLst>
+              </a:rPr>
+              <a:t>i </a:t>
+            </a:r>
+            <a:r>
+              <a:rPr lang="en-GB" dirty="0">
+                <a:effectLst>
+                  <a:outerShdw blurRad="38100" dist="38100" dir="2700000" algn="tl">
+                    <a:srgbClr val="000000">
+                      <a:alpha val="43137"/>
+                    </a:srgbClr>
+                  </a:outerShdw>
+                </a:effectLst>
+              </a:rPr>
+              <a:t>= </a:t>
+            </a:r>
+            <a:r>
+              <a:rPr lang="el-GR" dirty="0">
+                <a:effectLst>
+                  <a:outerShdw blurRad="38100" dist="38100" dir="2700000" algn="tl">
+                    <a:srgbClr val="000000">
+                      <a:alpha val="43137"/>
+                    </a:srgbClr>
+                  </a:outerShdw>
+                </a:effectLst>
+              </a:rPr>
+              <a:t>β</a:t>
+            </a:r>
+            <a:r>
+              <a:rPr lang="el-GR" baseline="-25000" dirty="0">
+                <a:effectLst>
+                  <a:outerShdw blurRad="38100" dist="38100" dir="2700000" algn="tl">
+                    <a:srgbClr val="000000">
+                      <a:alpha val="43137"/>
+                    </a:srgbClr>
+                  </a:outerShdw>
+                </a:effectLst>
+              </a:rPr>
+              <a:t>0</a:t>
+            </a:r>
+            <a:r>
+              <a:rPr lang="en-GB" baseline="-25000" dirty="0">
+                <a:effectLst>
+                  <a:outerShdw blurRad="38100" dist="38100" dir="2700000" algn="tl">
+                    <a:srgbClr val="000000">
+                      <a:alpha val="43137"/>
+                    </a:srgbClr>
+                  </a:outerShdw>
+                </a:effectLst>
+              </a:rPr>
+              <a:t> </a:t>
+            </a:r>
+            <a:r>
+              <a:rPr lang="el-GR" dirty="0">
+                <a:effectLst>
+                  <a:outerShdw blurRad="38100" dist="38100" dir="2700000" algn="tl">
+                    <a:srgbClr val="000000">
+                      <a:alpha val="43137"/>
+                    </a:srgbClr>
+                  </a:outerShdw>
+                </a:effectLst>
+              </a:rPr>
+              <a:t>+</a:t>
+            </a:r>
+            <a:r>
+              <a:rPr lang="en-GB" dirty="0">
+                <a:effectLst>
+                  <a:outerShdw blurRad="38100" dist="38100" dir="2700000" algn="tl">
+                    <a:srgbClr val="000000">
+                      <a:alpha val="43137"/>
+                    </a:srgbClr>
+                  </a:outerShdw>
+                </a:effectLst>
+              </a:rPr>
+              <a:t> </a:t>
+            </a:r>
+            <a:r>
+              <a:rPr lang="el-GR" dirty="0">
+                <a:effectLst>
+                  <a:outerShdw blurRad="38100" dist="38100" dir="2700000" algn="tl">
+                    <a:srgbClr val="000000">
+                      <a:alpha val="43137"/>
+                    </a:srgbClr>
+                  </a:outerShdw>
+                </a:effectLst>
+              </a:rPr>
+              <a:t>β</a:t>
+            </a:r>
+            <a:r>
+              <a:rPr lang="el-GR" baseline="-25000" dirty="0">
+                <a:effectLst>
+                  <a:outerShdw blurRad="38100" dist="38100" dir="2700000" algn="tl">
+                    <a:srgbClr val="000000">
+                      <a:alpha val="43137"/>
+                    </a:srgbClr>
+                  </a:outerShdw>
+                </a:effectLst>
+              </a:rPr>
+              <a:t>1</a:t>
+            </a:r>
+            <a:r>
+              <a:rPr lang="en-GB" dirty="0">
+                <a:effectLst>
+                  <a:outerShdw blurRad="38100" dist="38100" dir="2700000" algn="tl">
+                    <a:srgbClr val="000000">
+                      <a:alpha val="43137"/>
+                    </a:srgbClr>
+                  </a:outerShdw>
+                </a:effectLst>
+              </a:rPr>
+              <a:t>x</a:t>
+            </a:r>
+            <a:r>
+              <a:rPr lang="en-GB" baseline="-25000" dirty="0">
+                <a:effectLst>
+                  <a:outerShdw blurRad="38100" dist="38100" dir="2700000" algn="tl">
+                    <a:srgbClr val="000000">
+                      <a:alpha val="43137"/>
+                    </a:srgbClr>
+                  </a:outerShdw>
+                </a:effectLst>
+              </a:rPr>
+              <a:t>i1</a:t>
+            </a:r>
+            <a:r>
+              <a:rPr lang="en-GB" dirty="0">
+                <a:effectLst>
+                  <a:outerShdw blurRad="38100" dist="38100" dir="2700000" algn="tl">
+                    <a:srgbClr val="000000">
+                      <a:alpha val="43137"/>
+                    </a:srgbClr>
+                  </a:outerShdw>
+                </a:effectLst>
+              </a:rPr>
+              <a:t> + </a:t>
+            </a:r>
+            <a:r>
+              <a:rPr lang="el-GR" dirty="0">
+                <a:effectLst>
+                  <a:outerShdw blurRad="38100" dist="38100" dir="2700000" algn="tl">
+                    <a:srgbClr val="000000">
+                      <a:alpha val="43137"/>
+                    </a:srgbClr>
+                  </a:outerShdw>
+                </a:effectLst>
+              </a:rPr>
+              <a:t>ε</a:t>
+            </a:r>
+            <a:r>
+              <a:rPr lang="en-GB" baseline="-25000" dirty="0" err="1">
+                <a:effectLst>
+                  <a:outerShdw blurRad="38100" dist="38100" dir="2700000" algn="tl">
+                    <a:srgbClr val="000000">
+                      <a:alpha val="43137"/>
+                    </a:srgbClr>
+                  </a:outerShdw>
+                </a:effectLst>
+              </a:rPr>
+              <a:t>i</a:t>
+            </a:r>
+            <a:endParaRPr lang="el-GR" baseline="-25000" dirty="0">
+              <a:effectLst>
+                <a:outerShdw blurRad="38100" dist="38100" dir="2700000" algn="tl">
+                  <a:srgbClr val="000000">
+                    <a:alpha val="43137"/>
+                  </a:srgbClr>
+                </a:outerShdw>
+              </a:effectLst>
+            </a:endParaRPr>
+          </a:p>
+          <a:p>
+            <a:pPr marL="0" indent="0" algn="ctr">
+              <a:buNone/>
+            </a:pPr>
+            <a:endParaRPr lang="en-GB" baseline="-25000" dirty="0">
+              <a:effectLst>
+                <a:outerShdw blurRad="38100" dist="38100" dir="2700000" algn="tl">
+                  <a:srgbClr val="000000">
+                    <a:alpha val="43137"/>
+                  </a:srgbClr>
+                </a:outerShdw>
+              </a:effectLst>
+            </a:endParaRPr>
+          </a:p>
+          <a:p>
+            <a:r>
+              <a:rPr lang="en-GB" dirty="0"/>
+              <a:t>We can use our effect estimates</a:t>
+            </a:r>
+            <a:r>
+              <a:rPr lang="el-GR" dirty="0"/>
+              <a:t> (</a:t>
+            </a:r>
+            <a:r>
+              <a:rPr lang="en-GB" dirty="0" err="1"/>
+              <a:t>logOR</a:t>
+            </a:r>
+            <a:r>
+              <a:rPr lang="en-GB" dirty="0"/>
+              <a:t>, </a:t>
+            </a:r>
+            <a:r>
+              <a:rPr lang="en-GB" dirty="0" err="1"/>
+              <a:t>logRR</a:t>
+            </a:r>
+            <a:r>
+              <a:rPr lang="en-GB" dirty="0"/>
+              <a:t>, MD, SMD…</a:t>
+            </a:r>
+            <a:r>
+              <a:rPr lang="el-GR" dirty="0"/>
+              <a:t>)</a:t>
+            </a:r>
+            <a:r>
+              <a:rPr lang="en-GB" dirty="0"/>
+              <a:t> as </a:t>
+            </a:r>
+            <a:r>
+              <a:rPr lang="en-US" sz="2400" dirty="0">
+                <a:effectLst>
+                  <a:outerShdw blurRad="38100" dist="38100" dir="2700000" algn="tl">
+                    <a:srgbClr val="000000">
+                      <a:alpha val="43137"/>
+                    </a:srgbClr>
+                  </a:outerShdw>
+                </a:effectLst>
+              </a:rPr>
+              <a:t>Y</a:t>
+            </a:r>
+            <a:r>
+              <a:rPr lang="en-US" baseline="-25000" dirty="0">
+                <a:effectLst>
+                  <a:outerShdw blurRad="38100" dist="38100" dir="2700000" algn="tl">
+                    <a:srgbClr val="000000">
+                      <a:alpha val="43137"/>
+                    </a:srgbClr>
+                  </a:outerShdw>
+                </a:effectLst>
+              </a:rPr>
+              <a:t>i</a:t>
+            </a:r>
+            <a:r>
+              <a:rPr lang="en-US" dirty="0">
+                <a:effectLst>
+                  <a:outerShdw blurRad="38100" dist="38100" dir="2700000" algn="tl">
+                    <a:srgbClr val="000000">
+                      <a:alpha val="43137"/>
+                    </a:srgbClr>
+                  </a:outerShdw>
+                </a:effectLst>
+              </a:rPr>
+              <a:t> </a:t>
+            </a:r>
+            <a:r>
+              <a:rPr lang="en-US" dirty="0"/>
+              <a:t>and fit a linear regression </a:t>
+            </a:r>
+          </a:p>
+          <a:p>
+            <a:endParaRPr lang="en-GB" dirty="0"/>
+          </a:p>
+          <a:p>
+            <a:r>
+              <a:rPr lang="en-GB" dirty="0"/>
+              <a:t>If the x</a:t>
+            </a:r>
+            <a:r>
+              <a:rPr lang="en-GB" baseline="-25000" dirty="0"/>
+              <a:t>1</a:t>
+            </a:r>
+            <a:r>
+              <a:rPr lang="en-GB" dirty="0"/>
+              <a:t> is categorical the analysis is called subgroup analysis</a:t>
+            </a:r>
+          </a:p>
+          <a:p>
+            <a:r>
+              <a:rPr lang="en-GB" dirty="0"/>
+              <a:t>If the x</a:t>
+            </a:r>
+            <a:r>
+              <a:rPr lang="en-GB" baseline="-25000" dirty="0"/>
+              <a:t>1</a:t>
+            </a:r>
+            <a:r>
+              <a:rPr lang="en-GB" dirty="0"/>
+              <a:t> is continuous the analysis is called meta-regression</a:t>
+            </a:r>
+          </a:p>
+          <a:p>
+            <a:endParaRPr lang="en-GB" dirty="0"/>
+          </a:p>
+          <a:p>
+            <a:endParaRPr lang="en-GB" dirty="0"/>
+          </a:p>
+        </p:txBody>
+      </p:sp>
     </p:spTree>
     <p:extLst>
       <p:ext uri="{BB962C8B-B14F-4D97-AF65-F5344CB8AC3E}">
-        <p14:creationId xmlns:p14="http://schemas.microsoft.com/office/powerpoint/2010/main" val="2848161872"/>
+        <p14:creationId xmlns:p14="http://schemas.microsoft.com/office/powerpoint/2010/main" val="810401820"/>
       </p:ext>
     </p:extLst>
   </p:cSld>
@@ -19064,101 +19108,6 @@
 </file>
 
 <file path=ppt/slides/slide16.xml><?xml version="1.0" encoding="utf-8"?>
-<p:sld xmlns:a="http://schemas.openxmlformats.org/drawingml/2006/main" xmlns:r="http://schemas.openxmlformats.org/officeDocument/2006/relationships" xmlns:p="http://schemas.openxmlformats.org/presentationml/2006/main">
-  <p:cSld>
-    <p:spTree>
-      <p:nvGrpSpPr>
-        <p:cNvPr id="1" name=""/>
-        <p:cNvGrpSpPr/>
-        <p:nvPr/>
-      </p:nvGrpSpPr>
-      <p:grpSpPr>
-        <a:xfrm>
-          <a:off x="0" y="0"/>
-          <a:ext cx="0" cy="0"/>
-          <a:chOff x="0" y="0"/>
-          <a:chExt cx="0" cy="0"/>
-        </a:xfrm>
-      </p:grpSpPr>
-      <p:sp>
-        <p:nvSpPr>
-          <p:cNvPr id="2" name="Title 1">
-            <a:extLst>
-              <a:ext uri="{FF2B5EF4-FFF2-40B4-BE49-F238E27FC236}">
-                <a16:creationId xmlns:a16="http://schemas.microsoft.com/office/drawing/2014/main" id="{C3B55169-2664-4CAD-9FC3-E1B154A8B547}"/>
-              </a:ext>
-            </a:extLst>
-          </p:cNvPr>
-          <p:cNvSpPr>
-            <a:spLocks noGrp="1"/>
-          </p:cNvSpPr>
-          <p:nvPr>
-            <p:ph type="title"/>
-          </p:nvPr>
-        </p:nvSpPr>
-        <p:spPr>
-          <a:xfrm>
-            <a:off x="522000" y="116632"/>
-            <a:ext cx="8100000" cy="533400"/>
-          </a:xfrm>
-        </p:spPr>
-        <p:txBody>
-          <a:bodyPr/>
-          <a:lstStyle/>
-          <a:p>
-            <a:pPr algn="ctr"/>
-            <a:r>
-              <a:rPr lang="en-GB" dirty="0"/>
-              <a:t>Example</a:t>
-            </a:r>
-          </a:p>
-        </p:txBody>
-      </p:sp>
-      <p:pic>
-        <p:nvPicPr>
-          <p:cNvPr id="4" name="Content Placeholder 3">
-            <a:extLst>
-              <a:ext uri="{FF2B5EF4-FFF2-40B4-BE49-F238E27FC236}">
-                <a16:creationId xmlns:a16="http://schemas.microsoft.com/office/drawing/2014/main" id="{C059F8A7-5A50-47F1-989A-5DF155623246}"/>
-              </a:ext>
-            </a:extLst>
-          </p:cNvPr>
-          <p:cNvPicPr>
-            <a:picLocks noGrp="1" noChangeAspect="1"/>
-          </p:cNvPicPr>
-          <p:nvPr>
-            <p:ph idx="1"/>
-          </p:nvPr>
-        </p:nvPicPr>
-        <p:blipFill rotWithShape="1">
-          <a:blip r:embed="rId2"/>
-          <a:srcRect l="23349" t="11206" r="22430" b="8512"/>
-          <a:stretch/>
-        </p:blipFill>
-        <p:spPr>
-          <a:xfrm>
-            <a:off x="522000" y="880437"/>
-            <a:ext cx="8100000" cy="5964720"/>
-          </a:xfrm>
-          <a:prstGeom prst="rect">
-            <a:avLst/>
-          </a:prstGeom>
-        </p:spPr>
-      </p:pic>
-    </p:spTree>
-    <p:extLst>
-      <p:ext uri="{BB962C8B-B14F-4D97-AF65-F5344CB8AC3E}">
-        <p14:creationId xmlns:p14="http://schemas.microsoft.com/office/powerpoint/2010/main" val="3230128167"/>
-      </p:ext>
-    </p:extLst>
-  </p:cSld>
-  <p:clrMapOvr>
-    <a:masterClrMapping/>
-  </p:clrMapOvr>
-</p:sld>
-</file>
-
-<file path=ppt/slides/slide17.xml><?xml version="1.0" encoding="utf-8"?>
 <p:sld xmlns:a="http://schemas.openxmlformats.org/drawingml/2006/main" xmlns:r="http://schemas.openxmlformats.org/officeDocument/2006/relationships" xmlns:p="http://schemas.openxmlformats.org/presentationml/2006/main">
   <p:cSld>
     <p:spTree>
@@ -19515,7 +19464,7 @@
             <a:fld id="{AA36EAE7-42BA-44B1-984D-E091D180FF10}" type="datetime10">
               <a:rPr lang="en-US" smtClean="0"/>
               <a:pPr/>
-              <a:t>16:30</a:t>
+              <a:t>17:53</a:t>
             </a:fld>
             <a:endParaRPr lang="nl-NL"/>
           </a:p>
@@ -19543,7 +19492,7 @@
             <a:fld id="{7FC9B413-936F-403B-BC98-20250EBFF374}" type="slidenum">
               <a:rPr lang="nl-NL" smtClean="0"/>
               <a:pPr/>
-              <a:t>17</a:t>
+              <a:t>16</a:t>
             </a:fld>
             <a:endParaRPr lang="nl-NL" dirty="0"/>
           </a:p>
@@ -19557,7 +19506,7 @@
 </p:sld>
 </file>
 
-<file path=ppt/slides/slide18.xml><?xml version="1.0" encoding="utf-8"?>
+<file path=ppt/slides/slide17.xml><?xml version="1.0" encoding="utf-8"?>
 <p:sld xmlns:a="http://schemas.openxmlformats.org/drawingml/2006/main" xmlns:r="http://schemas.openxmlformats.org/officeDocument/2006/relationships" xmlns:p="http://schemas.openxmlformats.org/presentationml/2006/main">
   <p:cSld>
     <p:spTree>
@@ -19655,7 +19604,7 @@
             <a:fld id="{AA36EAE7-42BA-44B1-984D-E091D180FF10}" type="datetime10">
               <a:rPr lang="en-US" smtClean="0"/>
               <a:pPr/>
-              <a:t>16:30</a:t>
+              <a:t>17:53</a:t>
             </a:fld>
             <a:endParaRPr lang="nl-NL"/>
           </a:p>
@@ -19683,7 +19632,7 @@
             <a:fld id="{7FC9B413-936F-403B-BC98-20250EBFF374}" type="slidenum">
               <a:rPr lang="nl-NL" smtClean="0"/>
               <a:pPr/>
-              <a:t>18</a:t>
+              <a:t>17</a:t>
             </a:fld>
             <a:endParaRPr lang="nl-NL" dirty="0"/>
           </a:p>
@@ -19697,7 +19646,7 @@
 </p:sld>
 </file>
 
-<file path=ppt/slides/slide19.xml><?xml version="1.0" encoding="utf-8"?>
+<file path=ppt/slides/slide18.xml><?xml version="1.0" encoding="utf-8"?>
 <p:sld xmlns:a="http://schemas.openxmlformats.org/drawingml/2006/main" xmlns:r="http://schemas.openxmlformats.org/officeDocument/2006/relationships" xmlns:p="http://schemas.openxmlformats.org/presentationml/2006/main">
   <p:cSld>
     <p:spTree>
@@ -19792,240 +19741,7 @@
 </p:sld>
 </file>
 
-<file path=ppt/slides/slide2.xml><?xml version="1.0" encoding="utf-8"?>
-<p:sld xmlns:a="http://schemas.openxmlformats.org/drawingml/2006/main" xmlns:r="http://schemas.openxmlformats.org/officeDocument/2006/relationships" xmlns:p="http://schemas.openxmlformats.org/presentationml/2006/main">
-  <p:cSld>
-    <p:spTree>
-      <p:nvGrpSpPr>
-        <p:cNvPr id="1" name=""/>
-        <p:cNvGrpSpPr/>
-        <p:nvPr/>
-      </p:nvGrpSpPr>
-      <p:grpSpPr>
-        <a:xfrm>
-          <a:off x="0" y="0"/>
-          <a:ext cx="0" cy="0"/>
-          <a:chOff x="0" y="0"/>
-          <a:chExt cx="0" cy="0"/>
-        </a:xfrm>
-      </p:grpSpPr>
-      <p:sp>
-        <p:nvSpPr>
-          <p:cNvPr id="2" name="Title 1">
-            <a:extLst>
-              <a:ext uri="{FF2B5EF4-FFF2-40B4-BE49-F238E27FC236}">
-                <a16:creationId xmlns:a16="http://schemas.microsoft.com/office/drawing/2014/main" id="{1329C8B9-AC06-4821-A934-E62294572D9B}"/>
-              </a:ext>
-            </a:extLst>
-          </p:cNvPr>
-          <p:cNvSpPr>
-            <a:spLocks noGrp="1"/>
-          </p:cNvSpPr>
-          <p:nvPr>
-            <p:ph type="title"/>
-          </p:nvPr>
-        </p:nvSpPr>
-        <p:spPr>
-          <a:xfrm>
-            <a:off x="522000" y="116632"/>
-            <a:ext cx="8100000" cy="533400"/>
-          </a:xfrm>
-        </p:spPr>
-        <p:txBody>
-          <a:bodyPr/>
-          <a:lstStyle/>
-          <a:p>
-            <a:pPr algn="ctr"/>
-            <a:r>
-              <a:rPr lang="en-GB" dirty="0"/>
-              <a:t>What we learned so far?</a:t>
-            </a:r>
-          </a:p>
-        </p:txBody>
-      </p:sp>
-      <p:sp>
-        <p:nvSpPr>
-          <p:cNvPr id="3" name="Content Placeholder 2">
-            <a:extLst>
-              <a:ext uri="{FF2B5EF4-FFF2-40B4-BE49-F238E27FC236}">
-                <a16:creationId xmlns:a16="http://schemas.microsoft.com/office/drawing/2014/main" id="{13176BC2-101A-49EA-BE63-3802ACB92CEF}"/>
-              </a:ext>
-            </a:extLst>
-          </p:cNvPr>
-          <p:cNvSpPr>
-            <a:spLocks noGrp="1"/>
-          </p:cNvSpPr>
-          <p:nvPr>
-            <p:ph idx="1"/>
-          </p:nvPr>
-        </p:nvSpPr>
-        <p:spPr>
-          <a:xfrm>
-            <a:off x="522000" y="764704"/>
-            <a:ext cx="8100000" cy="5175297"/>
-          </a:xfrm>
-        </p:spPr>
-        <p:txBody>
-          <a:bodyPr/>
-          <a:lstStyle/>
-          <a:p>
-            <a:pPr marL="0" indent="0" algn="ctr">
-              <a:buNone/>
-            </a:pPr>
-            <a:endParaRPr lang="en-US" altLang="en-US" sz="3200" dirty="0">
-              <a:effectLst>
-                <a:outerShdw blurRad="38100" dist="38100" dir="2700000" algn="tl">
-                  <a:srgbClr val="000000">
-                    <a:alpha val="43137"/>
-                  </a:srgbClr>
-                </a:outerShdw>
-              </a:effectLst>
-              <a:cs typeface="Calibri" panose="020F0502020204030204" pitchFamily="34" charset="0"/>
-            </a:endParaRPr>
-          </a:p>
-          <a:p>
-            <a:endParaRPr lang="en-US" altLang="en-US" dirty="0">
-              <a:cs typeface="Calibri" panose="020F0502020204030204" pitchFamily="34" charset="0"/>
-            </a:endParaRPr>
-          </a:p>
-          <a:p>
-            <a:pPr marL="0" lvl="1" indent="0" algn="ctr">
-              <a:buClr>
-                <a:schemeClr val="tx2"/>
-              </a:buClr>
-              <a:buNone/>
-            </a:pPr>
-            <a:r>
-              <a:rPr lang="en-US" sz="3200" dirty="0">
-                <a:effectLst>
-                  <a:outerShdw blurRad="38100" dist="38100" dir="2700000" algn="tl">
-                    <a:srgbClr val="000000">
-                      <a:alpha val="43137"/>
-                    </a:srgbClr>
-                  </a:outerShdw>
-                </a:effectLst>
-                <a:cs typeface="Calibri" panose="020F0502020204030204" pitchFamily="34" charset="0"/>
-              </a:rPr>
-              <a:t>Meta-analysis</a:t>
-            </a:r>
-            <a:endParaRPr lang="en-GB" sz="3200" dirty="0">
-              <a:effectLst>
-                <a:outerShdw blurRad="38100" dist="38100" dir="2700000" algn="tl">
-                  <a:srgbClr val="000000">
-                    <a:alpha val="43137"/>
-                  </a:srgbClr>
-                </a:outerShdw>
-              </a:effectLst>
-              <a:cs typeface="Calibri" panose="020F0502020204030204" pitchFamily="34" charset="0"/>
-            </a:endParaRPr>
-          </a:p>
-          <a:p>
-            <a:endParaRPr lang="en-GB" dirty="0"/>
-          </a:p>
-          <a:p>
-            <a:r>
-              <a:rPr lang="en-GB" dirty="0"/>
-              <a:t>We can combine a number of aggregated data, in order:</a:t>
-            </a:r>
-          </a:p>
-          <a:p>
-            <a:pPr lvl="1"/>
-            <a:r>
-              <a:rPr lang="en-GB" dirty="0"/>
-              <a:t>Observe the consistency of a treatment effect </a:t>
-            </a:r>
-          </a:p>
-          <a:p>
-            <a:pPr lvl="1"/>
-            <a:r>
-              <a:rPr lang="en-GB" dirty="0"/>
-              <a:t>To make more powerful inferences </a:t>
-            </a:r>
-          </a:p>
-          <a:p>
-            <a:pPr lvl="1"/>
-            <a:r>
-              <a:rPr lang="en-US" altLang="en-US" dirty="0">
-                <a:cs typeface="Calibri" panose="020F0502020204030204" pitchFamily="34" charset="0"/>
-              </a:rPr>
-              <a:t>To make decisions based on evidences</a:t>
-            </a:r>
-          </a:p>
-          <a:p>
-            <a:pPr lvl="1"/>
-            <a:endParaRPr lang="en-US" altLang="en-US" dirty="0">
-              <a:cs typeface="Calibri" panose="020F0502020204030204" pitchFamily="34" charset="0"/>
-            </a:endParaRPr>
-          </a:p>
-          <a:p>
-            <a:pPr algn="just">
-              <a:defRPr/>
-            </a:pPr>
-            <a:r>
-              <a:rPr lang="en-US" dirty="0"/>
-              <a:t>Data could be pooled quantitatively if study designs are similar in: </a:t>
-            </a:r>
-          </a:p>
-          <a:p>
-            <a:pPr lvl="1" algn="just">
-              <a:defRPr/>
-            </a:pPr>
-            <a:r>
-              <a:rPr lang="en-US" dirty="0"/>
-              <a:t>outcome definition </a:t>
-            </a:r>
-          </a:p>
-          <a:p>
-            <a:pPr lvl="1" algn="just">
-              <a:defRPr/>
-            </a:pPr>
-            <a:r>
-              <a:rPr lang="en-US" dirty="0"/>
-              <a:t>population sizes</a:t>
-            </a:r>
-          </a:p>
-          <a:p>
-            <a:pPr lvl="1" algn="just">
-              <a:defRPr/>
-            </a:pPr>
-            <a:r>
-              <a:rPr lang="en-US" dirty="0"/>
-              <a:t>population characteristics</a:t>
-            </a:r>
-          </a:p>
-          <a:p>
-            <a:pPr lvl="1" algn="just">
-              <a:defRPr/>
-            </a:pPr>
-            <a:r>
-              <a:rPr lang="en-US" dirty="0"/>
-              <a:t>interventions</a:t>
-            </a:r>
-          </a:p>
-          <a:p>
-            <a:pPr lvl="1"/>
-            <a:endParaRPr lang="en-GB" dirty="0"/>
-          </a:p>
-          <a:p>
-            <a:pPr lvl="1"/>
-            <a:endParaRPr lang="en-GB" dirty="0"/>
-          </a:p>
-        </p:txBody>
-      </p:sp>
-    </p:spTree>
-    <p:extLst>
-      <p:ext uri="{BB962C8B-B14F-4D97-AF65-F5344CB8AC3E}">
-        <p14:creationId xmlns:p14="http://schemas.microsoft.com/office/powerpoint/2010/main" val="4116968734"/>
-      </p:ext>
-    </p:extLst>
-  </p:cSld>
-  <p:clrMapOvr>
-    <a:masterClrMapping/>
-  </p:clrMapOvr>
-</p:sld>
-</file>
-
-<file path=ppt/slides/slide20.xml><?xml version="1.0" encoding="utf-8"?>
+<file path=ppt/slides/slide19.xml><?xml version="1.0" encoding="utf-8"?>
 <p:sld xmlns:a="http://schemas.openxmlformats.org/drawingml/2006/main" xmlns:r="http://schemas.openxmlformats.org/officeDocument/2006/relationships" xmlns:p="http://schemas.openxmlformats.org/presentationml/2006/main">
   <p:cSld>
     <p:spTree>
@@ -20151,7 +19867,7 @@
             <a:fld id="{AA36EAE7-42BA-44B1-984D-E091D180FF10}" type="datetime10">
               <a:rPr lang="en-US" smtClean="0"/>
               <a:pPr/>
-              <a:t>16:30</a:t>
+              <a:t>17:53</a:t>
             </a:fld>
             <a:endParaRPr lang="nl-NL"/>
           </a:p>
@@ -20179,7 +19895,7 @@
             <a:fld id="{7FC9B413-936F-403B-BC98-20250EBFF374}" type="slidenum">
               <a:rPr lang="nl-NL" smtClean="0"/>
               <a:pPr/>
-              <a:t>20</a:t>
+              <a:t>19</a:t>
             </a:fld>
             <a:endParaRPr lang="nl-NL" dirty="0"/>
           </a:p>
@@ -20511,7 +20227,225 @@
 </p:sld>
 </file>
 
-<file path=ppt/slides/slide21.xml><?xml version="1.0" encoding="utf-8"?>
+<file path=ppt/slides/slide2.xml><?xml version="1.0" encoding="utf-8"?>
+<p:sld xmlns:a="http://schemas.openxmlformats.org/drawingml/2006/main" xmlns:r="http://schemas.openxmlformats.org/officeDocument/2006/relationships" xmlns:p="http://schemas.openxmlformats.org/presentationml/2006/main">
+  <p:cSld>
+    <p:spTree>
+      <p:nvGrpSpPr>
+        <p:cNvPr id="1" name=""/>
+        <p:cNvGrpSpPr/>
+        <p:nvPr/>
+      </p:nvGrpSpPr>
+      <p:grpSpPr>
+        <a:xfrm>
+          <a:off x="0" y="0"/>
+          <a:ext cx="0" cy="0"/>
+          <a:chOff x="0" y="0"/>
+          <a:chExt cx="0" cy="0"/>
+        </a:xfrm>
+      </p:grpSpPr>
+      <p:sp>
+        <p:nvSpPr>
+          <p:cNvPr id="2" name="Title 1">
+            <a:extLst>
+              <a:ext uri="{FF2B5EF4-FFF2-40B4-BE49-F238E27FC236}">
+                <a16:creationId xmlns:a16="http://schemas.microsoft.com/office/drawing/2014/main" id="{1329C8B9-AC06-4821-A934-E62294572D9B}"/>
+              </a:ext>
+            </a:extLst>
+          </p:cNvPr>
+          <p:cNvSpPr>
+            <a:spLocks noGrp="1"/>
+          </p:cNvSpPr>
+          <p:nvPr>
+            <p:ph type="title"/>
+          </p:nvPr>
+        </p:nvSpPr>
+        <p:spPr>
+          <a:xfrm>
+            <a:off x="522000" y="116632"/>
+            <a:ext cx="8100000" cy="533400"/>
+          </a:xfrm>
+        </p:spPr>
+        <p:txBody>
+          <a:bodyPr/>
+          <a:lstStyle/>
+          <a:p>
+            <a:pPr algn="ctr"/>
+            <a:r>
+              <a:rPr lang="en-GB" dirty="0"/>
+              <a:t>What have we learned so far?</a:t>
+            </a:r>
+          </a:p>
+        </p:txBody>
+      </p:sp>
+      <p:sp>
+        <p:nvSpPr>
+          <p:cNvPr id="3" name="Content Placeholder 2">
+            <a:extLst>
+              <a:ext uri="{FF2B5EF4-FFF2-40B4-BE49-F238E27FC236}">
+                <a16:creationId xmlns:a16="http://schemas.microsoft.com/office/drawing/2014/main" id="{13176BC2-101A-49EA-BE63-3802ACB92CEF}"/>
+              </a:ext>
+            </a:extLst>
+          </p:cNvPr>
+          <p:cNvSpPr>
+            <a:spLocks noGrp="1"/>
+          </p:cNvSpPr>
+          <p:nvPr>
+            <p:ph idx="1"/>
+          </p:nvPr>
+        </p:nvSpPr>
+        <p:spPr>
+          <a:xfrm>
+            <a:off x="522000" y="764704"/>
+            <a:ext cx="8100000" cy="5175297"/>
+          </a:xfrm>
+        </p:spPr>
+        <p:txBody>
+          <a:bodyPr/>
+          <a:lstStyle/>
+          <a:p>
+            <a:endParaRPr lang="en-US" altLang="en-US" dirty="0">
+              <a:cs typeface="Calibri" panose="020F0502020204030204" pitchFamily="34" charset="0"/>
+            </a:endParaRPr>
+          </a:p>
+          <a:p>
+            <a:pPr marL="0" lvl="1" indent="0" algn="ctr">
+              <a:buClr>
+                <a:schemeClr val="tx2"/>
+              </a:buClr>
+              <a:buNone/>
+            </a:pPr>
+            <a:r>
+              <a:rPr lang="en-US" sz="3200" dirty="0">
+                <a:effectLst>
+                  <a:outerShdw blurRad="38100" dist="38100" dir="2700000" algn="tl">
+                    <a:srgbClr val="000000">
+                      <a:alpha val="43137"/>
+                    </a:srgbClr>
+                  </a:outerShdw>
+                </a:effectLst>
+                <a:cs typeface="Calibri" panose="020F0502020204030204" pitchFamily="34" charset="0"/>
+              </a:rPr>
+              <a:t>Meta-analysis</a:t>
+            </a:r>
+            <a:endParaRPr lang="en-GB" sz="3200" dirty="0">
+              <a:effectLst>
+                <a:outerShdw blurRad="38100" dist="38100" dir="2700000" algn="tl">
+                  <a:srgbClr val="000000">
+                    <a:alpha val="43137"/>
+                  </a:srgbClr>
+                </a:outerShdw>
+              </a:effectLst>
+              <a:cs typeface="Calibri" panose="020F0502020204030204" pitchFamily="34" charset="0"/>
+            </a:endParaRPr>
+          </a:p>
+          <a:p>
+            <a:endParaRPr lang="en-GB" dirty="0"/>
+          </a:p>
+          <a:p>
+            <a:r>
+              <a:rPr lang="en-GB" dirty="0"/>
+              <a:t>We can combine a number of aggregated data, in order:</a:t>
+            </a:r>
+          </a:p>
+          <a:p>
+            <a:pPr lvl="1"/>
+            <a:r>
+              <a:rPr lang="en-GB" dirty="0"/>
+              <a:t>Observe the consistency of a treatment effect </a:t>
+            </a:r>
+          </a:p>
+          <a:p>
+            <a:pPr lvl="1"/>
+            <a:r>
+              <a:rPr lang="en-GB" dirty="0"/>
+              <a:t>To make more powerful inferences </a:t>
+            </a:r>
+          </a:p>
+          <a:p>
+            <a:pPr lvl="1"/>
+            <a:r>
+              <a:rPr lang="en-US" altLang="en-US" dirty="0">
+                <a:cs typeface="Calibri" panose="020F0502020204030204" pitchFamily="34" charset="0"/>
+              </a:rPr>
+              <a:t>To make decisions based on more evidence</a:t>
+            </a:r>
+          </a:p>
+          <a:p>
+            <a:pPr lvl="1"/>
+            <a:endParaRPr lang="en-US" altLang="en-US" dirty="0">
+              <a:cs typeface="Calibri" panose="020F0502020204030204" pitchFamily="34" charset="0"/>
+            </a:endParaRPr>
+          </a:p>
+          <a:p>
+            <a:pPr algn="just">
+              <a:defRPr/>
+            </a:pPr>
+            <a:r>
+              <a:rPr lang="en-US" dirty="0"/>
+              <a:t>Data could be pooled quantitatively if study designs are similar in: </a:t>
+            </a:r>
+          </a:p>
+          <a:p>
+            <a:pPr lvl="1" algn="just">
+              <a:defRPr/>
+            </a:pPr>
+            <a:r>
+              <a:rPr lang="en-US" dirty="0"/>
+              <a:t>outcome definition </a:t>
+            </a:r>
+          </a:p>
+          <a:p>
+            <a:pPr lvl="1" algn="just">
+              <a:defRPr/>
+            </a:pPr>
+            <a:r>
+              <a:rPr lang="en-US" dirty="0"/>
+              <a:t>population sizes</a:t>
+            </a:r>
+          </a:p>
+          <a:p>
+            <a:pPr lvl="1" algn="just">
+              <a:defRPr/>
+            </a:pPr>
+            <a:r>
+              <a:rPr lang="en-US" dirty="0"/>
+              <a:t>population characteristics</a:t>
+            </a:r>
+          </a:p>
+          <a:p>
+            <a:pPr lvl="1" algn="just">
+              <a:defRPr/>
+            </a:pPr>
+            <a:r>
+              <a:rPr lang="en-US" dirty="0"/>
+              <a:t>interventions</a:t>
+            </a:r>
+          </a:p>
+          <a:p>
+            <a:pPr lvl="1"/>
+            <a:endParaRPr lang="en-GB" dirty="0"/>
+          </a:p>
+          <a:p>
+            <a:pPr lvl="1"/>
+            <a:endParaRPr lang="en-GB" dirty="0"/>
+          </a:p>
+        </p:txBody>
+      </p:sp>
+    </p:spTree>
+    <p:extLst>
+      <p:ext uri="{BB962C8B-B14F-4D97-AF65-F5344CB8AC3E}">
+        <p14:creationId xmlns:p14="http://schemas.microsoft.com/office/powerpoint/2010/main" val="4116968734"/>
+      </p:ext>
+    </p:extLst>
+  </p:cSld>
+  <p:clrMapOvr>
+    <a:masterClrMapping/>
+  </p:clrMapOvr>
+</p:sld>
+</file>
+
+<file path=ppt/slides/slide20.xml><?xml version="1.0" encoding="utf-8"?>
 <p:sld xmlns:a="http://schemas.openxmlformats.org/drawingml/2006/main" xmlns:r="http://schemas.openxmlformats.org/officeDocument/2006/relationships" xmlns:p="http://schemas.openxmlformats.org/presentationml/2006/main">
   <p:cSld>
     <p:spTree>
@@ -20628,7 +20562,7 @@
             <a:fld id="{AA36EAE7-42BA-44B1-984D-E091D180FF10}" type="datetime10">
               <a:rPr lang="en-US" smtClean="0"/>
               <a:pPr/>
-              <a:t>16:30</a:t>
+              <a:t>17:53</a:t>
             </a:fld>
             <a:endParaRPr lang="nl-NL"/>
           </a:p>
@@ -20656,7 +20590,7 @@
             <a:fld id="{7FC9B413-936F-403B-BC98-20250EBFF374}" type="slidenum">
               <a:rPr lang="nl-NL" smtClean="0"/>
               <a:pPr/>
-              <a:t>21</a:t>
+              <a:t>20</a:t>
             </a:fld>
             <a:endParaRPr lang="nl-NL" dirty="0"/>
           </a:p>
@@ -20772,7 +20706,7 @@
 </p:sld>
 </file>
 
-<file path=ppt/slides/slide22.xml><?xml version="1.0" encoding="utf-8"?>
+<file path=ppt/slides/slide21.xml><?xml version="1.0" encoding="utf-8"?>
 <p:sld xmlns:a="http://schemas.openxmlformats.org/drawingml/2006/main" xmlns:r="http://schemas.openxmlformats.org/officeDocument/2006/relationships" xmlns:p="http://schemas.openxmlformats.org/presentationml/2006/main">
   <p:cSld>
     <p:spTree>
@@ -20879,7 +20813,7 @@
             <a:fld id="{AA36EAE7-42BA-44B1-984D-E091D180FF10}" type="datetime10">
               <a:rPr lang="en-US" smtClean="0"/>
               <a:pPr/>
-              <a:t>16:30</a:t>
+              <a:t>17:53</a:t>
             </a:fld>
             <a:endParaRPr lang="nl-NL"/>
           </a:p>
@@ -20907,7 +20841,7 @@
             <a:fld id="{7FC9B413-936F-403B-BC98-20250EBFF374}" type="slidenum">
               <a:rPr lang="nl-NL" smtClean="0"/>
               <a:pPr/>
-              <a:t>22</a:t>
+              <a:t>21</a:t>
             </a:fld>
             <a:endParaRPr lang="nl-NL" dirty="0"/>
           </a:p>
@@ -21190,7 +21124,7 @@
 </p:sld>
 </file>
 
-<file path=ppt/slides/slide23.xml><?xml version="1.0" encoding="utf-8"?>
+<file path=ppt/slides/slide22.xml><?xml version="1.0" encoding="utf-8"?>
 <p:sld xmlns:a="http://schemas.openxmlformats.org/drawingml/2006/main" xmlns:r="http://schemas.openxmlformats.org/officeDocument/2006/relationships" xmlns:p="http://schemas.openxmlformats.org/presentationml/2006/main">
   <p:cSld>
     <p:spTree>
@@ -21561,7 +21495,7 @@
             <a:fld id="{AA36EAE7-42BA-44B1-984D-E091D180FF10}" type="datetime10">
               <a:rPr lang="en-US" smtClean="0"/>
               <a:pPr/>
-              <a:t>16:30</a:t>
+              <a:t>17:53</a:t>
             </a:fld>
             <a:endParaRPr lang="nl-NL"/>
           </a:p>
@@ -21589,7 +21523,7 @@
             <a:fld id="{7FC9B413-936F-403B-BC98-20250EBFF374}" type="slidenum">
               <a:rPr lang="nl-NL" smtClean="0"/>
               <a:pPr/>
-              <a:t>23</a:t>
+              <a:t>22</a:t>
             </a:fld>
             <a:endParaRPr lang="nl-NL" dirty="0"/>
           </a:p>
@@ -21603,7 +21537,7 @@
 </p:sld>
 </file>
 
-<file path=ppt/slides/slide24.xml><?xml version="1.0" encoding="utf-8"?>
+<file path=ppt/slides/slide23.xml><?xml version="1.0" encoding="utf-8"?>
 <p:sld xmlns:a="http://schemas.openxmlformats.org/drawingml/2006/main" xmlns:r="http://schemas.openxmlformats.org/officeDocument/2006/relationships" xmlns:p="http://schemas.openxmlformats.org/presentationml/2006/main">
   <p:cSld>
     <p:spTree>
@@ -21924,7 +21858,7 @@
             <a:fld id="{AA36EAE7-42BA-44B1-984D-E091D180FF10}" type="datetime10">
               <a:rPr lang="en-US" smtClean="0"/>
               <a:pPr/>
-              <a:t>16:30</a:t>
+              <a:t>17:53</a:t>
             </a:fld>
             <a:endParaRPr lang="nl-NL"/>
           </a:p>
@@ -21952,7 +21886,7 @@
             <a:fld id="{7FC9B413-936F-403B-BC98-20250EBFF374}" type="slidenum">
               <a:rPr lang="nl-NL" smtClean="0"/>
               <a:pPr/>
-              <a:t>24</a:t>
+              <a:t>23</a:t>
             </a:fld>
             <a:endParaRPr lang="nl-NL" dirty="0"/>
           </a:p>
@@ -22112,7 +22046,7 @@
 </p:sld>
 </file>
 
-<file path=ppt/slides/slide25.xml><?xml version="1.0" encoding="utf-8"?>
+<file path=ppt/slides/slide24.xml><?xml version="1.0" encoding="utf-8"?>
 <p:sld xmlns:a="http://schemas.openxmlformats.org/drawingml/2006/main" xmlns:r="http://schemas.openxmlformats.org/officeDocument/2006/relationships" xmlns:p="http://schemas.openxmlformats.org/presentationml/2006/main">
   <p:cSld>
     <p:spTree>
@@ -22207,7 +22141,7 @@
             <a:fld id="{AA36EAE7-42BA-44B1-984D-E091D180FF10}" type="datetime10">
               <a:rPr lang="en-US" smtClean="0"/>
               <a:pPr/>
-              <a:t>16:30</a:t>
+              <a:t>17:53</a:t>
             </a:fld>
             <a:endParaRPr lang="nl-NL"/>
           </a:p>
@@ -22235,7 +22169,7 @@
             <a:fld id="{7FC9B413-936F-403B-BC98-20250EBFF374}" type="slidenum">
               <a:rPr lang="nl-NL" smtClean="0"/>
               <a:pPr/>
-              <a:t>25</a:t>
+              <a:t>24</a:t>
             </a:fld>
             <a:endParaRPr lang="nl-NL" dirty="0"/>
           </a:p>
@@ -22654,7 +22588,7 @@
 </p:sld>
 </file>
 
-<file path=ppt/slides/slide26.xml><?xml version="1.0" encoding="utf-8"?>
+<file path=ppt/slides/slide25.xml><?xml version="1.0" encoding="utf-8"?>
 <p:sld xmlns:a="http://schemas.openxmlformats.org/drawingml/2006/main" xmlns:r="http://schemas.openxmlformats.org/officeDocument/2006/relationships" xmlns:p="http://schemas.openxmlformats.org/presentationml/2006/main">
   <p:cSld>
     <p:spTree>
@@ -22732,7 +22666,7 @@
             <a:fld id="{AA36EAE7-42BA-44B1-984D-E091D180FF10}" type="datetime10">
               <a:rPr lang="en-US" smtClean="0"/>
               <a:pPr/>
-              <a:t>16:30</a:t>
+              <a:t>17:53</a:t>
             </a:fld>
             <a:endParaRPr lang="nl-NL"/>
           </a:p>
@@ -22764,7 +22698,7 @@
             <a:fld id="{7FC9B413-936F-403B-BC98-20250EBFF374}" type="slidenum">
               <a:rPr lang="nl-NL" smtClean="0"/>
               <a:pPr/>
-              <a:t>26</a:t>
+              <a:t>25</a:t>
             </a:fld>
             <a:endParaRPr lang="nl-NL" dirty="0"/>
           </a:p>
@@ -22806,7 +22740,7 @@
 </p:sld>
 </file>
 
-<file path=ppt/slides/slide27.xml><?xml version="1.0" encoding="utf-8"?>
+<file path=ppt/slides/slide26.xml><?xml version="1.0" encoding="utf-8"?>
 <p:sld xmlns:a="http://schemas.openxmlformats.org/drawingml/2006/main" xmlns:r="http://schemas.openxmlformats.org/officeDocument/2006/relationships" xmlns:p="http://schemas.openxmlformats.org/presentationml/2006/main">
   <p:cSld>
     <p:spTree>
@@ -22964,7 +22898,7 @@
             <a:fld id="{AA36EAE7-42BA-44B1-984D-E091D180FF10}" type="datetime10">
               <a:rPr lang="en-US" smtClean="0"/>
               <a:pPr/>
-              <a:t>16:30</a:t>
+              <a:t>17:53</a:t>
             </a:fld>
             <a:endParaRPr lang="nl-NL"/>
           </a:p>
@@ -22992,7 +22926,7 @@
             <a:fld id="{7FC9B413-936F-403B-BC98-20250EBFF374}" type="slidenum">
               <a:rPr lang="nl-NL" smtClean="0"/>
               <a:pPr/>
-              <a:t>27</a:t>
+              <a:t>26</a:t>
             </a:fld>
             <a:endParaRPr lang="nl-NL" dirty="0"/>
           </a:p>
@@ -23157,7 +23091,7 @@
                 <a:tabLst/>
                 <a:defRPr/>
               </a:pPr>
-              <a:t>16:30</a:t>
+              <a:t>17:53</a:t>
             </a:fld>
             <a:endParaRPr kumimoji="0" lang="nl-NL" sz="1000" b="0" i="0" u="none" strike="noStrike" kern="1200" cap="none" spc="0" normalizeH="0" baseline="0" noProof="0">
               <a:ln>
@@ -23263,7 +23197,7 @@
                 <a:tabLst/>
                 <a:defRPr/>
               </a:pPr>
-              <a:t>27</a:t>
+              <a:t>26</a:t>
             </a:fld>
             <a:endParaRPr kumimoji="0" lang="nl-NL" sz="1000" b="0" i="0" u="none" strike="noStrike" kern="1200" cap="none" spc="0" normalizeH="0" baseline="0" noProof="0" dirty="0">
               <a:ln>
@@ -23290,7 +23224,7 @@
 </p:sld>
 </file>
 
-<file path=ppt/slides/slide28.xml><?xml version="1.0" encoding="utf-8"?>
+<file path=ppt/slides/slide27.xml><?xml version="1.0" encoding="utf-8"?>
 <p:sld xmlns:a="http://schemas.openxmlformats.org/drawingml/2006/main" xmlns:r="http://schemas.openxmlformats.org/officeDocument/2006/relationships" xmlns:p="http://schemas.openxmlformats.org/presentationml/2006/main">
   <p:cSld>
     <p:spTree>
@@ -23359,7 +23293,7 @@
             <a:fld id="{AA36EAE7-42BA-44B1-984D-E091D180FF10}" type="datetime10">
               <a:rPr lang="en-US" smtClean="0"/>
               <a:pPr/>
-              <a:t>16:30</a:t>
+              <a:t>17:53</a:t>
             </a:fld>
             <a:endParaRPr lang="nl-NL"/>
           </a:p>
@@ -23536,7 +23470,7 @@
             <a:fld id="{7FC9B413-936F-403B-BC98-20250EBFF374}" type="slidenum">
               <a:rPr lang="nl-NL" smtClean="0"/>
               <a:pPr/>
-              <a:t>28</a:t>
+              <a:t>27</a:t>
             </a:fld>
             <a:endParaRPr lang="nl-NL" dirty="0"/>
           </a:p>
@@ -23578,7 +23512,7 @@
 </p:sld>
 </file>
 
-<file path=ppt/slides/slide29.xml><?xml version="1.0" encoding="utf-8"?>
+<file path=ppt/slides/slide28.xml><?xml version="1.0" encoding="utf-8"?>
 <p:sld xmlns:a="http://schemas.openxmlformats.org/drawingml/2006/main" xmlns:r="http://schemas.openxmlformats.org/officeDocument/2006/relationships" xmlns:p="http://schemas.openxmlformats.org/presentationml/2006/main">
   <p:cSld>
     <p:spTree>
@@ -23660,7 +23594,7 @@
             <a:fld id="{AA36EAE7-42BA-44B1-984D-E091D180FF10}" type="datetime10">
               <a:rPr lang="en-US" smtClean="0"/>
               <a:pPr/>
-              <a:t>16:30</a:t>
+              <a:t>17:53</a:t>
             </a:fld>
             <a:endParaRPr lang="nl-NL"/>
           </a:p>
@@ -23792,7 +23726,7 @@
             <a:fld id="{7FC9B413-936F-403B-BC98-20250EBFF374}" type="slidenum">
               <a:rPr lang="nl-NL" smtClean="0"/>
               <a:pPr/>
-              <a:t>29</a:t>
+              <a:t>28</a:t>
             </a:fld>
             <a:endParaRPr lang="nl-NL" dirty="0"/>
           </a:p>
@@ -24276,7 +24210,7 @@
                             </p:stCondLst>
                             <p:childTnLst>
                               <p:par>
-                                <p:cTn id="5" presetID="2" presetClass="entr" presetSubtype="4" fill="hold" nodeType="clickEffect">
+                                <p:cTn id="5" presetID="2" presetClass="entr" presetSubtype="4" fill="hold" grpId="0" nodeType="clickEffect">
                                   <p:stCondLst>
                                     <p:cond delay="0"/>
                                   </p:stCondLst>
@@ -24289,11 +24223,7 @@
                                           </p:stCondLst>
                                         </p:cTn>
                                         <p:tgtEl>
-                                          <p:spTgt spid="3">
-                                            <p:txEl>
-                                              <p:pRg st="12" end="12"/>
-                                            </p:txEl>
-                                          </p:spTgt>
+                                          <p:spTgt spid="4"/>
                                         </p:tgtEl>
                                         <p:attrNameLst>
                                           <p:attrName>style.visibility</p:attrName>
@@ -24307,11 +24237,7 @@
                                       <p:cBhvr additive="base">
                                         <p:cTn id="7" dur="500" fill="hold"/>
                                         <p:tgtEl>
-                                          <p:spTgt spid="3">
-                                            <p:txEl>
-                                              <p:pRg st="12" end="12"/>
-                                            </p:txEl>
-                                          </p:spTgt>
+                                          <p:spTgt spid="4"/>
                                         </p:tgtEl>
                                         <p:attrNameLst>
                                           <p:attrName>ppt_x</p:attrName>
@@ -24334,11 +24260,98 @@
                                       <p:cBhvr additive="base">
                                         <p:cTn id="8" dur="500" fill="hold"/>
                                         <p:tgtEl>
-                                          <p:spTgt spid="3">
-                                            <p:txEl>
-                                              <p:pRg st="12" end="12"/>
-                                            </p:txEl>
-                                          </p:spTgt>
+                                          <p:spTgt spid="4"/>
+                                        </p:tgtEl>
+                                        <p:attrNameLst>
+                                          <p:attrName>ppt_y</p:attrName>
+                                        </p:attrNameLst>
+                                      </p:cBhvr>
+                                      <p:tavLst>
+                                        <p:tav tm="0">
+                                          <p:val>
+                                            <p:strVal val="1+#ppt_h/2"/>
+                                          </p:val>
+                                        </p:tav>
+                                        <p:tav tm="100000">
+                                          <p:val>
+                                            <p:strVal val="#ppt_y"/>
+                                          </p:val>
+                                        </p:tav>
+                                      </p:tavLst>
+                                    </p:anim>
+                                  </p:childTnLst>
+                                </p:cTn>
+                              </p:par>
+                            </p:childTnLst>
+                          </p:cTn>
+                        </p:par>
+                      </p:childTnLst>
+                    </p:cTn>
+                  </p:par>
+                  <p:par>
+                    <p:cTn id="9" fill="hold">
+                      <p:stCondLst>
+                        <p:cond delay="indefinite"/>
+                      </p:stCondLst>
+                      <p:childTnLst>
+                        <p:par>
+                          <p:cTn id="10" fill="hold">
+                            <p:stCondLst>
+                              <p:cond delay="0"/>
+                            </p:stCondLst>
+                            <p:childTnLst>
+                              <p:par>
+                                <p:cTn id="11" presetID="2" presetClass="entr" presetSubtype="4" fill="hold" grpId="0" nodeType="clickEffect">
+                                  <p:stCondLst>
+                                    <p:cond delay="0"/>
+                                  </p:stCondLst>
+                                  <p:childTnLst>
+                                    <p:set>
+                                      <p:cBhvr>
+                                        <p:cTn id="12" dur="1" fill="hold">
+                                          <p:stCondLst>
+                                            <p:cond delay="0"/>
+                                          </p:stCondLst>
+                                        </p:cTn>
+                                        <p:tgtEl>
+                                          <p:spTgt spid="5"/>
+                                        </p:tgtEl>
+                                        <p:attrNameLst>
+                                          <p:attrName>style.visibility</p:attrName>
+                                        </p:attrNameLst>
+                                      </p:cBhvr>
+                                      <p:to>
+                                        <p:strVal val="visible"/>
+                                      </p:to>
+                                    </p:set>
+                                    <p:anim calcmode="lin" valueType="num">
+                                      <p:cBhvr additive="base">
+                                        <p:cTn id="13" dur="500" fill="hold"/>
+                                        <p:tgtEl>
+                                          <p:spTgt spid="5"/>
+                                        </p:tgtEl>
+                                        <p:attrNameLst>
+                                          <p:attrName>ppt_x</p:attrName>
+                                        </p:attrNameLst>
+                                      </p:cBhvr>
+                                      <p:tavLst>
+                                        <p:tav tm="0">
+                                          <p:val>
+                                            <p:strVal val="#ppt_x"/>
+                                          </p:val>
+                                        </p:tav>
+                                        <p:tav tm="100000">
+                                          <p:val>
+                                            <p:strVal val="#ppt_x"/>
+                                          </p:val>
+                                        </p:tav>
+                                      </p:tavLst>
+                                    </p:anim>
+                                    <p:anim calcmode="lin" valueType="num">
+                                      <p:cBhvr additive="base">
+                                        <p:cTn id="14" dur="500" fill="hold"/>
+                                        <p:tgtEl>
+                                          <p:spTgt spid="5"/>
                                         </p:tgtEl>
                                         <p:attrNameLst>
                                           <p:attrName>ppt_y</p:attrName>
@@ -24387,6 +24400,10 @@
         </p:cTn>
       </p:par>
     </p:tnLst>
+    <p:bldLst>
+      <p:bldP spid="4" grpId="0" animBg="1"/>
+      <p:bldP spid="5" grpId="0" animBg="1"/>
+    </p:bldLst>
   </p:timing>
 </p:sld>
 </file>
@@ -24420,7 +24437,7 @@
         </p:nvSpPr>
         <p:spPr>
           <a:xfrm>
-            <a:off x="522000" y="692696"/>
+            <a:off x="522000" y="116632"/>
             <a:ext cx="8100000" cy="533400"/>
           </a:xfrm>
         </p:spPr>
@@ -24452,8 +24469,8 @@
         </p:blipFill>
         <p:spPr bwMode="auto">
           <a:xfrm>
-            <a:off x="467543" y="1340768"/>
-            <a:ext cx="8379245" cy="4685094"/>
+            <a:off x="467543" y="980728"/>
+            <a:ext cx="8379245" cy="5045134"/>
           </a:xfrm>
           <a:prstGeom prst="rect">
             <a:avLst/>
@@ -28090,20 +28107,11 @@
                   </a:outerShdw>
                 </a:effectLst>
               </a:rPr>
-              <a:t>Means a set of things that are made of different structure, </a:t>
-            </a:r>
-          </a:p>
-          <a:p>
-            <a:pPr marL="0" indent="0" algn="ctr" fontAlgn="auto">
-              <a:spcAft>
-                <a:spcPts val="0"/>
-              </a:spcAft>
-              <a:buNone/>
-              <a:defRPr/>
-            </a:pPr>
+              <a:t>Means a set of things that are made of different structure and </a:t>
+            </a:r>
             <a:r>
               <a:rPr lang="en-US" dirty="0"/>
-              <a:t>Therefore they produce different results</a:t>
+              <a:t>therefore they produce different results</a:t>
             </a:r>
             <a:endParaRPr lang="en-US" b="1" dirty="0"/>
           </a:p>
@@ -28276,6 +28284,1298 @@
   <p:clrMapOvr>
     <a:masterClrMapping/>
   </p:clrMapOvr>
+  <p:timing>
+    <p:tnLst>
+      <p:par>
+        <p:cTn id="1" dur="indefinite" restart="never" nodeType="tmRoot">
+          <p:childTnLst>
+            <p:seq concurrent="1" nextAc="seek">
+              <p:cTn id="2" dur="indefinite" nodeType="mainSeq">
+                <p:childTnLst>
+                  <p:par>
+                    <p:cTn id="3" fill="hold">
+                      <p:stCondLst>
+                        <p:cond delay="indefinite"/>
+                      </p:stCondLst>
+                      <p:childTnLst>
+                        <p:par>
+                          <p:cTn id="4" fill="hold">
+                            <p:stCondLst>
+                              <p:cond delay="0"/>
+                            </p:stCondLst>
+                            <p:childTnLst>
+                              <p:par>
+                                <p:cTn id="5" presetID="2" presetClass="entr" presetSubtype="4" fill="hold" nodeType="clickEffect">
+                                  <p:stCondLst>
+                                    <p:cond delay="0"/>
+                                  </p:stCondLst>
+                                  <p:childTnLst>
+                                    <p:set>
+                                      <p:cBhvr>
+                                        <p:cTn id="6" dur="1" fill="hold">
+                                          <p:stCondLst>
+                                            <p:cond delay="0"/>
+                                          </p:stCondLst>
+                                        </p:cTn>
+                                        <p:tgtEl>
+                                          <p:spTgt spid="3">
+                                            <p:txEl>
+                                              <p:pRg st="0" end="0"/>
+                                            </p:txEl>
+                                          </p:spTgt>
+                                        </p:tgtEl>
+                                        <p:attrNameLst>
+                                          <p:attrName>style.visibility</p:attrName>
+                                        </p:attrNameLst>
+                                      </p:cBhvr>
+                                      <p:to>
+                                        <p:strVal val="visible"/>
+                                      </p:to>
+                                    </p:set>
+                                    <p:anim calcmode="lin" valueType="num">
+                                      <p:cBhvr additive="base">
+                                        <p:cTn id="7" dur="500" fill="hold"/>
+                                        <p:tgtEl>
+                                          <p:spTgt spid="3">
+                                            <p:txEl>
+                                              <p:pRg st="0" end="0"/>
+                                            </p:txEl>
+                                          </p:spTgt>
+                                        </p:tgtEl>
+                                        <p:attrNameLst>
+                                          <p:attrName>ppt_x</p:attrName>
+                                        </p:attrNameLst>
+                                      </p:cBhvr>
+                                      <p:tavLst>
+                                        <p:tav tm="0">
+                                          <p:val>
+                                            <p:strVal val="#ppt_x"/>
+                                          </p:val>
+                                        </p:tav>
+                                        <p:tav tm="100000">
+                                          <p:val>
+                                            <p:strVal val="#ppt_x"/>
+                                          </p:val>
+                                        </p:tav>
+                                      </p:tavLst>
+                                    </p:anim>
+                                    <p:anim calcmode="lin" valueType="num">
+                                      <p:cBhvr additive="base">
+                                        <p:cTn id="8" dur="500" fill="hold"/>
+                                        <p:tgtEl>
+                                          <p:spTgt spid="3">
+                                            <p:txEl>
+                                              <p:pRg st="0" end="0"/>
+                                            </p:txEl>
+                                          </p:spTgt>
+                                        </p:tgtEl>
+                                        <p:attrNameLst>
+                                          <p:attrName>ppt_y</p:attrName>
+                                        </p:attrNameLst>
+                                      </p:cBhvr>
+                                      <p:tavLst>
+                                        <p:tav tm="0">
+                                          <p:val>
+                                            <p:strVal val="1+#ppt_h/2"/>
+                                          </p:val>
+                                        </p:tav>
+                                        <p:tav tm="100000">
+                                          <p:val>
+                                            <p:strVal val="#ppt_y"/>
+                                          </p:val>
+                                        </p:tav>
+                                      </p:tavLst>
+                                    </p:anim>
+                                  </p:childTnLst>
+                                </p:cTn>
+                              </p:par>
+                            </p:childTnLst>
+                          </p:cTn>
+                        </p:par>
+                      </p:childTnLst>
+                    </p:cTn>
+                  </p:par>
+                  <p:par>
+                    <p:cTn id="9" fill="hold">
+                      <p:stCondLst>
+                        <p:cond delay="indefinite"/>
+                      </p:stCondLst>
+                      <p:childTnLst>
+                        <p:par>
+                          <p:cTn id="10" fill="hold">
+                            <p:stCondLst>
+                              <p:cond delay="0"/>
+                            </p:stCondLst>
+                            <p:childTnLst>
+                              <p:par>
+                                <p:cTn id="11" presetID="2" presetClass="entr" presetSubtype="4" fill="hold" nodeType="clickEffect">
+                                  <p:stCondLst>
+                                    <p:cond delay="0"/>
+                                  </p:stCondLst>
+                                  <p:childTnLst>
+                                    <p:set>
+                                      <p:cBhvr>
+                                        <p:cTn id="12" dur="1" fill="hold">
+                                          <p:stCondLst>
+                                            <p:cond delay="0"/>
+                                          </p:stCondLst>
+                                        </p:cTn>
+                                        <p:tgtEl>
+                                          <p:spTgt spid="3">
+                                            <p:txEl>
+                                              <p:pRg st="1" end="1"/>
+                                            </p:txEl>
+                                          </p:spTgt>
+                                        </p:tgtEl>
+                                        <p:attrNameLst>
+                                          <p:attrName>style.visibility</p:attrName>
+                                        </p:attrNameLst>
+                                      </p:cBhvr>
+                                      <p:to>
+                                        <p:strVal val="visible"/>
+                                      </p:to>
+                                    </p:set>
+                                    <p:anim calcmode="lin" valueType="num">
+                                      <p:cBhvr additive="base">
+                                        <p:cTn id="13" dur="500" fill="hold"/>
+                                        <p:tgtEl>
+                                          <p:spTgt spid="3">
+                                            <p:txEl>
+                                              <p:pRg st="1" end="1"/>
+                                            </p:txEl>
+                                          </p:spTgt>
+                                        </p:tgtEl>
+                                        <p:attrNameLst>
+                                          <p:attrName>ppt_x</p:attrName>
+                                        </p:attrNameLst>
+                                      </p:cBhvr>
+                                      <p:tavLst>
+                                        <p:tav tm="0">
+                                          <p:val>
+                                            <p:strVal val="#ppt_x"/>
+                                          </p:val>
+                                        </p:tav>
+                                        <p:tav tm="100000">
+                                          <p:val>
+                                            <p:strVal val="#ppt_x"/>
+                                          </p:val>
+                                        </p:tav>
+                                      </p:tavLst>
+                                    </p:anim>
+                                    <p:anim calcmode="lin" valueType="num">
+                                      <p:cBhvr additive="base">
+                                        <p:cTn id="14" dur="500" fill="hold"/>
+                                        <p:tgtEl>
+                                          <p:spTgt spid="3">
+                                            <p:txEl>
+                                              <p:pRg st="1" end="1"/>
+                                            </p:txEl>
+                                          </p:spTgt>
+                                        </p:tgtEl>
+                                        <p:attrNameLst>
+                                          <p:attrName>ppt_y</p:attrName>
+                                        </p:attrNameLst>
+                                      </p:cBhvr>
+                                      <p:tavLst>
+                                        <p:tav tm="0">
+                                          <p:val>
+                                            <p:strVal val="1+#ppt_h/2"/>
+                                          </p:val>
+                                        </p:tav>
+                                        <p:tav tm="100000">
+                                          <p:val>
+                                            <p:strVal val="#ppt_y"/>
+                                          </p:val>
+                                        </p:tav>
+                                      </p:tavLst>
+                                    </p:anim>
+                                  </p:childTnLst>
+                                </p:cTn>
+                              </p:par>
+                            </p:childTnLst>
+                          </p:cTn>
+                        </p:par>
+                      </p:childTnLst>
+                    </p:cTn>
+                  </p:par>
+                  <p:par>
+                    <p:cTn id="15" fill="hold">
+                      <p:stCondLst>
+                        <p:cond delay="indefinite"/>
+                      </p:stCondLst>
+                      <p:childTnLst>
+                        <p:par>
+                          <p:cTn id="16" fill="hold">
+                            <p:stCondLst>
+                              <p:cond delay="0"/>
+                            </p:stCondLst>
+                            <p:childTnLst>
+                              <p:par>
+                                <p:cTn id="17" presetID="2" presetClass="entr" presetSubtype="4" fill="hold" nodeType="clickEffect">
+                                  <p:stCondLst>
+                                    <p:cond delay="0"/>
+                                  </p:stCondLst>
+                                  <p:childTnLst>
+                                    <p:set>
+                                      <p:cBhvr>
+                                        <p:cTn id="18" dur="1" fill="hold">
+                                          <p:stCondLst>
+                                            <p:cond delay="0"/>
+                                          </p:stCondLst>
+                                        </p:cTn>
+                                        <p:tgtEl>
+                                          <p:spTgt spid="3">
+                                            <p:txEl>
+                                              <p:pRg st="2" end="2"/>
+                                            </p:txEl>
+                                          </p:spTgt>
+                                        </p:tgtEl>
+                                        <p:attrNameLst>
+                                          <p:attrName>style.visibility</p:attrName>
+                                        </p:attrNameLst>
+                                      </p:cBhvr>
+                                      <p:to>
+                                        <p:strVal val="visible"/>
+                                      </p:to>
+                                    </p:set>
+                                    <p:anim calcmode="lin" valueType="num">
+                                      <p:cBhvr additive="base">
+                                        <p:cTn id="19" dur="500" fill="hold"/>
+                                        <p:tgtEl>
+                                          <p:spTgt spid="3">
+                                            <p:txEl>
+                                              <p:pRg st="2" end="2"/>
+                                            </p:txEl>
+                                          </p:spTgt>
+                                        </p:tgtEl>
+                                        <p:attrNameLst>
+                                          <p:attrName>ppt_x</p:attrName>
+                                        </p:attrNameLst>
+                                      </p:cBhvr>
+                                      <p:tavLst>
+                                        <p:tav tm="0">
+                                          <p:val>
+                                            <p:strVal val="#ppt_x"/>
+                                          </p:val>
+                                        </p:tav>
+                                        <p:tav tm="100000">
+                                          <p:val>
+                                            <p:strVal val="#ppt_x"/>
+                                          </p:val>
+                                        </p:tav>
+                                      </p:tavLst>
+                                    </p:anim>
+                                    <p:anim calcmode="lin" valueType="num">
+                                      <p:cBhvr additive="base">
+                                        <p:cTn id="20" dur="500" fill="hold"/>
+                                        <p:tgtEl>
+                                          <p:spTgt spid="3">
+                                            <p:txEl>
+                                              <p:pRg st="2" end="2"/>
+                                            </p:txEl>
+                                          </p:spTgt>
+                                        </p:tgtEl>
+                                        <p:attrNameLst>
+                                          <p:attrName>ppt_y</p:attrName>
+                                        </p:attrNameLst>
+                                      </p:cBhvr>
+                                      <p:tavLst>
+                                        <p:tav tm="0">
+                                          <p:val>
+                                            <p:strVal val="1+#ppt_h/2"/>
+                                          </p:val>
+                                        </p:tav>
+                                        <p:tav tm="100000">
+                                          <p:val>
+                                            <p:strVal val="#ppt_y"/>
+                                          </p:val>
+                                        </p:tav>
+                                      </p:tavLst>
+                                    </p:anim>
+                                  </p:childTnLst>
+                                </p:cTn>
+                              </p:par>
+                              <p:par>
+                                <p:cTn id="21" presetID="2" presetClass="entr" presetSubtype="4" fill="hold" nodeType="withEffect">
+                                  <p:stCondLst>
+                                    <p:cond delay="0"/>
+                                  </p:stCondLst>
+                                  <p:childTnLst>
+                                    <p:set>
+                                      <p:cBhvr>
+                                        <p:cTn id="22" dur="1" fill="hold">
+                                          <p:stCondLst>
+                                            <p:cond delay="0"/>
+                                          </p:stCondLst>
+                                        </p:cTn>
+                                        <p:tgtEl>
+                                          <p:spTgt spid="3">
+                                            <p:txEl>
+                                              <p:pRg st="3" end="3"/>
+                                            </p:txEl>
+                                          </p:spTgt>
+                                        </p:tgtEl>
+                                        <p:attrNameLst>
+                                          <p:attrName>style.visibility</p:attrName>
+                                        </p:attrNameLst>
+                                      </p:cBhvr>
+                                      <p:to>
+                                        <p:strVal val="visible"/>
+                                      </p:to>
+                                    </p:set>
+                                    <p:anim calcmode="lin" valueType="num">
+                                      <p:cBhvr additive="base">
+                                        <p:cTn id="23" dur="500" fill="hold"/>
+                                        <p:tgtEl>
+                                          <p:spTgt spid="3">
+                                            <p:txEl>
+                                              <p:pRg st="3" end="3"/>
+                                            </p:txEl>
+                                          </p:spTgt>
+                                        </p:tgtEl>
+                                        <p:attrNameLst>
+                                          <p:attrName>ppt_x</p:attrName>
+                                        </p:attrNameLst>
+                                      </p:cBhvr>
+                                      <p:tavLst>
+                                        <p:tav tm="0">
+                                          <p:val>
+                                            <p:strVal val="#ppt_x"/>
+                                          </p:val>
+                                        </p:tav>
+                                        <p:tav tm="100000">
+                                          <p:val>
+                                            <p:strVal val="#ppt_x"/>
+                                          </p:val>
+                                        </p:tav>
+                                      </p:tavLst>
+                                    </p:anim>
+                                    <p:anim calcmode="lin" valueType="num">
+                                      <p:cBhvr additive="base">
+                                        <p:cTn id="24" dur="500" fill="hold"/>
+                                        <p:tgtEl>
+                                          <p:spTgt spid="3">
+                                            <p:txEl>
+                                              <p:pRg st="3" end="3"/>
+                                            </p:txEl>
+                                          </p:spTgt>
+                                        </p:tgtEl>
+                                        <p:attrNameLst>
+                                          <p:attrName>ppt_y</p:attrName>
+                                        </p:attrNameLst>
+                                      </p:cBhvr>
+                                      <p:tavLst>
+                                        <p:tav tm="0">
+                                          <p:val>
+                                            <p:strVal val="1+#ppt_h/2"/>
+                                          </p:val>
+                                        </p:tav>
+                                        <p:tav tm="100000">
+                                          <p:val>
+                                            <p:strVal val="#ppt_y"/>
+                                          </p:val>
+                                        </p:tav>
+                                      </p:tavLst>
+                                    </p:anim>
+                                  </p:childTnLst>
+                                </p:cTn>
+                              </p:par>
+                              <p:par>
+                                <p:cTn id="25" presetID="2" presetClass="entr" presetSubtype="4" fill="hold" nodeType="withEffect">
+                                  <p:stCondLst>
+                                    <p:cond delay="0"/>
+                                  </p:stCondLst>
+                                  <p:childTnLst>
+                                    <p:set>
+                                      <p:cBhvr>
+                                        <p:cTn id="26" dur="1" fill="hold">
+                                          <p:stCondLst>
+                                            <p:cond delay="0"/>
+                                          </p:stCondLst>
+                                        </p:cTn>
+                                        <p:tgtEl>
+                                          <p:spTgt spid="3">
+                                            <p:txEl>
+                                              <p:pRg st="4" end="4"/>
+                                            </p:txEl>
+                                          </p:spTgt>
+                                        </p:tgtEl>
+                                        <p:attrNameLst>
+                                          <p:attrName>style.visibility</p:attrName>
+                                        </p:attrNameLst>
+                                      </p:cBhvr>
+                                      <p:to>
+                                        <p:strVal val="visible"/>
+                                      </p:to>
+                                    </p:set>
+                                    <p:anim calcmode="lin" valueType="num">
+                                      <p:cBhvr additive="base">
+                                        <p:cTn id="27" dur="500" fill="hold"/>
+                                        <p:tgtEl>
+                                          <p:spTgt spid="3">
+                                            <p:txEl>
+                                              <p:pRg st="4" end="4"/>
+                                            </p:txEl>
+                                          </p:spTgt>
+                                        </p:tgtEl>
+                                        <p:attrNameLst>
+                                          <p:attrName>ppt_x</p:attrName>
+                                        </p:attrNameLst>
+                                      </p:cBhvr>
+                                      <p:tavLst>
+                                        <p:tav tm="0">
+                                          <p:val>
+                                            <p:strVal val="#ppt_x"/>
+                                          </p:val>
+                                        </p:tav>
+                                        <p:tav tm="100000">
+                                          <p:val>
+                                            <p:strVal val="#ppt_x"/>
+                                          </p:val>
+                                        </p:tav>
+                                      </p:tavLst>
+                                    </p:anim>
+                                    <p:anim calcmode="lin" valueType="num">
+                                      <p:cBhvr additive="base">
+                                        <p:cTn id="28" dur="500" fill="hold"/>
+                                        <p:tgtEl>
+                                          <p:spTgt spid="3">
+                                            <p:txEl>
+                                              <p:pRg st="4" end="4"/>
+                                            </p:txEl>
+                                          </p:spTgt>
+                                        </p:tgtEl>
+                                        <p:attrNameLst>
+                                          <p:attrName>ppt_y</p:attrName>
+                                        </p:attrNameLst>
+                                      </p:cBhvr>
+                                      <p:tavLst>
+                                        <p:tav tm="0">
+                                          <p:val>
+                                            <p:strVal val="1+#ppt_h/2"/>
+                                          </p:val>
+                                        </p:tav>
+                                        <p:tav tm="100000">
+                                          <p:val>
+                                            <p:strVal val="#ppt_y"/>
+                                          </p:val>
+                                        </p:tav>
+                                      </p:tavLst>
+                                    </p:anim>
+                                  </p:childTnLst>
+                                </p:cTn>
+                              </p:par>
+                              <p:par>
+                                <p:cTn id="29" presetID="2" presetClass="entr" presetSubtype="4" fill="hold" nodeType="withEffect">
+                                  <p:stCondLst>
+                                    <p:cond delay="0"/>
+                                  </p:stCondLst>
+                                  <p:childTnLst>
+                                    <p:set>
+                                      <p:cBhvr>
+                                        <p:cTn id="30" dur="1" fill="hold">
+                                          <p:stCondLst>
+                                            <p:cond delay="0"/>
+                                          </p:stCondLst>
+                                        </p:cTn>
+                                        <p:tgtEl>
+                                          <p:spTgt spid="3">
+                                            <p:txEl>
+                                              <p:pRg st="5" end="5"/>
+                                            </p:txEl>
+                                          </p:spTgt>
+                                        </p:tgtEl>
+                                        <p:attrNameLst>
+                                          <p:attrName>style.visibility</p:attrName>
+                                        </p:attrNameLst>
+                                      </p:cBhvr>
+                                      <p:to>
+                                        <p:strVal val="visible"/>
+                                      </p:to>
+                                    </p:set>
+                                    <p:anim calcmode="lin" valueType="num">
+                                      <p:cBhvr additive="base">
+                                        <p:cTn id="31" dur="500" fill="hold"/>
+                                        <p:tgtEl>
+                                          <p:spTgt spid="3">
+                                            <p:txEl>
+                                              <p:pRg st="5" end="5"/>
+                                            </p:txEl>
+                                          </p:spTgt>
+                                        </p:tgtEl>
+                                        <p:attrNameLst>
+                                          <p:attrName>ppt_x</p:attrName>
+                                        </p:attrNameLst>
+                                      </p:cBhvr>
+                                      <p:tavLst>
+                                        <p:tav tm="0">
+                                          <p:val>
+                                            <p:strVal val="#ppt_x"/>
+                                          </p:val>
+                                        </p:tav>
+                                        <p:tav tm="100000">
+                                          <p:val>
+                                            <p:strVal val="#ppt_x"/>
+                                          </p:val>
+                                        </p:tav>
+                                      </p:tavLst>
+                                    </p:anim>
+                                    <p:anim calcmode="lin" valueType="num">
+                                      <p:cBhvr additive="base">
+                                        <p:cTn id="32" dur="500" fill="hold"/>
+                                        <p:tgtEl>
+                                          <p:spTgt spid="3">
+                                            <p:txEl>
+                                              <p:pRg st="5" end="5"/>
+                                            </p:txEl>
+                                          </p:spTgt>
+                                        </p:tgtEl>
+                                        <p:attrNameLst>
+                                          <p:attrName>ppt_y</p:attrName>
+                                        </p:attrNameLst>
+                                      </p:cBhvr>
+                                      <p:tavLst>
+                                        <p:tav tm="0">
+                                          <p:val>
+                                            <p:strVal val="1+#ppt_h/2"/>
+                                          </p:val>
+                                        </p:tav>
+                                        <p:tav tm="100000">
+                                          <p:val>
+                                            <p:strVal val="#ppt_y"/>
+                                          </p:val>
+                                        </p:tav>
+                                      </p:tavLst>
+                                    </p:anim>
+                                  </p:childTnLst>
+                                </p:cTn>
+                              </p:par>
+                              <p:par>
+                                <p:cTn id="33" presetID="2" presetClass="entr" presetSubtype="4" fill="hold" nodeType="withEffect">
+                                  <p:stCondLst>
+                                    <p:cond delay="0"/>
+                                  </p:stCondLst>
+                                  <p:childTnLst>
+                                    <p:set>
+                                      <p:cBhvr>
+                                        <p:cTn id="34" dur="1" fill="hold">
+                                          <p:stCondLst>
+                                            <p:cond delay="0"/>
+                                          </p:stCondLst>
+                                        </p:cTn>
+                                        <p:tgtEl>
+                                          <p:spTgt spid="3">
+                                            <p:txEl>
+                                              <p:pRg st="6" end="6"/>
+                                            </p:txEl>
+                                          </p:spTgt>
+                                        </p:tgtEl>
+                                        <p:attrNameLst>
+                                          <p:attrName>style.visibility</p:attrName>
+                                        </p:attrNameLst>
+                                      </p:cBhvr>
+                                      <p:to>
+                                        <p:strVal val="visible"/>
+                                      </p:to>
+                                    </p:set>
+                                    <p:anim calcmode="lin" valueType="num">
+                                      <p:cBhvr additive="base">
+                                        <p:cTn id="35" dur="500" fill="hold"/>
+                                        <p:tgtEl>
+                                          <p:spTgt spid="3">
+                                            <p:txEl>
+                                              <p:pRg st="6" end="6"/>
+                                            </p:txEl>
+                                          </p:spTgt>
+                                        </p:tgtEl>
+                                        <p:attrNameLst>
+                                          <p:attrName>ppt_x</p:attrName>
+                                        </p:attrNameLst>
+                                      </p:cBhvr>
+                                      <p:tavLst>
+                                        <p:tav tm="0">
+                                          <p:val>
+                                            <p:strVal val="#ppt_x"/>
+                                          </p:val>
+                                        </p:tav>
+                                        <p:tav tm="100000">
+                                          <p:val>
+                                            <p:strVal val="#ppt_x"/>
+                                          </p:val>
+                                        </p:tav>
+                                      </p:tavLst>
+                                    </p:anim>
+                                    <p:anim calcmode="lin" valueType="num">
+                                      <p:cBhvr additive="base">
+                                        <p:cTn id="36" dur="500" fill="hold"/>
+                                        <p:tgtEl>
+                                          <p:spTgt spid="3">
+                                            <p:txEl>
+                                              <p:pRg st="6" end="6"/>
+                                            </p:txEl>
+                                          </p:spTgt>
+                                        </p:tgtEl>
+                                        <p:attrNameLst>
+                                          <p:attrName>ppt_y</p:attrName>
+                                        </p:attrNameLst>
+                                      </p:cBhvr>
+                                      <p:tavLst>
+                                        <p:tav tm="0">
+                                          <p:val>
+                                            <p:strVal val="1+#ppt_h/2"/>
+                                          </p:val>
+                                        </p:tav>
+                                        <p:tav tm="100000">
+                                          <p:val>
+                                            <p:strVal val="#ppt_y"/>
+                                          </p:val>
+                                        </p:tav>
+                                      </p:tavLst>
+                                    </p:anim>
+                                  </p:childTnLst>
+                                </p:cTn>
+                              </p:par>
+                              <p:par>
+                                <p:cTn id="37" presetID="2" presetClass="entr" presetSubtype="4" fill="hold" nodeType="withEffect">
+                                  <p:stCondLst>
+                                    <p:cond delay="0"/>
+                                  </p:stCondLst>
+                                  <p:childTnLst>
+                                    <p:set>
+                                      <p:cBhvr>
+                                        <p:cTn id="38" dur="1" fill="hold">
+                                          <p:stCondLst>
+                                            <p:cond delay="0"/>
+                                          </p:stCondLst>
+                                        </p:cTn>
+                                        <p:tgtEl>
+                                          <p:spTgt spid="3">
+                                            <p:txEl>
+                                              <p:pRg st="7" end="7"/>
+                                            </p:txEl>
+                                          </p:spTgt>
+                                        </p:tgtEl>
+                                        <p:attrNameLst>
+                                          <p:attrName>style.visibility</p:attrName>
+                                        </p:attrNameLst>
+                                      </p:cBhvr>
+                                      <p:to>
+                                        <p:strVal val="visible"/>
+                                      </p:to>
+                                    </p:set>
+                                    <p:anim calcmode="lin" valueType="num">
+                                      <p:cBhvr additive="base">
+                                        <p:cTn id="39" dur="500" fill="hold"/>
+                                        <p:tgtEl>
+                                          <p:spTgt spid="3">
+                                            <p:txEl>
+                                              <p:pRg st="7" end="7"/>
+                                            </p:txEl>
+                                          </p:spTgt>
+                                        </p:tgtEl>
+                                        <p:attrNameLst>
+                                          <p:attrName>ppt_x</p:attrName>
+                                        </p:attrNameLst>
+                                      </p:cBhvr>
+                                      <p:tavLst>
+                                        <p:tav tm="0">
+                                          <p:val>
+                                            <p:strVal val="#ppt_x"/>
+                                          </p:val>
+                                        </p:tav>
+                                        <p:tav tm="100000">
+                                          <p:val>
+                                            <p:strVal val="#ppt_x"/>
+                                          </p:val>
+                                        </p:tav>
+                                      </p:tavLst>
+                                    </p:anim>
+                                    <p:anim calcmode="lin" valueType="num">
+                                      <p:cBhvr additive="base">
+                                        <p:cTn id="40" dur="500" fill="hold"/>
+                                        <p:tgtEl>
+                                          <p:spTgt spid="3">
+                                            <p:txEl>
+                                              <p:pRg st="7" end="7"/>
+                                            </p:txEl>
+                                          </p:spTgt>
+                                        </p:tgtEl>
+                                        <p:attrNameLst>
+                                          <p:attrName>ppt_y</p:attrName>
+                                        </p:attrNameLst>
+                                      </p:cBhvr>
+                                      <p:tavLst>
+                                        <p:tav tm="0">
+                                          <p:val>
+                                            <p:strVal val="1+#ppt_h/2"/>
+                                          </p:val>
+                                        </p:tav>
+                                        <p:tav tm="100000">
+                                          <p:val>
+                                            <p:strVal val="#ppt_y"/>
+                                          </p:val>
+                                        </p:tav>
+                                      </p:tavLst>
+                                    </p:anim>
+                                  </p:childTnLst>
+                                </p:cTn>
+                              </p:par>
+                              <p:par>
+                                <p:cTn id="41" presetID="2" presetClass="entr" presetSubtype="4" fill="hold" nodeType="withEffect">
+                                  <p:stCondLst>
+                                    <p:cond delay="0"/>
+                                  </p:stCondLst>
+                                  <p:childTnLst>
+                                    <p:set>
+                                      <p:cBhvr>
+                                        <p:cTn id="42" dur="1" fill="hold">
+                                          <p:stCondLst>
+                                            <p:cond delay="0"/>
+                                          </p:stCondLst>
+                                        </p:cTn>
+                                        <p:tgtEl>
+                                          <p:spTgt spid="3">
+                                            <p:txEl>
+                                              <p:pRg st="8" end="8"/>
+                                            </p:txEl>
+                                          </p:spTgt>
+                                        </p:tgtEl>
+                                        <p:attrNameLst>
+                                          <p:attrName>style.visibility</p:attrName>
+                                        </p:attrNameLst>
+                                      </p:cBhvr>
+                                      <p:to>
+                                        <p:strVal val="visible"/>
+                                      </p:to>
+                                    </p:set>
+                                    <p:anim calcmode="lin" valueType="num">
+                                      <p:cBhvr additive="base">
+                                        <p:cTn id="43" dur="500" fill="hold"/>
+                                        <p:tgtEl>
+                                          <p:spTgt spid="3">
+                                            <p:txEl>
+                                              <p:pRg st="8" end="8"/>
+                                            </p:txEl>
+                                          </p:spTgt>
+                                        </p:tgtEl>
+                                        <p:attrNameLst>
+                                          <p:attrName>ppt_x</p:attrName>
+                                        </p:attrNameLst>
+                                      </p:cBhvr>
+                                      <p:tavLst>
+                                        <p:tav tm="0">
+                                          <p:val>
+                                            <p:strVal val="#ppt_x"/>
+                                          </p:val>
+                                        </p:tav>
+                                        <p:tav tm="100000">
+                                          <p:val>
+                                            <p:strVal val="#ppt_x"/>
+                                          </p:val>
+                                        </p:tav>
+                                      </p:tavLst>
+                                    </p:anim>
+                                    <p:anim calcmode="lin" valueType="num">
+                                      <p:cBhvr additive="base">
+                                        <p:cTn id="44" dur="500" fill="hold"/>
+                                        <p:tgtEl>
+                                          <p:spTgt spid="3">
+                                            <p:txEl>
+                                              <p:pRg st="8" end="8"/>
+                                            </p:txEl>
+                                          </p:spTgt>
+                                        </p:tgtEl>
+                                        <p:attrNameLst>
+                                          <p:attrName>ppt_y</p:attrName>
+                                        </p:attrNameLst>
+                                      </p:cBhvr>
+                                      <p:tavLst>
+                                        <p:tav tm="0">
+                                          <p:val>
+                                            <p:strVal val="1+#ppt_h/2"/>
+                                          </p:val>
+                                        </p:tav>
+                                        <p:tav tm="100000">
+                                          <p:val>
+                                            <p:strVal val="#ppt_y"/>
+                                          </p:val>
+                                        </p:tav>
+                                      </p:tavLst>
+                                    </p:anim>
+                                  </p:childTnLst>
+                                </p:cTn>
+                              </p:par>
+                            </p:childTnLst>
+                          </p:cTn>
+                        </p:par>
+                      </p:childTnLst>
+                    </p:cTn>
+                  </p:par>
+                  <p:par>
+                    <p:cTn id="45" fill="hold">
+                      <p:stCondLst>
+                        <p:cond delay="indefinite"/>
+                      </p:stCondLst>
+                      <p:childTnLst>
+                        <p:par>
+                          <p:cTn id="46" fill="hold">
+                            <p:stCondLst>
+                              <p:cond delay="0"/>
+                            </p:stCondLst>
+                            <p:childTnLst>
+                              <p:par>
+                                <p:cTn id="47" presetID="2" presetClass="entr" presetSubtype="4" fill="hold" nodeType="clickEffect">
+                                  <p:stCondLst>
+                                    <p:cond delay="0"/>
+                                  </p:stCondLst>
+                                  <p:childTnLst>
+                                    <p:set>
+                                      <p:cBhvr>
+                                        <p:cTn id="48" dur="1" fill="hold">
+                                          <p:stCondLst>
+                                            <p:cond delay="0"/>
+                                          </p:stCondLst>
+                                        </p:cTn>
+                                        <p:tgtEl>
+                                          <p:spTgt spid="3">
+                                            <p:txEl>
+                                              <p:pRg st="10" end="10"/>
+                                            </p:txEl>
+                                          </p:spTgt>
+                                        </p:tgtEl>
+                                        <p:attrNameLst>
+                                          <p:attrName>style.visibility</p:attrName>
+                                        </p:attrNameLst>
+                                      </p:cBhvr>
+                                      <p:to>
+                                        <p:strVal val="visible"/>
+                                      </p:to>
+                                    </p:set>
+                                    <p:anim calcmode="lin" valueType="num">
+                                      <p:cBhvr additive="base">
+                                        <p:cTn id="49" dur="500" fill="hold"/>
+                                        <p:tgtEl>
+                                          <p:spTgt spid="3">
+                                            <p:txEl>
+                                              <p:pRg st="10" end="10"/>
+                                            </p:txEl>
+                                          </p:spTgt>
+                                        </p:tgtEl>
+                                        <p:attrNameLst>
+                                          <p:attrName>ppt_x</p:attrName>
+                                        </p:attrNameLst>
+                                      </p:cBhvr>
+                                      <p:tavLst>
+                                        <p:tav tm="0">
+                                          <p:val>
+                                            <p:strVal val="#ppt_x"/>
+                                          </p:val>
+                                        </p:tav>
+                                        <p:tav tm="100000">
+                                          <p:val>
+                                            <p:strVal val="#ppt_x"/>
+                                          </p:val>
+                                        </p:tav>
+                                      </p:tavLst>
+                                    </p:anim>
+                                    <p:anim calcmode="lin" valueType="num">
+                                      <p:cBhvr additive="base">
+                                        <p:cTn id="50" dur="500" fill="hold"/>
+                                        <p:tgtEl>
+                                          <p:spTgt spid="3">
+                                            <p:txEl>
+                                              <p:pRg st="10" end="10"/>
+                                            </p:txEl>
+                                          </p:spTgt>
+                                        </p:tgtEl>
+                                        <p:attrNameLst>
+                                          <p:attrName>ppt_y</p:attrName>
+                                        </p:attrNameLst>
+                                      </p:cBhvr>
+                                      <p:tavLst>
+                                        <p:tav tm="0">
+                                          <p:val>
+                                            <p:strVal val="1+#ppt_h/2"/>
+                                          </p:val>
+                                        </p:tav>
+                                        <p:tav tm="100000">
+                                          <p:val>
+                                            <p:strVal val="#ppt_y"/>
+                                          </p:val>
+                                        </p:tav>
+                                      </p:tavLst>
+                                    </p:anim>
+                                  </p:childTnLst>
+                                </p:cTn>
+                              </p:par>
+                              <p:par>
+                                <p:cTn id="51" presetID="2" presetClass="entr" presetSubtype="4" fill="hold" nodeType="withEffect">
+                                  <p:stCondLst>
+                                    <p:cond delay="0"/>
+                                  </p:stCondLst>
+                                  <p:childTnLst>
+                                    <p:set>
+                                      <p:cBhvr>
+                                        <p:cTn id="52" dur="1" fill="hold">
+                                          <p:stCondLst>
+                                            <p:cond delay="0"/>
+                                          </p:stCondLst>
+                                        </p:cTn>
+                                        <p:tgtEl>
+                                          <p:spTgt spid="3">
+                                            <p:txEl>
+                                              <p:pRg st="11" end="11"/>
+                                            </p:txEl>
+                                          </p:spTgt>
+                                        </p:tgtEl>
+                                        <p:attrNameLst>
+                                          <p:attrName>style.visibility</p:attrName>
+                                        </p:attrNameLst>
+                                      </p:cBhvr>
+                                      <p:to>
+                                        <p:strVal val="visible"/>
+                                      </p:to>
+                                    </p:set>
+                                    <p:anim calcmode="lin" valueType="num">
+                                      <p:cBhvr additive="base">
+                                        <p:cTn id="53" dur="500" fill="hold"/>
+                                        <p:tgtEl>
+                                          <p:spTgt spid="3">
+                                            <p:txEl>
+                                              <p:pRg st="11" end="11"/>
+                                            </p:txEl>
+                                          </p:spTgt>
+                                        </p:tgtEl>
+                                        <p:attrNameLst>
+                                          <p:attrName>ppt_x</p:attrName>
+                                        </p:attrNameLst>
+                                      </p:cBhvr>
+                                      <p:tavLst>
+                                        <p:tav tm="0">
+                                          <p:val>
+                                            <p:strVal val="#ppt_x"/>
+                                          </p:val>
+                                        </p:tav>
+                                        <p:tav tm="100000">
+                                          <p:val>
+                                            <p:strVal val="#ppt_x"/>
+                                          </p:val>
+                                        </p:tav>
+                                      </p:tavLst>
+                                    </p:anim>
+                                    <p:anim calcmode="lin" valueType="num">
+                                      <p:cBhvr additive="base">
+                                        <p:cTn id="54" dur="500" fill="hold"/>
+                                        <p:tgtEl>
+                                          <p:spTgt spid="3">
+                                            <p:txEl>
+                                              <p:pRg st="11" end="11"/>
+                                            </p:txEl>
+                                          </p:spTgt>
+                                        </p:tgtEl>
+                                        <p:attrNameLst>
+                                          <p:attrName>ppt_y</p:attrName>
+                                        </p:attrNameLst>
+                                      </p:cBhvr>
+                                      <p:tavLst>
+                                        <p:tav tm="0">
+                                          <p:val>
+                                            <p:strVal val="1+#ppt_h/2"/>
+                                          </p:val>
+                                        </p:tav>
+                                        <p:tav tm="100000">
+                                          <p:val>
+                                            <p:strVal val="#ppt_y"/>
+                                          </p:val>
+                                        </p:tav>
+                                      </p:tavLst>
+                                    </p:anim>
+                                  </p:childTnLst>
+                                </p:cTn>
+                              </p:par>
+                              <p:par>
+                                <p:cTn id="55" presetID="2" presetClass="entr" presetSubtype="4" fill="hold" nodeType="withEffect">
+                                  <p:stCondLst>
+                                    <p:cond delay="0"/>
+                                  </p:stCondLst>
+                                  <p:childTnLst>
+                                    <p:set>
+                                      <p:cBhvr>
+                                        <p:cTn id="56" dur="1" fill="hold">
+                                          <p:stCondLst>
+                                            <p:cond delay="0"/>
+                                          </p:stCondLst>
+                                        </p:cTn>
+                                        <p:tgtEl>
+                                          <p:spTgt spid="3">
+                                            <p:txEl>
+                                              <p:pRg st="12" end="12"/>
+                                            </p:txEl>
+                                          </p:spTgt>
+                                        </p:tgtEl>
+                                        <p:attrNameLst>
+                                          <p:attrName>style.visibility</p:attrName>
+                                        </p:attrNameLst>
+                                      </p:cBhvr>
+                                      <p:to>
+                                        <p:strVal val="visible"/>
+                                      </p:to>
+                                    </p:set>
+                                    <p:anim calcmode="lin" valueType="num">
+                                      <p:cBhvr additive="base">
+                                        <p:cTn id="57" dur="500" fill="hold"/>
+                                        <p:tgtEl>
+                                          <p:spTgt spid="3">
+                                            <p:txEl>
+                                              <p:pRg st="12" end="12"/>
+                                            </p:txEl>
+                                          </p:spTgt>
+                                        </p:tgtEl>
+                                        <p:attrNameLst>
+                                          <p:attrName>ppt_x</p:attrName>
+                                        </p:attrNameLst>
+                                      </p:cBhvr>
+                                      <p:tavLst>
+                                        <p:tav tm="0">
+                                          <p:val>
+                                            <p:strVal val="#ppt_x"/>
+                                          </p:val>
+                                        </p:tav>
+                                        <p:tav tm="100000">
+                                          <p:val>
+                                            <p:strVal val="#ppt_x"/>
+                                          </p:val>
+                                        </p:tav>
+                                      </p:tavLst>
+                                    </p:anim>
+                                    <p:anim calcmode="lin" valueType="num">
+                                      <p:cBhvr additive="base">
+                                        <p:cTn id="58" dur="500" fill="hold"/>
+                                        <p:tgtEl>
+                                          <p:spTgt spid="3">
+                                            <p:txEl>
+                                              <p:pRg st="12" end="12"/>
+                                            </p:txEl>
+                                          </p:spTgt>
+                                        </p:tgtEl>
+                                        <p:attrNameLst>
+                                          <p:attrName>ppt_y</p:attrName>
+                                        </p:attrNameLst>
+                                      </p:cBhvr>
+                                      <p:tavLst>
+                                        <p:tav tm="0">
+                                          <p:val>
+                                            <p:strVal val="1+#ppt_h/2"/>
+                                          </p:val>
+                                        </p:tav>
+                                        <p:tav tm="100000">
+                                          <p:val>
+                                            <p:strVal val="#ppt_y"/>
+                                          </p:val>
+                                        </p:tav>
+                                      </p:tavLst>
+                                    </p:anim>
+                                  </p:childTnLst>
+                                </p:cTn>
+                              </p:par>
+                              <p:par>
+                                <p:cTn id="59" presetID="2" presetClass="entr" presetSubtype="4" fill="hold" nodeType="withEffect">
+                                  <p:stCondLst>
+                                    <p:cond delay="0"/>
+                                  </p:stCondLst>
+                                  <p:childTnLst>
+                                    <p:set>
+                                      <p:cBhvr>
+                                        <p:cTn id="60" dur="1" fill="hold">
+                                          <p:stCondLst>
+                                            <p:cond delay="0"/>
+                                          </p:stCondLst>
+                                        </p:cTn>
+                                        <p:tgtEl>
+                                          <p:spTgt spid="3">
+                                            <p:txEl>
+                                              <p:pRg st="13" end="13"/>
+                                            </p:txEl>
+                                          </p:spTgt>
+                                        </p:tgtEl>
+                                        <p:attrNameLst>
+                                          <p:attrName>style.visibility</p:attrName>
+                                        </p:attrNameLst>
+                                      </p:cBhvr>
+                                      <p:to>
+                                        <p:strVal val="visible"/>
+                                      </p:to>
+                                    </p:set>
+                                    <p:anim calcmode="lin" valueType="num">
+                                      <p:cBhvr additive="base">
+                                        <p:cTn id="61" dur="500" fill="hold"/>
+                                        <p:tgtEl>
+                                          <p:spTgt spid="3">
+                                            <p:txEl>
+                                              <p:pRg st="13" end="13"/>
+                                            </p:txEl>
+                                          </p:spTgt>
+                                        </p:tgtEl>
+                                        <p:attrNameLst>
+                                          <p:attrName>ppt_x</p:attrName>
+                                        </p:attrNameLst>
+                                      </p:cBhvr>
+                                      <p:tavLst>
+                                        <p:tav tm="0">
+                                          <p:val>
+                                            <p:strVal val="#ppt_x"/>
+                                          </p:val>
+                                        </p:tav>
+                                        <p:tav tm="100000">
+                                          <p:val>
+                                            <p:strVal val="#ppt_x"/>
+                                          </p:val>
+                                        </p:tav>
+                                      </p:tavLst>
+                                    </p:anim>
+                                    <p:anim calcmode="lin" valueType="num">
+                                      <p:cBhvr additive="base">
+                                        <p:cTn id="62" dur="500" fill="hold"/>
+                                        <p:tgtEl>
+                                          <p:spTgt spid="3">
+                                            <p:txEl>
+                                              <p:pRg st="13" end="13"/>
+                                            </p:txEl>
+                                          </p:spTgt>
+                                        </p:tgtEl>
+                                        <p:attrNameLst>
+                                          <p:attrName>ppt_y</p:attrName>
+                                        </p:attrNameLst>
+                                      </p:cBhvr>
+                                      <p:tavLst>
+                                        <p:tav tm="0">
+                                          <p:val>
+                                            <p:strVal val="1+#ppt_h/2"/>
+                                          </p:val>
+                                        </p:tav>
+                                        <p:tav tm="100000">
+                                          <p:val>
+                                            <p:strVal val="#ppt_y"/>
+                                          </p:val>
+                                        </p:tav>
+                                      </p:tavLst>
+                                    </p:anim>
+                                  </p:childTnLst>
+                                </p:cTn>
+                              </p:par>
+                              <p:par>
+                                <p:cTn id="63" presetID="2" presetClass="entr" presetSubtype="4" fill="hold" nodeType="withEffect">
+                                  <p:stCondLst>
+                                    <p:cond delay="0"/>
+                                  </p:stCondLst>
+                                  <p:childTnLst>
+                                    <p:set>
+                                      <p:cBhvr>
+                                        <p:cTn id="64" dur="1" fill="hold">
+                                          <p:stCondLst>
+                                            <p:cond delay="0"/>
+                                          </p:stCondLst>
+                                        </p:cTn>
+                                        <p:tgtEl>
+                                          <p:spTgt spid="3">
+                                            <p:txEl>
+                                              <p:pRg st="14" end="14"/>
+                                            </p:txEl>
+                                          </p:spTgt>
+                                        </p:tgtEl>
+                                        <p:attrNameLst>
+                                          <p:attrName>style.visibility</p:attrName>
+                                        </p:attrNameLst>
+                                      </p:cBhvr>
+                                      <p:to>
+                                        <p:strVal val="visible"/>
+                                      </p:to>
+                                    </p:set>
+                                    <p:anim calcmode="lin" valueType="num">
+                                      <p:cBhvr additive="base">
+                                        <p:cTn id="65" dur="500" fill="hold"/>
+                                        <p:tgtEl>
+                                          <p:spTgt spid="3">
+                                            <p:txEl>
+                                              <p:pRg st="14" end="14"/>
+                                            </p:txEl>
+                                          </p:spTgt>
+                                        </p:tgtEl>
+                                        <p:attrNameLst>
+                                          <p:attrName>ppt_x</p:attrName>
+                                        </p:attrNameLst>
+                                      </p:cBhvr>
+                                      <p:tavLst>
+                                        <p:tav tm="0">
+                                          <p:val>
+                                            <p:strVal val="#ppt_x"/>
+                                          </p:val>
+                                        </p:tav>
+                                        <p:tav tm="100000">
+                                          <p:val>
+                                            <p:strVal val="#ppt_x"/>
+                                          </p:val>
+                                        </p:tav>
+                                      </p:tavLst>
+                                    </p:anim>
+                                    <p:anim calcmode="lin" valueType="num">
+                                      <p:cBhvr additive="base">
+                                        <p:cTn id="66" dur="500" fill="hold"/>
+                                        <p:tgtEl>
+                                          <p:spTgt spid="3">
+                                            <p:txEl>
+                                              <p:pRg st="14" end="14"/>
+                                            </p:txEl>
+                                          </p:spTgt>
+                                        </p:tgtEl>
+                                        <p:attrNameLst>
+                                          <p:attrName>ppt_y</p:attrName>
+                                        </p:attrNameLst>
+                                      </p:cBhvr>
+                                      <p:tavLst>
+                                        <p:tav tm="0">
+                                          <p:val>
+                                            <p:strVal val="1+#ppt_h/2"/>
+                                          </p:val>
+                                        </p:tav>
+                                        <p:tav tm="100000">
+                                          <p:val>
+                                            <p:strVal val="#ppt_y"/>
+                                          </p:val>
+                                        </p:tav>
+                                      </p:tavLst>
+                                    </p:anim>
+                                  </p:childTnLst>
+                                </p:cTn>
+                              </p:par>
+                            </p:childTnLst>
+                          </p:cTn>
+                        </p:par>
+                      </p:childTnLst>
+                    </p:cTn>
+                  </p:par>
+                </p:childTnLst>
+              </p:cTn>
+              <p:prevCondLst>
+                <p:cond evt="onPrev" delay="0">
+                  <p:tgtEl>
+                    <p:sldTgt/>
+                  </p:tgtEl>
+                </p:cond>
+              </p:prevCondLst>
+              <p:nextCondLst>
+                <p:cond evt="onNext" delay="0">
+                  <p:tgtEl>
+                    <p:sldTgt/>
+                  </p:tgtEl>
+                </p:cond>
+              </p:nextCondLst>
+            </p:seq>
+          </p:childTnLst>
+        </p:cTn>
+      </p:par>
+    </p:tnLst>
+  </p:timing>
 </p:sld>
 </file>
 
@@ -28561,8 +29861,8 @@
         </p:nvSpPr>
         <p:spPr>
           <a:xfrm>
-            <a:off x="522000" y="908720"/>
-            <a:ext cx="8100000" cy="2016224"/>
+            <a:off x="0" y="620688"/>
+            <a:ext cx="9144000" cy="2196717"/>
           </a:xfrm>
         </p:spPr>
         <p:txBody>
@@ -28571,7 +29871,13 @@
           <a:p>
             <a:r>
               <a:rPr lang="en-GB" dirty="0"/>
-              <a:t>There are 3 measures of Heterogeneity</a:t>
+              <a:t>There are several measurements to estimate Heterogeneity </a:t>
+            </a:r>
+          </a:p>
+          <a:p>
+            <a:r>
+              <a:rPr lang="en-GB" dirty="0"/>
+              <a:t>Most based on the variance of the estimates ( Cochran’s Q)</a:t>
             </a:r>
           </a:p>
           <a:p>
@@ -28580,7 +29886,7 @@
           <a:p>
             <a:r>
               <a:rPr lang="en-GB" dirty="0"/>
-              <a:t>Cochran’s Q : The weighted mean square distance of all effect estimates from the pooled. ( variance of the estimates) </a:t>
+              <a:t>Cochran’s Q is the weighted mean square distance of all effect estimates from the pooled. (variance of the estimates) </a:t>
             </a:r>
           </a:p>
           <a:p>
@@ -28709,7 +30015,7 @@
             <p:spPr>
               <a:xfrm>
                 <a:off x="522000" y="650032"/>
-                <a:ext cx="8100000" cy="6019328"/>
+                <a:ext cx="8100000" cy="5587280"/>
               </a:xfrm>
             </p:spPr>
             <p:txBody>
@@ -28725,21 +30031,14 @@
                 <a:pPr lvl="1"/>
                 <a:r>
                   <a:rPr lang="en-GB" dirty="0"/>
-                  <a:t>Is it more variability than expected?</a:t>
+                  <a:t>The expected variance due to randomness is equal to the degrees of freedom, meaning the number of studies -1 (df =  K-1)</a:t>
                 </a:r>
               </a:p>
               <a:p>
                 <a:pPr lvl="1"/>
                 <a:r>
                   <a:rPr lang="en-GB" dirty="0"/>
-                  <a:t>The expected variance due to randomness is equal to the degrees of freedom, meaning the number of studies -1</a:t>
-                </a:r>
-              </a:p>
-              <a:p>
-                <a:pPr lvl="1"/>
-                <a:r>
-                  <a:rPr lang="en-GB" dirty="0"/>
-                  <a:t>The excessive variability is the heterogeneity Q – (k - 1)</a:t>
+                  <a:t>One measure of heterogeneity is the excessive variability: Q – df</a:t>
                 </a:r>
               </a:p>
               <a:p>
@@ -28758,40 +30057,36 @@
                 </a:r>
                 <a:r>
                   <a:rPr lang="en-GB" dirty="0"/>
-                  <a:t> : </a:t>
+                  <a:t> :  is the proportion of excessive variability to the total </a:t>
                 </a:r>
-                <a:r>
-                  <a:rPr lang="en-US" dirty="0"/>
-                  <a:t>It describes the percentage of variation across studies that is due to heterogeneity rather than chance </a:t>
-                </a:r>
-                <a:endParaRPr lang="el-GR" dirty="0"/>
               </a:p>
               <a:p>
-                <a:pPr>
+                <a:pPr marL="0" indent="0" algn="ctr">
                   <a:lnSpc>
                     <a:spcPct val="150000"/>
                   </a:lnSpc>
+                  <a:buNone/>
                 </a:pPr>
                 <a:r>
-                  <a:rPr lang="en-US" sz="2400" i="1" dirty="0">
+                  <a:rPr lang="en-US" i="1" dirty="0">
                     <a:latin typeface="Cambria Math" panose="02040503050406030204" pitchFamily="18" charset="0"/>
                   </a:rPr>
                   <a:t>I</a:t>
                 </a:r>
                 <a:r>
-                  <a:rPr lang="el-GR" sz="2400" i="1" baseline="30000" dirty="0">
+                  <a:rPr lang="el-GR" i="1" baseline="30000" dirty="0">
                     <a:latin typeface="Cambria Math" panose="02040503050406030204" pitchFamily="18" charset="0"/>
                   </a:rPr>
                   <a:t>2</a:t>
                 </a:r>
                 <a:r>
-                  <a:rPr lang="el-GR" sz="2400" i="1" dirty="0">
+                  <a:rPr lang="el-GR" i="1" dirty="0">
                     <a:latin typeface="Cambria Math" panose="02040503050406030204" pitchFamily="18" charset="0"/>
                   </a:rPr>
                   <a:t> </a:t>
                 </a:r>
                 <a:r>
-                  <a:rPr lang="en-US" sz="2400" i="1" dirty="0">
+                  <a:rPr lang="en-US" i="1" dirty="0">
                     <a:latin typeface="Cambria Math" panose="02040503050406030204" pitchFamily="18" charset="0"/>
                   </a:rPr>
                   <a:t>= </a:t>
@@ -28801,7 +30096,7 @@
                     <m:f>
                       <m:fPr>
                         <m:ctrlPr>
-                          <a:rPr lang="en-US" sz="2400" i="1">
+                          <a:rPr lang="en-US" i="1">
                             <a:latin typeface="Cambria Math" panose="02040503050406030204" pitchFamily="18" charset="0"/>
                           </a:rPr>
                         </m:ctrlPr>
@@ -28810,14 +30105,14 @@
                         <m:sSup>
                           <m:sSupPr>
                             <m:ctrlPr>
-                              <a:rPr lang="en-US" sz="2400" i="1">
+                              <a:rPr lang="en-US" i="1">
                                 <a:latin typeface="Cambria Math" panose="02040503050406030204" pitchFamily="18" charset="0"/>
                               </a:rPr>
                             </m:ctrlPr>
                           </m:sSupPr>
                           <m:e>
                             <m:r>
-                              <a:rPr lang="el-GR" sz="2400" i="1">
+                              <a:rPr lang="el-GR" i="1">
                                 <a:latin typeface="Cambria Math" panose="02040503050406030204" pitchFamily="18" charset="0"/>
                               </a:rPr>
                               <m:t>𝜏</m:t>
@@ -28825,7 +30120,7 @@
                           </m:e>
                           <m:sup>
                             <m:r>
-                              <a:rPr lang="el-GR" sz="2400" i="1">
+                              <a:rPr lang="el-GR" i="1">
                                 <a:latin typeface="Cambria Math" panose="02040503050406030204" pitchFamily="18" charset="0"/>
                               </a:rPr>
                               <m:t>2</m:t>
@@ -28837,14 +30132,14 @@
                         <m:sSup>
                           <m:sSupPr>
                             <m:ctrlPr>
-                              <a:rPr lang="en-US" sz="2400" i="1">
+                              <a:rPr lang="en-US" i="1">
                                 <a:latin typeface="Cambria Math" panose="02040503050406030204" pitchFamily="18" charset="0"/>
                               </a:rPr>
                             </m:ctrlPr>
                           </m:sSupPr>
                           <m:e>
                             <m:r>
-                              <a:rPr lang="el-GR" sz="2400" i="1">
+                              <a:rPr lang="el-GR" i="1">
                                 <a:latin typeface="Cambria Math" panose="02040503050406030204" pitchFamily="18" charset="0"/>
                               </a:rPr>
                               <m:t>𝜏</m:t>
@@ -28852,7 +30147,7 @@
                           </m:e>
                           <m:sup>
                             <m:r>
-                              <a:rPr lang="el-GR" sz="2400" i="1">
+                              <a:rPr lang="el-GR" i="1">
                                 <a:latin typeface="Cambria Math" panose="02040503050406030204" pitchFamily="18" charset="0"/>
                               </a:rPr>
                               <m:t>2</m:t>
@@ -28860,7 +30155,7 @@
                           </m:sup>
                         </m:sSup>
                         <m:r>
-                          <a:rPr lang="el-GR" sz="2400" i="1">
+                          <a:rPr lang="el-GR" i="1">
                             <a:latin typeface="Cambria Math" panose="02040503050406030204" pitchFamily="18" charset="0"/>
                           </a:rPr>
                           <m:t>+ </m:t>
@@ -28868,14 +30163,14 @@
                         <m:sSup>
                           <m:sSupPr>
                             <m:ctrlPr>
-                              <a:rPr lang="el-GR" sz="2400" i="1">
+                              <a:rPr lang="el-GR" i="1">
                                 <a:latin typeface="Cambria Math" panose="02040503050406030204" pitchFamily="18" charset="0"/>
                               </a:rPr>
                             </m:ctrlPr>
                           </m:sSupPr>
                           <m:e>
                             <m:r>
-                              <a:rPr lang="el-GR" sz="2400" i="1">
+                              <a:rPr lang="el-GR" i="1">
                                 <a:latin typeface="Cambria Math" panose="02040503050406030204" pitchFamily="18" charset="0"/>
                               </a:rPr>
                               <m:t>𝜎</m:t>
@@ -28883,7 +30178,7 @@
                           </m:e>
                           <m:sup>
                             <m:r>
-                              <a:rPr lang="el-GR" sz="2400" i="1">
+                              <a:rPr lang="el-GR" i="1">
                                 <a:latin typeface="Cambria Math" panose="02040503050406030204" pitchFamily="18" charset="0"/>
                               </a:rPr>
                               <m:t>2</m:t>
@@ -28895,7 +30190,7 @@
                   </m:oMath>
                 </a14:m>
                 <a:r>
-                  <a:rPr lang="en-US" sz="2400" i="1" dirty="0">
+                  <a:rPr lang="en-US" i="1" dirty="0">
                     <a:latin typeface="Cambria Math" panose="02040503050406030204" pitchFamily="18" charset="0"/>
                   </a:rPr>
                   <a:t> = </a:t>
@@ -28905,7 +30200,7 @@
                     <m:f>
                       <m:fPr>
                         <m:ctrlPr>
-                          <a:rPr lang="en-US" sz="2400" i="1" smtClean="0">
+                          <a:rPr lang="en-US" i="1" smtClean="0">
                             <a:latin typeface="Cambria Math" panose="02040503050406030204" pitchFamily="18" charset="0"/>
                           </a:rPr>
                         </m:ctrlPr>
@@ -28915,34 +30210,34 @@
                           <m:rPr>
                             <m:nor/>
                           </m:rPr>
-                          <a:rPr lang="en-GB" sz="2400" dirty="0"/>
+                          <a:rPr lang="en-GB" dirty="0"/>
                           <m:t>Q</m:t>
                         </m:r>
                         <m:r>
                           <m:rPr>
                             <m:nor/>
                           </m:rPr>
-                          <a:rPr lang="en-GB" sz="2400" dirty="0"/>
-                          <m:t> – (</m:t>
+                          <a:rPr lang="en-GB" dirty="0"/>
+                          <m:t> – </m:t>
                         </m:r>
                         <m:r>
                           <m:rPr>
                             <m:nor/>
                           </m:rPr>
-                          <a:rPr lang="en-GB" sz="2400" dirty="0"/>
-                          <m:t>n</m:t>
+                          <a:rPr lang="en-GB" i="1" dirty="0" smtClean="0"/>
+                          <m:t>d</m:t>
                         </m:r>
                         <m:r>
                           <m:rPr>
                             <m:nor/>
                           </m:rPr>
-                          <a:rPr lang="en-GB" sz="2400" dirty="0"/>
-                          <m:t>−1) </m:t>
+                          <a:rPr lang="en-GB" b="0" i="1" dirty="0" smtClean="0"/>
+                          <m:t>f</m:t>
                         </m:r>
                       </m:num>
                       <m:den>
                         <m:r>
-                          <a:rPr lang="en-GB" sz="2400" b="0" i="1" smtClean="0">
+                          <a:rPr lang="en-GB" b="0" i="1" smtClean="0">
                             <a:latin typeface="Cambria Math" panose="02040503050406030204" pitchFamily="18" charset="0"/>
                           </a:rPr>
                           <m:t>𝑄</m:t>
@@ -28969,7 +30264,376 @@
                 </a:r>
                 <a:r>
                   <a:rPr lang="en-US" dirty="0"/>
-                  <a:t>: The variation among the effects observed in different studies</a:t>
+                  <a:t>:  is the variation among the effects observed in different studies</a:t>
+                </a:r>
+              </a:p>
+              <a:p>
+                <a:pPr marL="0" indent="0" algn="ctr">
+                  <a:lnSpc>
+                    <a:spcPct val="150000"/>
+                  </a:lnSpc>
+                  <a:buNone/>
+                </a:pPr>
+                <a14:m>
+                  <m:oMath xmlns:m="http://schemas.openxmlformats.org/officeDocument/2006/math">
+                    <m:sSub>
+                      <m:sSubPr>
+                        <m:ctrlPr>
+                          <a:rPr lang="en-US" sz="1800" i="1" smtClean="0">
+                            <a:latin typeface="Cambria Math" panose="02040503050406030204" pitchFamily="18" charset="0"/>
+                          </a:rPr>
+                        </m:ctrlPr>
+                      </m:sSubPr>
+                      <m:e>
+                        <m:sSup>
+                          <m:sSupPr>
+                            <m:ctrlPr>
+                              <a:rPr lang="en-US" sz="1800" i="1" smtClean="0">
+                                <a:latin typeface="Cambria Math" panose="02040503050406030204" pitchFamily="18" charset="0"/>
+                              </a:rPr>
+                            </m:ctrlPr>
+                          </m:sSupPr>
+                          <m:e>
+                            <m:r>
+                              <a:rPr lang="el-GR" sz="1800" b="0" i="1" smtClean="0">
+                                <a:latin typeface="Cambria Math" panose="02040503050406030204" pitchFamily="18" charset="0"/>
+                              </a:rPr>
+                              <m:t>𝜏</m:t>
+                            </m:r>
+                          </m:e>
+                          <m:sup>
+                            <m:r>
+                              <a:rPr lang="el-GR" sz="1800" b="0" i="1" smtClean="0">
+                                <a:latin typeface="Cambria Math" panose="02040503050406030204" pitchFamily="18" charset="0"/>
+                              </a:rPr>
+                              <m:t>2</m:t>
+                            </m:r>
+                          </m:sup>
+                        </m:sSup>
+                      </m:e>
+                      <m:sub>
+                        <m:r>
+                          <a:rPr lang="en-GB" sz="1800" i="1">
+                            <a:latin typeface="Cambria Math" panose="02040503050406030204" pitchFamily="18" charset="0"/>
+                          </a:rPr>
+                          <m:t>𝐷</m:t>
+                        </m:r>
+                        <m:r>
+                          <a:rPr lang="en-GB" sz="1800" i="1">
+                            <a:latin typeface="Cambria Math" panose="02040503050406030204" pitchFamily="18" charset="0"/>
+                          </a:rPr>
+                          <m:t>𝑒𝑟𝑆𝑖𝑚𝑜𝑛𝑖𝑎𝑛</m:t>
+                        </m:r>
+                        <m:r>
+                          <a:rPr lang="en-GB" sz="1800" i="1">
+                            <a:latin typeface="Cambria Math" panose="02040503050406030204" pitchFamily="18" charset="0"/>
+                          </a:rPr>
+                          <m:t>-</m:t>
+                        </m:r>
+                        <m:r>
+                          <a:rPr lang="en-GB" sz="1800" i="1">
+                            <a:latin typeface="Cambria Math" panose="02040503050406030204" pitchFamily="18" charset="0"/>
+                          </a:rPr>
+                          <m:t>𝐿𝑎𝑖𝑟𝑑</m:t>
+                        </m:r>
+                      </m:sub>
+                    </m:sSub>
+                  </m:oMath>
+                </a14:m>
+                <a:r>
+                  <a:rPr lang="en-US" sz="1800" dirty="0"/>
+                  <a:t>=</a:t>
+                </a:r>
+                <a:r>
+                  <a:rPr lang="el-GR" sz="1800" dirty="0"/>
+                  <a:t> </a:t>
+                </a:r>
+                <a:r>
+                  <a:rPr lang="en-GB" sz="1800" dirty="0"/>
+                  <a:t>max</a:t>
+                </a:r>
+                <a:r>
+                  <a:rPr lang="en-GB" sz="4400" dirty="0"/>
+                  <a:t>{</a:t>
+                </a:r>
+                <a:r>
+                  <a:rPr lang="en-GB" sz="1600" dirty="0"/>
+                  <a:t>0 , </a:t>
+                </a:r>
+                <a14:m>
+                  <m:oMath xmlns:m="http://schemas.openxmlformats.org/officeDocument/2006/math">
+                    <m:f>
+                      <m:fPr>
+                        <m:ctrlPr>
+                          <a:rPr lang="en-GB" i="1" smtClean="0">
+                            <a:latin typeface="Cambria Math" panose="02040503050406030204" pitchFamily="18" charset="0"/>
+                          </a:rPr>
+                        </m:ctrlPr>
+                      </m:fPr>
+                      <m:num>
+                        <m:r>
+                          <a:rPr lang="en-GB" b="0" i="1" smtClean="0">
+                            <a:latin typeface="Cambria Math" panose="02040503050406030204" pitchFamily="18" charset="0"/>
+                          </a:rPr>
+                          <m:t>𝑄</m:t>
+                        </m:r>
+                        <m:r>
+                          <a:rPr lang="en-GB" b="0" i="1" smtClean="0">
+                            <a:latin typeface="Cambria Math" panose="02040503050406030204" pitchFamily="18" charset="0"/>
+                          </a:rPr>
+                          <m:t> −(</m:t>
+                        </m:r>
+                        <m:r>
+                          <a:rPr lang="en-GB" b="0" i="1" smtClean="0">
+                            <a:latin typeface="Cambria Math" panose="02040503050406030204" pitchFamily="18" charset="0"/>
+                          </a:rPr>
+                          <m:t>𝐾</m:t>
+                        </m:r>
+                        <m:r>
+                          <a:rPr lang="en-GB" b="0" i="1" smtClean="0">
+                            <a:latin typeface="Cambria Math" panose="02040503050406030204" pitchFamily="18" charset="0"/>
+                          </a:rPr>
+                          <m:t>−1)</m:t>
+                        </m:r>
+                      </m:num>
+                      <m:den>
+                        <m:nary>
+                          <m:naryPr>
+                            <m:chr m:val="∑"/>
+                            <m:ctrlPr>
+                              <a:rPr lang="en-GB" i="1" smtClean="0">
+                                <a:latin typeface="Cambria Math" panose="02040503050406030204" pitchFamily="18" charset="0"/>
+                              </a:rPr>
+                            </m:ctrlPr>
+                          </m:naryPr>
+                          <m:sub>
+                            <m:r>
+                              <m:rPr>
+                                <m:brk m:alnAt="23"/>
+                              </m:rPr>
+                              <a:rPr lang="en-GB" b="0" i="1" smtClean="0">
+                                <a:latin typeface="Cambria Math" panose="02040503050406030204" pitchFamily="18" charset="0"/>
+                              </a:rPr>
+                              <m:t>𝑘</m:t>
+                            </m:r>
+                            <m:r>
+                              <a:rPr lang="en-GB" b="0" i="1" smtClean="0">
+                                <a:latin typeface="Cambria Math" panose="02040503050406030204" pitchFamily="18" charset="0"/>
+                              </a:rPr>
+                              <m:t>=1</m:t>
+                            </m:r>
+                          </m:sub>
+                          <m:sup>
+                            <m:r>
+                              <a:rPr lang="en-GB" b="0" i="1" smtClean="0">
+                                <a:latin typeface="Cambria Math" panose="02040503050406030204" pitchFamily="18" charset="0"/>
+                              </a:rPr>
+                              <m:t>𝐾</m:t>
+                            </m:r>
+                          </m:sup>
+                          <m:e>
+                            <m:sSub>
+                              <m:sSubPr>
+                                <m:ctrlPr>
+                                  <a:rPr lang="en-GB" i="1" smtClean="0">
+                                    <a:latin typeface="Cambria Math" panose="02040503050406030204" pitchFamily="18" charset="0"/>
+                                  </a:rPr>
+                                </m:ctrlPr>
+                              </m:sSubPr>
+                              <m:e>
+                                <m:r>
+                                  <a:rPr lang="en-GB" b="0" i="1" smtClean="0">
+                                    <a:latin typeface="Cambria Math" panose="02040503050406030204" pitchFamily="18" charset="0"/>
+                                  </a:rPr>
+                                  <m:t>𝑤</m:t>
+                                </m:r>
+                              </m:e>
+                              <m:sub>
+                                <m:r>
+                                  <a:rPr lang="en-GB" b="0" i="1" smtClean="0">
+                                    <a:latin typeface="Cambria Math" panose="02040503050406030204" pitchFamily="18" charset="0"/>
+                                  </a:rPr>
+                                  <m:t>𝑘</m:t>
+                                </m:r>
+                              </m:sub>
+                            </m:sSub>
+                          </m:e>
+                        </m:nary>
+                        <m:r>
+                          <a:rPr lang="en-GB" b="0" i="1" smtClean="0">
+                            <a:latin typeface="Cambria Math" panose="02040503050406030204" pitchFamily="18" charset="0"/>
+                          </a:rPr>
+                          <m:t>− </m:t>
+                        </m:r>
+                        <m:f>
+                          <m:fPr>
+                            <m:ctrlPr>
+                              <a:rPr lang="en-GB" b="0" i="1" smtClean="0">
+                                <a:latin typeface="Cambria Math" panose="02040503050406030204" pitchFamily="18" charset="0"/>
+                              </a:rPr>
+                            </m:ctrlPr>
+                          </m:fPr>
+                          <m:num>
+                            <m:nary>
+                              <m:naryPr>
+                                <m:chr m:val="∑"/>
+                                <m:ctrlPr>
+                                  <a:rPr lang="en-GB" b="0" i="1" smtClean="0">
+                                    <a:latin typeface="Cambria Math" panose="02040503050406030204" pitchFamily="18" charset="0"/>
+                                  </a:rPr>
+                                </m:ctrlPr>
+                              </m:naryPr>
+                              <m:sub>
+                                <m:r>
+                                  <m:rPr>
+                                    <m:brk m:alnAt="23"/>
+                                  </m:rPr>
+                                  <a:rPr lang="en-GB" b="0" i="1" smtClean="0">
+                                    <a:latin typeface="Cambria Math" panose="02040503050406030204" pitchFamily="18" charset="0"/>
+                                  </a:rPr>
+                                  <m:t>𝑘</m:t>
+                                </m:r>
+                                <m:r>
+                                  <a:rPr lang="en-GB" b="0" i="1" smtClean="0">
+                                    <a:latin typeface="Cambria Math" panose="02040503050406030204" pitchFamily="18" charset="0"/>
+                                  </a:rPr>
+                                  <m:t>=1</m:t>
+                                </m:r>
+                              </m:sub>
+                              <m:sup>
+                                <m:r>
+                                  <a:rPr lang="en-GB" b="0" i="1" smtClean="0">
+                                    <a:latin typeface="Cambria Math" panose="02040503050406030204" pitchFamily="18" charset="0"/>
+                                  </a:rPr>
+                                  <m:t>𝐾</m:t>
+                                </m:r>
+                              </m:sup>
+                              <m:e>
+                                <m:sSup>
+                                  <m:sSupPr>
+                                    <m:ctrlPr>
+                                      <a:rPr lang="en-GB" b="0" i="1" smtClean="0">
+                                        <a:latin typeface="Cambria Math" panose="02040503050406030204" pitchFamily="18" charset="0"/>
+                                      </a:rPr>
+                                    </m:ctrlPr>
+                                  </m:sSupPr>
+                                  <m:e>
+                                    <m:sSub>
+                                      <m:sSubPr>
+                                        <m:ctrlPr>
+                                          <a:rPr lang="en-GB" b="0" i="1" smtClean="0">
+                                            <a:latin typeface="Cambria Math" panose="02040503050406030204" pitchFamily="18" charset="0"/>
+                                          </a:rPr>
+                                        </m:ctrlPr>
+                                      </m:sSubPr>
+                                      <m:e>
+                                        <m:r>
+                                          <a:rPr lang="en-GB" b="0" i="1" smtClean="0">
+                                            <a:latin typeface="Cambria Math" panose="02040503050406030204" pitchFamily="18" charset="0"/>
+                                          </a:rPr>
+                                          <m:t>𝑤</m:t>
+                                        </m:r>
+                                      </m:e>
+                                      <m:sub>
+                                        <m:r>
+                                          <a:rPr lang="en-GB" b="0" i="1" smtClean="0">
+                                            <a:latin typeface="Cambria Math" panose="02040503050406030204" pitchFamily="18" charset="0"/>
+                                          </a:rPr>
+                                          <m:t>𝑘</m:t>
+                                        </m:r>
+                                      </m:sub>
+                                    </m:sSub>
+                                  </m:e>
+                                  <m:sup>
+                                    <m:r>
+                                      <a:rPr lang="en-GB" b="0" i="1" smtClean="0">
+                                        <a:latin typeface="Cambria Math" panose="02040503050406030204" pitchFamily="18" charset="0"/>
+                                      </a:rPr>
+                                      <m:t>2</m:t>
+                                    </m:r>
+                                  </m:sup>
+                                </m:sSup>
+                              </m:e>
+                            </m:nary>
+                          </m:num>
+                          <m:den>
+                            <m:nary>
+                              <m:naryPr>
+                                <m:chr m:val="∑"/>
+                                <m:ctrlPr>
+                                  <a:rPr lang="en-GB" b="0" i="1" smtClean="0">
+                                    <a:latin typeface="Cambria Math" panose="02040503050406030204" pitchFamily="18" charset="0"/>
+                                  </a:rPr>
+                                </m:ctrlPr>
+                              </m:naryPr>
+                              <m:sub>
+                                <m:r>
+                                  <m:rPr>
+                                    <m:brk m:alnAt="23"/>
+                                  </m:rPr>
+                                  <a:rPr lang="en-GB" b="0" i="1" smtClean="0">
+                                    <a:latin typeface="Cambria Math" panose="02040503050406030204" pitchFamily="18" charset="0"/>
+                                  </a:rPr>
+                                  <m:t>𝑘</m:t>
+                                </m:r>
+                                <m:r>
+                                  <a:rPr lang="en-GB" b="0" i="1" smtClean="0">
+                                    <a:latin typeface="Cambria Math" panose="02040503050406030204" pitchFamily="18" charset="0"/>
+                                  </a:rPr>
+                                  <m:t>=1</m:t>
+                                </m:r>
+                              </m:sub>
+                              <m:sup>
+                                <m:r>
+                                  <a:rPr lang="en-GB" b="0" i="1" smtClean="0">
+                                    <a:latin typeface="Cambria Math" panose="02040503050406030204" pitchFamily="18" charset="0"/>
+                                  </a:rPr>
+                                  <m:t>𝐾</m:t>
+                                </m:r>
+                              </m:sup>
+                              <m:e>
+                                <m:sSub>
+                                  <m:sSubPr>
+                                    <m:ctrlPr>
+                                      <a:rPr lang="en-GB" b="0" i="1" smtClean="0">
+                                        <a:latin typeface="Cambria Math" panose="02040503050406030204" pitchFamily="18" charset="0"/>
+                                      </a:rPr>
+                                    </m:ctrlPr>
+                                  </m:sSubPr>
+                                  <m:e>
+                                    <m:r>
+                                      <a:rPr lang="en-GB" b="0" i="1" smtClean="0">
+                                        <a:latin typeface="Cambria Math" panose="02040503050406030204" pitchFamily="18" charset="0"/>
+                                      </a:rPr>
+                                      <m:t>𝑤</m:t>
+                                    </m:r>
+                                  </m:e>
+                                  <m:sub>
+                                    <m:r>
+                                      <a:rPr lang="en-GB" b="0" i="1" smtClean="0">
+                                        <a:latin typeface="Cambria Math" panose="02040503050406030204" pitchFamily="18" charset="0"/>
+                                      </a:rPr>
+                                      <m:t>𝑘</m:t>
+                                    </m:r>
+                                  </m:sub>
+                                </m:sSub>
+                              </m:e>
+                            </m:nary>
+                          </m:den>
+                        </m:f>
+                        <m:r>
+                          <a:rPr lang="en-GB" b="0" i="1" smtClean="0">
+                            <a:latin typeface="Cambria Math" panose="02040503050406030204" pitchFamily="18" charset="0"/>
+                          </a:rPr>
+                          <m:t> </m:t>
+                        </m:r>
+                      </m:den>
+                    </m:f>
+                  </m:oMath>
+                </a14:m>
+                <a:r>
+                  <a:rPr lang="en-GB" sz="4400" dirty="0"/>
+                  <a:t>}</a:t>
                 </a:r>
               </a:p>
               <a:p>
@@ -28993,7 +30657,7 @@
                 </a:r>
                 <a:r>
                   <a:rPr lang="en-US" dirty="0"/>
-                  <a:t> =</a:t>
+                  <a:t> </a:t>
                 </a:r>
                 <a:r>
                   <a:rPr lang="el-GR" dirty="0"/>
@@ -29001,291 +30665,126 @@
                 </a:r>
                 <a:r>
                   <a:rPr lang="en-GB" dirty="0"/>
-                  <a:t>max</a:t>
+                  <a:t>has several methods to be estimated  </a:t>
+                </a:r>
+              </a:p>
+              <a:p>
+                <a:pPr>
+                  <a:lnSpc>
+                    <a:spcPct val="150000"/>
+                  </a:lnSpc>
+                </a:pPr>
+                <a:r>
+                  <a:rPr lang="en-GB" i="1" dirty="0">
+                    <a:latin typeface="Cambria Math" panose="02040503050406030204" pitchFamily="18" charset="0"/>
+                  </a:rPr>
+                  <a:t>H</a:t>
                 </a:r>
                 <a:r>
-                  <a:rPr lang="en-GB" sz="4800" dirty="0"/>
-                  <a:t>{</a:t>
+                  <a:rPr lang="el-GR" i="1" baseline="30000" dirty="0">
+                    <a:latin typeface="Cambria Math" panose="02040503050406030204" pitchFamily="18" charset="0"/>
+                  </a:rPr>
+                  <a:t>2</a:t>
                 </a:r>
                 <a:r>
-                  <a:rPr lang="en-GB" dirty="0"/>
-                  <a:t>0 , </a:t>
+                  <a:rPr lang="en-GB" i="1" dirty="0">
+                    <a:latin typeface="Cambria Math" panose="02040503050406030204" pitchFamily="18" charset="0"/>
+                  </a:rPr>
+                  <a:t> = </a:t>
                 </a:r>
                 <a14:m>
                   <m:oMath xmlns:m="http://schemas.openxmlformats.org/officeDocument/2006/math">
                     <m:f>
                       <m:fPr>
                         <m:ctrlPr>
-                          <a:rPr lang="en-GB" sz="2800" i="1" smtClean="0">
+                          <a:rPr lang="en-GB" i="1">
                             <a:latin typeface="Cambria Math" panose="02040503050406030204" pitchFamily="18" charset="0"/>
                           </a:rPr>
                         </m:ctrlPr>
                       </m:fPr>
                       <m:num>
                         <m:r>
-                          <a:rPr lang="en-GB" sz="2800" b="0" i="1" smtClean="0">
+                          <a:rPr lang="en-GB" i="1">
                             <a:latin typeface="Cambria Math" panose="02040503050406030204" pitchFamily="18" charset="0"/>
                           </a:rPr>
                           <m:t>𝑄</m:t>
                         </m:r>
+                      </m:num>
+                      <m:den>
                         <m:r>
-                          <a:rPr lang="en-GB" sz="2800" b="0" i="1" smtClean="0">
-                            <a:latin typeface="Cambria Math" panose="02040503050406030204" pitchFamily="18" charset="0"/>
-                          </a:rPr>
-                          <m:t> −(</m:t>
-                        </m:r>
-                        <m:r>
-                          <a:rPr lang="en-GB" sz="2800" b="0" i="1" smtClean="0">
+                          <a:rPr lang="en-GB" i="1">
                             <a:latin typeface="Cambria Math" panose="02040503050406030204" pitchFamily="18" charset="0"/>
                           </a:rPr>
                           <m:t>𝐾</m:t>
                         </m:r>
                         <m:r>
-                          <a:rPr lang="en-GB" sz="2800" b="0" i="1" smtClean="0">
+                          <a:rPr lang="en-GB" i="1">
                             <a:latin typeface="Cambria Math" panose="02040503050406030204" pitchFamily="18" charset="0"/>
                           </a:rPr>
-                          <m:t>−1)</m:t>
-                        </m:r>
-                      </m:num>
-                      <m:den>
-                        <m:nary>
-                          <m:naryPr>
-                            <m:chr m:val="∑"/>
-                            <m:ctrlPr>
-                              <a:rPr lang="en-GB" sz="2800" i="1" smtClean="0">
-                                <a:latin typeface="Cambria Math" panose="02040503050406030204" pitchFamily="18" charset="0"/>
-                              </a:rPr>
-                            </m:ctrlPr>
-                          </m:naryPr>
-                          <m:sub>
-                            <m:r>
-                              <m:rPr>
-                                <m:brk m:alnAt="23"/>
-                              </m:rPr>
-                              <a:rPr lang="en-GB" sz="2800" b="0" i="1" smtClean="0">
-                                <a:latin typeface="Cambria Math" panose="02040503050406030204" pitchFamily="18" charset="0"/>
-                              </a:rPr>
-                              <m:t>𝑘</m:t>
-                            </m:r>
-                            <m:r>
-                              <a:rPr lang="en-GB" sz="2800" b="0" i="1" smtClean="0">
-                                <a:latin typeface="Cambria Math" panose="02040503050406030204" pitchFamily="18" charset="0"/>
-                              </a:rPr>
-                              <m:t>=1</m:t>
-                            </m:r>
-                          </m:sub>
-                          <m:sup>
-                            <m:r>
-                              <a:rPr lang="en-GB" sz="2800" b="0" i="1" smtClean="0">
-                                <a:latin typeface="Cambria Math" panose="02040503050406030204" pitchFamily="18" charset="0"/>
-                              </a:rPr>
-                              <m:t>𝐾</m:t>
-                            </m:r>
-                          </m:sup>
-                          <m:e>
-                            <m:sSub>
-                              <m:sSubPr>
-                                <m:ctrlPr>
-                                  <a:rPr lang="en-GB" sz="2800" i="1" smtClean="0">
-                                    <a:latin typeface="Cambria Math" panose="02040503050406030204" pitchFamily="18" charset="0"/>
-                                  </a:rPr>
-                                </m:ctrlPr>
-                              </m:sSubPr>
-                              <m:e>
-                                <m:r>
-                                  <a:rPr lang="en-GB" sz="2800" b="0" i="1" smtClean="0">
-                                    <a:latin typeface="Cambria Math" panose="02040503050406030204" pitchFamily="18" charset="0"/>
-                                  </a:rPr>
-                                  <m:t>𝑤</m:t>
-                                </m:r>
-                              </m:e>
-                              <m:sub>
-                                <m:r>
-                                  <a:rPr lang="en-GB" sz="2800" b="0" i="1" smtClean="0">
-                                    <a:latin typeface="Cambria Math" panose="02040503050406030204" pitchFamily="18" charset="0"/>
-                                  </a:rPr>
-                                  <m:t>𝑘</m:t>
-                                </m:r>
-                              </m:sub>
-                            </m:sSub>
-                          </m:e>
-                        </m:nary>
-                        <m:r>
-                          <a:rPr lang="en-GB" sz="2800" b="0" i="1" smtClean="0">
-                            <a:latin typeface="Cambria Math" panose="02040503050406030204" pitchFamily="18" charset="0"/>
-                          </a:rPr>
-                          <m:t>− </m:t>
-                        </m:r>
-                        <m:f>
-                          <m:fPr>
-                            <m:ctrlPr>
-                              <a:rPr lang="en-GB" sz="2800" b="0" i="1" smtClean="0">
-                                <a:latin typeface="Cambria Math" panose="02040503050406030204" pitchFamily="18" charset="0"/>
-                              </a:rPr>
-                            </m:ctrlPr>
-                          </m:fPr>
-                          <m:num>
-                            <m:nary>
-                              <m:naryPr>
-                                <m:chr m:val="∑"/>
-                                <m:ctrlPr>
-                                  <a:rPr lang="en-GB" sz="2800" b="0" i="1" smtClean="0">
-                                    <a:latin typeface="Cambria Math" panose="02040503050406030204" pitchFamily="18" charset="0"/>
-                                  </a:rPr>
-                                </m:ctrlPr>
-                              </m:naryPr>
-                              <m:sub>
-                                <m:r>
-                                  <m:rPr>
-                                    <m:brk m:alnAt="23"/>
-                                  </m:rPr>
-                                  <a:rPr lang="en-GB" sz="2800" b="0" i="1" smtClean="0">
-                                    <a:latin typeface="Cambria Math" panose="02040503050406030204" pitchFamily="18" charset="0"/>
-                                  </a:rPr>
-                                  <m:t>𝑘</m:t>
-                                </m:r>
-                                <m:r>
-                                  <a:rPr lang="en-GB" sz="2800" b="0" i="1" smtClean="0">
-                                    <a:latin typeface="Cambria Math" panose="02040503050406030204" pitchFamily="18" charset="0"/>
-                                  </a:rPr>
-                                  <m:t>=1</m:t>
-                                </m:r>
-                              </m:sub>
-                              <m:sup>
-                                <m:r>
-                                  <a:rPr lang="en-GB" sz="2800" b="0" i="1" smtClean="0">
-                                    <a:latin typeface="Cambria Math" panose="02040503050406030204" pitchFamily="18" charset="0"/>
-                                  </a:rPr>
-                                  <m:t>𝐾</m:t>
-                                </m:r>
-                              </m:sup>
-                              <m:e>
-                                <m:sSup>
-                                  <m:sSupPr>
-                                    <m:ctrlPr>
-                                      <a:rPr lang="en-GB" sz="2800" b="0" i="1" smtClean="0">
-                                        <a:latin typeface="Cambria Math" panose="02040503050406030204" pitchFamily="18" charset="0"/>
-                                      </a:rPr>
-                                    </m:ctrlPr>
-                                  </m:sSupPr>
-                                  <m:e>
-                                    <m:sSub>
-                                      <m:sSubPr>
-                                        <m:ctrlPr>
-                                          <a:rPr lang="en-GB" sz="2800" b="0" i="1" smtClean="0">
-                                            <a:latin typeface="Cambria Math" panose="02040503050406030204" pitchFamily="18" charset="0"/>
-                                          </a:rPr>
-                                        </m:ctrlPr>
-                                      </m:sSubPr>
-                                      <m:e>
-                                        <m:r>
-                                          <a:rPr lang="en-GB" sz="2800" b="0" i="1" smtClean="0">
-                                            <a:latin typeface="Cambria Math" panose="02040503050406030204" pitchFamily="18" charset="0"/>
-                                          </a:rPr>
-                                          <m:t>𝑤</m:t>
-                                        </m:r>
-                                      </m:e>
-                                      <m:sub>
-                                        <m:r>
-                                          <a:rPr lang="en-GB" sz="2800" b="0" i="1" smtClean="0">
-                                            <a:latin typeface="Cambria Math" panose="02040503050406030204" pitchFamily="18" charset="0"/>
-                                          </a:rPr>
-                                          <m:t>𝑘</m:t>
-                                        </m:r>
-                                      </m:sub>
-                                    </m:sSub>
-                                  </m:e>
-                                  <m:sup>
-                                    <m:r>
-                                      <a:rPr lang="en-GB" sz="2800" b="0" i="1" smtClean="0">
-                                        <a:latin typeface="Cambria Math" panose="02040503050406030204" pitchFamily="18" charset="0"/>
-                                      </a:rPr>
-                                      <m:t>2</m:t>
-                                    </m:r>
-                                  </m:sup>
-                                </m:sSup>
-                              </m:e>
-                            </m:nary>
-                          </m:num>
-                          <m:den>
-                            <m:nary>
-                              <m:naryPr>
-                                <m:chr m:val="∑"/>
-                                <m:ctrlPr>
-                                  <a:rPr lang="en-GB" sz="2800" b="0" i="1" smtClean="0">
-                                    <a:latin typeface="Cambria Math" panose="02040503050406030204" pitchFamily="18" charset="0"/>
-                                  </a:rPr>
-                                </m:ctrlPr>
-                              </m:naryPr>
-                              <m:sub>
-                                <m:r>
-                                  <m:rPr>
-                                    <m:brk m:alnAt="23"/>
-                                  </m:rPr>
-                                  <a:rPr lang="en-GB" sz="2800" b="0" i="1" smtClean="0">
-                                    <a:latin typeface="Cambria Math" panose="02040503050406030204" pitchFamily="18" charset="0"/>
-                                  </a:rPr>
-                                  <m:t>𝑘</m:t>
-                                </m:r>
-                                <m:r>
-                                  <a:rPr lang="en-GB" sz="2800" b="0" i="1" smtClean="0">
-                                    <a:latin typeface="Cambria Math" panose="02040503050406030204" pitchFamily="18" charset="0"/>
-                                  </a:rPr>
-                                  <m:t>=1</m:t>
-                                </m:r>
-                              </m:sub>
-                              <m:sup>
-                                <m:r>
-                                  <a:rPr lang="en-GB" sz="2800" b="0" i="1" smtClean="0">
-                                    <a:latin typeface="Cambria Math" panose="02040503050406030204" pitchFamily="18" charset="0"/>
-                                  </a:rPr>
-                                  <m:t>𝐾</m:t>
-                                </m:r>
-                              </m:sup>
-                              <m:e>
-                                <m:sSub>
-                                  <m:sSubPr>
-                                    <m:ctrlPr>
-                                      <a:rPr lang="en-GB" sz="2800" b="0" i="1" smtClean="0">
-                                        <a:latin typeface="Cambria Math" panose="02040503050406030204" pitchFamily="18" charset="0"/>
-                                      </a:rPr>
-                                    </m:ctrlPr>
-                                  </m:sSubPr>
-                                  <m:e>
-                                    <m:r>
-                                      <a:rPr lang="en-GB" sz="2800" b="0" i="1" smtClean="0">
-                                        <a:latin typeface="Cambria Math" panose="02040503050406030204" pitchFamily="18" charset="0"/>
-                                      </a:rPr>
-                                      <m:t>𝑤</m:t>
-                                    </m:r>
-                                  </m:e>
-                                  <m:sub>
-                                    <m:r>
-                                      <a:rPr lang="en-GB" sz="2800" b="0" i="1" smtClean="0">
-                                        <a:latin typeface="Cambria Math" panose="02040503050406030204" pitchFamily="18" charset="0"/>
-                                      </a:rPr>
-                                      <m:t>𝑘</m:t>
-                                    </m:r>
-                                  </m:sub>
-                                </m:sSub>
-                              </m:e>
-                            </m:nary>
-                          </m:den>
-                        </m:f>
-                        <m:r>
-                          <a:rPr lang="en-GB" sz="2800" b="0" i="1" smtClean="0">
-                            <a:latin typeface="Cambria Math" panose="02040503050406030204" pitchFamily="18" charset="0"/>
-                          </a:rPr>
-                          <m:t> </m:t>
+                          <m:t>−1</m:t>
                         </m:r>
                       </m:den>
                     </m:f>
                   </m:oMath>
                 </a14:m>
                 <a:r>
-                  <a:rPr lang="en-GB" sz="4800" dirty="0"/>
-                  <a:t>}</a:t>
+                  <a:rPr lang="en-GB" i="1" dirty="0">
+                    <a:latin typeface="Cambria Math" panose="02040503050406030204" pitchFamily="18" charset="0"/>
+                  </a:rPr>
+                  <a:t> = </a:t>
                 </a:r>
+                <a14:m>
+                  <m:oMath xmlns:m="http://schemas.openxmlformats.org/officeDocument/2006/math">
+                    <m:f>
+                      <m:fPr>
+                        <m:ctrlPr>
+                          <a:rPr lang="en-GB" i="1">
+                            <a:latin typeface="Cambria Math" panose="02040503050406030204" pitchFamily="18" charset="0"/>
+                          </a:rPr>
+                        </m:ctrlPr>
+                      </m:fPr>
+                      <m:num>
+                        <m:r>
+                          <a:rPr lang="en-GB" i="1">
+                            <a:latin typeface="Cambria Math" panose="02040503050406030204" pitchFamily="18" charset="0"/>
+                          </a:rPr>
+                          <m:t>𝑄</m:t>
+                        </m:r>
+                      </m:num>
+                      <m:den>
+                        <m:r>
+                          <a:rPr lang="en-GB" i="1">
+                            <a:latin typeface="Cambria Math" panose="02040503050406030204" pitchFamily="18" charset="0"/>
+                          </a:rPr>
+                          <m:t>𝑑𝑓</m:t>
+                        </m:r>
+                      </m:den>
+                    </m:f>
+                  </m:oMath>
+                </a14:m>
+                <a:r>
+                  <a:rPr lang="en-GB" i="1" dirty="0">
+                    <a:latin typeface="Cambria Math" panose="02040503050406030204" pitchFamily="18" charset="0"/>
+                  </a:rPr>
+                  <a:t> </a:t>
+                </a:r>
+                <a:r>
+                  <a:rPr lang="en-GB" dirty="0"/>
+                  <a:t>, </a:t>
+                </a:r>
+                <a:r>
+                  <a:rPr lang="en-US" dirty="0"/>
+                  <a:t>is the ratio of Q with the degrees of freedom.</a:t>
+                </a:r>
+                <a:endParaRPr lang="en-GB" dirty="0"/>
+              </a:p>
+              <a:p>
+                <a:pPr marL="0" indent="0" algn="ctr">
+                  <a:lnSpc>
+                    <a:spcPct val="150000"/>
+                  </a:lnSpc>
+                  <a:buNone/>
+                </a:pPr>
                 <a:endParaRPr lang="en-GB" dirty="0"/>
               </a:p>
             </p:txBody>
@@ -29311,12 +30810,12 @@
             <p:spPr>
               <a:xfrm>
                 <a:off x="522000" y="650032"/>
-                <a:ext cx="8100000" cy="6019328"/>
+                <a:ext cx="8100000" cy="5587280"/>
               </a:xfrm>
               <a:blipFill>
                 <a:blip r:embed="rId2"/>
                 <a:stretch>
-                  <a:fillRect l="-2184" t="-1317"/>
+                  <a:fillRect l="-1807" t="-1419"/>
                 </a:stretch>
               </a:blipFill>
             </p:spPr>
